--- a/doc/SD_EP01_Redis_Adv_Application.pptx
+++ b/doc/SD_EP01_Redis_Adv_Application.pptx
@@ -8419,7 +8419,7 @@
         <p:spPr>
           <a:xfrm>
             <a:off x="35496" y="908720"/>
-            <a:ext cx="9096385" cy="2308324"/>
+            <a:ext cx="9096385" cy="3970318"/>
           </a:xfrm>
           <a:prstGeom prst="rect">
             <a:avLst/>
@@ -8455,11 +8455,74 @@
               </a:rPr>
               <a:t>很多业务场景，在初期用一些简单的技术实现完全没有问题，但随着业务发展，系统的用户量、数据量涨上来之后，现有系统的问题就会层出不穷地暴露出来。</a:t>
             </a:r>
-            <a:endParaRPr lang="en-US" sz="1600" dirty="0">
+            <a:endParaRPr lang="en-US" altLang="zh-CN" sz="3600" dirty="0">
               <a:solidFill>
                 <a:schemeClr val="bg1"/>
               </a:solidFill>
-              <a:latin typeface="Arial" charset="0"/>
+              <a:latin typeface="微软雅黑" pitchFamily="34" charset="-122"/>
+              <a:ea typeface="微软雅黑" pitchFamily="34" charset="-122"/>
+            </a:endParaRPr>
+          </a:p>
+          <a:p>
+            <a:pPr>
+              <a:defRPr/>
+            </a:pPr>
+            <a:r>
+              <a:rPr lang="en-US" altLang="zh-CN" sz="3600">
+                <a:solidFill>
+                  <a:schemeClr val="bg1"/>
+                </a:solidFill>
+                <a:latin typeface="微软雅黑" pitchFamily="34" charset="-122"/>
+                <a:ea typeface="微软雅黑" pitchFamily="34" charset="-122"/>
+              </a:rPr>
+              <a:t>	</a:t>
+            </a:r>
+            <a:r>
+              <a:rPr lang="zh-CN" altLang="en-US" sz="3600">
+                <a:solidFill>
+                  <a:schemeClr val="bg1"/>
+                </a:solidFill>
+                <a:latin typeface="微软雅黑" pitchFamily="34" charset="-122"/>
+                <a:ea typeface="微软雅黑" pitchFamily="34" charset="-122"/>
+              </a:rPr>
+              <a:t>机</a:t>
+            </a:r>
+            <a:r>
+              <a:rPr lang="zh-CN" altLang="en-US" sz="3600" dirty="0">
+                <a:solidFill>
+                  <a:schemeClr val="bg1"/>
+                </a:solidFill>
+                <a:latin typeface="微软雅黑" pitchFamily="34" charset="-122"/>
+                <a:ea typeface="微软雅黑" pitchFamily="34" charset="-122"/>
+              </a:rPr>
+              <a:t>会总是留给那些有准备的孩子们，如果突然有一天流量涨上来了，</a:t>
+            </a:r>
+            <a:r>
+              <a:rPr lang="en-US" altLang="zh-CN" sz="3600" dirty="0">
+                <a:solidFill>
+                  <a:schemeClr val="bg1"/>
+                </a:solidFill>
+                <a:latin typeface="微软雅黑" pitchFamily="34" charset="-122"/>
+                <a:ea typeface="微软雅黑" pitchFamily="34" charset="-122"/>
+              </a:rPr>
+              <a:t>Redis </a:t>
+            </a:r>
+            <a:r>
+              <a:rPr lang="zh-CN" altLang="en-US" sz="3600" dirty="0">
+                <a:solidFill>
+                  <a:schemeClr val="bg1"/>
+                </a:solidFill>
+                <a:latin typeface="微软雅黑" pitchFamily="34" charset="-122"/>
+                <a:ea typeface="微软雅黑" pitchFamily="34" charset="-122"/>
+              </a:rPr>
+              <a:t>的这些稀有的高级功能势必能立即派上用场。</a:t>
+            </a:r>
+            <a:endParaRPr lang="en-US" sz="3600" dirty="0">
+              <a:solidFill>
+                <a:schemeClr val="bg1"/>
+              </a:solidFill>
+              <a:latin typeface="微软雅黑" pitchFamily="34" charset="-122"/>
+              <a:ea typeface="微软雅黑" pitchFamily="34" charset="-122"/>
             </a:endParaRPr>
           </a:p>
         </p:txBody>

--- a/doc/SD_EP01_Redis_Adv_Application.pptx
+++ b/doc/SD_EP01_Redis_Adv_Application.pptx
@@ -8751,7 +8751,7 @@
         <p:spPr>
           <a:xfrm>
             <a:off x="35496" y="908720"/>
-            <a:ext cx="9096385" cy="1200329"/>
+            <a:ext cx="9096385" cy="2862322"/>
           </a:xfrm>
           <a:prstGeom prst="rect">
             <a:avLst/>
@@ -8819,17 +8819,7 @@
                 <a:latin typeface="微软雅黑" pitchFamily="34" charset="-122"/>
                 <a:ea typeface="微软雅黑" pitchFamily="34" charset="-122"/>
               </a:rPr>
-              <a:t>示例</a:t>
-            </a:r>
-            <a:r>
-              <a:rPr lang="zh-CN" altLang="en-US" sz="3600">
-                <a:solidFill>
-                  <a:schemeClr val="bg1"/>
-                </a:solidFill>
-                <a:latin typeface="微软雅黑" pitchFamily="34" charset="-122"/>
-                <a:ea typeface="微软雅黑" pitchFamily="34" charset="-122"/>
-              </a:rPr>
-              <a:t>代码</a:t>
+              <a:t>示例代码</a:t>
             </a:r>
             <a:endParaRPr lang="en-US" altLang="zh-CN" sz="3600" dirty="0">
               <a:solidFill>
@@ -8839,8 +8829,79 @@
               <a:ea typeface="微软雅黑" pitchFamily="34" charset="-122"/>
             </a:endParaRPr>
           </a:p>
-        </p:txBody>
-      </p:sp>
+          <a:p>
+            <a:pPr>
+              <a:defRPr/>
+            </a:pPr>
+            <a:r>
+              <a:rPr lang="en-US" altLang="zh-CN" sz="3600" dirty="0">
+                <a:solidFill>
+                  <a:schemeClr val="bg1"/>
+                </a:solidFill>
+                <a:latin typeface="微软雅黑" pitchFamily="34" charset="-122"/>
+                <a:ea typeface="微软雅黑" pitchFamily="34" charset="-122"/>
+                <a:hlinkClick r:id="rId2"/>
+              </a:rPr>
+              <a:t>https://github.com/yellowb/redis-application-sharing</a:t>
+            </a:r>
+            <a:endParaRPr lang="en-US" altLang="zh-CN" sz="3600" dirty="0">
+              <a:solidFill>
+                <a:schemeClr val="bg1"/>
+              </a:solidFill>
+              <a:latin typeface="微软雅黑" pitchFamily="34" charset="-122"/>
+              <a:ea typeface="微软雅黑" pitchFamily="34" charset="-122"/>
+            </a:endParaRPr>
+          </a:p>
+          <a:p>
+            <a:pPr>
+              <a:defRPr/>
+            </a:pPr>
+            <a:endParaRPr lang="en-US" altLang="zh-CN" sz="3600" dirty="0">
+              <a:solidFill>
+                <a:schemeClr val="bg1"/>
+              </a:solidFill>
+              <a:latin typeface="微软雅黑" pitchFamily="34" charset="-122"/>
+              <a:ea typeface="微软雅黑" pitchFamily="34" charset="-122"/>
+            </a:endParaRPr>
+          </a:p>
+        </p:txBody>
+      </p:sp>
+      <p:pic>
+        <p:nvPicPr>
+          <p:cNvPr id="6" name="Picture 5">
+            <a:extLst>
+              <a:ext uri="{FF2B5EF4-FFF2-40B4-BE49-F238E27FC236}">
+                <a16:creationId xmlns:a16="http://schemas.microsoft.com/office/drawing/2014/main" id="{29C9233A-FD93-41DA-8070-9FA5017C7E9E}"/>
+              </a:ext>
+            </a:extLst>
+          </p:cNvPr>
+          <p:cNvPicPr>
+            <a:picLocks noChangeAspect="1"/>
+          </p:cNvPicPr>
+          <p:nvPr/>
+        </p:nvPicPr>
+        <p:blipFill>
+          <a:blip r:embed="rId3">
+            <a:extLst>
+              <a:ext uri="{28A0092B-C50C-407E-A947-70E740481C1C}">
+                <a14:useLocalDpi xmlns:a14="http://schemas.microsoft.com/office/drawing/2010/main" val="0"/>
+              </a:ext>
+            </a:extLst>
+          </a:blip>
+          <a:stretch>
+            <a:fillRect/>
+          </a:stretch>
+        </p:blipFill>
+        <p:spPr>
+          <a:xfrm>
+            <a:off x="2562472" y="3212976"/>
+            <a:ext cx="4019056" cy="3312582"/>
+          </a:xfrm>
+          <a:prstGeom prst="rect">
+            <a:avLst/>
+          </a:prstGeom>
+        </p:spPr>
+      </p:pic>
     </p:spTree>
     <p:extLst>
       <p:ext uri="{BB962C8B-B14F-4D97-AF65-F5344CB8AC3E}">
@@ -8911,9 +8972,20 @@
                 <a:solidFill>
                   <a:schemeClr val="bg1"/>
                 </a:solidFill>
-                <a:ea typeface="微软雅黑" panose="020B0503020204020204" pitchFamily="34" charset="-122"/>
+                <a:latin typeface="微软雅黑" pitchFamily="34" charset="-122"/>
+                <a:ea typeface="微软雅黑" pitchFamily="34" charset="-122"/>
               </a:rPr>
-              <a:t>用来干嘛？</a:t>
+              <a:t>基本数据</a:t>
+            </a:r>
+            <a:r>
+              <a:rPr lang="zh-CN" altLang="en-US" sz="6600">
+                <a:solidFill>
+                  <a:schemeClr val="bg1"/>
+                </a:solidFill>
+                <a:latin typeface="微软雅黑" pitchFamily="34" charset="-122"/>
+                <a:ea typeface="微软雅黑" pitchFamily="34" charset="-122"/>
+              </a:rPr>
+              <a:t>结构</a:t>
             </a:r>
             <a:br>
               <a:rPr lang="zh-CN" altLang="en-US" sz="7200" dirty="0">

--- a/doc/SD_EP01_Redis_Adv_Application.pptx
+++ b/doc/SD_EP01_Redis_Adv_Application.pptx
@@ -12,7 +12,9 @@
     <p:sldId id="296" r:id="rId6"/>
     <p:sldId id="298" r:id="rId7"/>
     <p:sldId id="297" r:id="rId8"/>
-    <p:sldId id="294" r:id="rId9"/>
+    <p:sldId id="299" r:id="rId9"/>
+    <p:sldId id="300" r:id="rId10"/>
+    <p:sldId id="294" r:id="rId11"/>
   </p:sldIdLst>
   <p:sldSz cx="9144000" cy="6858000" type="screen4x3"/>
   <p:notesSz cx="6858000" cy="9144000"/>
@@ -7699,7 +7701,7 @@
         </p:nvSpPr>
         <p:spPr bwMode="auto">
           <a:xfrm>
-            <a:off x="107504" y="188640"/>
+            <a:off x="92391" y="0"/>
             <a:ext cx="6913562" cy="830263"/>
           </a:xfrm>
           <a:prstGeom prst="rect">
@@ -7876,8 +7878,8 @@
         </p:nvSpPr>
         <p:spPr>
           <a:xfrm>
-            <a:off x="117739" y="908720"/>
-            <a:ext cx="8569325" cy="5324535"/>
+            <a:off x="92391" y="620688"/>
+            <a:ext cx="8569325" cy="6986528"/>
           </a:xfrm>
           <a:prstGeom prst="rect">
             <a:avLst/>
@@ -8091,8 +8093,92 @@
                 <a:latin typeface="微软雅黑" pitchFamily="34" charset="-122"/>
                 <a:ea typeface="微软雅黑" pitchFamily="34" charset="-122"/>
               </a:rPr>
+              <a:t>：</a:t>
+            </a:r>
+            <a:r>
+              <a:rPr lang="en-US" altLang="zh-CN" sz="3600" dirty="0">
+                <a:solidFill>
+                  <a:schemeClr val="bg1"/>
+                </a:solidFill>
+                <a:latin typeface="微软雅黑" pitchFamily="34" charset="-122"/>
+                <a:ea typeface="微软雅黑" pitchFamily="34" charset="-122"/>
+              </a:rPr>
+              <a:t>DSH Cache</a:t>
+            </a:r>
+            <a:r>
+              <a:rPr lang="zh-CN" altLang="en-US" sz="3600" dirty="0">
+                <a:solidFill>
+                  <a:schemeClr val="bg1"/>
+                </a:solidFill>
+                <a:latin typeface="微软雅黑" pitchFamily="34" charset="-122"/>
+                <a:ea typeface="微软雅黑" pitchFamily="34" charset="-122"/>
+              </a:rPr>
+              <a:t>设计（已搁置）</a:t>
+            </a:r>
+            <a:endParaRPr lang="en-US" altLang="zh-CN" sz="3600" dirty="0">
+              <a:solidFill>
+                <a:schemeClr val="bg1"/>
+              </a:solidFill>
+              <a:latin typeface="微软雅黑" pitchFamily="34" charset="-122"/>
+              <a:ea typeface="微软雅黑" pitchFamily="34" charset="-122"/>
+            </a:endParaRPr>
+          </a:p>
+          <a:p>
+            <a:pPr marL="571500" indent="-571500">
+              <a:lnSpc>
+                <a:spcPct val="150000"/>
+              </a:lnSpc>
+              <a:buFont typeface="Wingdings" panose="05000000000000000000" pitchFamily="2" charset="2"/>
+              <a:buChar char="§"/>
+              <a:defRPr/>
+            </a:pPr>
+            <a:r>
+              <a:rPr lang="zh-CN" altLang="en-US" sz="3600" dirty="0">
+                <a:solidFill>
+                  <a:schemeClr val="bg1"/>
+                </a:solidFill>
+                <a:latin typeface="微软雅黑" pitchFamily="34" charset="-122"/>
+                <a:ea typeface="微软雅黑" pitchFamily="34" charset="-122"/>
+              </a:rPr>
+              <a:t>附录</a:t>
+            </a:r>
+            <a:r>
+              <a:rPr lang="en-US" altLang="zh-CN" sz="3600" dirty="0">
+                <a:solidFill>
+                  <a:schemeClr val="bg1"/>
+                </a:solidFill>
+                <a:latin typeface="微软雅黑" pitchFamily="34" charset="-122"/>
+                <a:ea typeface="微软雅黑" pitchFamily="34" charset="-122"/>
+              </a:rPr>
+              <a:t>3</a:t>
+            </a:r>
+            <a:r>
+              <a:rPr lang="zh-CN" altLang="en-US" sz="3600" dirty="0">
+                <a:solidFill>
+                  <a:schemeClr val="bg1"/>
+                </a:solidFill>
+                <a:latin typeface="微软雅黑" pitchFamily="34" charset="-122"/>
+                <a:ea typeface="微软雅黑" pitchFamily="34" charset="-122"/>
+              </a:rPr>
               <a:t>：各种数据库的性能量级</a:t>
             </a:r>
+            <a:endParaRPr lang="en-US" altLang="zh-CN" sz="3600" dirty="0">
+              <a:solidFill>
+                <a:schemeClr val="bg1"/>
+              </a:solidFill>
+              <a:latin typeface="微软雅黑" pitchFamily="34" charset="-122"/>
+              <a:ea typeface="微软雅黑" pitchFamily="34" charset="-122"/>
+            </a:endParaRPr>
+          </a:p>
+          <a:p>
+            <a:pPr marL="571500" indent="-571500">
+              <a:lnSpc>
+                <a:spcPct val="150000"/>
+              </a:lnSpc>
+              <a:buFont typeface="Wingdings" panose="05000000000000000000" pitchFamily="2" charset="2"/>
+              <a:buChar char="§"/>
+              <a:defRPr/>
+            </a:pPr>
             <a:endParaRPr lang="en-US" altLang="zh-CN" sz="3600" dirty="0">
               <a:solidFill>
                 <a:schemeClr val="bg1"/>
@@ -8975,17 +9061,7 @@
                 <a:latin typeface="微软雅黑" pitchFamily="34" charset="-122"/>
                 <a:ea typeface="微软雅黑" pitchFamily="34" charset="-122"/>
               </a:rPr>
-              <a:t>基本数据</a:t>
-            </a:r>
-            <a:r>
-              <a:rPr lang="zh-CN" altLang="en-US" sz="6600">
-                <a:solidFill>
-                  <a:schemeClr val="bg1"/>
-                </a:solidFill>
-                <a:latin typeface="微软雅黑" pitchFamily="34" charset="-122"/>
-                <a:ea typeface="微软雅黑" pitchFamily="34" charset="-122"/>
-              </a:rPr>
-              <a:t>结构</a:t>
+              <a:t>基本数据结构</a:t>
             </a:r>
             <a:br>
               <a:rPr lang="zh-CN" altLang="en-US" sz="7200" dirty="0">
@@ -9018,6 +9094,1023 @@
 </file>
 
 <file path=ppt/slides/slide7.xml><?xml version="1.0" encoding="utf-8"?>
+<p:sld xmlns:a="http://schemas.openxmlformats.org/drawingml/2006/main" xmlns:r="http://schemas.openxmlformats.org/officeDocument/2006/relationships" xmlns:p="http://schemas.openxmlformats.org/presentationml/2006/main">
+  <p:cSld>
+    <p:spTree>
+      <p:nvGrpSpPr>
+        <p:cNvPr id="1" name=""/>
+        <p:cNvGrpSpPr/>
+        <p:nvPr/>
+      </p:nvGrpSpPr>
+      <p:grpSpPr>
+        <a:xfrm>
+          <a:off x="0" y="0"/>
+          <a:ext cx="0" cy="0"/>
+          <a:chOff x="0" y="0"/>
+          <a:chExt cx="0" cy="0"/>
+        </a:xfrm>
+      </p:grpSpPr>
+      <p:sp>
+        <p:nvSpPr>
+          <p:cNvPr id="4098" name="TextBox 2">
+            <a:extLst>
+              <a:ext uri="{FF2B5EF4-FFF2-40B4-BE49-F238E27FC236}">
+                <a16:creationId xmlns:a16="http://schemas.microsoft.com/office/drawing/2014/main" id="{5552ED83-0001-4E47-A09B-F49C592A8E24}"/>
+              </a:ext>
+            </a:extLst>
+          </p:cNvPr>
+          <p:cNvSpPr txBox="1">
+            <a:spLocks noChangeArrowheads="1"/>
+          </p:cNvSpPr>
+          <p:nvPr/>
+        </p:nvSpPr>
+        <p:spPr bwMode="auto">
+          <a:xfrm>
+            <a:off x="12118" y="84217"/>
+            <a:ext cx="6913562" cy="830997"/>
+          </a:xfrm>
+          <a:prstGeom prst="rect">
+            <a:avLst/>
+          </a:prstGeom>
+          <a:noFill/>
+          <a:ln>
+            <a:noFill/>
+          </a:ln>
+          <a:extLst>
+            <a:ext uri="{909E8E84-426E-40DD-AFC4-6F175D3DCCD1}">
+              <a14:hiddenFill xmlns:a14="http://schemas.microsoft.com/office/drawing/2010/main">
+                <a:solidFill>
+                  <a:srgbClr val="FFFFFF"/>
+                </a:solidFill>
+              </a14:hiddenFill>
+            </a:ext>
+            <a:ext uri="{91240B29-F687-4F45-9708-019B960494DF}">
+              <a14:hiddenLine xmlns:a14="http://schemas.microsoft.com/office/drawing/2010/main" w="9525">
+                <a:solidFill>
+                  <a:srgbClr val="000000"/>
+                </a:solidFill>
+                <a:miter lim="800000"/>
+                <a:headEnd/>
+                <a:tailEnd/>
+              </a14:hiddenLine>
+            </a:ext>
+          </a:extLst>
+        </p:spPr>
+        <p:txBody>
+          <a:bodyPr>
+            <a:spAutoFit/>
+          </a:bodyPr>
+          <a:lstStyle>
+            <a:lvl1pPr eaLnBrk="0" hangingPunct="0">
+              <a:defRPr>
+                <a:solidFill>
+                  <a:schemeClr val="tx1"/>
+                </a:solidFill>
+                <a:latin typeface="Arial" panose="020B0604020202020204" pitchFamily="34" charset="0"/>
+                <a:ea typeface="宋体" panose="02010600030101010101" pitchFamily="2" charset="-122"/>
+              </a:defRPr>
+            </a:lvl1pPr>
+            <a:lvl2pPr marL="742950" indent="-285750" eaLnBrk="0" hangingPunct="0">
+              <a:defRPr>
+                <a:solidFill>
+                  <a:schemeClr val="tx1"/>
+                </a:solidFill>
+                <a:latin typeface="Arial" panose="020B0604020202020204" pitchFamily="34" charset="0"/>
+                <a:ea typeface="宋体" panose="02010600030101010101" pitchFamily="2" charset="-122"/>
+              </a:defRPr>
+            </a:lvl2pPr>
+            <a:lvl3pPr marL="1143000" indent="-228600" eaLnBrk="0" hangingPunct="0">
+              <a:defRPr>
+                <a:solidFill>
+                  <a:schemeClr val="tx1"/>
+                </a:solidFill>
+                <a:latin typeface="Arial" panose="020B0604020202020204" pitchFamily="34" charset="0"/>
+                <a:ea typeface="宋体" panose="02010600030101010101" pitchFamily="2" charset="-122"/>
+              </a:defRPr>
+            </a:lvl3pPr>
+            <a:lvl4pPr marL="1600200" indent="-228600" eaLnBrk="0" hangingPunct="0">
+              <a:defRPr>
+                <a:solidFill>
+                  <a:schemeClr val="tx1"/>
+                </a:solidFill>
+                <a:latin typeface="Arial" panose="020B0604020202020204" pitchFamily="34" charset="0"/>
+                <a:ea typeface="宋体" panose="02010600030101010101" pitchFamily="2" charset="-122"/>
+              </a:defRPr>
+            </a:lvl4pPr>
+            <a:lvl5pPr marL="2057400" indent="-228600" eaLnBrk="0" hangingPunct="0">
+              <a:defRPr>
+                <a:solidFill>
+                  <a:schemeClr val="tx1"/>
+                </a:solidFill>
+                <a:latin typeface="Arial" panose="020B0604020202020204" pitchFamily="34" charset="0"/>
+                <a:ea typeface="宋体" panose="02010600030101010101" pitchFamily="2" charset="-122"/>
+              </a:defRPr>
+            </a:lvl5pPr>
+            <a:lvl6pPr marL="2514600" indent="-228600" eaLnBrk="0" fontAlgn="base" hangingPunct="0">
+              <a:spcBef>
+                <a:spcPct val="0"/>
+              </a:spcBef>
+              <a:spcAft>
+                <a:spcPct val="0"/>
+              </a:spcAft>
+              <a:defRPr>
+                <a:solidFill>
+                  <a:schemeClr val="tx1"/>
+                </a:solidFill>
+                <a:latin typeface="Arial" panose="020B0604020202020204" pitchFamily="34" charset="0"/>
+                <a:ea typeface="宋体" panose="02010600030101010101" pitchFamily="2" charset="-122"/>
+              </a:defRPr>
+            </a:lvl6pPr>
+            <a:lvl7pPr marL="2971800" indent="-228600" eaLnBrk="0" fontAlgn="base" hangingPunct="0">
+              <a:spcBef>
+                <a:spcPct val="0"/>
+              </a:spcBef>
+              <a:spcAft>
+                <a:spcPct val="0"/>
+              </a:spcAft>
+              <a:defRPr>
+                <a:solidFill>
+                  <a:schemeClr val="tx1"/>
+                </a:solidFill>
+                <a:latin typeface="Arial" panose="020B0604020202020204" pitchFamily="34" charset="0"/>
+                <a:ea typeface="宋体" panose="02010600030101010101" pitchFamily="2" charset="-122"/>
+              </a:defRPr>
+            </a:lvl7pPr>
+            <a:lvl8pPr marL="3429000" indent="-228600" eaLnBrk="0" fontAlgn="base" hangingPunct="0">
+              <a:spcBef>
+                <a:spcPct val="0"/>
+              </a:spcBef>
+              <a:spcAft>
+                <a:spcPct val="0"/>
+              </a:spcAft>
+              <a:defRPr>
+                <a:solidFill>
+                  <a:schemeClr val="tx1"/>
+                </a:solidFill>
+                <a:latin typeface="Arial" panose="020B0604020202020204" pitchFamily="34" charset="0"/>
+                <a:ea typeface="宋体" panose="02010600030101010101" pitchFamily="2" charset="-122"/>
+              </a:defRPr>
+            </a:lvl8pPr>
+            <a:lvl9pPr marL="3886200" indent="-228600" eaLnBrk="0" fontAlgn="base" hangingPunct="0">
+              <a:spcBef>
+                <a:spcPct val="0"/>
+              </a:spcBef>
+              <a:spcAft>
+                <a:spcPct val="0"/>
+              </a:spcAft>
+              <a:defRPr>
+                <a:solidFill>
+                  <a:schemeClr val="tx1"/>
+                </a:solidFill>
+                <a:latin typeface="Arial" panose="020B0604020202020204" pitchFamily="34" charset="0"/>
+                <a:ea typeface="宋体" panose="02010600030101010101" pitchFamily="2" charset="-122"/>
+              </a:defRPr>
+            </a:lvl9pPr>
+          </a:lstStyle>
+          <a:p>
+            <a:pPr eaLnBrk="1" hangingPunct="1"/>
+            <a:r>
+              <a:rPr lang="zh-CN" altLang="en-US" sz="4800" dirty="0">
+                <a:solidFill>
+                  <a:schemeClr val="bg1"/>
+                </a:solidFill>
+                <a:latin typeface="微软雅黑" pitchFamily="34" charset="-122"/>
+                <a:ea typeface="微软雅黑" pitchFamily="34" charset="-122"/>
+              </a:rPr>
+              <a:t>基本数据结构</a:t>
+            </a:r>
+          </a:p>
+        </p:txBody>
+      </p:sp>
+      <p:sp>
+        <p:nvSpPr>
+          <p:cNvPr id="4" name="TextBox 3">
+            <a:extLst>
+              <a:ext uri="{FF2B5EF4-FFF2-40B4-BE49-F238E27FC236}">
+                <a16:creationId xmlns:a16="http://schemas.microsoft.com/office/drawing/2014/main" id="{0C007198-77E6-403E-92D4-FE0F5A5FE0B9}"/>
+              </a:ext>
+            </a:extLst>
+          </p:cNvPr>
+          <p:cNvSpPr txBox="1"/>
+          <p:nvPr/>
+        </p:nvSpPr>
+        <p:spPr>
+          <a:xfrm>
+            <a:off x="35496" y="908720"/>
+            <a:ext cx="9096385" cy="1200329"/>
+          </a:xfrm>
+          <a:prstGeom prst="rect">
+            <a:avLst/>
+          </a:prstGeom>
+          <a:noFill/>
+        </p:spPr>
+        <p:txBody>
+          <a:bodyPr wrap="square">
+            <a:spAutoFit/>
+          </a:bodyPr>
+          <a:lstStyle/>
+          <a:p>
+            <a:pPr>
+              <a:defRPr/>
+            </a:pPr>
+            <a:r>
+              <a:rPr lang="en-US" altLang="zh-CN" sz="3600" dirty="0">
+                <a:solidFill>
+                  <a:schemeClr val="bg1"/>
+                </a:solidFill>
+                <a:latin typeface="微软雅黑" pitchFamily="34" charset="-122"/>
+                <a:ea typeface="微软雅黑" pitchFamily="34" charset="-122"/>
+              </a:rPr>
+              <a:t>	Redis</a:t>
+            </a:r>
+            <a:r>
+              <a:rPr lang="zh-CN" altLang="en-US" sz="3600" dirty="0">
+                <a:solidFill>
+                  <a:schemeClr val="bg1"/>
+                </a:solidFill>
+                <a:latin typeface="微软雅黑" pitchFamily="34" charset="-122"/>
+                <a:ea typeface="微软雅黑" pitchFamily="34" charset="-122"/>
+              </a:rPr>
+              <a:t>是一个</a:t>
+            </a:r>
+            <a:r>
+              <a:rPr lang="en-US" altLang="zh-CN" sz="3600" dirty="0">
+                <a:solidFill>
+                  <a:schemeClr val="bg1"/>
+                </a:solidFill>
+                <a:latin typeface="微软雅黑" pitchFamily="34" charset="-122"/>
+                <a:ea typeface="微软雅黑" pitchFamily="34" charset="-122"/>
+              </a:rPr>
+              <a:t>In-Memory</a:t>
+            </a:r>
+            <a:r>
+              <a:rPr lang="zh-CN" altLang="en-US" sz="3600" dirty="0">
+                <a:solidFill>
+                  <a:schemeClr val="bg1"/>
+                </a:solidFill>
+                <a:latin typeface="微软雅黑" pitchFamily="34" charset="-122"/>
+                <a:ea typeface="微软雅黑" pitchFamily="34" charset="-122"/>
+              </a:rPr>
+              <a:t>的</a:t>
+            </a:r>
+            <a:r>
+              <a:rPr lang="en-US" altLang="zh-CN" sz="3600" dirty="0">
+                <a:solidFill>
+                  <a:schemeClr val="bg1"/>
+                </a:solidFill>
+                <a:latin typeface="微软雅黑" pitchFamily="34" charset="-122"/>
+                <a:ea typeface="微软雅黑" pitchFamily="34" charset="-122"/>
+              </a:rPr>
+              <a:t>Key-Value</a:t>
+            </a:r>
+            <a:r>
+              <a:rPr lang="zh-CN" altLang="en-US" sz="3600" dirty="0">
+                <a:solidFill>
+                  <a:schemeClr val="bg1"/>
+                </a:solidFill>
+                <a:latin typeface="微软雅黑" pitchFamily="34" charset="-122"/>
+                <a:ea typeface="微软雅黑" pitchFamily="34" charset="-122"/>
+              </a:rPr>
+              <a:t>数据库。</a:t>
+            </a:r>
+            <a:endParaRPr lang="en-US" sz="3600" dirty="0">
+              <a:solidFill>
+                <a:schemeClr val="bg1"/>
+              </a:solidFill>
+              <a:latin typeface="微软雅黑" pitchFamily="34" charset="-122"/>
+              <a:ea typeface="微软雅黑" pitchFamily="34" charset="-122"/>
+            </a:endParaRPr>
+          </a:p>
+        </p:txBody>
+      </p:sp>
+      <p:sp>
+        <p:nvSpPr>
+          <p:cNvPr id="2" name="TextBox 1">
+            <a:extLst>
+              <a:ext uri="{FF2B5EF4-FFF2-40B4-BE49-F238E27FC236}">
+                <a16:creationId xmlns:a16="http://schemas.microsoft.com/office/drawing/2014/main" id="{FAC3D7C7-DDD3-4618-80D1-E3C7B29ED0B2}"/>
+              </a:ext>
+            </a:extLst>
+          </p:cNvPr>
+          <p:cNvSpPr txBox="1"/>
+          <p:nvPr/>
+        </p:nvSpPr>
+        <p:spPr>
+          <a:xfrm>
+            <a:off x="2368576" y="2933807"/>
+            <a:ext cx="4430224" cy="1015663"/>
+          </a:xfrm>
+          <a:prstGeom prst="rect">
+            <a:avLst/>
+          </a:prstGeom>
+          <a:noFill/>
+        </p:spPr>
+        <p:txBody>
+          <a:bodyPr wrap="square" rtlCol="0">
+            <a:spAutoFit/>
+          </a:bodyPr>
+          <a:lstStyle/>
+          <a:p>
+            <a:r>
+              <a:rPr lang="en-US" altLang="zh-CN" sz="6000" dirty="0">
+                <a:solidFill>
+                  <a:schemeClr val="bg1"/>
+                </a:solidFill>
+                <a:latin typeface="微软雅黑" pitchFamily="34" charset="-122"/>
+                <a:ea typeface="微软雅黑" pitchFamily="34" charset="-122"/>
+              </a:rPr>
+              <a:t>Key - Value</a:t>
+            </a:r>
+            <a:endParaRPr lang="en-US" sz="6000" dirty="0"/>
+          </a:p>
+        </p:txBody>
+      </p:sp>
+      <p:sp>
+        <p:nvSpPr>
+          <p:cNvPr id="5" name="TextBox 4">
+            <a:extLst>
+              <a:ext uri="{FF2B5EF4-FFF2-40B4-BE49-F238E27FC236}">
+                <a16:creationId xmlns:a16="http://schemas.microsoft.com/office/drawing/2014/main" id="{827C161E-3E64-4F42-A648-F81DE4144515}"/>
+              </a:ext>
+            </a:extLst>
+          </p:cNvPr>
+          <p:cNvSpPr txBox="1"/>
+          <p:nvPr/>
+        </p:nvSpPr>
+        <p:spPr>
+          <a:xfrm>
+            <a:off x="1565920" y="4466000"/>
+            <a:ext cx="7668344" cy="830997"/>
+          </a:xfrm>
+          <a:prstGeom prst="rect">
+            <a:avLst/>
+          </a:prstGeom>
+          <a:noFill/>
+        </p:spPr>
+        <p:txBody>
+          <a:bodyPr wrap="square" rtlCol="0">
+            <a:spAutoFit/>
+          </a:bodyPr>
+          <a:lstStyle/>
+          <a:p>
+            <a:r>
+              <a:rPr lang="en-US" altLang="zh-CN" sz="4800" dirty="0">
+                <a:solidFill>
+                  <a:schemeClr val="bg1"/>
+                </a:solidFill>
+                <a:latin typeface="微软雅黑" pitchFamily="34" charset="-122"/>
+                <a:ea typeface="微软雅黑" pitchFamily="34" charset="-122"/>
+              </a:rPr>
+              <a:t>string   </a:t>
+            </a:r>
+            <a:r>
+              <a:rPr lang="zh-CN" altLang="en-US" sz="4800" dirty="0">
+                <a:solidFill>
+                  <a:schemeClr val="bg1"/>
+                </a:solidFill>
+                <a:latin typeface="微软雅黑" pitchFamily="34" charset="-122"/>
+                <a:ea typeface="微软雅黑" pitchFamily="34" charset="-122"/>
+              </a:rPr>
+              <a:t>多种内置数据结构</a:t>
+            </a:r>
+            <a:endParaRPr lang="en-US" sz="4800" dirty="0"/>
+          </a:p>
+        </p:txBody>
+      </p:sp>
+      <p:sp>
+        <p:nvSpPr>
+          <p:cNvPr id="3" name="Arrow: Down 2">
+            <a:extLst>
+              <a:ext uri="{FF2B5EF4-FFF2-40B4-BE49-F238E27FC236}">
+                <a16:creationId xmlns:a16="http://schemas.microsoft.com/office/drawing/2014/main" id="{3FA862CD-4CEE-4AD1-B654-155B8AC400E1}"/>
+              </a:ext>
+            </a:extLst>
+          </p:cNvPr>
+          <p:cNvSpPr/>
+          <p:nvPr/>
+        </p:nvSpPr>
+        <p:spPr>
+          <a:xfrm>
+            <a:off x="2915816" y="3941263"/>
+            <a:ext cx="432048" cy="576064"/>
+          </a:xfrm>
+          <a:prstGeom prst="downArrow">
+            <a:avLst/>
+          </a:prstGeom>
+        </p:spPr>
+        <p:style>
+          <a:lnRef idx="2">
+            <a:schemeClr val="accent1">
+              <a:shade val="50000"/>
+            </a:schemeClr>
+          </a:lnRef>
+          <a:fillRef idx="1">
+            <a:schemeClr val="accent1"/>
+          </a:fillRef>
+          <a:effectRef idx="0">
+            <a:schemeClr val="accent1"/>
+          </a:effectRef>
+          <a:fontRef idx="minor">
+            <a:schemeClr val="lt1"/>
+          </a:fontRef>
+        </p:style>
+        <p:txBody>
+          <a:bodyPr rtlCol="0" anchor="ctr"/>
+          <a:lstStyle/>
+          <a:p>
+            <a:pPr algn="ctr"/>
+            <a:endParaRPr lang="en-US"/>
+          </a:p>
+        </p:txBody>
+      </p:sp>
+      <p:sp>
+        <p:nvSpPr>
+          <p:cNvPr id="7" name="Arrow: Down 6">
+            <a:extLst>
+              <a:ext uri="{FF2B5EF4-FFF2-40B4-BE49-F238E27FC236}">
+                <a16:creationId xmlns:a16="http://schemas.microsoft.com/office/drawing/2014/main" id="{C223C306-55DA-41EF-AC16-14328B28816C}"/>
+              </a:ext>
+            </a:extLst>
+          </p:cNvPr>
+          <p:cNvSpPr/>
+          <p:nvPr/>
+        </p:nvSpPr>
+        <p:spPr>
+          <a:xfrm>
+            <a:off x="5400092" y="3901578"/>
+            <a:ext cx="432048" cy="576064"/>
+          </a:xfrm>
+          <a:prstGeom prst="downArrow">
+            <a:avLst/>
+          </a:prstGeom>
+        </p:spPr>
+        <p:style>
+          <a:lnRef idx="2">
+            <a:schemeClr val="accent1">
+              <a:shade val="50000"/>
+            </a:schemeClr>
+          </a:lnRef>
+          <a:fillRef idx="1">
+            <a:schemeClr val="accent1"/>
+          </a:fillRef>
+          <a:effectRef idx="0">
+            <a:schemeClr val="accent1"/>
+          </a:effectRef>
+          <a:fontRef idx="minor">
+            <a:schemeClr val="lt1"/>
+          </a:fontRef>
+        </p:style>
+        <p:txBody>
+          <a:bodyPr rtlCol="0" anchor="ctr"/>
+          <a:lstStyle/>
+          <a:p>
+            <a:pPr algn="ctr"/>
+            <a:endParaRPr lang="en-US"/>
+          </a:p>
+        </p:txBody>
+      </p:sp>
+    </p:spTree>
+    <p:extLst>
+      <p:ext uri="{BB962C8B-B14F-4D97-AF65-F5344CB8AC3E}">
+        <p14:creationId xmlns:p14="http://schemas.microsoft.com/office/powerpoint/2010/main" val="320113148"/>
+      </p:ext>
+    </p:extLst>
+  </p:cSld>
+  <p:clrMapOvr>
+    <a:masterClrMapping/>
+  </p:clrMapOvr>
+  <p:timing>
+    <p:tnLst>
+      <p:par>
+        <p:cTn id="1" dur="indefinite" restart="never" nodeType="tmRoot">
+          <p:childTnLst>
+            <p:seq concurrent="1" nextAc="seek">
+              <p:cTn id="2" dur="indefinite" nodeType="mainSeq">
+                <p:childTnLst>
+                  <p:par>
+                    <p:cTn id="3" fill="hold">
+                      <p:stCondLst>
+                        <p:cond delay="indefinite"/>
+                      </p:stCondLst>
+                      <p:childTnLst>
+                        <p:par>
+                          <p:cTn id="4" fill="hold">
+                            <p:stCondLst>
+                              <p:cond delay="0"/>
+                            </p:stCondLst>
+                            <p:childTnLst>
+                              <p:par>
+                                <p:cTn id="5" presetID="10" presetClass="entr" presetSubtype="0" fill="hold" grpId="0" nodeType="clickEffect">
+                                  <p:stCondLst>
+                                    <p:cond delay="0"/>
+                                  </p:stCondLst>
+                                  <p:childTnLst>
+                                    <p:set>
+                                      <p:cBhvr>
+                                        <p:cTn id="6" dur="1" fill="hold">
+                                          <p:stCondLst>
+                                            <p:cond delay="0"/>
+                                          </p:stCondLst>
+                                        </p:cTn>
+                                        <p:tgtEl>
+                                          <p:spTgt spid="5"/>
+                                        </p:tgtEl>
+                                        <p:attrNameLst>
+                                          <p:attrName>style.visibility</p:attrName>
+                                        </p:attrNameLst>
+                                      </p:cBhvr>
+                                      <p:to>
+                                        <p:strVal val="visible"/>
+                                      </p:to>
+                                    </p:set>
+                                    <p:animEffect transition="in" filter="fade">
+                                      <p:cBhvr>
+                                        <p:cTn id="7" dur="500"/>
+                                        <p:tgtEl>
+                                          <p:spTgt spid="5"/>
+                                        </p:tgtEl>
+                                      </p:cBhvr>
+                                    </p:animEffect>
+                                  </p:childTnLst>
+                                </p:cTn>
+                              </p:par>
+                              <p:par>
+                                <p:cTn id="8" presetID="10" presetClass="entr" presetSubtype="0" fill="hold" grpId="0" nodeType="withEffect">
+                                  <p:stCondLst>
+                                    <p:cond delay="0"/>
+                                  </p:stCondLst>
+                                  <p:childTnLst>
+                                    <p:set>
+                                      <p:cBhvr>
+                                        <p:cTn id="9" dur="1" fill="hold">
+                                          <p:stCondLst>
+                                            <p:cond delay="0"/>
+                                          </p:stCondLst>
+                                        </p:cTn>
+                                        <p:tgtEl>
+                                          <p:spTgt spid="3"/>
+                                        </p:tgtEl>
+                                        <p:attrNameLst>
+                                          <p:attrName>style.visibility</p:attrName>
+                                        </p:attrNameLst>
+                                      </p:cBhvr>
+                                      <p:to>
+                                        <p:strVal val="visible"/>
+                                      </p:to>
+                                    </p:set>
+                                    <p:animEffect transition="in" filter="fade">
+                                      <p:cBhvr>
+                                        <p:cTn id="10" dur="500"/>
+                                        <p:tgtEl>
+                                          <p:spTgt spid="3"/>
+                                        </p:tgtEl>
+                                      </p:cBhvr>
+                                    </p:animEffect>
+                                  </p:childTnLst>
+                                </p:cTn>
+                              </p:par>
+                              <p:par>
+                                <p:cTn id="11" presetID="10" presetClass="entr" presetSubtype="0" fill="hold" grpId="0" nodeType="withEffect">
+                                  <p:stCondLst>
+                                    <p:cond delay="0"/>
+                                  </p:stCondLst>
+                                  <p:childTnLst>
+                                    <p:set>
+                                      <p:cBhvr>
+                                        <p:cTn id="12" dur="1" fill="hold">
+                                          <p:stCondLst>
+                                            <p:cond delay="0"/>
+                                          </p:stCondLst>
+                                        </p:cTn>
+                                        <p:tgtEl>
+                                          <p:spTgt spid="7"/>
+                                        </p:tgtEl>
+                                        <p:attrNameLst>
+                                          <p:attrName>style.visibility</p:attrName>
+                                        </p:attrNameLst>
+                                      </p:cBhvr>
+                                      <p:to>
+                                        <p:strVal val="visible"/>
+                                      </p:to>
+                                    </p:set>
+                                    <p:animEffect transition="in" filter="fade">
+                                      <p:cBhvr>
+                                        <p:cTn id="13" dur="500"/>
+                                        <p:tgtEl>
+                                          <p:spTgt spid="7"/>
+                                        </p:tgtEl>
+                                      </p:cBhvr>
+                                    </p:animEffect>
+                                  </p:childTnLst>
+                                </p:cTn>
+                              </p:par>
+                            </p:childTnLst>
+                          </p:cTn>
+                        </p:par>
+                      </p:childTnLst>
+                    </p:cTn>
+                  </p:par>
+                </p:childTnLst>
+              </p:cTn>
+              <p:prevCondLst>
+                <p:cond evt="onPrev" delay="0">
+                  <p:tgtEl>
+                    <p:sldTgt/>
+                  </p:tgtEl>
+                </p:cond>
+              </p:prevCondLst>
+              <p:nextCondLst>
+                <p:cond evt="onNext" delay="0">
+                  <p:tgtEl>
+                    <p:sldTgt/>
+                  </p:tgtEl>
+                </p:cond>
+              </p:nextCondLst>
+            </p:seq>
+          </p:childTnLst>
+        </p:cTn>
+      </p:par>
+    </p:tnLst>
+    <p:bldLst>
+      <p:bldP spid="5" grpId="0"/>
+      <p:bldP spid="3" grpId="0" animBg="1"/>
+      <p:bldP spid="7" grpId="0" animBg="1"/>
+    </p:bldLst>
+  </p:timing>
+</p:sld>
+</file>
+
+<file path=ppt/slides/slide8.xml><?xml version="1.0" encoding="utf-8"?>
+<p:sld xmlns:a="http://schemas.openxmlformats.org/drawingml/2006/main" xmlns:r="http://schemas.openxmlformats.org/officeDocument/2006/relationships" xmlns:p="http://schemas.openxmlformats.org/presentationml/2006/main">
+  <p:cSld>
+    <p:spTree>
+      <p:nvGrpSpPr>
+        <p:cNvPr id="1" name=""/>
+        <p:cNvGrpSpPr/>
+        <p:nvPr/>
+      </p:nvGrpSpPr>
+      <p:grpSpPr>
+        <a:xfrm>
+          <a:off x="0" y="0"/>
+          <a:ext cx="0" cy="0"/>
+          <a:chOff x="0" y="0"/>
+          <a:chExt cx="0" cy="0"/>
+        </a:xfrm>
+      </p:grpSpPr>
+      <p:sp>
+        <p:nvSpPr>
+          <p:cNvPr id="4098" name="TextBox 2">
+            <a:extLst>
+              <a:ext uri="{FF2B5EF4-FFF2-40B4-BE49-F238E27FC236}">
+                <a16:creationId xmlns:a16="http://schemas.microsoft.com/office/drawing/2014/main" id="{5552ED83-0001-4E47-A09B-F49C592A8E24}"/>
+              </a:ext>
+            </a:extLst>
+          </p:cNvPr>
+          <p:cNvSpPr txBox="1">
+            <a:spLocks noChangeArrowheads="1"/>
+          </p:cNvSpPr>
+          <p:nvPr/>
+        </p:nvSpPr>
+        <p:spPr bwMode="auto">
+          <a:xfrm>
+            <a:off x="12118" y="84217"/>
+            <a:ext cx="8736346" cy="830997"/>
+          </a:xfrm>
+          <a:prstGeom prst="rect">
+            <a:avLst/>
+          </a:prstGeom>
+          <a:noFill/>
+          <a:ln>
+            <a:noFill/>
+          </a:ln>
+          <a:extLst>
+            <a:ext uri="{909E8E84-426E-40DD-AFC4-6F175D3DCCD1}">
+              <a14:hiddenFill xmlns:a14="http://schemas.microsoft.com/office/drawing/2010/main">
+                <a:solidFill>
+                  <a:srgbClr val="FFFFFF"/>
+                </a:solidFill>
+              </a14:hiddenFill>
+            </a:ext>
+            <a:ext uri="{91240B29-F687-4F45-9708-019B960494DF}">
+              <a14:hiddenLine xmlns:a14="http://schemas.microsoft.com/office/drawing/2010/main" w="9525">
+                <a:solidFill>
+                  <a:srgbClr val="000000"/>
+                </a:solidFill>
+                <a:miter lim="800000"/>
+                <a:headEnd/>
+                <a:tailEnd/>
+              </a14:hiddenLine>
+            </a:ext>
+          </a:extLst>
+        </p:spPr>
+        <p:txBody>
+          <a:bodyPr wrap="square">
+            <a:spAutoFit/>
+          </a:bodyPr>
+          <a:lstStyle>
+            <a:lvl1pPr eaLnBrk="0" hangingPunct="0">
+              <a:defRPr>
+                <a:solidFill>
+                  <a:schemeClr val="tx1"/>
+                </a:solidFill>
+                <a:latin typeface="Arial" panose="020B0604020202020204" pitchFamily="34" charset="0"/>
+                <a:ea typeface="宋体" panose="02010600030101010101" pitchFamily="2" charset="-122"/>
+              </a:defRPr>
+            </a:lvl1pPr>
+            <a:lvl2pPr marL="742950" indent="-285750" eaLnBrk="0" hangingPunct="0">
+              <a:defRPr>
+                <a:solidFill>
+                  <a:schemeClr val="tx1"/>
+                </a:solidFill>
+                <a:latin typeface="Arial" panose="020B0604020202020204" pitchFamily="34" charset="0"/>
+                <a:ea typeface="宋体" panose="02010600030101010101" pitchFamily="2" charset="-122"/>
+              </a:defRPr>
+            </a:lvl2pPr>
+            <a:lvl3pPr marL="1143000" indent="-228600" eaLnBrk="0" hangingPunct="0">
+              <a:defRPr>
+                <a:solidFill>
+                  <a:schemeClr val="tx1"/>
+                </a:solidFill>
+                <a:latin typeface="Arial" panose="020B0604020202020204" pitchFamily="34" charset="0"/>
+                <a:ea typeface="宋体" panose="02010600030101010101" pitchFamily="2" charset="-122"/>
+              </a:defRPr>
+            </a:lvl3pPr>
+            <a:lvl4pPr marL="1600200" indent="-228600" eaLnBrk="0" hangingPunct="0">
+              <a:defRPr>
+                <a:solidFill>
+                  <a:schemeClr val="tx1"/>
+                </a:solidFill>
+                <a:latin typeface="Arial" panose="020B0604020202020204" pitchFamily="34" charset="0"/>
+                <a:ea typeface="宋体" panose="02010600030101010101" pitchFamily="2" charset="-122"/>
+              </a:defRPr>
+            </a:lvl4pPr>
+            <a:lvl5pPr marL="2057400" indent="-228600" eaLnBrk="0" hangingPunct="0">
+              <a:defRPr>
+                <a:solidFill>
+                  <a:schemeClr val="tx1"/>
+                </a:solidFill>
+                <a:latin typeface="Arial" panose="020B0604020202020204" pitchFamily="34" charset="0"/>
+                <a:ea typeface="宋体" panose="02010600030101010101" pitchFamily="2" charset="-122"/>
+              </a:defRPr>
+            </a:lvl5pPr>
+            <a:lvl6pPr marL="2514600" indent="-228600" eaLnBrk="0" fontAlgn="base" hangingPunct="0">
+              <a:spcBef>
+                <a:spcPct val="0"/>
+              </a:spcBef>
+              <a:spcAft>
+                <a:spcPct val="0"/>
+              </a:spcAft>
+              <a:defRPr>
+                <a:solidFill>
+                  <a:schemeClr val="tx1"/>
+                </a:solidFill>
+                <a:latin typeface="Arial" panose="020B0604020202020204" pitchFamily="34" charset="0"/>
+                <a:ea typeface="宋体" panose="02010600030101010101" pitchFamily="2" charset="-122"/>
+              </a:defRPr>
+            </a:lvl6pPr>
+            <a:lvl7pPr marL="2971800" indent="-228600" eaLnBrk="0" fontAlgn="base" hangingPunct="0">
+              <a:spcBef>
+                <a:spcPct val="0"/>
+              </a:spcBef>
+              <a:spcAft>
+                <a:spcPct val="0"/>
+              </a:spcAft>
+              <a:defRPr>
+                <a:solidFill>
+                  <a:schemeClr val="tx1"/>
+                </a:solidFill>
+                <a:latin typeface="Arial" panose="020B0604020202020204" pitchFamily="34" charset="0"/>
+                <a:ea typeface="宋体" panose="02010600030101010101" pitchFamily="2" charset="-122"/>
+              </a:defRPr>
+            </a:lvl7pPr>
+            <a:lvl8pPr marL="3429000" indent="-228600" eaLnBrk="0" fontAlgn="base" hangingPunct="0">
+              <a:spcBef>
+                <a:spcPct val="0"/>
+              </a:spcBef>
+              <a:spcAft>
+                <a:spcPct val="0"/>
+              </a:spcAft>
+              <a:defRPr>
+                <a:solidFill>
+                  <a:schemeClr val="tx1"/>
+                </a:solidFill>
+                <a:latin typeface="Arial" panose="020B0604020202020204" pitchFamily="34" charset="0"/>
+                <a:ea typeface="宋体" panose="02010600030101010101" pitchFamily="2" charset="-122"/>
+              </a:defRPr>
+            </a:lvl8pPr>
+            <a:lvl9pPr marL="3886200" indent="-228600" eaLnBrk="0" fontAlgn="base" hangingPunct="0">
+              <a:spcBef>
+                <a:spcPct val="0"/>
+              </a:spcBef>
+              <a:spcAft>
+                <a:spcPct val="0"/>
+              </a:spcAft>
+              <a:defRPr>
+                <a:solidFill>
+                  <a:schemeClr val="tx1"/>
+                </a:solidFill>
+                <a:latin typeface="Arial" panose="020B0604020202020204" pitchFamily="34" charset="0"/>
+                <a:ea typeface="宋体" panose="02010600030101010101" pitchFamily="2" charset="-122"/>
+              </a:defRPr>
+            </a:lvl9pPr>
+          </a:lstStyle>
+          <a:p>
+            <a:pPr eaLnBrk="1" hangingPunct="1"/>
+            <a:r>
+              <a:rPr lang="zh-CN" altLang="en-US" sz="4800" dirty="0">
+                <a:solidFill>
+                  <a:schemeClr val="bg1"/>
+                </a:solidFill>
+                <a:latin typeface="微软雅黑" pitchFamily="34" charset="-122"/>
+                <a:ea typeface="微软雅黑" pitchFamily="34" charset="-122"/>
+              </a:rPr>
+              <a:t>基本数据结构 </a:t>
+            </a:r>
+            <a:r>
+              <a:rPr lang="en-US" altLang="zh-CN" sz="4800" dirty="0">
+                <a:solidFill>
+                  <a:schemeClr val="bg1"/>
+                </a:solidFill>
+                <a:latin typeface="微软雅黑" pitchFamily="34" charset="-122"/>
+                <a:ea typeface="微软雅黑" pitchFamily="34" charset="-122"/>
+              </a:rPr>
+              <a:t>- string (</a:t>
+            </a:r>
+            <a:r>
+              <a:rPr lang="zh-CN" altLang="en-US" sz="4800" dirty="0">
+                <a:solidFill>
+                  <a:schemeClr val="bg1"/>
+                </a:solidFill>
+                <a:latin typeface="微软雅黑" pitchFamily="34" charset="-122"/>
+                <a:ea typeface="微软雅黑" pitchFamily="34" charset="-122"/>
+              </a:rPr>
+              <a:t>字符串</a:t>
+            </a:r>
+            <a:r>
+              <a:rPr lang="en-US" altLang="zh-CN" sz="4800" dirty="0">
+                <a:solidFill>
+                  <a:schemeClr val="bg1"/>
+                </a:solidFill>
+                <a:latin typeface="微软雅黑" pitchFamily="34" charset="-122"/>
+                <a:ea typeface="微软雅黑" pitchFamily="34" charset="-122"/>
+              </a:rPr>
+              <a:t>)</a:t>
+            </a:r>
+            <a:endParaRPr lang="zh-CN" altLang="en-US" sz="4800" dirty="0">
+              <a:solidFill>
+                <a:schemeClr val="bg1"/>
+              </a:solidFill>
+              <a:latin typeface="微软雅黑" panose="020B0503020204020204" pitchFamily="34" charset="-122"/>
+              <a:ea typeface="微软雅黑" panose="020B0503020204020204" pitchFamily="34" charset="-122"/>
+            </a:endParaRPr>
+          </a:p>
+        </p:txBody>
+      </p:sp>
+      <p:sp>
+        <p:nvSpPr>
+          <p:cNvPr id="10" name="TextBox 9">
+            <a:extLst>
+              <a:ext uri="{FF2B5EF4-FFF2-40B4-BE49-F238E27FC236}">
+                <a16:creationId xmlns:a16="http://schemas.microsoft.com/office/drawing/2014/main" id="{6C65DFA7-0E5F-49E5-88D4-5AD68B41A2B2}"/>
+              </a:ext>
+            </a:extLst>
+          </p:cNvPr>
+          <p:cNvSpPr txBox="1"/>
+          <p:nvPr/>
+        </p:nvSpPr>
+        <p:spPr>
+          <a:xfrm>
+            <a:off x="35496" y="908720"/>
+            <a:ext cx="9096385" cy="646331"/>
+          </a:xfrm>
+          <a:prstGeom prst="rect">
+            <a:avLst/>
+          </a:prstGeom>
+          <a:noFill/>
+        </p:spPr>
+        <p:txBody>
+          <a:bodyPr wrap="square">
+            <a:spAutoFit/>
+          </a:bodyPr>
+          <a:lstStyle/>
+          <a:p>
+            <a:pPr>
+              <a:defRPr/>
+            </a:pPr>
+            <a:r>
+              <a:rPr lang="en-US" altLang="zh-CN" sz="3600" dirty="0">
+                <a:solidFill>
+                  <a:schemeClr val="bg1"/>
+                </a:solidFill>
+                <a:latin typeface="微软雅黑" pitchFamily="34" charset="-122"/>
+                <a:ea typeface="微软雅黑" pitchFamily="34" charset="-122"/>
+              </a:rPr>
+              <a:t>	</a:t>
+            </a:r>
+            <a:r>
+              <a:rPr lang="zh-CN" altLang="en-US" sz="3600" dirty="0">
+                <a:solidFill>
+                  <a:schemeClr val="bg1"/>
+                </a:solidFill>
+                <a:latin typeface="微软雅黑" pitchFamily="34" charset="-122"/>
+                <a:ea typeface="微软雅黑" pitchFamily="34" charset="-122"/>
+              </a:rPr>
+              <a:t>支持最大长度</a:t>
+            </a:r>
+            <a:r>
+              <a:rPr lang="en-US" altLang="zh-CN" sz="3600" dirty="0">
+                <a:solidFill>
+                  <a:schemeClr val="bg1"/>
+                </a:solidFill>
+                <a:latin typeface="微软雅黑" pitchFamily="34" charset="-122"/>
+                <a:ea typeface="微软雅黑" pitchFamily="34" charset="-122"/>
+              </a:rPr>
+              <a:t>512MB</a:t>
+            </a:r>
+            <a:endParaRPr lang="en-US" sz="3600" dirty="0">
+              <a:solidFill>
+                <a:schemeClr val="bg1"/>
+              </a:solidFill>
+              <a:latin typeface="微软雅黑" pitchFamily="34" charset="-122"/>
+              <a:ea typeface="微软雅黑" pitchFamily="34" charset="-122"/>
+            </a:endParaRPr>
+          </a:p>
+        </p:txBody>
+      </p:sp>
+      <p:pic>
+        <p:nvPicPr>
+          <p:cNvPr id="6" name="Picture 5">
+            <a:extLst>
+              <a:ext uri="{FF2B5EF4-FFF2-40B4-BE49-F238E27FC236}">
+                <a16:creationId xmlns:a16="http://schemas.microsoft.com/office/drawing/2014/main" id="{3D97D3B2-C5B1-4218-A2B6-F84976605935}"/>
+              </a:ext>
+            </a:extLst>
+          </p:cNvPr>
+          <p:cNvPicPr>
+            <a:picLocks noChangeAspect="1"/>
+          </p:cNvPicPr>
+          <p:nvPr/>
+        </p:nvPicPr>
+        <p:blipFill>
+          <a:blip r:embed="rId2"/>
+          <a:stretch>
+            <a:fillRect/>
+          </a:stretch>
+        </p:blipFill>
+        <p:spPr>
+          <a:xfrm>
+            <a:off x="1739372" y="1707096"/>
+            <a:ext cx="5688632" cy="1344916"/>
+          </a:xfrm>
+          <a:prstGeom prst="rect">
+            <a:avLst/>
+          </a:prstGeom>
+        </p:spPr>
+      </p:pic>
+      <p:pic>
+        <p:nvPicPr>
+          <p:cNvPr id="8" name="Picture 7">
+            <a:extLst>
+              <a:ext uri="{FF2B5EF4-FFF2-40B4-BE49-F238E27FC236}">
+                <a16:creationId xmlns:a16="http://schemas.microsoft.com/office/drawing/2014/main" id="{F5080AC1-649B-4F00-8BB6-11350E9FD6D5}"/>
+              </a:ext>
+            </a:extLst>
+          </p:cNvPr>
+          <p:cNvPicPr>
+            <a:picLocks noChangeAspect="1"/>
+          </p:cNvPicPr>
+          <p:nvPr/>
+        </p:nvPicPr>
+        <p:blipFill>
+          <a:blip r:embed="rId3"/>
+          <a:stretch>
+            <a:fillRect/>
+          </a:stretch>
+        </p:blipFill>
+        <p:spPr>
+          <a:xfrm>
+            <a:off x="1345429" y="3429000"/>
+            <a:ext cx="6453142" cy="1944216"/>
+          </a:xfrm>
+          <a:prstGeom prst="rect">
+            <a:avLst/>
+          </a:prstGeom>
+        </p:spPr>
+      </p:pic>
+    </p:spTree>
+    <p:extLst>
+      <p:ext uri="{BB962C8B-B14F-4D97-AF65-F5344CB8AC3E}">
+        <p14:creationId xmlns:p14="http://schemas.microsoft.com/office/powerpoint/2010/main" val="985621613"/>
+      </p:ext>
+    </p:extLst>
+  </p:cSld>
+  <p:clrMapOvr>
+    <a:masterClrMapping/>
+  </p:clrMapOvr>
+</p:sld>
+</file>
+
+<file path=ppt/slides/slide9.xml><?xml version="1.0" encoding="utf-8"?>
 <p:sld xmlns:a="http://schemas.openxmlformats.org/drawingml/2006/main" xmlns:r="http://schemas.openxmlformats.org/officeDocument/2006/relationships" xmlns:p="http://schemas.openxmlformats.org/presentationml/2006/main">
   <p:cSld>
     <p:spTree>

--- a/doc/SD_EP01_Redis_Adv_Application.pptx
+++ b/doc/SD_EP01_Redis_Adv_Application.pptx
@@ -14,7 +14,17 @@
     <p:sldId id="297" r:id="rId8"/>
     <p:sldId id="299" r:id="rId9"/>
     <p:sldId id="300" r:id="rId10"/>
-    <p:sldId id="294" r:id="rId11"/>
+    <p:sldId id="301" r:id="rId11"/>
+    <p:sldId id="302" r:id="rId12"/>
+    <p:sldId id="303" r:id="rId13"/>
+    <p:sldId id="304" r:id="rId14"/>
+    <p:sldId id="305" r:id="rId15"/>
+    <p:sldId id="306" r:id="rId16"/>
+    <p:sldId id="307" r:id="rId17"/>
+    <p:sldId id="308" r:id="rId18"/>
+    <p:sldId id="309" r:id="rId19"/>
+    <p:sldId id="310" r:id="rId20"/>
+    <p:sldId id="294" r:id="rId21"/>
   </p:sldIdLst>
   <p:sldSz cx="9144000" cy="6858000" type="screen4x3"/>
   <p:notesSz cx="6858000" cy="9144000"/>
@@ -7668,6 +7678,3493 @@
 </p:sld>
 </file>
 
+<file path=ppt/slides/slide10.xml><?xml version="1.0" encoding="utf-8"?>
+<p:sld xmlns:a="http://schemas.openxmlformats.org/drawingml/2006/main" xmlns:r="http://schemas.openxmlformats.org/officeDocument/2006/relationships" xmlns:p="http://schemas.openxmlformats.org/presentationml/2006/main">
+  <p:cSld>
+    <p:spTree>
+      <p:nvGrpSpPr>
+        <p:cNvPr id="1" name=""/>
+        <p:cNvGrpSpPr/>
+        <p:nvPr/>
+      </p:nvGrpSpPr>
+      <p:grpSpPr>
+        <a:xfrm>
+          <a:off x="0" y="0"/>
+          <a:ext cx="0" cy="0"/>
+          <a:chOff x="0" y="0"/>
+          <a:chExt cx="0" cy="0"/>
+        </a:xfrm>
+      </p:grpSpPr>
+      <p:sp>
+        <p:nvSpPr>
+          <p:cNvPr id="4098" name="TextBox 2">
+            <a:extLst>
+              <a:ext uri="{FF2B5EF4-FFF2-40B4-BE49-F238E27FC236}">
+                <a16:creationId xmlns:a16="http://schemas.microsoft.com/office/drawing/2014/main" id="{5552ED83-0001-4E47-A09B-F49C592A8E24}"/>
+              </a:ext>
+            </a:extLst>
+          </p:cNvPr>
+          <p:cNvSpPr txBox="1">
+            <a:spLocks noChangeArrowheads="1"/>
+          </p:cNvSpPr>
+          <p:nvPr/>
+        </p:nvSpPr>
+        <p:spPr bwMode="auto">
+          <a:xfrm>
+            <a:off x="12118" y="84217"/>
+            <a:ext cx="8736346" cy="830997"/>
+          </a:xfrm>
+          <a:prstGeom prst="rect">
+            <a:avLst/>
+          </a:prstGeom>
+          <a:noFill/>
+          <a:ln>
+            <a:noFill/>
+          </a:ln>
+          <a:extLst>
+            <a:ext uri="{909E8E84-426E-40DD-AFC4-6F175D3DCCD1}">
+              <a14:hiddenFill xmlns:a14="http://schemas.microsoft.com/office/drawing/2010/main">
+                <a:solidFill>
+                  <a:srgbClr val="FFFFFF"/>
+                </a:solidFill>
+              </a14:hiddenFill>
+            </a:ext>
+            <a:ext uri="{91240B29-F687-4F45-9708-019B960494DF}">
+              <a14:hiddenLine xmlns:a14="http://schemas.microsoft.com/office/drawing/2010/main" w="9525">
+                <a:solidFill>
+                  <a:srgbClr val="000000"/>
+                </a:solidFill>
+                <a:miter lim="800000"/>
+                <a:headEnd/>
+                <a:tailEnd/>
+              </a14:hiddenLine>
+            </a:ext>
+          </a:extLst>
+        </p:spPr>
+        <p:txBody>
+          <a:bodyPr wrap="square">
+            <a:spAutoFit/>
+          </a:bodyPr>
+          <a:lstStyle>
+            <a:lvl1pPr eaLnBrk="0" hangingPunct="0">
+              <a:defRPr>
+                <a:solidFill>
+                  <a:schemeClr val="tx1"/>
+                </a:solidFill>
+                <a:latin typeface="Arial" panose="020B0604020202020204" pitchFamily="34" charset="0"/>
+                <a:ea typeface="宋体" panose="02010600030101010101" pitchFamily="2" charset="-122"/>
+              </a:defRPr>
+            </a:lvl1pPr>
+            <a:lvl2pPr marL="742950" indent="-285750" eaLnBrk="0" hangingPunct="0">
+              <a:defRPr>
+                <a:solidFill>
+                  <a:schemeClr val="tx1"/>
+                </a:solidFill>
+                <a:latin typeface="Arial" panose="020B0604020202020204" pitchFamily="34" charset="0"/>
+                <a:ea typeface="宋体" panose="02010600030101010101" pitchFamily="2" charset="-122"/>
+              </a:defRPr>
+            </a:lvl2pPr>
+            <a:lvl3pPr marL="1143000" indent="-228600" eaLnBrk="0" hangingPunct="0">
+              <a:defRPr>
+                <a:solidFill>
+                  <a:schemeClr val="tx1"/>
+                </a:solidFill>
+                <a:latin typeface="Arial" panose="020B0604020202020204" pitchFamily="34" charset="0"/>
+                <a:ea typeface="宋体" panose="02010600030101010101" pitchFamily="2" charset="-122"/>
+              </a:defRPr>
+            </a:lvl3pPr>
+            <a:lvl4pPr marL="1600200" indent="-228600" eaLnBrk="0" hangingPunct="0">
+              <a:defRPr>
+                <a:solidFill>
+                  <a:schemeClr val="tx1"/>
+                </a:solidFill>
+                <a:latin typeface="Arial" panose="020B0604020202020204" pitchFamily="34" charset="0"/>
+                <a:ea typeface="宋体" panose="02010600030101010101" pitchFamily="2" charset="-122"/>
+              </a:defRPr>
+            </a:lvl4pPr>
+            <a:lvl5pPr marL="2057400" indent="-228600" eaLnBrk="0" hangingPunct="0">
+              <a:defRPr>
+                <a:solidFill>
+                  <a:schemeClr val="tx1"/>
+                </a:solidFill>
+                <a:latin typeface="Arial" panose="020B0604020202020204" pitchFamily="34" charset="0"/>
+                <a:ea typeface="宋体" panose="02010600030101010101" pitchFamily="2" charset="-122"/>
+              </a:defRPr>
+            </a:lvl5pPr>
+            <a:lvl6pPr marL="2514600" indent="-228600" eaLnBrk="0" fontAlgn="base" hangingPunct="0">
+              <a:spcBef>
+                <a:spcPct val="0"/>
+              </a:spcBef>
+              <a:spcAft>
+                <a:spcPct val="0"/>
+              </a:spcAft>
+              <a:defRPr>
+                <a:solidFill>
+                  <a:schemeClr val="tx1"/>
+                </a:solidFill>
+                <a:latin typeface="Arial" panose="020B0604020202020204" pitchFamily="34" charset="0"/>
+                <a:ea typeface="宋体" panose="02010600030101010101" pitchFamily="2" charset="-122"/>
+              </a:defRPr>
+            </a:lvl6pPr>
+            <a:lvl7pPr marL="2971800" indent="-228600" eaLnBrk="0" fontAlgn="base" hangingPunct="0">
+              <a:spcBef>
+                <a:spcPct val="0"/>
+              </a:spcBef>
+              <a:spcAft>
+                <a:spcPct val="0"/>
+              </a:spcAft>
+              <a:defRPr>
+                <a:solidFill>
+                  <a:schemeClr val="tx1"/>
+                </a:solidFill>
+                <a:latin typeface="Arial" panose="020B0604020202020204" pitchFamily="34" charset="0"/>
+                <a:ea typeface="宋体" panose="02010600030101010101" pitchFamily="2" charset="-122"/>
+              </a:defRPr>
+            </a:lvl7pPr>
+            <a:lvl8pPr marL="3429000" indent="-228600" eaLnBrk="0" fontAlgn="base" hangingPunct="0">
+              <a:spcBef>
+                <a:spcPct val="0"/>
+              </a:spcBef>
+              <a:spcAft>
+                <a:spcPct val="0"/>
+              </a:spcAft>
+              <a:defRPr>
+                <a:solidFill>
+                  <a:schemeClr val="tx1"/>
+                </a:solidFill>
+                <a:latin typeface="Arial" panose="020B0604020202020204" pitchFamily="34" charset="0"/>
+                <a:ea typeface="宋体" panose="02010600030101010101" pitchFamily="2" charset="-122"/>
+              </a:defRPr>
+            </a:lvl8pPr>
+            <a:lvl9pPr marL="3886200" indent="-228600" eaLnBrk="0" fontAlgn="base" hangingPunct="0">
+              <a:spcBef>
+                <a:spcPct val="0"/>
+              </a:spcBef>
+              <a:spcAft>
+                <a:spcPct val="0"/>
+              </a:spcAft>
+              <a:defRPr>
+                <a:solidFill>
+                  <a:schemeClr val="tx1"/>
+                </a:solidFill>
+                <a:latin typeface="Arial" panose="020B0604020202020204" pitchFamily="34" charset="0"/>
+                <a:ea typeface="宋体" panose="02010600030101010101" pitchFamily="2" charset="-122"/>
+              </a:defRPr>
+            </a:lvl9pPr>
+          </a:lstStyle>
+          <a:p>
+            <a:pPr eaLnBrk="1" hangingPunct="1"/>
+            <a:r>
+              <a:rPr lang="zh-CN" altLang="en-US" sz="4800" dirty="0">
+                <a:solidFill>
+                  <a:schemeClr val="bg1"/>
+                </a:solidFill>
+                <a:latin typeface="微软雅黑" panose="020B0503020204020204" pitchFamily="34" charset="-122"/>
+                <a:ea typeface="微软雅黑" panose="020B0503020204020204" pitchFamily="34" charset="-122"/>
+              </a:rPr>
+              <a:t>基本数据结构 </a:t>
+            </a:r>
+            <a:r>
+              <a:rPr lang="en-US" altLang="zh-CN" sz="4800" dirty="0">
+                <a:solidFill>
+                  <a:schemeClr val="bg1"/>
+                </a:solidFill>
+                <a:latin typeface="微软雅黑" pitchFamily="34" charset="-122"/>
+                <a:ea typeface="微软雅黑" pitchFamily="34" charset="-122"/>
+              </a:rPr>
+              <a:t>- hash (</a:t>
+            </a:r>
+            <a:r>
+              <a:rPr lang="zh-CN" altLang="en-US" sz="4800" dirty="0">
+                <a:solidFill>
+                  <a:schemeClr val="bg1"/>
+                </a:solidFill>
+                <a:latin typeface="微软雅黑" pitchFamily="34" charset="-122"/>
+                <a:ea typeface="微软雅黑" pitchFamily="34" charset="-122"/>
+              </a:rPr>
+              <a:t>字典</a:t>
+            </a:r>
+            <a:r>
+              <a:rPr lang="en-US" altLang="zh-CN" sz="4800" dirty="0">
+                <a:solidFill>
+                  <a:schemeClr val="bg1"/>
+                </a:solidFill>
+                <a:latin typeface="微软雅黑" pitchFamily="34" charset="-122"/>
+                <a:ea typeface="微软雅黑" pitchFamily="34" charset="-122"/>
+              </a:rPr>
+              <a:t>)</a:t>
+            </a:r>
+            <a:endParaRPr lang="zh-CN" altLang="en-US" sz="4800" dirty="0">
+              <a:solidFill>
+                <a:schemeClr val="bg1"/>
+              </a:solidFill>
+              <a:latin typeface="微软雅黑" panose="020B0503020204020204" pitchFamily="34" charset="-122"/>
+              <a:ea typeface="微软雅黑" panose="020B0503020204020204" pitchFamily="34" charset="-122"/>
+            </a:endParaRPr>
+          </a:p>
+        </p:txBody>
+      </p:sp>
+      <p:sp>
+        <p:nvSpPr>
+          <p:cNvPr id="10" name="TextBox 9">
+            <a:extLst>
+              <a:ext uri="{FF2B5EF4-FFF2-40B4-BE49-F238E27FC236}">
+                <a16:creationId xmlns:a16="http://schemas.microsoft.com/office/drawing/2014/main" id="{6C65DFA7-0E5F-49E5-88D4-5AD68B41A2B2}"/>
+              </a:ext>
+            </a:extLst>
+          </p:cNvPr>
+          <p:cNvSpPr txBox="1"/>
+          <p:nvPr/>
+        </p:nvSpPr>
+        <p:spPr>
+          <a:xfrm>
+            <a:off x="35496" y="908720"/>
+            <a:ext cx="9096385" cy="646331"/>
+          </a:xfrm>
+          <a:prstGeom prst="rect">
+            <a:avLst/>
+          </a:prstGeom>
+          <a:noFill/>
+        </p:spPr>
+        <p:txBody>
+          <a:bodyPr wrap="square">
+            <a:spAutoFit/>
+          </a:bodyPr>
+          <a:lstStyle/>
+          <a:p>
+            <a:pPr>
+              <a:defRPr/>
+            </a:pPr>
+            <a:r>
+              <a:rPr lang="en-US" altLang="zh-CN" sz="3600" dirty="0">
+                <a:solidFill>
+                  <a:schemeClr val="bg1"/>
+                </a:solidFill>
+                <a:latin typeface="微软雅黑" pitchFamily="34" charset="-122"/>
+                <a:ea typeface="微软雅黑" pitchFamily="34" charset="-122"/>
+              </a:rPr>
+              <a:t>	</a:t>
+            </a:r>
+            <a:r>
+              <a:rPr lang="zh-CN" altLang="en-US" sz="3600" dirty="0">
+                <a:solidFill>
+                  <a:schemeClr val="bg1"/>
+                </a:solidFill>
+                <a:latin typeface="微软雅黑" pitchFamily="34" charset="-122"/>
+                <a:ea typeface="微软雅黑" pitchFamily="34" charset="-122"/>
+              </a:rPr>
+              <a:t>存储一个对象</a:t>
+            </a:r>
+            <a:endParaRPr lang="en-US" sz="3600" dirty="0">
+              <a:solidFill>
+                <a:schemeClr val="bg1"/>
+              </a:solidFill>
+              <a:latin typeface="微软雅黑" pitchFamily="34" charset="-122"/>
+              <a:ea typeface="微软雅黑" pitchFamily="34" charset="-122"/>
+            </a:endParaRPr>
+          </a:p>
+        </p:txBody>
+      </p:sp>
+      <p:pic>
+        <p:nvPicPr>
+          <p:cNvPr id="4" name="Picture 3">
+            <a:extLst>
+              <a:ext uri="{FF2B5EF4-FFF2-40B4-BE49-F238E27FC236}">
+                <a16:creationId xmlns:a16="http://schemas.microsoft.com/office/drawing/2014/main" id="{E8B88DDB-6843-42CA-A0D1-10777F3BCA83}"/>
+              </a:ext>
+            </a:extLst>
+          </p:cNvPr>
+          <p:cNvPicPr>
+            <a:picLocks noChangeAspect="1"/>
+          </p:cNvPicPr>
+          <p:nvPr/>
+        </p:nvPicPr>
+        <p:blipFill>
+          <a:blip r:embed="rId2"/>
+          <a:stretch>
+            <a:fillRect/>
+          </a:stretch>
+        </p:blipFill>
+        <p:spPr>
+          <a:xfrm>
+            <a:off x="1289463" y="1555051"/>
+            <a:ext cx="6018841" cy="2126959"/>
+          </a:xfrm>
+          <a:prstGeom prst="rect">
+            <a:avLst/>
+          </a:prstGeom>
+        </p:spPr>
+      </p:pic>
+      <p:pic>
+        <p:nvPicPr>
+          <p:cNvPr id="5" name="Picture 4">
+            <a:extLst>
+              <a:ext uri="{FF2B5EF4-FFF2-40B4-BE49-F238E27FC236}">
+                <a16:creationId xmlns:a16="http://schemas.microsoft.com/office/drawing/2014/main" id="{DFA7750F-49BB-4D9F-8683-3B50160297DE}"/>
+              </a:ext>
+            </a:extLst>
+          </p:cNvPr>
+          <p:cNvPicPr>
+            <a:picLocks noChangeAspect="1"/>
+          </p:cNvPicPr>
+          <p:nvPr/>
+        </p:nvPicPr>
+        <p:blipFill>
+          <a:blip r:embed="rId3"/>
+          <a:stretch>
+            <a:fillRect/>
+          </a:stretch>
+        </p:blipFill>
+        <p:spPr>
+          <a:xfrm>
+            <a:off x="2040031" y="3600865"/>
+            <a:ext cx="4680520" cy="3168182"/>
+          </a:xfrm>
+          <a:prstGeom prst="rect">
+            <a:avLst/>
+          </a:prstGeom>
+        </p:spPr>
+      </p:pic>
+    </p:spTree>
+    <p:extLst>
+      <p:ext uri="{BB962C8B-B14F-4D97-AF65-F5344CB8AC3E}">
+        <p14:creationId xmlns:p14="http://schemas.microsoft.com/office/powerpoint/2010/main" val="3174281631"/>
+      </p:ext>
+    </p:extLst>
+  </p:cSld>
+  <p:clrMapOvr>
+    <a:masterClrMapping/>
+  </p:clrMapOvr>
+</p:sld>
+</file>
+
+<file path=ppt/slides/slide11.xml><?xml version="1.0" encoding="utf-8"?>
+<p:sld xmlns:a="http://schemas.openxmlformats.org/drawingml/2006/main" xmlns:r="http://schemas.openxmlformats.org/officeDocument/2006/relationships" xmlns:p="http://schemas.openxmlformats.org/presentationml/2006/main">
+  <p:cSld>
+    <p:spTree>
+      <p:nvGrpSpPr>
+        <p:cNvPr id="1" name=""/>
+        <p:cNvGrpSpPr/>
+        <p:nvPr/>
+      </p:nvGrpSpPr>
+      <p:grpSpPr>
+        <a:xfrm>
+          <a:off x="0" y="0"/>
+          <a:ext cx="0" cy="0"/>
+          <a:chOff x="0" y="0"/>
+          <a:chExt cx="0" cy="0"/>
+        </a:xfrm>
+      </p:grpSpPr>
+      <p:sp>
+        <p:nvSpPr>
+          <p:cNvPr id="4098" name="TextBox 2">
+            <a:extLst>
+              <a:ext uri="{FF2B5EF4-FFF2-40B4-BE49-F238E27FC236}">
+                <a16:creationId xmlns:a16="http://schemas.microsoft.com/office/drawing/2014/main" id="{5552ED83-0001-4E47-A09B-F49C592A8E24}"/>
+              </a:ext>
+            </a:extLst>
+          </p:cNvPr>
+          <p:cNvSpPr txBox="1">
+            <a:spLocks noChangeArrowheads="1"/>
+          </p:cNvSpPr>
+          <p:nvPr/>
+        </p:nvSpPr>
+        <p:spPr bwMode="auto">
+          <a:xfrm>
+            <a:off x="12118" y="84217"/>
+            <a:ext cx="8736346" cy="830997"/>
+          </a:xfrm>
+          <a:prstGeom prst="rect">
+            <a:avLst/>
+          </a:prstGeom>
+          <a:noFill/>
+          <a:ln>
+            <a:noFill/>
+          </a:ln>
+          <a:extLst>
+            <a:ext uri="{909E8E84-426E-40DD-AFC4-6F175D3DCCD1}">
+              <a14:hiddenFill xmlns:a14="http://schemas.microsoft.com/office/drawing/2010/main">
+                <a:solidFill>
+                  <a:srgbClr val="FFFFFF"/>
+                </a:solidFill>
+              </a14:hiddenFill>
+            </a:ext>
+            <a:ext uri="{91240B29-F687-4F45-9708-019B960494DF}">
+              <a14:hiddenLine xmlns:a14="http://schemas.microsoft.com/office/drawing/2010/main" w="9525">
+                <a:solidFill>
+                  <a:srgbClr val="000000"/>
+                </a:solidFill>
+                <a:miter lim="800000"/>
+                <a:headEnd/>
+                <a:tailEnd/>
+              </a14:hiddenLine>
+            </a:ext>
+          </a:extLst>
+        </p:spPr>
+        <p:txBody>
+          <a:bodyPr wrap="square">
+            <a:spAutoFit/>
+          </a:bodyPr>
+          <a:lstStyle>
+            <a:lvl1pPr eaLnBrk="0" hangingPunct="0">
+              <a:defRPr>
+                <a:solidFill>
+                  <a:schemeClr val="tx1"/>
+                </a:solidFill>
+                <a:latin typeface="Arial" panose="020B0604020202020204" pitchFamily="34" charset="0"/>
+                <a:ea typeface="宋体" panose="02010600030101010101" pitchFamily="2" charset="-122"/>
+              </a:defRPr>
+            </a:lvl1pPr>
+            <a:lvl2pPr marL="742950" indent="-285750" eaLnBrk="0" hangingPunct="0">
+              <a:defRPr>
+                <a:solidFill>
+                  <a:schemeClr val="tx1"/>
+                </a:solidFill>
+                <a:latin typeface="Arial" panose="020B0604020202020204" pitchFamily="34" charset="0"/>
+                <a:ea typeface="宋体" panose="02010600030101010101" pitchFamily="2" charset="-122"/>
+              </a:defRPr>
+            </a:lvl2pPr>
+            <a:lvl3pPr marL="1143000" indent="-228600" eaLnBrk="0" hangingPunct="0">
+              <a:defRPr>
+                <a:solidFill>
+                  <a:schemeClr val="tx1"/>
+                </a:solidFill>
+                <a:latin typeface="Arial" panose="020B0604020202020204" pitchFamily="34" charset="0"/>
+                <a:ea typeface="宋体" panose="02010600030101010101" pitchFamily="2" charset="-122"/>
+              </a:defRPr>
+            </a:lvl3pPr>
+            <a:lvl4pPr marL="1600200" indent="-228600" eaLnBrk="0" hangingPunct="0">
+              <a:defRPr>
+                <a:solidFill>
+                  <a:schemeClr val="tx1"/>
+                </a:solidFill>
+                <a:latin typeface="Arial" panose="020B0604020202020204" pitchFamily="34" charset="0"/>
+                <a:ea typeface="宋体" panose="02010600030101010101" pitchFamily="2" charset="-122"/>
+              </a:defRPr>
+            </a:lvl4pPr>
+            <a:lvl5pPr marL="2057400" indent="-228600" eaLnBrk="0" hangingPunct="0">
+              <a:defRPr>
+                <a:solidFill>
+                  <a:schemeClr val="tx1"/>
+                </a:solidFill>
+                <a:latin typeface="Arial" panose="020B0604020202020204" pitchFamily="34" charset="0"/>
+                <a:ea typeface="宋体" panose="02010600030101010101" pitchFamily="2" charset="-122"/>
+              </a:defRPr>
+            </a:lvl5pPr>
+            <a:lvl6pPr marL="2514600" indent="-228600" eaLnBrk="0" fontAlgn="base" hangingPunct="0">
+              <a:spcBef>
+                <a:spcPct val="0"/>
+              </a:spcBef>
+              <a:spcAft>
+                <a:spcPct val="0"/>
+              </a:spcAft>
+              <a:defRPr>
+                <a:solidFill>
+                  <a:schemeClr val="tx1"/>
+                </a:solidFill>
+                <a:latin typeface="Arial" panose="020B0604020202020204" pitchFamily="34" charset="0"/>
+                <a:ea typeface="宋体" panose="02010600030101010101" pitchFamily="2" charset="-122"/>
+              </a:defRPr>
+            </a:lvl6pPr>
+            <a:lvl7pPr marL="2971800" indent="-228600" eaLnBrk="0" fontAlgn="base" hangingPunct="0">
+              <a:spcBef>
+                <a:spcPct val="0"/>
+              </a:spcBef>
+              <a:spcAft>
+                <a:spcPct val="0"/>
+              </a:spcAft>
+              <a:defRPr>
+                <a:solidFill>
+                  <a:schemeClr val="tx1"/>
+                </a:solidFill>
+                <a:latin typeface="Arial" panose="020B0604020202020204" pitchFamily="34" charset="0"/>
+                <a:ea typeface="宋体" panose="02010600030101010101" pitchFamily="2" charset="-122"/>
+              </a:defRPr>
+            </a:lvl7pPr>
+            <a:lvl8pPr marL="3429000" indent="-228600" eaLnBrk="0" fontAlgn="base" hangingPunct="0">
+              <a:spcBef>
+                <a:spcPct val="0"/>
+              </a:spcBef>
+              <a:spcAft>
+                <a:spcPct val="0"/>
+              </a:spcAft>
+              <a:defRPr>
+                <a:solidFill>
+                  <a:schemeClr val="tx1"/>
+                </a:solidFill>
+                <a:latin typeface="Arial" panose="020B0604020202020204" pitchFamily="34" charset="0"/>
+                <a:ea typeface="宋体" panose="02010600030101010101" pitchFamily="2" charset="-122"/>
+              </a:defRPr>
+            </a:lvl8pPr>
+            <a:lvl9pPr marL="3886200" indent="-228600" eaLnBrk="0" fontAlgn="base" hangingPunct="0">
+              <a:spcBef>
+                <a:spcPct val="0"/>
+              </a:spcBef>
+              <a:spcAft>
+                <a:spcPct val="0"/>
+              </a:spcAft>
+              <a:defRPr>
+                <a:solidFill>
+                  <a:schemeClr val="tx1"/>
+                </a:solidFill>
+                <a:latin typeface="Arial" panose="020B0604020202020204" pitchFamily="34" charset="0"/>
+                <a:ea typeface="宋体" panose="02010600030101010101" pitchFamily="2" charset="-122"/>
+              </a:defRPr>
+            </a:lvl9pPr>
+          </a:lstStyle>
+          <a:p>
+            <a:pPr eaLnBrk="1" hangingPunct="1"/>
+            <a:r>
+              <a:rPr lang="zh-CN" altLang="en-US" sz="4800" dirty="0">
+                <a:solidFill>
+                  <a:schemeClr val="bg1"/>
+                </a:solidFill>
+                <a:latin typeface="微软雅黑" panose="020B0503020204020204" pitchFamily="34" charset="-122"/>
+                <a:ea typeface="微软雅黑" panose="020B0503020204020204" pitchFamily="34" charset="-122"/>
+              </a:rPr>
+              <a:t>基本数据结构 </a:t>
+            </a:r>
+            <a:r>
+              <a:rPr lang="en-US" altLang="zh-CN" sz="4800" dirty="0">
+                <a:solidFill>
+                  <a:schemeClr val="bg1"/>
+                </a:solidFill>
+                <a:latin typeface="微软雅黑" pitchFamily="34" charset="-122"/>
+                <a:ea typeface="微软雅黑" pitchFamily="34" charset="-122"/>
+              </a:rPr>
+              <a:t>- set (</a:t>
+            </a:r>
+            <a:r>
+              <a:rPr lang="zh-CN" altLang="en-US" sz="4800" dirty="0">
+                <a:solidFill>
+                  <a:schemeClr val="bg1"/>
+                </a:solidFill>
+                <a:latin typeface="微软雅黑" pitchFamily="34" charset="-122"/>
+                <a:ea typeface="微软雅黑" pitchFamily="34" charset="-122"/>
+              </a:rPr>
+              <a:t>集合</a:t>
+            </a:r>
+            <a:r>
+              <a:rPr lang="en-US" altLang="zh-CN" sz="4800" dirty="0">
+                <a:solidFill>
+                  <a:schemeClr val="bg1"/>
+                </a:solidFill>
+                <a:latin typeface="微软雅黑" pitchFamily="34" charset="-122"/>
+                <a:ea typeface="微软雅黑" pitchFamily="34" charset="-122"/>
+              </a:rPr>
+              <a:t>)</a:t>
+            </a:r>
+            <a:endParaRPr lang="zh-CN" altLang="en-US" sz="4800" dirty="0">
+              <a:solidFill>
+                <a:schemeClr val="bg1"/>
+              </a:solidFill>
+              <a:latin typeface="微软雅黑" panose="020B0503020204020204" pitchFamily="34" charset="-122"/>
+              <a:ea typeface="微软雅黑" panose="020B0503020204020204" pitchFamily="34" charset="-122"/>
+            </a:endParaRPr>
+          </a:p>
+        </p:txBody>
+      </p:sp>
+      <p:sp>
+        <p:nvSpPr>
+          <p:cNvPr id="10" name="TextBox 9">
+            <a:extLst>
+              <a:ext uri="{FF2B5EF4-FFF2-40B4-BE49-F238E27FC236}">
+                <a16:creationId xmlns:a16="http://schemas.microsoft.com/office/drawing/2014/main" id="{6C65DFA7-0E5F-49E5-88D4-5AD68B41A2B2}"/>
+              </a:ext>
+            </a:extLst>
+          </p:cNvPr>
+          <p:cNvSpPr txBox="1"/>
+          <p:nvPr/>
+        </p:nvSpPr>
+        <p:spPr>
+          <a:xfrm>
+            <a:off x="35496" y="908720"/>
+            <a:ext cx="9096385" cy="646331"/>
+          </a:xfrm>
+          <a:prstGeom prst="rect">
+            <a:avLst/>
+          </a:prstGeom>
+          <a:noFill/>
+        </p:spPr>
+        <p:txBody>
+          <a:bodyPr wrap="square">
+            <a:spAutoFit/>
+          </a:bodyPr>
+          <a:lstStyle/>
+          <a:p>
+            <a:pPr>
+              <a:defRPr/>
+            </a:pPr>
+            <a:r>
+              <a:rPr lang="en-US" altLang="zh-CN" sz="3600" dirty="0">
+                <a:solidFill>
+                  <a:schemeClr val="bg1"/>
+                </a:solidFill>
+                <a:latin typeface="微软雅黑" pitchFamily="34" charset="-122"/>
+                <a:ea typeface="微软雅黑" pitchFamily="34" charset="-122"/>
+              </a:rPr>
+              <a:t>	</a:t>
+            </a:r>
+            <a:endParaRPr lang="en-US" sz="3600" dirty="0">
+              <a:solidFill>
+                <a:schemeClr val="bg1"/>
+              </a:solidFill>
+              <a:latin typeface="微软雅黑" pitchFamily="34" charset="-122"/>
+              <a:ea typeface="微软雅黑" pitchFamily="34" charset="-122"/>
+            </a:endParaRPr>
+          </a:p>
+        </p:txBody>
+      </p:sp>
+      <p:pic>
+        <p:nvPicPr>
+          <p:cNvPr id="2" name="Picture 1">
+            <a:extLst>
+              <a:ext uri="{FF2B5EF4-FFF2-40B4-BE49-F238E27FC236}">
+                <a16:creationId xmlns:a16="http://schemas.microsoft.com/office/drawing/2014/main" id="{494D791B-702E-461E-B84E-1BE53F130DF1}"/>
+              </a:ext>
+            </a:extLst>
+          </p:cNvPr>
+          <p:cNvPicPr>
+            <a:picLocks noChangeAspect="1"/>
+          </p:cNvPicPr>
+          <p:nvPr/>
+        </p:nvPicPr>
+        <p:blipFill>
+          <a:blip r:embed="rId2"/>
+          <a:stretch>
+            <a:fillRect/>
+          </a:stretch>
+        </p:blipFill>
+        <p:spPr>
+          <a:xfrm>
+            <a:off x="1583668" y="836712"/>
+            <a:ext cx="5976664" cy="2177020"/>
+          </a:xfrm>
+          <a:prstGeom prst="rect">
+            <a:avLst/>
+          </a:prstGeom>
+        </p:spPr>
+      </p:pic>
+      <p:pic>
+        <p:nvPicPr>
+          <p:cNvPr id="3" name="Picture 2">
+            <a:extLst>
+              <a:ext uri="{FF2B5EF4-FFF2-40B4-BE49-F238E27FC236}">
+                <a16:creationId xmlns:a16="http://schemas.microsoft.com/office/drawing/2014/main" id="{27ABCC4E-11F0-490E-B245-1556A28CAFAE}"/>
+              </a:ext>
+            </a:extLst>
+          </p:cNvPr>
+          <p:cNvPicPr>
+            <a:picLocks noChangeAspect="1"/>
+          </p:cNvPicPr>
+          <p:nvPr/>
+        </p:nvPicPr>
+        <p:blipFill>
+          <a:blip r:embed="rId3"/>
+          <a:stretch>
+            <a:fillRect/>
+          </a:stretch>
+        </p:blipFill>
+        <p:spPr>
+          <a:xfrm>
+            <a:off x="611560" y="3140968"/>
+            <a:ext cx="7723371" cy="2574457"/>
+          </a:xfrm>
+          <a:prstGeom prst="rect">
+            <a:avLst/>
+          </a:prstGeom>
+        </p:spPr>
+      </p:pic>
+    </p:spTree>
+    <p:extLst>
+      <p:ext uri="{BB962C8B-B14F-4D97-AF65-F5344CB8AC3E}">
+        <p14:creationId xmlns:p14="http://schemas.microsoft.com/office/powerpoint/2010/main" val="293248041"/>
+      </p:ext>
+    </p:extLst>
+  </p:cSld>
+  <p:clrMapOvr>
+    <a:masterClrMapping/>
+  </p:clrMapOvr>
+</p:sld>
+</file>
+
+<file path=ppt/slides/slide12.xml><?xml version="1.0" encoding="utf-8"?>
+<p:sld xmlns:a="http://schemas.openxmlformats.org/drawingml/2006/main" xmlns:r="http://schemas.openxmlformats.org/officeDocument/2006/relationships" xmlns:p="http://schemas.openxmlformats.org/presentationml/2006/main">
+  <p:cSld>
+    <p:spTree>
+      <p:nvGrpSpPr>
+        <p:cNvPr id="1" name=""/>
+        <p:cNvGrpSpPr/>
+        <p:nvPr/>
+      </p:nvGrpSpPr>
+      <p:grpSpPr>
+        <a:xfrm>
+          <a:off x="0" y="0"/>
+          <a:ext cx="0" cy="0"/>
+          <a:chOff x="0" y="0"/>
+          <a:chExt cx="0" cy="0"/>
+        </a:xfrm>
+      </p:grpSpPr>
+      <p:sp>
+        <p:nvSpPr>
+          <p:cNvPr id="4098" name="TextBox 2">
+            <a:extLst>
+              <a:ext uri="{FF2B5EF4-FFF2-40B4-BE49-F238E27FC236}">
+                <a16:creationId xmlns:a16="http://schemas.microsoft.com/office/drawing/2014/main" id="{5552ED83-0001-4E47-A09B-F49C592A8E24}"/>
+              </a:ext>
+            </a:extLst>
+          </p:cNvPr>
+          <p:cNvSpPr txBox="1">
+            <a:spLocks noChangeArrowheads="1"/>
+          </p:cNvSpPr>
+          <p:nvPr/>
+        </p:nvSpPr>
+        <p:spPr bwMode="auto">
+          <a:xfrm>
+            <a:off x="12118" y="84217"/>
+            <a:ext cx="8736346" cy="830997"/>
+          </a:xfrm>
+          <a:prstGeom prst="rect">
+            <a:avLst/>
+          </a:prstGeom>
+          <a:noFill/>
+          <a:ln>
+            <a:noFill/>
+          </a:ln>
+          <a:extLst>
+            <a:ext uri="{909E8E84-426E-40DD-AFC4-6F175D3DCCD1}">
+              <a14:hiddenFill xmlns:a14="http://schemas.microsoft.com/office/drawing/2010/main">
+                <a:solidFill>
+                  <a:srgbClr val="FFFFFF"/>
+                </a:solidFill>
+              </a14:hiddenFill>
+            </a:ext>
+            <a:ext uri="{91240B29-F687-4F45-9708-019B960494DF}">
+              <a14:hiddenLine xmlns:a14="http://schemas.microsoft.com/office/drawing/2010/main" w="9525">
+                <a:solidFill>
+                  <a:srgbClr val="000000"/>
+                </a:solidFill>
+                <a:miter lim="800000"/>
+                <a:headEnd/>
+                <a:tailEnd/>
+              </a14:hiddenLine>
+            </a:ext>
+          </a:extLst>
+        </p:spPr>
+        <p:txBody>
+          <a:bodyPr wrap="square">
+            <a:spAutoFit/>
+          </a:bodyPr>
+          <a:lstStyle>
+            <a:lvl1pPr eaLnBrk="0" hangingPunct="0">
+              <a:defRPr>
+                <a:solidFill>
+                  <a:schemeClr val="tx1"/>
+                </a:solidFill>
+                <a:latin typeface="Arial" panose="020B0604020202020204" pitchFamily="34" charset="0"/>
+                <a:ea typeface="宋体" panose="02010600030101010101" pitchFamily="2" charset="-122"/>
+              </a:defRPr>
+            </a:lvl1pPr>
+            <a:lvl2pPr marL="742950" indent="-285750" eaLnBrk="0" hangingPunct="0">
+              <a:defRPr>
+                <a:solidFill>
+                  <a:schemeClr val="tx1"/>
+                </a:solidFill>
+                <a:latin typeface="Arial" panose="020B0604020202020204" pitchFamily="34" charset="0"/>
+                <a:ea typeface="宋体" panose="02010600030101010101" pitchFamily="2" charset="-122"/>
+              </a:defRPr>
+            </a:lvl2pPr>
+            <a:lvl3pPr marL="1143000" indent="-228600" eaLnBrk="0" hangingPunct="0">
+              <a:defRPr>
+                <a:solidFill>
+                  <a:schemeClr val="tx1"/>
+                </a:solidFill>
+                <a:latin typeface="Arial" panose="020B0604020202020204" pitchFamily="34" charset="0"/>
+                <a:ea typeface="宋体" panose="02010600030101010101" pitchFamily="2" charset="-122"/>
+              </a:defRPr>
+            </a:lvl3pPr>
+            <a:lvl4pPr marL="1600200" indent="-228600" eaLnBrk="0" hangingPunct="0">
+              <a:defRPr>
+                <a:solidFill>
+                  <a:schemeClr val="tx1"/>
+                </a:solidFill>
+                <a:latin typeface="Arial" panose="020B0604020202020204" pitchFamily="34" charset="0"/>
+                <a:ea typeface="宋体" panose="02010600030101010101" pitchFamily="2" charset="-122"/>
+              </a:defRPr>
+            </a:lvl4pPr>
+            <a:lvl5pPr marL="2057400" indent="-228600" eaLnBrk="0" hangingPunct="0">
+              <a:defRPr>
+                <a:solidFill>
+                  <a:schemeClr val="tx1"/>
+                </a:solidFill>
+                <a:latin typeface="Arial" panose="020B0604020202020204" pitchFamily="34" charset="0"/>
+                <a:ea typeface="宋体" panose="02010600030101010101" pitchFamily="2" charset="-122"/>
+              </a:defRPr>
+            </a:lvl5pPr>
+            <a:lvl6pPr marL="2514600" indent="-228600" eaLnBrk="0" fontAlgn="base" hangingPunct="0">
+              <a:spcBef>
+                <a:spcPct val="0"/>
+              </a:spcBef>
+              <a:spcAft>
+                <a:spcPct val="0"/>
+              </a:spcAft>
+              <a:defRPr>
+                <a:solidFill>
+                  <a:schemeClr val="tx1"/>
+                </a:solidFill>
+                <a:latin typeface="Arial" panose="020B0604020202020204" pitchFamily="34" charset="0"/>
+                <a:ea typeface="宋体" panose="02010600030101010101" pitchFamily="2" charset="-122"/>
+              </a:defRPr>
+            </a:lvl6pPr>
+            <a:lvl7pPr marL="2971800" indent="-228600" eaLnBrk="0" fontAlgn="base" hangingPunct="0">
+              <a:spcBef>
+                <a:spcPct val="0"/>
+              </a:spcBef>
+              <a:spcAft>
+                <a:spcPct val="0"/>
+              </a:spcAft>
+              <a:defRPr>
+                <a:solidFill>
+                  <a:schemeClr val="tx1"/>
+                </a:solidFill>
+                <a:latin typeface="Arial" panose="020B0604020202020204" pitchFamily="34" charset="0"/>
+                <a:ea typeface="宋体" panose="02010600030101010101" pitchFamily="2" charset="-122"/>
+              </a:defRPr>
+            </a:lvl7pPr>
+            <a:lvl8pPr marL="3429000" indent="-228600" eaLnBrk="0" fontAlgn="base" hangingPunct="0">
+              <a:spcBef>
+                <a:spcPct val="0"/>
+              </a:spcBef>
+              <a:spcAft>
+                <a:spcPct val="0"/>
+              </a:spcAft>
+              <a:defRPr>
+                <a:solidFill>
+                  <a:schemeClr val="tx1"/>
+                </a:solidFill>
+                <a:latin typeface="Arial" panose="020B0604020202020204" pitchFamily="34" charset="0"/>
+                <a:ea typeface="宋体" panose="02010600030101010101" pitchFamily="2" charset="-122"/>
+              </a:defRPr>
+            </a:lvl8pPr>
+            <a:lvl9pPr marL="3886200" indent="-228600" eaLnBrk="0" fontAlgn="base" hangingPunct="0">
+              <a:spcBef>
+                <a:spcPct val="0"/>
+              </a:spcBef>
+              <a:spcAft>
+                <a:spcPct val="0"/>
+              </a:spcAft>
+              <a:defRPr>
+                <a:solidFill>
+                  <a:schemeClr val="tx1"/>
+                </a:solidFill>
+                <a:latin typeface="Arial" panose="020B0604020202020204" pitchFamily="34" charset="0"/>
+                <a:ea typeface="宋体" panose="02010600030101010101" pitchFamily="2" charset="-122"/>
+              </a:defRPr>
+            </a:lvl9pPr>
+          </a:lstStyle>
+          <a:p>
+            <a:pPr eaLnBrk="1" hangingPunct="1"/>
+            <a:r>
+              <a:rPr lang="zh-CN" altLang="en-US" sz="4800" dirty="0">
+                <a:solidFill>
+                  <a:schemeClr val="bg1"/>
+                </a:solidFill>
+                <a:latin typeface="微软雅黑" panose="020B0503020204020204" pitchFamily="34" charset="-122"/>
+                <a:ea typeface="微软雅黑" panose="020B0503020204020204" pitchFamily="34" charset="-122"/>
+              </a:rPr>
+              <a:t>基本数据结构 </a:t>
+            </a:r>
+            <a:r>
+              <a:rPr lang="en-US" altLang="zh-CN" sz="4800" dirty="0">
+                <a:solidFill>
+                  <a:schemeClr val="bg1"/>
+                </a:solidFill>
+                <a:latin typeface="微软雅黑" pitchFamily="34" charset="-122"/>
+                <a:ea typeface="微软雅黑" pitchFamily="34" charset="-122"/>
+              </a:rPr>
+              <a:t>- </a:t>
+            </a:r>
+            <a:r>
+              <a:rPr lang="en-US" altLang="zh-CN" sz="4800" dirty="0" err="1">
+                <a:solidFill>
+                  <a:schemeClr val="bg1"/>
+                </a:solidFill>
+                <a:latin typeface="微软雅黑" pitchFamily="34" charset="-122"/>
+                <a:ea typeface="微软雅黑" pitchFamily="34" charset="-122"/>
+              </a:rPr>
+              <a:t>zset</a:t>
+            </a:r>
+            <a:r>
+              <a:rPr lang="en-US" altLang="zh-CN" sz="4800" dirty="0">
+                <a:solidFill>
+                  <a:schemeClr val="bg1"/>
+                </a:solidFill>
+                <a:latin typeface="微软雅黑" pitchFamily="34" charset="-122"/>
+                <a:ea typeface="微软雅黑" pitchFamily="34" charset="-122"/>
+              </a:rPr>
+              <a:t> (</a:t>
+            </a:r>
+            <a:r>
+              <a:rPr lang="zh-CN" altLang="en-US" sz="4800" dirty="0">
+                <a:solidFill>
+                  <a:schemeClr val="bg1"/>
+                </a:solidFill>
+                <a:latin typeface="微软雅黑" pitchFamily="34" charset="-122"/>
+                <a:ea typeface="微软雅黑" pitchFamily="34" charset="-122"/>
+              </a:rPr>
+              <a:t>有序集合</a:t>
+            </a:r>
+            <a:r>
+              <a:rPr lang="en-US" altLang="zh-CN" sz="4800" dirty="0">
+                <a:solidFill>
+                  <a:schemeClr val="bg1"/>
+                </a:solidFill>
+                <a:latin typeface="微软雅黑" pitchFamily="34" charset="-122"/>
+                <a:ea typeface="微软雅黑" pitchFamily="34" charset="-122"/>
+              </a:rPr>
+              <a:t>)</a:t>
+            </a:r>
+            <a:endParaRPr lang="zh-CN" altLang="en-US" sz="4800" dirty="0">
+              <a:solidFill>
+                <a:schemeClr val="bg1"/>
+              </a:solidFill>
+              <a:latin typeface="微软雅黑" panose="020B0503020204020204" pitchFamily="34" charset="-122"/>
+              <a:ea typeface="微软雅黑" panose="020B0503020204020204" pitchFamily="34" charset="-122"/>
+            </a:endParaRPr>
+          </a:p>
+        </p:txBody>
+      </p:sp>
+      <p:sp>
+        <p:nvSpPr>
+          <p:cNvPr id="10" name="TextBox 9">
+            <a:extLst>
+              <a:ext uri="{FF2B5EF4-FFF2-40B4-BE49-F238E27FC236}">
+                <a16:creationId xmlns:a16="http://schemas.microsoft.com/office/drawing/2014/main" id="{6C65DFA7-0E5F-49E5-88D4-5AD68B41A2B2}"/>
+              </a:ext>
+            </a:extLst>
+          </p:cNvPr>
+          <p:cNvSpPr txBox="1"/>
+          <p:nvPr/>
+        </p:nvSpPr>
+        <p:spPr>
+          <a:xfrm>
+            <a:off x="35496" y="908720"/>
+            <a:ext cx="9096385" cy="646331"/>
+          </a:xfrm>
+          <a:prstGeom prst="rect">
+            <a:avLst/>
+          </a:prstGeom>
+          <a:noFill/>
+        </p:spPr>
+        <p:txBody>
+          <a:bodyPr wrap="square">
+            <a:spAutoFit/>
+          </a:bodyPr>
+          <a:lstStyle/>
+          <a:p>
+            <a:pPr>
+              <a:defRPr/>
+            </a:pPr>
+            <a:r>
+              <a:rPr lang="en-US" altLang="zh-CN" sz="3600" dirty="0">
+                <a:solidFill>
+                  <a:schemeClr val="bg1"/>
+                </a:solidFill>
+                <a:latin typeface="微软雅黑" pitchFamily="34" charset="-122"/>
+                <a:ea typeface="微软雅黑" pitchFamily="34" charset="-122"/>
+              </a:rPr>
+              <a:t>	</a:t>
+            </a:r>
+            <a:endParaRPr lang="en-US" sz="3600" dirty="0">
+              <a:solidFill>
+                <a:schemeClr val="bg1"/>
+              </a:solidFill>
+              <a:latin typeface="微软雅黑" pitchFamily="34" charset="-122"/>
+              <a:ea typeface="微软雅黑" pitchFamily="34" charset="-122"/>
+            </a:endParaRPr>
+          </a:p>
+        </p:txBody>
+      </p:sp>
+      <p:pic>
+        <p:nvPicPr>
+          <p:cNvPr id="4" name="Picture 3">
+            <a:extLst>
+              <a:ext uri="{FF2B5EF4-FFF2-40B4-BE49-F238E27FC236}">
+                <a16:creationId xmlns:a16="http://schemas.microsoft.com/office/drawing/2014/main" id="{40DD42E3-FB9F-42C2-ADF2-94FC7F0F5F41}"/>
+              </a:ext>
+            </a:extLst>
+          </p:cNvPr>
+          <p:cNvPicPr>
+            <a:picLocks noChangeAspect="1"/>
+          </p:cNvPicPr>
+          <p:nvPr/>
+        </p:nvPicPr>
+        <p:blipFill>
+          <a:blip r:embed="rId2"/>
+          <a:stretch>
+            <a:fillRect/>
+          </a:stretch>
+        </p:blipFill>
+        <p:spPr>
+          <a:xfrm>
+            <a:off x="1187624" y="908720"/>
+            <a:ext cx="6377203" cy="2328461"/>
+          </a:xfrm>
+          <a:prstGeom prst="rect">
+            <a:avLst/>
+          </a:prstGeom>
+        </p:spPr>
+      </p:pic>
+      <p:pic>
+        <p:nvPicPr>
+          <p:cNvPr id="5" name="Picture 4">
+            <a:extLst>
+              <a:ext uri="{FF2B5EF4-FFF2-40B4-BE49-F238E27FC236}">
+                <a16:creationId xmlns:a16="http://schemas.microsoft.com/office/drawing/2014/main" id="{064E21B1-88C2-401A-868E-CA921AC5FCC3}"/>
+              </a:ext>
+            </a:extLst>
+          </p:cNvPr>
+          <p:cNvPicPr>
+            <a:picLocks noChangeAspect="1"/>
+          </p:cNvPicPr>
+          <p:nvPr/>
+        </p:nvPicPr>
+        <p:blipFill>
+          <a:blip r:embed="rId3"/>
+          <a:stretch>
+            <a:fillRect/>
+          </a:stretch>
+        </p:blipFill>
+        <p:spPr>
+          <a:xfrm>
+            <a:off x="1547664" y="3429000"/>
+            <a:ext cx="5896264" cy="3195577"/>
+          </a:xfrm>
+          <a:prstGeom prst="rect">
+            <a:avLst/>
+          </a:prstGeom>
+        </p:spPr>
+      </p:pic>
+    </p:spTree>
+    <p:extLst>
+      <p:ext uri="{BB962C8B-B14F-4D97-AF65-F5344CB8AC3E}">
+        <p14:creationId xmlns:p14="http://schemas.microsoft.com/office/powerpoint/2010/main" val="3392874352"/>
+      </p:ext>
+    </p:extLst>
+  </p:cSld>
+  <p:clrMapOvr>
+    <a:masterClrMapping/>
+  </p:clrMapOvr>
+</p:sld>
+</file>
+
+<file path=ppt/slides/slide13.xml><?xml version="1.0" encoding="utf-8"?>
+<p:sld xmlns:a="http://schemas.openxmlformats.org/drawingml/2006/main" xmlns:r="http://schemas.openxmlformats.org/officeDocument/2006/relationships" xmlns:p="http://schemas.openxmlformats.org/presentationml/2006/main">
+  <p:cSld>
+    <p:spTree>
+      <p:nvGrpSpPr>
+        <p:cNvPr id="1" name=""/>
+        <p:cNvGrpSpPr/>
+        <p:nvPr/>
+      </p:nvGrpSpPr>
+      <p:grpSpPr>
+        <a:xfrm>
+          <a:off x="0" y="0"/>
+          <a:ext cx="0" cy="0"/>
+          <a:chOff x="0" y="0"/>
+          <a:chExt cx="0" cy="0"/>
+        </a:xfrm>
+      </p:grpSpPr>
+      <p:sp>
+        <p:nvSpPr>
+          <p:cNvPr id="5122" name="Rectangle 2">
+            <a:extLst>
+              <a:ext uri="{FF2B5EF4-FFF2-40B4-BE49-F238E27FC236}">
+                <a16:creationId xmlns:a16="http://schemas.microsoft.com/office/drawing/2014/main" id="{DA0A6638-A01B-4ADE-AF93-1C7B857D9914}"/>
+              </a:ext>
+            </a:extLst>
+          </p:cNvPr>
+          <p:cNvSpPr>
+            <a:spLocks noGrp="1" noChangeArrowheads="1"/>
+          </p:cNvSpPr>
+          <p:nvPr>
+            <p:ph type="ctrTitle"/>
+          </p:nvPr>
+        </p:nvSpPr>
+        <p:spPr>
+          <a:xfrm>
+            <a:off x="684213" y="2133600"/>
+            <a:ext cx="7847012" cy="2159000"/>
+          </a:xfrm>
+        </p:spPr>
+        <p:txBody>
+          <a:bodyPr/>
+          <a:lstStyle/>
+          <a:p>
+            <a:pPr eaLnBrk="1" hangingPunct="1"/>
+            <a:br>
+              <a:rPr lang="en-US" altLang="zh-CN" sz="8000" dirty="0">
+                <a:solidFill>
+                  <a:schemeClr val="bg1"/>
+                </a:solidFill>
+                <a:ea typeface="微软雅黑" panose="020B0503020204020204" pitchFamily="34" charset="-122"/>
+              </a:rPr>
+            </a:br>
+            <a:r>
+              <a:rPr lang="zh-CN" altLang="en-US" sz="6600" dirty="0">
+                <a:solidFill>
+                  <a:schemeClr val="bg1"/>
+                </a:solidFill>
+                <a:latin typeface="微软雅黑" pitchFamily="34" charset="-122"/>
+                <a:ea typeface="微软雅黑" pitchFamily="34" charset="-122"/>
+              </a:rPr>
+              <a:t>基本使用场景</a:t>
+            </a:r>
+            <a:br>
+              <a:rPr lang="zh-CN" altLang="en-US" sz="7200" dirty="0">
+                <a:solidFill>
+                  <a:schemeClr val="bg1"/>
+                </a:solidFill>
+                <a:ea typeface="微软雅黑" panose="020B0503020204020204" pitchFamily="34" charset="-122"/>
+              </a:rPr>
+            </a:br>
+            <a:endParaRPr lang="zh-CN" altLang="en-US" sz="7200" dirty="0">
+              <a:solidFill>
+                <a:schemeClr val="bg1"/>
+              </a:solidFill>
+              <a:ea typeface="微软雅黑" panose="020B0503020204020204" pitchFamily="34" charset="-122"/>
+            </a:endParaRPr>
+          </a:p>
+        </p:txBody>
+      </p:sp>
+    </p:spTree>
+    <p:extLst>
+      <p:ext uri="{BB962C8B-B14F-4D97-AF65-F5344CB8AC3E}">
+        <p14:creationId xmlns:p14="http://schemas.microsoft.com/office/powerpoint/2010/main" val="2278152324"/>
+      </p:ext>
+    </p:extLst>
+  </p:cSld>
+  <p:clrMapOvr>
+    <a:masterClrMapping/>
+  </p:clrMapOvr>
+</p:sld>
+</file>
+
+<file path=ppt/slides/slide14.xml><?xml version="1.0" encoding="utf-8"?>
+<p:sld xmlns:a="http://schemas.openxmlformats.org/drawingml/2006/main" xmlns:r="http://schemas.openxmlformats.org/officeDocument/2006/relationships" xmlns:p="http://schemas.openxmlformats.org/presentationml/2006/main">
+  <p:cSld>
+    <p:spTree>
+      <p:nvGrpSpPr>
+        <p:cNvPr id="1" name=""/>
+        <p:cNvGrpSpPr/>
+        <p:nvPr/>
+      </p:nvGrpSpPr>
+      <p:grpSpPr>
+        <a:xfrm>
+          <a:off x="0" y="0"/>
+          <a:ext cx="0" cy="0"/>
+          <a:chOff x="0" y="0"/>
+          <a:chExt cx="0" cy="0"/>
+        </a:xfrm>
+      </p:grpSpPr>
+      <p:sp>
+        <p:nvSpPr>
+          <p:cNvPr id="4098" name="TextBox 2">
+            <a:extLst>
+              <a:ext uri="{FF2B5EF4-FFF2-40B4-BE49-F238E27FC236}">
+                <a16:creationId xmlns:a16="http://schemas.microsoft.com/office/drawing/2014/main" id="{5552ED83-0001-4E47-A09B-F49C592A8E24}"/>
+              </a:ext>
+            </a:extLst>
+          </p:cNvPr>
+          <p:cNvSpPr txBox="1">
+            <a:spLocks noChangeArrowheads="1"/>
+          </p:cNvSpPr>
+          <p:nvPr/>
+        </p:nvSpPr>
+        <p:spPr bwMode="auto">
+          <a:xfrm>
+            <a:off x="12118" y="84217"/>
+            <a:ext cx="8736346" cy="830997"/>
+          </a:xfrm>
+          <a:prstGeom prst="rect">
+            <a:avLst/>
+          </a:prstGeom>
+          <a:noFill/>
+          <a:ln>
+            <a:noFill/>
+          </a:ln>
+          <a:extLst>
+            <a:ext uri="{909E8E84-426E-40DD-AFC4-6F175D3DCCD1}">
+              <a14:hiddenFill xmlns:a14="http://schemas.microsoft.com/office/drawing/2010/main">
+                <a:solidFill>
+                  <a:srgbClr val="FFFFFF"/>
+                </a:solidFill>
+              </a14:hiddenFill>
+            </a:ext>
+            <a:ext uri="{91240B29-F687-4F45-9708-019B960494DF}">
+              <a14:hiddenLine xmlns:a14="http://schemas.microsoft.com/office/drawing/2010/main" w="9525">
+                <a:solidFill>
+                  <a:srgbClr val="000000"/>
+                </a:solidFill>
+                <a:miter lim="800000"/>
+                <a:headEnd/>
+                <a:tailEnd/>
+              </a14:hiddenLine>
+            </a:ext>
+          </a:extLst>
+        </p:spPr>
+        <p:txBody>
+          <a:bodyPr wrap="square">
+            <a:spAutoFit/>
+          </a:bodyPr>
+          <a:lstStyle>
+            <a:lvl1pPr eaLnBrk="0" hangingPunct="0">
+              <a:defRPr>
+                <a:solidFill>
+                  <a:schemeClr val="tx1"/>
+                </a:solidFill>
+                <a:latin typeface="Arial" panose="020B0604020202020204" pitchFamily="34" charset="0"/>
+                <a:ea typeface="宋体" panose="02010600030101010101" pitchFamily="2" charset="-122"/>
+              </a:defRPr>
+            </a:lvl1pPr>
+            <a:lvl2pPr marL="742950" indent="-285750" eaLnBrk="0" hangingPunct="0">
+              <a:defRPr>
+                <a:solidFill>
+                  <a:schemeClr val="tx1"/>
+                </a:solidFill>
+                <a:latin typeface="Arial" panose="020B0604020202020204" pitchFamily="34" charset="0"/>
+                <a:ea typeface="宋体" panose="02010600030101010101" pitchFamily="2" charset="-122"/>
+              </a:defRPr>
+            </a:lvl2pPr>
+            <a:lvl3pPr marL="1143000" indent="-228600" eaLnBrk="0" hangingPunct="0">
+              <a:defRPr>
+                <a:solidFill>
+                  <a:schemeClr val="tx1"/>
+                </a:solidFill>
+                <a:latin typeface="Arial" panose="020B0604020202020204" pitchFamily="34" charset="0"/>
+                <a:ea typeface="宋体" panose="02010600030101010101" pitchFamily="2" charset="-122"/>
+              </a:defRPr>
+            </a:lvl3pPr>
+            <a:lvl4pPr marL="1600200" indent="-228600" eaLnBrk="0" hangingPunct="0">
+              <a:defRPr>
+                <a:solidFill>
+                  <a:schemeClr val="tx1"/>
+                </a:solidFill>
+                <a:latin typeface="Arial" panose="020B0604020202020204" pitchFamily="34" charset="0"/>
+                <a:ea typeface="宋体" panose="02010600030101010101" pitchFamily="2" charset="-122"/>
+              </a:defRPr>
+            </a:lvl4pPr>
+            <a:lvl5pPr marL="2057400" indent="-228600" eaLnBrk="0" hangingPunct="0">
+              <a:defRPr>
+                <a:solidFill>
+                  <a:schemeClr val="tx1"/>
+                </a:solidFill>
+                <a:latin typeface="Arial" panose="020B0604020202020204" pitchFamily="34" charset="0"/>
+                <a:ea typeface="宋体" panose="02010600030101010101" pitchFamily="2" charset="-122"/>
+              </a:defRPr>
+            </a:lvl5pPr>
+            <a:lvl6pPr marL="2514600" indent="-228600" eaLnBrk="0" fontAlgn="base" hangingPunct="0">
+              <a:spcBef>
+                <a:spcPct val="0"/>
+              </a:spcBef>
+              <a:spcAft>
+                <a:spcPct val="0"/>
+              </a:spcAft>
+              <a:defRPr>
+                <a:solidFill>
+                  <a:schemeClr val="tx1"/>
+                </a:solidFill>
+                <a:latin typeface="Arial" panose="020B0604020202020204" pitchFamily="34" charset="0"/>
+                <a:ea typeface="宋体" panose="02010600030101010101" pitchFamily="2" charset="-122"/>
+              </a:defRPr>
+            </a:lvl6pPr>
+            <a:lvl7pPr marL="2971800" indent="-228600" eaLnBrk="0" fontAlgn="base" hangingPunct="0">
+              <a:spcBef>
+                <a:spcPct val="0"/>
+              </a:spcBef>
+              <a:spcAft>
+                <a:spcPct val="0"/>
+              </a:spcAft>
+              <a:defRPr>
+                <a:solidFill>
+                  <a:schemeClr val="tx1"/>
+                </a:solidFill>
+                <a:latin typeface="Arial" panose="020B0604020202020204" pitchFamily="34" charset="0"/>
+                <a:ea typeface="宋体" panose="02010600030101010101" pitchFamily="2" charset="-122"/>
+              </a:defRPr>
+            </a:lvl7pPr>
+            <a:lvl8pPr marL="3429000" indent="-228600" eaLnBrk="0" fontAlgn="base" hangingPunct="0">
+              <a:spcBef>
+                <a:spcPct val="0"/>
+              </a:spcBef>
+              <a:spcAft>
+                <a:spcPct val="0"/>
+              </a:spcAft>
+              <a:defRPr>
+                <a:solidFill>
+                  <a:schemeClr val="tx1"/>
+                </a:solidFill>
+                <a:latin typeface="Arial" panose="020B0604020202020204" pitchFamily="34" charset="0"/>
+                <a:ea typeface="宋体" panose="02010600030101010101" pitchFamily="2" charset="-122"/>
+              </a:defRPr>
+            </a:lvl8pPr>
+            <a:lvl9pPr marL="3886200" indent="-228600" eaLnBrk="0" fontAlgn="base" hangingPunct="0">
+              <a:spcBef>
+                <a:spcPct val="0"/>
+              </a:spcBef>
+              <a:spcAft>
+                <a:spcPct val="0"/>
+              </a:spcAft>
+              <a:defRPr>
+                <a:solidFill>
+                  <a:schemeClr val="tx1"/>
+                </a:solidFill>
+                <a:latin typeface="Arial" panose="020B0604020202020204" pitchFamily="34" charset="0"/>
+                <a:ea typeface="宋体" panose="02010600030101010101" pitchFamily="2" charset="-122"/>
+              </a:defRPr>
+            </a:lvl9pPr>
+          </a:lstStyle>
+          <a:p>
+            <a:pPr eaLnBrk="1" hangingPunct="1"/>
+            <a:r>
+              <a:rPr lang="zh-CN" altLang="en-US" sz="4800" dirty="0">
+                <a:solidFill>
+                  <a:schemeClr val="bg1"/>
+                </a:solidFill>
+                <a:latin typeface="微软雅黑" panose="020B0503020204020204" pitchFamily="34" charset="-122"/>
+                <a:ea typeface="微软雅黑" panose="020B0503020204020204" pitchFamily="34" charset="-122"/>
+              </a:rPr>
+              <a:t>基本使用场景 </a:t>
+            </a:r>
+            <a:r>
+              <a:rPr lang="en-US" altLang="zh-CN" sz="4800" dirty="0">
+                <a:solidFill>
+                  <a:schemeClr val="bg1"/>
+                </a:solidFill>
+                <a:latin typeface="微软雅黑" pitchFamily="34" charset="-122"/>
+                <a:ea typeface="微软雅黑" pitchFamily="34" charset="-122"/>
+              </a:rPr>
+              <a:t>– </a:t>
+            </a:r>
+            <a:r>
+              <a:rPr lang="zh-CN" altLang="en-US" sz="4800" dirty="0">
+                <a:solidFill>
+                  <a:schemeClr val="bg1"/>
+                </a:solidFill>
+                <a:latin typeface="微软雅黑" pitchFamily="34" charset="-122"/>
+                <a:ea typeface="微软雅黑" pitchFamily="34" charset="-122"/>
+              </a:rPr>
+              <a:t>业务常量</a:t>
+            </a:r>
+          </a:p>
+        </p:txBody>
+      </p:sp>
+      <p:sp>
+        <p:nvSpPr>
+          <p:cNvPr id="10" name="TextBox 9">
+            <a:extLst>
+              <a:ext uri="{FF2B5EF4-FFF2-40B4-BE49-F238E27FC236}">
+                <a16:creationId xmlns:a16="http://schemas.microsoft.com/office/drawing/2014/main" id="{6C65DFA7-0E5F-49E5-88D4-5AD68B41A2B2}"/>
+              </a:ext>
+            </a:extLst>
+          </p:cNvPr>
+          <p:cNvSpPr txBox="1"/>
+          <p:nvPr/>
+        </p:nvSpPr>
+        <p:spPr>
+          <a:xfrm>
+            <a:off x="35496" y="908720"/>
+            <a:ext cx="9096385" cy="1200329"/>
+          </a:xfrm>
+          <a:prstGeom prst="rect">
+            <a:avLst/>
+          </a:prstGeom>
+          <a:noFill/>
+        </p:spPr>
+        <p:txBody>
+          <a:bodyPr wrap="square">
+            <a:spAutoFit/>
+          </a:bodyPr>
+          <a:lstStyle/>
+          <a:p>
+            <a:pPr>
+              <a:defRPr/>
+            </a:pPr>
+            <a:r>
+              <a:rPr lang="en-US" altLang="zh-CN" sz="3600" dirty="0">
+                <a:solidFill>
+                  <a:schemeClr val="bg1"/>
+                </a:solidFill>
+                <a:latin typeface="微软雅黑" pitchFamily="34" charset="-122"/>
+                <a:ea typeface="微软雅黑" pitchFamily="34" charset="-122"/>
+              </a:rPr>
+              <a:t>	</a:t>
+            </a:r>
+            <a:r>
+              <a:rPr lang="zh-CN" altLang="en-US" sz="3600" dirty="0">
+                <a:solidFill>
+                  <a:schemeClr val="bg1"/>
+                </a:solidFill>
+                <a:latin typeface="微软雅黑" pitchFamily="34" charset="-122"/>
+                <a:ea typeface="微软雅黑" pitchFamily="34" charset="-122"/>
+              </a:rPr>
+              <a:t>地理信息、公司部门关系、员工层级关系</a:t>
+            </a:r>
+            <a:r>
+              <a:rPr lang="en-US" altLang="zh-CN" sz="3600" dirty="0">
+                <a:solidFill>
+                  <a:schemeClr val="bg1"/>
+                </a:solidFill>
+                <a:latin typeface="微软雅黑" pitchFamily="34" charset="-122"/>
+                <a:ea typeface="微软雅黑" pitchFamily="34" charset="-122"/>
+              </a:rPr>
+              <a:t>……</a:t>
+            </a:r>
+            <a:endParaRPr lang="en-US" sz="3600" dirty="0">
+              <a:solidFill>
+                <a:schemeClr val="bg1"/>
+              </a:solidFill>
+              <a:latin typeface="微软雅黑" pitchFamily="34" charset="-122"/>
+              <a:ea typeface="微软雅黑" pitchFamily="34" charset="-122"/>
+            </a:endParaRPr>
+          </a:p>
+        </p:txBody>
+      </p:sp>
+      <p:graphicFrame>
+        <p:nvGraphicFramePr>
+          <p:cNvPr id="2" name="Table 1">
+            <a:extLst>
+              <a:ext uri="{FF2B5EF4-FFF2-40B4-BE49-F238E27FC236}">
+                <a16:creationId xmlns:a16="http://schemas.microsoft.com/office/drawing/2014/main" id="{05D27D04-B01C-4BC9-8A24-A8D1D91B8BD9}"/>
+              </a:ext>
+            </a:extLst>
+          </p:cNvPr>
+          <p:cNvGraphicFramePr>
+            <a:graphicFrameLocks noGrp="1"/>
+          </p:cNvGraphicFramePr>
+          <p:nvPr>
+            <p:extLst>
+              <p:ext uri="{D42A27DB-BD31-4B8C-83A1-F6EECF244321}">
+                <p14:modId xmlns:p14="http://schemas.microsoft.com/office/powerpoint/2010/main" val="3909751791"/>
+              </p:ext>
+            </p:extLst>
+          </p:nvPr>
+        </p:nvGraphicFramePr>
+        <p:xfrm>
+          <a:off x="1524000" y="2019122"/>
+          <a:ext cx="6096000" cy="2656840"/>
+        </p:xfrm>
+        <a:graphic>
+          <a:graphicData uri="http://schemas.openxmlformats.org/drawingml/2006/table">
+            <a:tbl>
+              <a:tblPr firstRow="1" bandRow="1">
+                <a:tableStyleId>{073A0DAA-6AF3-43AB-8588-CEC1D06C72B9}</a:tableStyleId>
+              </a:tblPr>
+              <a:tblGrid>
+                <a:gridCol w="2032000">
+                  <a:extLst>
+                    <a:ext uri="{9D8B030D-6E8A-4147-A177-3AD203B41FA5}">
+                      <a16:colId xmlns:a16="http://schemas.microsoft.com/office/drawing/2014/main" val="1259915729"/>
+                    </a:ext>
+                  </a:extLst>
+                </a:gridCol>
+                <a:gridCol w="2032000">
+                  <a:extLst>
+                    <a:ext uri="{9D8B030D-6E8A-4147-A177-3AD203B41FA5}">
+                      <a16:colId xmlns:a16="http://schemas.microsoft.com/office/drawing/2014/main" val="233211828"/>
+                    </a:ext>
+                  </a:extLst>
+                </a:gridCol>
+                <a:gridCol w="2032000">
+                  <a:extLst>
+                    <a:ext uri="{9D8B030D-6E8A-4147-A177-3AD203B41FA5}">
+                      <a16:colId xmlns:a16="http://schemas.microsoft.com/office/drawing/2014/main" val="3092800843"/>
+                    </a:ext>
+                  </a:extLst>
+                </a:gridCol>
+              </a:tblGrid>
+              <a:tr h="370840">
+                <a:tc>
+                  <a:txBody>
+                    <a:bodyPr/>
+                    <a:lstStyle/>
+                    <a:p>
+                      <a:r>
+                        <a:rPr lang="en-US" altLang="zh-CN" dirty="0" err="1"/>
+                        <a:t>EmployeeId</a:t>
+                      </a:r>
+                      <a:endParaRPr lang="en-US" dirty="0"/>
+                    </a:p>
+                  </a:txBody>
+                  <a:tcPr/>
+                </a:tc>
+                <a:tc>
+                  <a:txBody>
+                    <a:bodyPr/>
+                    <a:lstStyle/>
+                    <a:p>
+                      <a:r>
+                        <a:rPr lang="en-US" altLang="zh-CN" dirty="0"/>
+                        <a:t>Name</a:t>
+                      </a:r>
+                      <a:endParaRPr lang="en-US" dirty="0"/>
+                    </a:p>
+                  </a:txBody>
+                  <a:tcPr/>
+                </a:tc>
+                <a:tc>
+                  <a:txBody>
+                    <a:bodyPr/>
+                    <a:lstStyle/>
+                    <a:p>
+                      <a:r>
+                        <a:rPr lang="en-US" altLang="zh-CN" dirty="0" err="1"/>
+                        <a:t>SupervisorId</a:t>
+                      </a:r>
+                      <a:endParaRPr lang="en-US" dirty="0"/>
+                    </a:p>
+                  </a:txBody>
+                  <a:tcPr/>
+                </a:tc>
+                <a:extLst>
+                  <a:ext uri="{0D108BD9-81ED-4DB2-BD59-A6C34878D82A}">
+                    <a16:rowId xmlns:a16="http://schemas.microsoft.com/office/drawing/2014/main" val="2410769845"/>
+                  </a:ext>
+                </a:extLst>
+              </a:tr>
+              <a:tr h="370840">
+                <a:tc>
+                  <a:txBody>
+                    <a:bodyPr/>
+                    <a:lstStyle/>
+                    <a:p>
+                      <a:pPr algn="ctr"/>
+                      <a:r>
+                        <a:rPr lang="en-US" sz="2400" dirty="0"/>
+                        <a:t>1</a:t>
+                      </a:r>
+                    </a:p>
+                  </a:txBody>
+                  <a:tcPr/>
+                </a:tc>
+                <a:tc>
+                  <a:txBody>
+                    <a:bodyPr/>
+                    <a:lstStyle/>
+                    <a:p>
+                      <a:pPr algn="ctr"/>
+                      <a:r>
+                        <a:rPr lang="en-US" altLang="zh-CN" sz="2400" dirty="0"/>
+                        <a:t>Tom</a:t>
+                      </a:r>
+                      <a:endParaRPr lang="en-US" sz="2400" dirty="0"/>
+                    </a:p>
+                  </a:txBody>
+                  <a:tcPr/>
+                </a:tc>
+                <a:tc>
+                  <a:txBody>
+                    <a:bodyPr/>
+                    <a:lstStyle/>
+                    <a:p>
+                      <a:pPr algn="ctr"/>
+                      <a:r>
+                        <a:rPr lang="en-US" sz="2400" dirty="0"/>
+                        <a:t>-</a:t>
+                      </a:r>
+                    </a:p>
+                  </a:txBody>
+                  <a:tcPr/>
+                </a:tc>
+                <a:extLst>
+                  <a:ext uri="{0D108BD9-81ED-4DB2-BD59-A6C34878D82A}">
+                    <a16:rowId xmlns:a16="http://schemas.microsoft.com/office/drawing/2014/main" val="1212141183"/>
+                  </a:ext>
+                </a:extLst>
+              </a:tr>
+              <a:tr h="370840">
+                <a:tc>
+                  <a:txBody>
+                    <a:bodyPr/>
+                    <a:lstStyle/>
+                    <a:p>
+                      <a:pPr algn="ctr"/>
+                      <a:r>
+                        <a:rPr lang="en-US" sz="2400" dirty="0"/>
+                        <a:t>2</a:t>
+                      </a:r>
+                    </a:p>
+                  </a:txBody>
+                  <a:tcPr/>
+                </a:tc>
+                <a:tc>
+                  <a:txBody>
+                    <a:bodyPr/>
+                    <a:lstStyle/>
+                    <a:p>
+                      <a:pPr algn="ctr"/>
+                      <a:r>
+                        <a:rPr lang="en-US" altLang="zh-CN" sz="2400" dirty="0"/>
+                        <a:t>Billy</a:t>
+                      </a:r>
+                      <a:endParaRPr lang="en-US" sz="2400" dirty="0"/>
+                    </a:p>
+                  </a:txBody>
+                  <a:tcPr/>
+                </a:tc>
+                <a:tc>
+                  <a:txBody>
+                    <a:bodyPr/>
+                    <a:lstStyle/>
+                    <a:p>
+                      <a:pPr algn="ctr"/>
+                      <a:r>
+                        <a:rPr lang="en-US" sz="2400" dirty="0"/>
+                        <a:t>1</a:t>
+                      </a:r>
+                    </a:p>
+                  </a:txBody>
+                  <a:tcPr/>
+                </a:tc>
+                <a:extLst>
+                  <a:ext uri="{0D108BD9-81ED-4DB2-BD59-A6C34878D82A}">
+                    <a16:rowId xmlns:a16="http://schemas.microsoft.com/office/drawing/2014/main" val="1036849138"/>
+                  </a:ext>
+                </a:extLst>
+              </a:tr>
+              <a:tr h="370840">
+                <a:tc>
+                  <a:txBody>
+                    <a:bodyPr/>
+                    <a:lstStyle/>
+                    <a:p>
+                      <a:pPr algn="ctr"/>
+                      <a:r>
+                        <a:rPr lang="en-US" sz="2400" dirty="0"/>
+                        <a:t>3</a:t>
+                      </a:r>
+                    </a:p>
+                  </a:txBody>
+                  <a:tcPr/>
+                </a:tc>
+                <a:tc>
+                  <a:txBody>
+                    <a:bodyPr/>
+                    <a:lstStyle/>
+                    <a:p>
+                      <a:pPr algn="ctr"/>
+                      <a:r>
+                        <a:rPr lang="en-US" altLang="zh-CN" sz="2400" dirty="0"/>
+                        <a:t>Mary</a:t>
+                      </a:r>
+                      <a:endParaRPr lang="en-US" sz="2400" dirty="0"/>
+                    </a:p>
+                  </a:txBody>
+                  <a:tcPr/>
+                </a:tc>
+                <a:tc>
+                  <a:txBody>
+                    <a:bodyPr/>
+                    <a:lstStyle/>
+                    <a:p>
+                      <a:pPr algn="ctr"/>
+                      <a:r>
+                        <a:rPr lang="en-US" sz="2400" dirty="0"/>
+                        <a:t>1</a:t>
+                      </a:r>
+                    </a:p>
+                  </a:txBody>
+                  <a:tcPr/>
+                </a:tc>
+                <a:extLst>
+                  <a:ext uri="{0D108BD9-81ED-4DB2-BD59-A6C34878D82A}">
+                    <a16:rowId xmlns:a16="http://schemas.microsoft.com/office/drawing/2014/main" val="300986487"/>
+                  </a:ext>
+                </a:extLst>
+              </a:tr>
+              <a:tr h="370840">
+                <a:tc>
+                  <a:txBody>
+                    <a:bodyPr/>
+                    <a:lstStyle/>
+                    <a:p>
+                      <a:pPr algn="ctr"/>
+                      <a:r>
+                        <a:rPr lang="en-US" sz="2400" dirty="0"/>
+                        <a:t>4</a:t>
+                      </a:r>
+                    </a:p>
+                  </a:txBody>
+                  <a:tcPr/>
+                </a:tc>
+                <a:tc>
+                  <a:txBody>
+                    <a:bodyPr/>
+                    <a:lstStyle/>
+                    <a:p>
+                      <a:pPr algn="ctr"/>
+                      <a:r>
+                        <a:rPr lang="en-US" altLang="zh-CN" sz="2400" dirty="0"/>
+                        <a:t>Lily</a:t>
+                      </a:r>
+                      <a:endParaRPr lang="en-US" sz="2400" dirty="0"/>
+                    </a:p>
+                  </a:txBody>
+                  <a:tcPr/>
+                </a:tc>
+                <a:tc>
+                  <a:txBody>
+                    <a:bodyPr/>
+                    <a:lstStyle/>
+                    <a:p>
+                      <a:pPr algn="ctr"/>
+                      <a:r>
+                        <a:rPr lang="en-US" sz="2400" dirty="0"/>
+                        <a:t>2</a:t>
+                      </a:r>
+                    </a:p>
+                  </a:txBody>
+                  <a:tcPr/>
+                </a:tc>
+                <a:extLst>
+                  <a:ext uri="{0D108BD9-81ED-4DB2-BD59-A6C34878D82A}">
+                    <a16:rowId xmlns:a16="http://schemas.microsoft.com/office/drawing/2014/main" val="2288950992"/>
+                  </a:ext>
+                </a:extLst>
+              </a:tr>
+              <a:tr h="370840">
+                <a:tc>
+                  <a:txBody>
+                    <a:bodyPr/>
+                    <a:lstStyle/>
+                    <a:p>
+                      <a:pPr algn="ctr"/>
+                      <a:r>
+                        <a:rPr lang="en-US" sz="2400" dirty="0"/>
+                        <a:t>5</a:t>
+                      </a:r>
+                    </a:p>
+                  </a:txBody>
+                  <a:tcPr/>
+                </a:tc>
+                <a:tc>
+                  <a:txBody>
+                    <a:bodyPr/>
+                    <a:lstStyle/>
+                    <a:p>
+                      <a:pPr algn="ctr"/>
+                      <a:r>
+                        <a:rPr lang="en-US" altLang="zh-CN" sz="2400" dirty="0"/>
+                        <a:t>Ray</a:t>
+                      </a:r>
+                      <a:endParaRPr lang="en-US" sz="2400" dirty="0"/>
+                    </a:p>
+                  </a:txBody>
+                  <a:tcPr/>
+                </a:tc>
+                <a:tc>
+                  <a:txBody>
+                    <a:bodyPr/>
+                    <a:lstStyle/>
+                    <a:p>
+                      <a:pPr algn="ctr"/>
+                      <a:r>
+                        <a:rPr lang="en-US" sz="2400" dirty="0"/>
+                        <a:t>4</a:t>
+                      </a:r>
+                    </a:p>
+                  </a:txBody>
+                  <a:tcPr/>
+                </a:tc>
+                <a:extLst>
+                  <a:ext uri="{0D108BD9-81ED-4DB2-BD59-A6C34878D82A}">
+                    <a16:rowId xmlns:a16="http://schemas.microsoft.com/office/drawing/2014/main" val="859766079"/>
+                  </a:ext>
+                </a:extLst>
+              </a:tr>
+            </a:tbl>
+          </a:graphicData>
+        </a:graphic>
+      </p:graphicFrame>
+      <p:sp>
+        <p:nvSpPr>
+          <p:cNvPr id="7" name="TextBox 6">
+            <a:extLst>
+              <a:ext uri="{FF2B5EF4-FFF2-40B4-BE49-F238E27FC236}">
+                <a16:creationId xmlns:a16="http://schemas.microsoft.com/office/drawing/2014/main" id="{2D94FCAA-549E-453C-B655-881698A1F27E}"/>
+              </a:ext>
+            </a:extLst>
+          </p:cNvPr>
+          <p:cNvSpPr txBox="1"/>
+          <p:nvPr/>
+        </p:nvSpPr>
+        <p:spPr>
+          <a:xfrm>
+            <a:off x="47615" y="4696927"/>
+            <a:ext cx="9096385" cy="1569660"/>
+          </a:xfrm>
+          <a:prstGeom prst="rect">
+            <a:avLst/>
+          </a:prstGeom>
+          <a:noFill/>
+        </p:spPr>
+        <p:txBody>
+          <a:bodyPr wrap="square">
+            <a:spAutoFit/>
+          </a:bodyPr>
+          <a:lstStyle/>
+          <a:p>
+            <a:pPr>
+              <a:defRPr/>
+            </a:pPr>
+            <a:r>
+              <a:rPr lang="en-US" sz="4800" dirty="0" err="1">
+                <a:solidFill>
+                  <a:schemeClr val="bg1"/>
+                </a:solidFill>
+                <a:latin typeface="微软雅黑" pitchFamily="34" charset="-122"/>
+                <a:ea typeface="微软雅黑" pitchFamily="34" charset="-122"/>
+              </a:rPr>
+              <a:t>Ray:Supervisors</a:t>
+            </a:r>
+            <a:r>
+              <a:rPr lang="en-US" sz="4800" dirty="0">
+                <a:solidFill>
+                  <a:schemeClr val="bg1"/>
+                </a:solidFill>
+                <a:latin typeface="微软雅黑" pitchFamily="34" charset="-122"/>
+                <a:ea typeface="微软雅黑" pitchFamily="34" charset="-122"/>
+              </a:rPr>
+              <a:t> = [4, 2, 1]</a:t>
+            </a:r>
+          </a:p>
+          <a:p>
+            <a:pPr>
+              <a:defRPr/>
+            </a:pPr>
+            <a:r>
+              <a:rPr lang="en-US" sz="4800" dirty="0">
+                <a:solidFill>
+                  <a:schemeClr val="bg1"/>
+                </a:solidFill>
+                <a:latin typeface="微软雅黑" pitchFamily="34" charset="-122"/>
+                <a:ea typeface="微软雅黑" pitchFamily="34" charset="-122"/>
+              </a:rPr>
+              <a:t>                                 List</a:t>
+            </a:r>
+          </a:p>
+        </p:txBody>
+      </p:sp>
+    </p:spTree>
+    <p:extLst>
+      <p:ext uri="{BB962C8B-B14F-4D97-AF65-F5344CB8AC3E}">
+        <p14:creationId xmlns:p14="http://schemas.microsoft.com/office/powerpoint/2010/main" val="33236377"/>
+      </p:ext>
+    </p:extLst>
+  </p:cSld>
+  <p:clrMapOvr>
+    <a:masterClrMapping/>
+  </p:clrMapOvr>
+</p:sld>
+</file>
+
+<file path=ppt/slides/slide15.xml><?xml version="1.0" encoding="utf-8"?>
+<p:sld xmlns:a="http://schemas.openxmlformats.org/drawingml/2006/main" xmlns:r="http://schemas.openxmlformats.org/officeDocument/2006/relationships" xmlns:p="http://schemas.openxmlformats.org/presentationml/2006/main">
+  <p:cSld>
+    <p:spTree>
+      <p:nvGrpSpPr>
+        <p:cNvPr id="1" name=""/>
+        <p:cNvGrpSpPr/>
+        <p:nvPr/>
+      </p:nvGrpSpPr>
+      <p:grpSpPr>
+        <a:xfrm>
+          <a:off x="0" y="0"/>
+          <a:ext cx="0" cy="0"/>
+          <a:chOff x="0" y="0"/>
+          <a:chExt cx="0" cy="0"/>
+        </a:xfrm>
+      </p:grpSpPr>
+      <p:sp>
+        <p:nvSpPr>
+          <p:cNvPr id="4098" name="TextBox 2">
+            <a:extLst>
+              <a:ext uri="{FF2B5EF4-FFF2-40B4-BE49-F238E27FC236}">
+                <a16:creationId xmlns:a16="http://schemas.microsoft.com/office/drawing/2014/main" id="{5552ED83-0001-4E47-A09B-F49C592A8E24}"/>
+              </a:ext>
+            </a:extLst>
+          </p:cNvPr>
+          <p:cNvSpPr txBox="1">
+            <a:spLocks noChangeArrowheads="1"/>
+          </p:cNvSpPr>
+          <p:nvPr/>
+        </p:nvSpPr>
+        <p:spPr bwMode="auto">
+          <a:xfrm>
+            <a:off x="12118" y="84217"/>
+            <a:ext cx="8736346" cy="830997"/>
+          </a:xfrm>
+          <a:prstGeom prst="rect">
+            <a:avLst/>
+          </a:prstGeom>
+          <a:noFill/>
+          <a:ln>
+            <a:noFill/>
+          </a:ln>
+          <a:extLst>
+            <a:ext uri="{909E8E84-426E-40DD-AFC4-6F175D3DCCD1}">
+              <a14:hiddenFill xmlns:a14="http://schemas.microsoft.com/office/drawing/2010/main">
+                <a:solidFill>
+                  <a:srgbClr val="FFFFFF"/>
+                </a:solidFill>
+              </a14:hiddenFill>
+            </a:ext>
+            <a:ext uri="{91240B29-F687-4F45-9708-019B960494DF}">
+              <a14:hiddenLine xmlns:a14="http://schemas.microsoft.com/office/drawing/2010/main" w="9525">
+                <a:solidFill>
+                  <a:srgbClr val="000000"/>
+                </a:solidFill>
+                <a:miter lim="800000"/>
+                <a:headEnd/>
+                <a:tailEnd/>
+              </a14:hiddenLine>
+            </a:ext>
+          </a:extLst>
+        </p:spPr>
+        <p:txBody>
+          <a:bodyPr wrap="square">
+            <a:spAutoFit/>
+          </a:bodyPr>
+          <a:lstStyle>
+            <a:lvl1pPr eaLnBrk="0" hangingPunct="0">
+              <a:defRPr>
+                <a:solidFill>
+                  <a:schemeClr val="tx1"/>
+                </a:solidFill>
+                <a:latin typeface="Arial" panose="020B0604020202020204" pitchFamily="34" charset="0"/>
+                <a:ea typeface="宋体" panose="02010600030101010101" pitchFamily="2" charset="-122"/>
+              </a:defRPr>
+            </a:lvl1pPr>
+            <a:lvl2pPr marL="742950" indent="-285750" eaLnBrk="0" hangingPunct="0">
+              <a:defRPr>
+                <a:solidFill>
+                  <a:schemeClr val="tx1"/>
+                </a:solidFill>
+                <a:latin typeface="Arial" panose="020B0604020202020204" pitchFamily="34" charset="0"/>
+                <a:ea typeface="宋体" panose="02010600030101010101" pitchFamily="2" charset="-122"/>
+              </a:defRPr>
+            </a:lvl2pPr>
+            <a:lvl3pPr marL="1143000" indent="-228600" eaLnBrk="0" hangingPunct="0">
+              <a:defRPr>
+                <a:solidFill>
+                  <a:schemeClr val="tx1"/>
+                </a:solidFill>
+                <a:latin typeface="Arial" panose="020B0604020202020204" pitchFamily="34" charset="0"/>
+                <a:ea typeface="宋体" panose="02010600030101010101" pitchFamily="2" charset="-122"/>
+              </a:defRPr>
+            </a:lvl3pPr>
+            <a:lvl4pPr marL="1600200" indent="-228600" eaLnBrk="0" hangingPunct="0">
+              <a:defRPr>
+                <a:solidFill>
+                  <a:schemeClr val="tx1"/>
+                </a:solidFill>
+                <a:latin typeface="Arial" panose="020B0604020202020204" pitchFamily="34" charset="0"/>
+                <a:ea typeface="宋体" panose="02010600030101010101" pitchFamily="2" charset="-122"/>
+              </a:defRPr>
+            </a:lvl4pPr>
+            <a:lvl5pPr marL="2057400" indent="-228600" eaLnBrk="0" hangingPunct="0">
+              <a:defRPr>
+                <a:solidFill>
+                  <a:schemeClr val="tx1"/>
+                </a:solidFill>
+                <a:latin typeface="Arial" panose="020B0604020202020204" pitchFamily="34" charset="0"/>
+                <a:ea typeface="宋体" panose="02010600030101010101" pitchFamily="2" charset="-122"/>
+              </a:defRPr>
+            </a:lvl5pPr>
+            <a:lvl6pPr marL="2514600" indent="-228600" eaLnBrk="0" fontAlgn="base" hangingPunct="0">
+              <a:spcBef>
+                <a:spcPct val="0"/>
+              </a:spcBef>
+              <a:spcAft>
+                <a:spcPct val="0"/>
+              </a:spcAft>
+              <a:defRPr>
+                <a:solidFill>
+                  <a:schemeClr val="tx1"/>
+                </a:solidFill>
+                <a:latin typeface="Arial" panose="020B0604020202020204" pitchFamily="34" charset="0"/>
+                <a:ea typeface="宋体" panose="02010600030101010101" pitchFamily="2" charset="-122"/>
+              </a:defRPr>
+            </a:lvl6pPr>
+            <a:lvl7pPr marL="2971800" indent="-228600" eaLnBrk="0" fontAlgn="base" hangingPunct="0">
+              <a:spcBef>
+                <a:spcPct val="0"/>
+              </a:spcBef>
+              <a:spcAft>
+                <a:spcPct val="0"/>
+              </a:spcAft>
+              <a:defRPr>
+                <a:solidFill>
+                  <a:schemeClr val="tx1"/>
+                </a:solidFill>
+                <a:latin typeface="Arial" panose="020B0604020202020204" pitchFamily="34" charset="0"/>
+                <a:ea typeface="宋体" panose="02010600030101010101" pitchFamily="2" charset="-122"/>
+              </a:defRPr>
+            </a:lvl7pPr>
+            <a:lvl8pPr marL="3429000" indent="-228600" eaLnBrk="0" fontAlgn="base" hangingPunct="0">
+              <a:spcBef>
+                <a:spcPct val="0"/>
+              </a:spcBef>
+              <a:spcAft>
+                <a:spcPct val="0"/>
+              </a:spcAft>
+              <a:defRPr>
+                <a:solidFill>
+                  <a:schemeClr val="tx1"/>
+                </a:solidFill>
+                <a:latin typeface="Arial" panose="020B0604020202020204" pitchFamily="34" charset="0"/>
+                <a:ea typeface="宋体" panose="02010600030101010101" pitchFamily="2" charset="-122"/>
+              </a:defRPr>
+            </a:lvl8pPr>
+            <a:lvl9pPr marL="3886200" indent="-228600" eaLnBrk="0" fontAlgn="base" hangingPunct="0">
+              <a:spcBef>
+                <a:spcPct val="0"/>
+              </a:spcBef>
+              <a:spcAft>
+                <a:spcPct val="0"/>
+              </a:spcAft>
+              <a:defRPr>
+                <a:solidFill>
+                  <a:schemeClr val="tx1"/>
+                </a:solidFill>
+                <a:latin typeface="Arial" panose="020B0604020202020204" pitchFamily="34" charset="0"/>
+                <a:ea typeface="宋体" panose="02010600030101010101" pitchFamily="2" charset="-122"/>
+              </a:defRPr>
+            </a:lvl9pPr>
+          </a:lstStyle>
+          <a:p>
+            <a:pPr eaLnBrk="1" hangingPunct="1"/>
+            <a:r>
+              <a:rPr lang="zh-CN" altLang="en-US" sz="4800" dirty="0">
+                <a:solidFill>
+                  <a:schemeClr val="bg1"/>
+                </a:solidFill>
+                <a:latin typeface="微软雅黑" panose="020B0503020204020204" pitchFamily="34" charset="-122"/>
+                <a:ea typeface="微软雅黑" panose="020B0503020204020204" pitchFamily="34" charset="-122"/>
+              </a:rPr>
+              <a:t>基本使用场景 </a:t>
+            </a:r>
+            <a:r>
+              <a:rPr lang="en-US" altLang="zh-CN" sz="4800" dirty="0">
+                <a:solidFill>
+                  <a:schemeClr val="bg1"/>
+                </a:solidFill>
+                <a:latin typeface="微软雅黑" pitchFamily="34" charset="-122"/>
+                <a:ea typeface="微软雅黑" pitchFamily="34" charset="-122"/>
+              </a:rPr>
+              <a:t>– </a:t>
+            </a:r>
+            <a:r>
+              <a:rPr lang="zh-CN" altLang="en-US" sz="4800" dirty="0">
+                <a:solidFill>
+                  <a:schemeClr val="bg1"/>
+                </a:solidFill>
+                <a:latin typeface="微软雅黑" pitchFamily="34" charset="-122"/>
+                <a:ea typeface="微软雅黑" pitchFamily="34" charset="-122"/>
+              </a:rPr>
+              <a:t>计数器</a:t>
+            </a:r>
+          </a:p>
+        </p:txBody>
+      </p:sp>
+      <p:sp>
+        <p:nvSpPr>
+          <p:cNvPr id="10" name="TextBox 9">
+            <a:extLst>
+              <a:ext uri="{FF2B5EF4-FFF2-40B4-BE49-F238E27FC236}">
+                <a16:creationId xmlns:a16="http://schemas.microsoft.com/office/drawing/2014/main" id="{6C65DFA7-0E5F-49E5-88D4-5AD68B41A2B2}"/>
+              </a:ext>
+            </a:extLst>
+          </p:cNvPr>
+          <p:cNvSpPr txBox="1"/>
+          <p:nvPr/>
+        </p:nvSpPr>
+        <p:spPr>
+          <a:xfrm>
+            <a:off x="35496" y="908720"/>
+            <a:ext cx="9096385" cy="1754326"/>
+          </a:xfrm>
+          <a:prstGeom prst="rect">
+            <a:avLst/>
+          </a:prstGeom>
+          <a:noFill/>
+        </p:spPr>
+        <p:txBody>
+          <a:bodyPr wrap="square">
+            <a:spAutoFit/>
+          </a:bodyPr>
+          <a:lstStyle/>
+          <a:p>
+            <a:pPr>
+              <a:defRPr/>
+            </a:pPr>
+            <a:r>
+              <a:rPr lang="en-US" altLang="zh-CN" sz="3600" dirty="0">
+                <a:solidFill>
+                  <a:schemeClr val="bg1"/>
+                </a:solidFill>
+                <a:latin typeface="微软雅黑" pitchFamily="34" charset="-122"/>
+                <a:ea typeface="微软雅黑" pitchFamily="34" charset="-122"/>
+              </a:rPr>
+              <a:t>	</a:t>
+            </a:r>
+            <a:r>
+              <a:rPr lang="zh-CN" altLang="en-US" sz="3600" dirty="0">
+                <a:solidFill>
+                  <a:schemeClr val="bg1"/>
+                </a:solidFill>
+                <a:latin typeface="微软雅黑" pitchFamily="34" charset="-122"/>
+                <a:ea typeface="微软雅黑" pitchFamily="34" charset="-122"/>
+              </a:rPr>
+              <a:t>商品的购买数、收藏数、点赞数</a:t>
+            </a:r>
+            <a:r>
+              <a:rPr lang="en-US" altLang="zh-CN" sz="3600" dirty="0">
+                <a:solidFill>
+                  <a:schemeClr val="bg1"/>
+                </a:solidFill>
+                <a:latin typeface="微软雅黑" pitchFamily="34" charset="-122"/>
+                <a:ea typeface="微软雅黑" pitchFamily="34" charset="-122"/>
+              </a:rPr>
+              <a:t>……</a:t>
+            </a:r>
+          </a:p>
+          <a:p>
+            <a:pPr>
+              <a:defRPr/>
+            </a:pPr>
+            <a:endParaRPr lang="en-US" sz="3600" dirty="0">
+              <a:solidFill>
+                <a:schemeClr val="bg1"/>
+              </a:solidFill>
+              <a:latin typeface="微软雅黑" pitchFamily="34" charset="-122"/>
+              <a:ea typeface="微软雅黑" pitchFamily="34" charset="-122"/>
+            </a:endParaRPr>
+          </a:p>
+          <a:p>
+            <a:pPr>
+              <a:defRPr/>
+            </a:pPr>
+            <a:r>
+              <a:rPr lang="zh-CN" altLang="en-US" sz="3600" dirty="0">
+                <a:solidFill>
+                  <a:schemeClr val="bg1"/>
+                </a:solidFill>
+                <a:latin typeface="微软雅黑" pitchFamily="34" charset="-122"/>
+                <a:ea typeface="微软雅黑" pitchFamily="34" charset="-122"/>
+              </a:rPr>
+              <a:t>商品表 </a:t>
+            </a:r>
+            <a:r>
+              <a:rPr lang="en-US" altLang="zh-CN" sz="3600" dirty="0">
+                <a:solidFill>
+                  <a:schemeClr val="bg1"/>
+                </a:solidFill>
+                <a:latin typeface="微软雅黑" pitchFamily="34" charset="-122"/>
+                <a:ea typeface="微软雅黑" pitchFamily="34" charset="-122"/>
+              </a:rPr>
+              <a:t>x </a:t>
+            </a:r>
+            <a:r>
+              <a:rPr lang="zh-CN" altLang="en-US" sz="3600" dirty="0">
+                <a:solidFill>
+                  <a:schemeClr val="bg1"/>
+                </a:solidFill>
+                <a:latin typeface="微软雅黑" pitchFamily="34" charset="-122"/>
+                <a:ea typeface="微软雅黑" pitchFamily="34" charset="-122"/>
+              </a:rPr>
+              <a:t>订单表 </a:t>
+            </a:r>
+            <a:r>
+              <a:rPr lang="en-US" altLang="zh-CN" sz="3600" dirty="0">
+                <a:solidFill>
+                  <a:schemeClr val="bg1"/>
+                </a:solidFill>
+                <a:latin typeface="微软雅黑" pitchFamily="34" charset="-122"/>
+                <a:ea typeface="微软雅黑" pitchFamily="34" charset="-122"/>
+              </a:rPr>
+              <a:t>x </a:t>
+            </a:r>
+            <a:r>
+              <a:rPr lang="zh-CN" altLang="en-US" sz="3600" dirty="0">
+                <a:solidFill>
+                  <a:schemeClr val="bg1"/>
+                </a:solidFill>
+                <a:latin typeface="微软雅黑" pitchFamily="34" charset="-122"/>
+                <a:ea typeface="微软雅黑" pitchFamily="34" charset="-122"/>
+              </a:rPr>
+              <a:t>收藏表 </a:t>
+            </a:r>
+            <a:r>
+              <a:rPr lang="en-US" altLang="zh-CN" sz="3600" dirty="0">
+                <a:solidFill>
+                  <a:schemeClr val="bg1"/>
+                </a:solidFill>
+                <a:latin typeface="微软雅黑" pitchFamily="34" charset="-122"/>
+                <a:ea typeface="微软雅黑" pitchFamily="34" charset="-122"/>
+              </a:rPr>
+              <a:t>x </a:t>
+            </a:r>
+            <a:r>
+              <a:rPr lang="zh-CN" altLang="en-US" sz="3600" dirty="0">
+                <a:solidFill>
+                  <a:schemeClr val="bg1"/>
+                </a:solidFill>
+                <a:latin typeface="微软雅黑" pitchFamily="34" charset="-122"/>
+                <a:ea typeface="微软雅黑" pitchFamily="34" charset="-122"/>
+              </a:rPr>
+              <a:t>点赞表 </a:t>
+            </a:r>
+            <a:r>
+              <a:rPr lang="en-US" altLang="zh-CN" sz="3600" dirty="0">
+                <a:solidFill>
+                  <a:schemeClr val="bg1"/>
+                </a:solidFill>
+                <a:latin typeface="微软雅黑" pitchFamily="34" charset="-122"/>
+                <a:ea typeface="微软雅黑" pitchFamily="34" charset="-122"/>
+              </a:rPr>
+              <a:t>= </a:t>
+            </a:r>
+            <a:r>
+              <a:rPr lang="zh-CN" altLang="en-US" sz="3600" dirty="0">
+                <a:solidFill>
+                  <a:schemeClr val="bg1"/>
+                </a:solidFill>
+                <a:latin typeface="微软雅黑" pitchFamily="34" charset="-122"/>
+                <a:ea typeface="微软雅黑" pitchFamily="34" charset="-122"/>
+              </a:rPr>
+              <a:t>？</a:t>
+            </a:r>
+            <a:endParaRPr lang="en-US" sz="3600" dirty="0">
+              <a:solidFill>
+                <a:schemeClr val="bg1"/>
+              </a:solidFill>
+              <a:latin typeface="微软雅黑" pitchFamily="34" charset="-122"/>
+              <a:ea typeface="微软雅黑" pitchFamily="34" charset="-122"/>
+            </a:endParaRPr>
+          </a:p>
+        </p:txBody>
+      </p:sp>
+      <p:sp>
+        <p:nvSpPr>
+          <p:cNvPr id="7" name="TextBox 6">
+            <a:extLst>
+              <a:ext uri="{FF2B5EF4-FFF2-40B4-BE49-F238E27FC236}">
+                <a16:creationId xmlns:a16="http://schemas.microsoft.com/office/drawing/2014/main" id="{2D94FCAA-549E-453C-B655-881698A1F27E}"/>
+              </a:ext>
+            </a:extLst>
+          </p:cNvPr>
+          <p:cNvSpPr txBox="1"/>
+          <p:nvPr/>
+        </p:nvSpPr>
+        <p:spPr>
+          <a:xfrm>
+            <a:off x="0" y="2780928"/>
+            <a:ext cx="9096385" cy="3785652"/>
+          </a:xfrm>
+          <a:prstGeom prst="rect">
+            <a:avLst/>
+          </a:prstGeom>
+          <a:noFill/>
+        </p:spPr>
+        <p:txBody>
+          <a:bodyPr wrap="square">
+            <a:spAutoFit/>
+          </a:bodyPr>
+          <a:lstStyle/>
+          <a:p>
+            <a:pPr>
+              <a:defRPr/>
+            </a:pPr>
+            <a:r>
+              <a:rPr lang="en-US" altLang="zh-CN" sz="4000" dirty="0" err="1">
+                <a:solidFill>
+                  <a:schemeClr val="bg1"/>
+                </a:solidFill>
+                <a:latin typeface="微软雅黑" pitchFamily="34" charset="-122"/>
+                <a:ea typeface="微软雅黑" pitchFamily="34" charset="-122"/>
+              </a:rPr>
+              <a:t>Book:Counters</a:t>
+            </a:r>
+            <a:r>
+              <a:rPr lang="en-US" altLang="zh-CN" sz="4000" dirty="0">
+                <a:solidFill>
+                  <a:schemeClr val="bg1"/>
+                </a:solidFill>
+                <a:latin typeface="微软雅黑" pitchFamily="34" charset="-122"/>
+                <a:ea typeface="微软雅黑" pitchFamily="34" charset="-122"/>
+              </a:rPr>
+              <a:t> = {</a:t>
+            </a:r>
+          </a:p>
+          <a:p>
+            <a:pPr>
+              <a:defRPr/>
+            </a:pPr>
+            <a:r>
+              <a:rPr lang="en-US" altLang="zh-CN" sz="4000" dirty="0">
+                <a:solidFill>
+                  <a:schemeClr val="bg1"/>
+                </a:solidFill>
+                <a:latin typeface="微软雅黑" pitchFamily="34" charset="-122"/>
+                <a:ea typeface="微软雅黑" pitchFamily="34" charset="-122"/>
+              </a:rPr>
+              <a:t>	purchase: 100,</a:t>
+            </a:r>
+          </a:p>
+          <a:p>
+            <a:pPr>
+              <a:defRPr/>
+            </a:pPr>
+            <a:r>
+              <a:rPr lang="en-US" altLang="zh-CN" sz="4000" dirty="0">
+                <a:solidFill>
+                  <a:schemeClr val="bg1"/>
+                </a:solidFill>
+                <a:latin typeface="微软雅黑" pitchFamily="34" charset="-122"/>
+                <a:ea typeface="微软雅黑" pitchFamily="34" charset="-122"/>
+              </a:rPr>
+              <a:t>	favorite: 300,</a:t>
+            </a:r>
+          </a:p>
+          <a:p>
+            <a:pPr>
+              <a:defRPr/>
+            </a:pPr>
+            <a:r>
+              <a:rPr lang="en-US" altLang="zh-CN" sz="4000" dirty="0">
+                <a:solidFill>
+                  <a:schemeClr val="bg1"/>
+                </a:solidFill>
+                <a:latin typeface="微软雅黑" pitchFamily="34" charset="-122"/>
+                <a:ea typeface="微软雅黑" pitchFamily="34" charset="-122"/>
+              </a:rPr>
+              <a:t>	upvote: 500</a:t>
+            </a:r>
+          </a:p>
+          <a:p>
+            <a:pPr>
+              <a:defRPr/>
+            </a:pPr>
+            <a:r>
+              <a:rPr lang="en-US" altLang="zh-CN" sz="4000" dirty="0">
+                <a:solidFill>
+                  <a:schemeClr val="bg1"/>
+                </a:solidFill>
+                <a:latin typeface="微软雅黑" pitchFamily="34" charset="-122"/>
+                <a:ea typeface="微软雅黑" pitchFamily="34" charset="-122"/>
+              </a:rPr>
+              <a:t>}</a:t>
+            </a:r>
+          </a:p>
+          <a:p>
+            <a:pPr>
+              <a:defRPr/>
+            </a:pPr>
+            <a:r>
+              <a:rPr lang="en-US" sz="4000" dirty="0">
+                <a:solidFill>
+                  <a:schemeClr val="bg1"/>
+                </a:solidFill>
+                <a:latin typeface="微软雅黑" pitchFamily="34" charset="-122"/>
+                <a:ea typeface="微软雅黑" pitchFamily="34" charset="-122"/>
+              </a:rPr>
+              <a:t>            Hash</a:t>
+            </a:r>
+          </a:p>
+        </p:txBody>
+      </p:sp>
+    </p:spTree>
+    <p:extLst>
+      <p:ext uri="{BB962C8B-B14F-4D97-AF65-F5344CB8AC3E}">
+        <p14:creationId xmlns:p14="http://schemas.microsoft.com/office/powerpoint/2010/main" val="2814756337"/>
+      </p:ext>
+    </p:extLst>
+  </p:cSld>
+  <p:clrMapOvr>
+    <a:masterClrMapping/>
+  </p:clrMapOvr>
+</p:sld>
+</file>
+
+<file path=ppt/slides/slide16.xml><?xml version="1.0" encoding="utf-8"?>
+<p:sld xmlns:a="http://schemas.openxmlformats.org/drawingml/2006/main" xmlns:r="http://schemas.openxmlformats.org/officeDocument/2006/relationships" xmlns:p="http://schemas.openxmlformats.org/presentationml/2006/main">
+  <p:cSld>
+    <p:spTree>
+      <p:nvGrpSpPr>
+        <p:cNvPr id="1" name=""/>
+        <p:cNvGrpSpPr/>
+        <p:nvPr/>
+      </p:nvGrpSpPr>
+      <p:grpSpPr>
+        <a:xfrm>
+          <a:off x="0" y="0"/>
+          <a:ext cx="0" cy="0"/>
+          <a:chOff x="0" y="0"/>
+          <a:chExt cx="0" cy="0"/>
+        </a:xfrm>
+      </p:grpSpPr>
+      <p:sp>
+        <p:nvSpPr>
+          <p:cNvPr id="4098" name="TextBox 2">
+            <a:extLst>
+              <a:ext uri="{FF2B5EF4-FFF2-40B4-BE49-F238E27FC236}">
+                <a16:creationId xmlns:a16="http://schemas.microsoft.com/office/drawing/2014/main" id="{5552ED83-0001-4E47-A09B-F49C592A8E24}"/>
+              </a:ext>
+            </a:extLst>
+          </p:cNvPr>
+          <p:cNvSpPr txBox="1">
+            <a:spLocks noChangeArrowheads="1"/>
+          </p:cNvSpPr>
+          <p:nvPr/>
+        </p:nvSpPr>
+        <p:spPr bwMode="auto">
+          <a:xfrm>
+            <a:off x="12118" y="84217"/>
+            <a:ext cx="8736346" cy="830997"/>
+          </a:xfrm>
+          <a:prstGeom prst="rect">
+            <a:avLst/>
+          </a:prstGeom>
+          <a:noFill/>
+          <a:ln>
+            <a:noFill/>
+          </a:ln>
+          <a:extLst>
+            <a:ext uri="{909E8E84-426E-40DD-AFC4-6F175D3DCCD1}">
+              <a14:hiddenFill xmlns:a14="http://schemas.microsoft.com/office/drawing/2010/main">
+                <a:solidFill>
+                  <a:srgbClr val="FFFFFF"/>
+                </a:solidFill>
+              </a14:hiddenFill>
+            </a:ext>
+            <a:ext uri="{91240B29-F687-4F45-9708-019B960494DF}">
+              <a14:hiddenLine xmlns:a14="http://schemas.microsoft.com/office/drawing/2010/main" w="9525">
+                <a:solidFill>
+                  <a:srgbClr val="000000"/>
+                </a:solidFill>
+                <a:miter lim="800000"/>
+                <a:headEnd/>
+                <a:tailEnd/>
+              </a14:hiddenLine>
+            </a:ext>
+          </a:extLst>
+        </p:spPr>
+        <p:txBody>
+          <a:bodyPr wrap="square">
+            <a:spAutoFit/>
+          </a:bodyPr>
+          <a:lstStyle>
+            <a:lvl1pPr eaLnBrk="0" hangingPunct="0">
+              <a:defRPr>
+                <a:solidFill>
+                  <a:schemeClr val="tx1"/>
+                </a:solidFill>
+                <a:latin typeface="Arial" panose="020B0604020202020204" pitchFamily="34" charset="0"/>
+                <a:ea typeface="宋体" panose="02010600030101010101" pitchFamily="2" charset="-122"/>
+              </a:defRPr>
+            </a:lvl1pPr>
+            <a:lvl2pPr marL="742950" indent="-285750" eaLnBrk="0" hangingPunct="0">
+              <a:defRPr>
+                <a:solidFill>
+                  <a:schemeClr val="tx1"/>
+                </a:solidFill>
+                <a:latin typeface="Arial" panose="020B0604020202020204" pitchFamily="34" charset="0"/>
+                <a:ea typeface="宋体" panose="02010600030101010101" pitchFamily="2" charset="-122"/>
+              </a:defRPr>
+            </a:lvl2pPr>
+            <a:lvl3pPr marL="1143000" indent="-228600" eaLnBrk="0" hangingPunct="0">
+              <a:defRPr>
+                <a:solidFill>
+                  <a:schemeClr val="tx1"/>
+                </a:solidFill>
+                <a:latin typeface="Arial" panose="020B0604020202020204" pitchFamily="34" charset="0"/>
+                <a:ea typeface="宋体" panose="02010600030101010101" pitchFamily="2" charset="-122"/>
+              </a:defRPr>
+            </a:lvl3pPr>
+            <a:lvl4pPr marL="1600200" indent="-228600" eaLnBrk="0" hangingPunct="0">
+              <a:defRPr>
+                <a:solidFill>
+                  <a:schemeClr val="tx1"/>
+                </a:solidFill>
+                <a:latin typeface="Arial" panose="020B0604020202020204" pitchFamily="34" charset="0"/>
+                <a:ea typeface="宋体" panose="02010600030101010101" pitchFamily="2" charset="-122"/>
+              </a:defRPr>
+            </a:lvl4pPr>
+            <a:lvl5pPr marL="2057400" indent="-228600" eaLnBrk="0" hangingPunct="0">
+              <a:defRPr>
+                <a:solidFill>
+                  <a:schemeClr val="tx1"/>
+                </a:solidFill>
+                <a:latin typeface="Arial" panose="020B0604020202020204" pitchFamily="34" charset="0"/>
+                <a:ea typeface="宋体" panose="02010600030101010101" pitchFamily="2" charset="-122"/>
+              </a:defRPr>
+            </a:lvl5pPr>
+            <a:lvl6pPr marL="2514600" indent="-228600" eaLnBrk="0" fontAlgn="base" hangingPunct="0">
+              <a:spcBef>
+                <a:spcPct val="0"/>
+              </a:spcBef>
+              <a:spcAft>
+                <a:spcPct val="0"/>
+              </a:spcAft>
+              <a:defRPr>
+                <a:solidFill>
+                  <a:schemeClr val="tx1"/>
+                </a:solidFill>
+                <a:latin typeface="Arial" panose="020B0604020202020204" pitchFamily="34" charset="0"/>
+                <a:ea typeface="宋体" panose="02010600030101010101" pitchFamily="2" charset="-122"/>
+              </a:defRPr>
+            </a:lvl6pPr>
+            <a:lvl7pPr marL="2971800" indent="-228600" eaLnBrk="0" fontAlgn="base" hangingPunct="0">
+              <a:spcBef>
+                <a:spcPct val="0"/>
+              </a:spcBef>
+              <a:spcAft>
+                <a:spcPct val="0"/>
+              </a:spcAft>
+              <a:defRPr>
+                <a:solidFill>
+                  <a:schemeClr val="tx1"/>
+                </a:solidFill>
+                <a:latin typeface="Arial" panose="020B0604020202020204" pitchFamily="34" charset="0"/>
+                <a:ea typeface="宋体" panose="02010600030101010101" pitchFamily="2" charset="-122"/>
+              </a:defRPr>
+            </a:lvl7pPr>
+            <a:lvl8pPr marL="3429000" indent="-228600" eaLnBrk="0" fontAlgn="base" hangingPunct="0">
+              <a:spcBef>
+                <a:spcPct val="0"/>
+              </a:spcBef>
+              <a:spcAft>
+                <a:spcPct val="0"/>
+              </a:spcAft>
+              <a:defRPr>
+                <a:solidFill>
+                  <a:schemeClr val="tx1"/>
+                </a:solidFill>
+                <a:latin typeface="Arial" panose="020B0604020202020204" pitchFamily="34" charset="0"/>
+                <a:ea typeface="宋体" panose="02010600030101010101" pitchFamily="2" charset="-122"/>
+              </a:defRPr>
+            </a:lvl8pPr>
+            <a:lvl9pPr marL="3886200" indent="-228600" eaLnBrk="0" fontAlgn="base" hangingPunct="0">
+              <a:spcBef>
+                <a:spcPct val="0"/>
+              </a:spcBef>
+              <a:spcAft>
+                <a:spcPct val="0"/>
+              </a:spcAft>
+              <a:defRPr>
+                <a:solidFill>
+                  <a:schemeClr val="tx1"/>
+                </a:solidFill>
+                <a:latin typeface="Arial" panose="020B0604020202020204" pitchFamily="34" charset="0"/>
+                <a:ea typeface="宋体" panose="02010600030101010101" pitchFamily="2" charset="-122"/>
+              </a:defRPr>
+            </a:lvl9pPr>
+          </a:lstStyle>
+          <a:p>
+            <a:pPr eaLnBrk="1" hangingPunct="1"/>
+            <a:r>
+              <a:rPr lang="zh-CN" altLang="en-US" sz="4800" dirty="0">
+                <a:solidFill>
+                  <a:schemeClr val="bg1"/>
+                </a:solidFill>
+                <a:latin typeface="微软雅黑" panose="020B0503020204020204" pitchFamily="34" charset="-122"/>
+                <a:ea typeface="微软雅黑" panose="020B0503020204020204" pitchFamily="34" charset="-122"/>
+              </a:rPr>
+              <a:t>基本使用场景 </a:t>
+            </a:r>
+            <a:r>
+              <a:rPr lang="en-US" altLang="zh-CN" sz="4800" dirty="0">
+                <a:solidFill>
+                  <a:schemeClr val="bg1"/>
+                </a:solidFill>
+                <a:latin typeface="微软雅黑" pitchFamily="34" charset="-122"/>
+                <a:ea typeface="微软雅黑" pitchFamily="34" charset="-122"/>
+              </a:rPr>
+              <a:t>– </a:t>
+            </a:r>
+            <a:r>
+              <a:rPr lang="zh-CN" altLang="en-US" sz="4800" dirty="0">
+                <a:solidFill>
+                  <a:schemeClr val="bg1"/>
+                </a:solidFill>
+                <a:latin typeface="微软雅黑" pitchFamily="34" charset="-122"/>
+                <a:ea typeface="微软雅黑" pitchFamily="34" charset="-122"/>
+              </a:rPr>
+              <a:t>排行榜</a:t>
+            </a:r>
+          </a:p>
+        </p:txBody>
+      </p:sp>
+      <p:sp>
+        <p:nvSpPr>
+          <p:cNvPr id="10" name="TextBox 9">
+            <a:extLst>
+              <a:ext uri="{FF2B5EF4-FFF2-40B4-BE49-F238E27FC236}">
+                <a16:creationId xmlns:a16="http://schemas.microsoft.com/office/drawing/2014/main" id="{6C65DFA7-0E5F-49E5-88D4-5AD68B41A2B2}"/>
+              </a:ext>
+            </a:extLst>
+          </p:cNvPr>
+          <p:cNvSpPr txBox="1"/>
+          <p:nvPr/>
+        </p:nvSpPr>
+        <p:spPr>
+          <a:xfrm>
+            <a:off x="35496" y="908720"/>
+            <a:ext cx="9096385" cy="1754326"/>
+          </a:xfrm>
+          <a:prstGeom prst="rect">
+            <a:avLst/>
+          </a:prstGeom>
+          <a:noFill/>
+        </p:spPr>
+        <p:txBody>
+          <a:bodyPr wrap="square">
+            <a:spAutoFit/>
+          </a:bodyPr>
+          <a:lstStyle/>
+          <a:p>
+            <a:pPr>
+              <a:defRPr/>
+            </a:pPr>
+            <a:r>
+              <a:rPr lang="en-US" altLang="zh-CN" sz="3600" dirty="0">
+                <a:solidFill>
+                  <a:schemeClr val="bg1"/>
+                </a:solidFill>
+                <a:latin typeface="微软雅黑" pitchFamily="34" charset="-122"/>
+                <a:ea typeface="微软雅黑" pitchFamily="34" charset="-122"/>
+              </a:rPr>
+              <a:t>	</a:t>
+            </a:r>
+            <a:r>
+              <a:rPr lang="zh-CN" altLang="en-US" sz="3600" dirty="0">
+                <a:solidFill>
+                  <a:schemeClr val="bg1"/>
+                </a:solidFill>
+                <a:latin typeface="微软雅黑" pitchFamily="34" charset="-122"/>
+                <a:ea typeface="微软雅黑" pitchFamily="34" charset="-122"/>
+              </a:rPr>
+              <a:t>论坛最多人回复的</a:t>
+            </a:r>
+            <a:r>
+              <a:rPr lang="en-US" altLang="zh-CN" sz="3600" dirty="0">
+                <a:solidFill>
+                  <a:schemeClr val="bg1"/>
+                </a:solidFill>
+                <a:latin typeface="微软雅黑" pitchFamily="34" charset="-122"/>
+                <a:ea typeface="微软雅黑" pitchFamily="34" charset="-122"/>
+              </a:rPr>
+              <a:t>100</a:t>
+            </a:r>
+            <a:r>
+              <a:rPr lang="zh-CN" altLang="en-US" sz="3600" dirty="0">
+                <a:solidFill>
+                  <a:schemeClr val="bg1"/>
+                </a:solidFill>
+                <a:latin typeface="微软雅黑" pitchFamily="34" charset="-122"/>
+                <a:ea typeface="微软雅黑" pitchFamily="34" charset="-122"/>
+              </a:rPr>
+              <a:t>个帖子</a:t>
+            </a:r>
+            <a:r>
+              <a:rPr lang="en-US" altLang="zh-CN" sz="3600" dirty="0">
+                <a:solidFill>
+                  <a:schemeClr val="bg1"/>
+                </a:solidFill>
+                <a:latin typeface="微软雅黑" pitchFamily="34" charset="-122"/>
+                <a:ea typeface="微软雅黑" pitchFamily="34" charset="-122"/>
+              </a:rPr>
+              <a:t>……</a:t>
+            </a:r>
+          </a:p>
+          <a:p>
+            <a:pPr>
+              <a:defRPr/>
+            </a:pPr>
+            <a:endParaRPr lang="en-US" sz="3600" dirty="0">
+              <a:solidFill>
+                <a:schemeClr val="bg1"/>
+              </a:solidFill>
+              <a:latin typeface="微软雅黑" pitchFamily="34" charset="-122"/>
+              <a:ea typeface="微软雅黑" pitchFamily="34" charset="-122"/>
+            </a:endParaRPr>
+          </a:p>
+          <a:p>
+            <a:pPr>
+              <a:defRPr/>
+            </a:pPr>
+            <a:r>
+              <a:rPr lang="en-US" altLang="zh-CN" sz="3600" dirty="0" err="1">
+                <a:solidFill>
+                  <a:schemeClr val="bg1"/>
+                </a:solidFill>
+                <a:latin typeface="微软雅黑" pitchFamily="34" charset="-122"/>
+                <a:ea typeface="微软雅黑" pitchFamily="34" charset="-122"/>
+              </a:rPr>
+              <a:t>GroupBy</a:t>
+            </a:r>
+            <a:r>
+              <a:rPr lang="en-US" altLang="zh-CN" sz="3600" dirty="0">
+                <a:solidFill>
+                  <a:schemeClr val="bg1"/>
+                </a:solidFill>
+                <a:latin typeface="微软雅黑" pitchFamily="34" charset="-122"/>
+                <a:ea typeface="微软雅黑" pitchFamily="34" charset="-122"/>
+              </a:rPr>
+              <a:t> + Count + </a:t>
+            </a:r>
+            <a:r>
+              <a:rPr lang="en-US" altLang="zh-CN" sz="3600" dirty="0" err="1">
+                <a:solidFill>
+                  <a:schemeClr val="bg1"/>
+                </a:solidFill>
+                <a:latin typeface="微软雅黑" pitchFamily="34" charset="-122"/>
+                <a:ea typeface="微软雅黑" pitchFamily="34" charset="-122"/>
+              </a:rPr>
+              <a:t>OrderBy</a:t>
+            </a:r>
+            <a:r>
+              <a:rPr lang="en-US" altLang="zh-CN" sz="3600" dirty="0">
+                <a:solidFill>
+                  <a:schemeClr val="bg1"/>
+                </a:solidFill>
+                <a:latin typeface="微软雅黑" pitchFamily="34" charset="-122"/>
+                <a:ea typeface="微软雅黑" pitchFamily="34" charset="-122"/>
+              </a:rPr>
+              <a:t> + Limit</a:t>
+            </a:r>
+            <a:r>
+              <a:rPr lang="zh-CN" altLang="en-US" sz="3600" dirty="0">
+                <a:solidFill>
+                  <a:schemeClr val="bg1"/>
+                </a:solidFill>
+                <a:latin typeface="微软雅黑" pitchFamily="34" charset="-122"/>
+                <a:ea typeface="微软雅黑" pitchFamily="34" charset="-122"/>
+              </a:rPr>
+              <a:t> </a:t>
+            </a:r>
+            <a:r>
+              <a:rPr lang="en-US" altLang="zh-CN" sz="3600" dirty="0">
+                <a:solidFill>
+                  <a:schemeClr val="bg1"/>
+                </a:solidFill>
+                <a:latin typeface="微软雅黑" pitchFamily="34" charset="-122"/>
+                <a:ea typeface="微软雅黑" pitchFamily="34" charset="-122"/>
+              </a:rPr>
+              <a:t>= </a:t>
+            </a:r>
+            <a:r>
+              <a:rPr lang="zh-CN" altLang="en-US" sz="3600" dirty="0">
+                <a:solidFill>
+                  <a:schemeClr val="bg1"/>
+                </a:solidFill>
+                <a:latin typeface="微软雅黑" pitchFamily="34" charset="-122"/>
+                <a:ea typeface="微软雅黑" pitchFamily="34" charset="-122"/>
+              </a:rPr>
+              <a:t>？</a:t>
+            </a:r>
+            <a:endParaRPr lang="en-US" sz="3600" dirty="0">
+              <a:solidFill>
+                <a:schemeClr val="bg1"/>
+              </a:solidFill>
+              <a:latin typeface="微软雅黑" pitchFamily="34" charset="-122"/>
+              <a:ea typeface="微软雅黑" pitchFamily="34" charset="-122"/>
+            </a:endParaRPr>
+          </a:p>
+        </p:txBody>
+      </p:sp>
+      <p:sp>
+        <p:nvSpPr>
+          <p:cNvPr id="7" name="TextBox 6">
+            <a:extLst>
+              <a:ext uri="{FF2B5EF4-FFF2-40B4-BE49-F238E27FC236}">
+                <a16:creationId xmlns:a16="http://schemas.microsoft.com/office/drawing/2014/main" id="{2D94FCAA-549E-453C-B655-881698A1F27E}"/>
+              </a:ext>
+            </a:extLst>
+          </p:cNvPr>
+          <p:cNvSpPr txBox="1"/>
+          <p:nvPr/>
+        </p:nvSpPr>
+        <p:spPr>
+          <a:xfrm>
+            <a:off x="0" y="2780928"/>
+            <a:ext cx="9096385" cy="2800767"/>
+          </a:xfrm>
+          <a:prstGeom prst="rect">
+            <a:avLst/>
+          </a:prstGeom>
+          <a:noFill/>
+        </p:spPr>
+        <p:txBody>
+          <a:bodyPr wrap="square">
+            <a:spAutoFit/>
+          </a:bodyPr>
+          <a:lstStyle/>
+          <a:p>
+            <a:pPr>
+              <a:defRPr/>
+            </a:pPr>
+            <a:r>
+              <a:rPr lang="en-US" altLang="zh-CN" sz="4400" dirty="0" err="1">
+                <a:solidFill>
+                  <a:schemeClr val="bg1"/>
+                </a:solidFill>
+                <a:latin typeface="微软雅黑" pitchFamily="34" charset="-122"/>
+                <a:ea typeface="微软雅黑" pitchFamily="34" charset="-122"/>
+              </a:rPr>
+              <a:t>HottestTopics</a:t>
+            </a:r>
+            <a:r>
+              <a:rPr lang="en-US" altLang="zh-CN" sz="4400" dirty="0">
+                <a:solidFill>
+                  <a:schemeClr val="bg1"/>
+                </a:solidFill>
+                <a:latin typeface="微软雅黑" pitchFamily="34" charset="-122"/>
+                <a:ea typeface="微软雅黑" pitchFamily="34" charset="-122"/>
+              </a:rPr>
+              <a:t> = </a:t>
+            </a:r>
+          </a:p>
+          <a:p>
+            <a:pPr>
+              <a:defRPr/>
+            </a:pPr>
+            <a:r>
+              <a:rPr lang="en-US" sz="4400" dirty="0">
+                <a:solidFill>
+                  <a:schemeClr val="bg1"/>
+                </a:solidFill>
+                <a:latin typeface="微软雅黑" pitchFamily="34" charset="-122"/>
+                <a:ea typeface="微软雅黑" pitchFamily="34" charset="-122"/>
+              </a:rPr>
+              <a:t>[(ID_5, 20), (ID_7, 50), (ID_2, 100)]</a:t>
+            </a:r>
+          </a:p>
+          <a:p>
+            <a:pPr>
+              <a:defRPr/>
+            </a:pPr>
+            <a:endParaRPr lang="en-US" sz="4400" dirty="0">
+              <a:solidFill>
+                <a:schemeClr val="bg1"/>
+              </a:solidFill>
+              <a:latin typeface="微软雅黑" pitchFamily="34" charset="-122"/>
+              <a:ea typeface="微软雅黑" pitchFamily="34" charset="-122"/>
+            </a:endParaRPr>
+          </a:p>
+          <a:p>
+            <a:pPr>
+              <a:defRPr/>
+            </a:pPr>
+            <a:r>
+              <a:rPr lang="en-US" sz="4400" dirty="0">
+                <a:solidFill>
+                  <a:schemeClr val="bg1"/>
+                </a:solidFill>
+                <a:latin typeface="微软雅黑" pitchFamily="34" charset="-122"/>
+                <a:ea typeface="微软雅黑" pitchFamily="34" charset="-122"/>
+              </a:rPr>
+              <a:t>                      </a:t>
+            </a:r>
+            <a:r>
+              <a:rPr lang="en-US" sz="4400" dirty="0" err="1">
+                <a:solidFill>
+                  <a:schemeClr val="bg1"/>
+                </a:solidFill>
+                <a:latin typeface="微软雅黑" pitchFamily="34" charset="-122"/>
+                <a:ea typeface="微软雅黑" pitchFamily="34" charset="-122"/>
+              </a:rPr>
+              <a:t>ZSet</a:t>
+            </a:r>
+            <a:endParaRPr lang="en-US" sz="4400" dirty="0">
+              <a:solidFill>
+                <a:schemeClr val="bg1"/>
+              </a:solidFill>
+              <a:latin typeface="微软雅黑" pitchFamily="34" charset="-122"/>
+              <a:ea typeface="微软雅黑" pitchFamily="34" charset="-122"/>
+            </a:endParaRPr>
+          </a:p>
+        </p:txBody>
+      </p:sp>
+    </p:spTree>
+    <p:extLst>
+      <p:ext uri="{BB962C8B-B14F-4D97-AF65-F5344CB8AC3E}">
+        <p14:creationId xmlns:p14="http://schemas.microsoft.com/office/powerpoint/2010/main" val="655747764"/>
+      </p:ext>
+    </p:extLst>
+  </p:cSld>
+  <p:clrMapOvr>
+    <a:masterClrMapping/>
+  </p:clrMapOvr>
+</p:sld>
+</file>
+
+<file path=ppt/slides/slide17.xml><?xml version="1.0" encoding="utf-8"?>
+<p:sld xmlns:a="http://schemas.openxmlformats.org/drawingml/2006/main" xmlns:r="http://schemas.openxmlformats.org/officeDocument/2006/relationships" xmlns:p="http://schemas.openxmlformats.org/presentationml/2006/main">
+  <p:cSld>
+    <p:spTree>
+      <p:nvGrpSpPr>
+        <p:cNvPr id="1" name=""/>
+        <p:cNvGrpSpPr/>
+        <p:nvPr/>
+      </p:nvGrpSpPr>
+      <p:grpSpPr>
+        <a:xfrm>
+          <a:off x="0" y="0"/>
+          <a:ext cx="0" cy="0"/>
+          <a:chOff x="0" y="0"/>
+          <a:chExt cx="0" cy="0"/>
+        </a:xfrm>
+      </p:grpSpPr>
+      <p:sp>
+        <p:nvSpPr>
+          <p:cNvPr id="5122" name="Rectangle 2">
+            <a:extLst>
+              <a:ext uri="{FF2B5EF4-FFF2-40B4-BE49-F238E27FC236}">
+                <a16:creationId xmlns:a16="http://schemas.microsoft.com/office/drawing/2014/main" id="{DA0A6638-A01B-4ADE-AF93-1C7B857D9914}"/>
+              </a:ext>
+            </a:extLst>
+          </p:cNvPr>
+          <p:cNvSpPr>
+            <a:spLocks noGrp="1" noChangeArrowheads="1"/>
+          </p:cNvSpPr>
+          <p:nvPr>
+            <p:ph type="ctrTitle"/>
+          </p:nvPr>
+        </p:nvSpPr>
+        <p:spPr>
+          <a:xfrm>
+            <a:off x="684213" y="2133600"/>
+            <a:ext cx="7847012" cy="2159000"/>
+          </a:xfrm>
+        </p:spPr>
+        <p:txBody>
+          <a:bodyPr/>
+          <a:lstStyle/>
+          <a:p>
+            <a:pPr eaLnBrk="1" hangingPunct="1"/>
+            <a:br>
+              <a:rPr lang="en-US" altLang="zh-CN" sz="8000" dirty="0">
+                <a:solidFill>
+                  <a:schemeClr val="bg1"/>
+                </a:solidFill>
+                <a:ea typeface="微软雅黑" panose="020B0503020204020204" pitchFamily="34" charset="-122"/>
+              </a:rPr>
+            </a:br>
+            <a:r>
+              <a:rPr lang="zh-CN" altLang="en-US" sz="7200" dirty="0">
+                <a:solidFill>
+                  <a:schemeClr val="bg1"/>
+                </a:solidFill>
+                <a:latin typeface="微软雅黑" pitchFamily="34" charset="-122"/>
+                <a:ea typeface="微软雅黑" pitchFamily="34" charset="-122"/>
+              </a:rPr>
+              <a:t>高级数据结构</a:t>
+            </a:r>
+            <a:br>
+              <a:rPr lang="en-US" altLang="zh-CN" sz="7200" dirty="0">
+                <a:solidFill>
+                  <a:schemeClr val="bg1"/>
+                </a:solidFill>
+                <a:latin typeface="微软雅黑" pitchFamily="34" charset="-122"/>
+                <a:ea typeface="微软雅黑" pitchFamily="34" charset="-122"/>
+              </a:rPr>
+            </a:br>
+            <a:r>
+              <a:rPr lang="zh-CN" altLang="en-US" sz="7200" dirty="0">
+                <a:solidFill>
+                  <a:schemeClr val="bg1"/>
+                </a:solidFill>
+                <a:latin typeface="微软雅黑" pitchFamily="34" charset="-122"/>
+                <a:ea typeface="微软雅黑" pitchFamily="34" charset="-122"/>
+              </a:rPr>
+              <a:t>与使用场景</a:t>
+            </a:r>
+            <a:br>
+              <a:rPr lang="zh-CN" altLang="en-US" sz="7200" dirty="0">
+                <a:solidFill>
+                  <a:schemeClr val="bg1"/>
+                </a:solidFill>
+                <a:ea typeface="微软雅黑" panose="020B0503020204020204" pitchFamily="34" charset="-122"/>
+              </a:rPr>
+            </a:br>
+            <a:endParaRPr lang="zh-CN" altLang="en-US" sz="7200" dirty="0">
+              <a:solidFill>
+                <a:schemeClr val="bg1"/>
+              </a:solidFill>
+              <a:ea typeface="微软雅黑" panose="020B0503020204020204" pitchFamily="34" charset="-122"/>
+            </a:endParaRPr>
+          </a:p>
+        </p:txBody>
+      </p:sp>
+    </p:spTree>
+    <p:extLst>
+      <p:ext uri="{BB962C8B-B14F-4D97-AF65-F5344CB8AC3E}">
+        <p14:creationId xmlns:p14="http://schemas.microsoft.com/office/powerpoint/2010/main" val="3869426189"/>
+      </p:ext>
+    </p:extLst>
+  </p:cSld>
+  <p:clrMapOvr>
+    <a:masterClrMapping/>
+  </p:clrMapOvr>
+</p:sld>
+</file>
+
+<file path=ppt/slides/slide18.xml><?xml version="1.0" encoding="utf-8"?>
+<p:sld xmlns:a="http://schemas.openxmlformats.org/drawingml/2006/main" xmlns:r="http://schemas.openxmlformats.org/officeDocument/2006/relationships" xmlns:p="http://schemas.openxmlformats.org/presentationml/2006/main">
+  <p:cSld>
+    <p:spTree>
+      <p:nvGrpSpPr>
+        <p:cNvPr id="1" name=""/>
+        <p:cNvGrpSpPr/>
+        <p:nvPr/>
+      </p:nvGrpSpPr>
+      <p:grpSpPr>
+        <a:xfrm>
+          <a:off x="0" y="0"/>
+          <a:ext cx="0" cy="0"/>
+          <a:chOff x="0" y="0"/>
+          <a:chExt cx="0" cy="0"/>
+        </a:xfrm>
+      </p:grpSpPr>
+      <p:sp>
+        <p:nvSpPr>
+          <p:cNvPr id="4098" name="TextBox 2">
+            <a:extLst>
+              <a:ext uri="{FF2B5EF4-FFF2-40B4-BE49-F238E27FC236}">
+                <a16:creationId xmlns:a16="http://schemas.microsoft.com/office/drawing/2014/main" id="{5552ED83-0001-4E47-A09B-F49C592A8E24}"/>
+              </a:ext>
+            </a:extLst>
+          </p:cNvPr>
+          <p:cNvSpPr txBox="1">
+            <a:spLocks noChangeArrowheads="1"/>
+          </p:cNvSpPr>
+          <p:nvPr/>
+        </p:nvSpPr>
+        <p:spPr bwMode="auto">
+          <a:xfrm>
+            <a:off x="12118" y="84217"/>
+            <a:ext cx="8736346" cy="830997"/>
+          </a:xfrm>
+          <a:prstGeom prst="rect">
+            <a:avLst/>
+          </a:prstGeom>
+          <a:noFill/>
+          <a:ln>
+            <a:noFill/>
+          </a:ln>
+          <a:extLst>
+            <a:ext uri="{909E8E84-426E-40DD-AFC4-6F175D3DCCD1}">
+              <a14:hiddenFill xmlns:a14="http://schemas.microsoft.com/office/drawing/2010/main">
+                <a:solidFill>
+                  <a:srgbClr val="FFFFFF"/>
+                </a:solidFill>
+              </a14:hiddenFill>
+            </a:ext>
+            <a:ext uri="{91240B29-F687-4F45-9708-019B960494DF}">
+              <a14:hiddenLine xmlns:a14="http://schemas.microsoft.com/office/drawing/2010/main" w="9525">
+                <a:solidFill>
+                  <a:srgbClr val="000000"/>
+                </a:solidFill>
+                <a:miter lim="800000"/>
+                <a:headEnd/>
+                <a:tailEnd/>
+              </a14:hiddenLine>
+            </a:ext>
+          </a:extLst>
+        </p:spPr>
+        <p:txBody>
+          <a:bodyPr wrap="square">
+            <a:spAutoFit/>
+          </a:bodyPr>
+          <a:lstStyle>
+            <a:lvl1pPr eaLnBrk="0" hangingPunct="0">
+              <a:defRPr>
+                <a:solidFill>
+                  <a:schemeClr val="tx1"/>
+                </a:solidFill>
+                <a:latin typeface="Arial" panose="020B0604020202020204" pitchFamily="34" charset="0"/>
+                <a:ea typeface="宋体" panose="02010600030101010101" pitchFamily="2" charset="-122"/>
+              </a:defRPr>
+            </a:lvl1pPr>
+            <a:lvl2pPr marL="742950" indent="-285750" eaLnBrk="0" hangingPunct="0">
+              <a:defRPr>
+                <a:solidFill>
+                  <a:schemeClr val="tx1"/>
+                </a:solidFill>
+                <a:latin typeface="Arial" panose="020B0604020202020204" pitchFamily="34" charset="0"/>
+                <a:ea typeface="宋体" panose="02010600030101010101" pitchFamily="2" charset="-122"/>
+              </a:defRPr>
+            </a:lvl2pPr>
+            <a:lvl3pPr marL="1143000" indent="-228600" eaLnBrk="0" hangingPunct="0">
+              <a:defRPr>
+                <a:solidFill>
+                  <a:schemeClr val="tx1"/>
+                </a:solidFill>
+                <a:latin typeface="Arial" panose="020B0604020202020204" pitchFamily="34" charset="0"/>
+                <a:ea typeface="宋体" panose="02010600030101010101" pitchFamily="2" charset="-122"/>
+              </a:defRPr>
+            </a:lvl3pPr>
+            <a:lvl4pPr marL="1600200" indent="-228600" eaLnBrk="0" hangingPunct="0">
+              <a:defRPr>
+                <a:solidFill>
+                  <a:schemeClr val="tx1"/>
+                </a:solidFill>
+                <a:latin typeface="Arial" panose="020B0604020202020204" pitchFamily="34" charset="0"/>
+                <a:ea typeface="宋体" panose="02010600030101010101" pitchFamily="2" charset="-122"/>
+              </a:defRPr>
+            </a:lvl4pPr>
+            <a:lvl5pPr marL="2057400" indent="-228600" eaLnBrk="0" hangingPunct="0">
+              <a:defRPr>
+                <a:solidFill>
+                  <a:schemeClr val="tx1"/>
+                </a:solidFill>
+                <a:latin typeface="Arial" panose="020B0604020202020204" pitchFamily="34" charset="0"/>
+                <a:ea typeface="宋体" panose="02010600030101010101" pitchFamily="2" charset="-122"/>
+              </a:defRPr>
+            </a:lvl5pPr>
+            <a:lvl6pPr marL="2514600" indent="-228600" eaLnBrk="0" fontAlgn="base" hangingPunct="0">
+              <a:spcBef>
+                <a:spcPct val="0"/>
+              </a:spcBef>
+              <a:spcAft>
+                <a:spcPct val="0"/>
+              </a:spcAft>
+              <a:defRPr>
+                <a:solidFill>
+                  <a:schemeClr val="tx1"/>
+                </a:solidFill>
+                <a:latin typeface="Arial" panose="020B0604020202020204" pitchFamily="34" charset="0"/>
+                <a:ea typeface="宋体" panose="02010600030101010101" pitchFamily="2" charset="-122"/>
+              </a:defRPr>
+            </a:lvl6pPr>
+            <a:lvl7pPr marL="2971800" indent="-228600" eaLnBrk="0" fontAlgn="base" hangingPunct="0">
+              <a:spcBef>
+                <a:spcPct val="0"/>
+              </a:spcBef>
+              <a:spcAft>
+                <a:spcPct val="0"/>
+              </a:spcAft>
+              <a:defRPr>
+                <a:solidFill>
+                  <a:schemeClr val="tx1"/>
+                </a:solidFill>
+                <a:latin typeface="Arial" panose="020B0604020202020204" pitchFamily="34" charset="0"/>
+                <a:ea typeface="宋体" panose="02010600030101010101" pitchFamily="2" charset="-122"/>
+              </a:defRPr>
+            </a:lvl7pPr>
+            <a:lvl8pPr marL="3429000" indent="-228600" eaLnBrk="0" fontAlgn="base" hangingPunct="0">
+              <a:spcBef>
+                <a:spcPct val="0"/>
+              </a:spcBef>
+              <a:spcAft>
+                <a:spcPct val="0"/>
+              </a:spcAft>
+              <a:defRPr>
+                <a:solidFill>
+                  <a:schemeClr val="tx1"/>
+                </a:solidFill>
+                <a:latin typeface="Arial" panose="020B0604020202020204" pitchFamily="34" charset="0"/>
+                <a:ea typeface="宋体" panose="02010600030101010101" pitchFamily="2" charset="-122"/>
+              </a:defRPr>
+            </a:lvl8pPr>
+            <a:lvl9pPr marL="3886200" indent="-228600" eaLnBrk="0" fontAlgn="base" hangingPunct="0">
+              <a:spcBef>
+                <a:spcPct val="0"/>
+              </a:spcBef>
+              <a:spcAft>
+                <a:spcPct val="0"/>
+              </a:spcAft>
+              <a:defRPr>
+                <a:solidFill>
+                  <a:schemeClr val="tx1"/>
+                </a:solidFill>
+                <a:latin typeface="Arial" panose="020B0604020202020204" pitchFamily="34" charset="0"/>
+                <a:ea typeface="宋体" panose="02010600030101010101" pitchFamily="2" charset="-122"/>
+              </a:defRPr>
+            </a:lvl9pPr>
+          </a:lstStyle>
+          <a:p>
+            <a:pPr eaLnBrk="1" hangingPunct="1"/>
+            <a:r>
+              <a:rPr lang="zh-CN" altLang="en-US" sz="4800" dirty="0">
+                <a:solidFill>
+                  <a:schemeClr val="bg1"/>
+                </a:solidFill>
+                <a:latin typeface="微软雅黑" panose="020B0503020204020204" pitchFamily="34" charset="-122"/>
+                <a:ea typeface="微软雅黑" panose="020B0503020204020204" pitchFamily="34" charset="-122"/>
+              </a:rPr>
+              <a:t>高级场景</a:t>
+            </a:r>
+            <a:r>
+              <a:rPr lang="en-US" altLang="zh-CN" sz="4800" dirty="0">
+                <a:solidFill>
+                  <a:schemeClr val="bg1"/>
+                </a:solidFill>
+                <a:latin typeface="微软雅黑" panose="020B0503020204020204" pitchFamily="34" charset="-122"/>
+                <a:ea typeface="微软雅黑" panose="020B0503020204020204" pitchFamily="34" charset="-122"/>
+              </a:rPr>
+              <a:t>1</a:t>
+            </a:r>
+            <a:r>
+              <a:rPr lang="zh-CN" altLang="en-US" sz="4800" dirty="0">
+                <a:solidFill>
+                  <a:schemeClr val="bg1"/>
+                </a:solidFill>
+                <a:latin typeface="微软雅黑" panose="020B0503020204020204" pitchFamily="34" charset="-122"/>
+                <a:ea typeface="微软雅黑" panose="020B0503020204020204" pitchFamily="34" charset="-122"/>
+              </a:rPr>
+              <a:t> </a:t>
+            </a:r>
+            <a:r>
+              <a:rPr lang="en-US" altLang="zh-CN" sz="4800" dirty="0">
+                <a:solidFill>
+                  <a:schemeClr val="bg1"/>
+                </a:solidFill>
+                <a:latin typeface="微软雅黑" pitchFamily="34" charset="-122"/>
+                <a:ea typeface="微软雅黑" pitchFamily="34" charset="-122"/>
+              </a:rPr>
+              <a:t>– </a:t>
+            </a:r>
+            <a:r>
+              <a:rPr lang="zh-CN" altLang="en-US" sz="4800" dirty="0">
+                <a:solidFill>
+                  <a:schemeClr val="bg1"/>
+                </a:solidFill>
+                <a:latin typeface="微软雅黑" pitchFamily="34" charset="-122"/>
+                <a:ea typeface="微软雅黑" pitchFamily="34" charset="-122"/>
+              </a:rPr>
+              <a:t>分布式发号器</a:t>
+            </a:r>
+          </a:p>
+        </p:txBody>
+      </p:sp>
+      <p:sp>
+        <p:nvSpPr>
+          <p:cNvPr id="10" name="TextBox 9">
+            <a:extLst>
+              <a:ext uri="{FF2B5EF4-FFF2-40B4-BE49-F238E27FC236}">
+                <a16:creationId xmlns:a16="http://schemas.microsoft.com/office/drawing/2014/main" id="{6C65DFA7-0E5F-49E5-88D4-5AD68B41A2B2}"/>
+              </a:ext>
+            </a:extLst>
+          </p:cNvPr>
+          <p:cNvSpPr txBox="1"/>
+          <p:nvPr/>
+        </p:nvSpPr>
+        <p:spPr>
+          <a:xfrm>
+            <a:off x="35496" y="908720"/>
+            <a:ext cx="9096385" cy="646331"/>
+          </a:xfrm>
+          <a:prstGeom prst="rect">
+            <a:avLst/>
+          </a:prstGeom>
+          <a:noFill/>
+        </p:spPr>
+        <p:txBody>
+          <a:bodyPr wrap="square">
+            <a:spAutoFit/>
+          </a:bodyPr>
+          <a:lstStyle/>
+          <a:p>
+            <a:pPr>
+              <a:defRPr/>
+            </a:pPr>
+            <a:r>
+              <a:rPr lang="en-US" altLang="zh-CN" sz="3600" dirty="0">
+                <a:solidFill>
+                  <a:schemeClr val="bg1"/>
+                </a:solidFill>
+                <a:latin typeface="微软雅黑" pitchFamily="34" charset="-122"/>
+                <a:ea typeface="微软雅黑" pitchFamily="34" charset="-122"/>
+              </a:rPr>
+              <a:t>	</a:t>
+            </a:r>
+            <a:r>
+              <a:rPr lang="zh-CN" altLang="en-US" sz="3600" dirty="0">
+                <a:solidFill>
+                  <a:schemeClr val="bg1"/>
+                </a:solidFill>
+                <a:latin typeface="微软雅黑" pitchFamily="34" charset="-122"/>
+                <a:ea typeface="微软雅黑" pitchFamily="34" charset="-122"/>
+              </a:rPr>
+              <a:t>你用</a:t>
+            </a:r>
+            <a:r>
+              <a:rPr lang="en-US" altLang="zh-CN" sz="3600" dirty="0">
+                <a:solidFill>
+                  <a:schemeClr val="bg1"/>
+                </a:solidFill>
+                <a:latin typeface="微软雅黑" pitchFamily="34" charset="-122"/>
+                <a:ea typeface="微软雅黑" pitchFamily="34" charset="-122"/>
+              </a:rPr>
+              <a:t>INCR</a:t>
+            </a:r>
+            <a:r>
+              <a:rPr lang="zh-CN" altLang="en-US" sz="3600" dirty="0">
+                <a:solidFill>
+                  <a:schemeClr val="bg1"/>
+                </a:solidFill>
+                <a:latin typeface="微软雅黑" pitchFamily="34" charset="-122"/>
+                <a:ea typeface="微软雅黑" pitchFamily="34" charset="-122"/>
+              </a:rPr>
+              <a:t>指令，保证原子性自增</a:t>
+            </a:r>
+            <a:endParaRPr lang="en-US" sz="3600" dirty="0">
+              <a:solidFill>
+                <a:schemeClr val="bg1"/>
+              </a:solidFill>
+              <a:latin typeface="微软雅黑" pitchFamily="34" charset="-122"/>
+              <a:ea typeface="微软雅黑" pitchFamily="34" charset="-122"/>
+            </a:endParaRPr>
+          </a:p>
+        </p:txBody>
+      </p:sp>
+      <p:pic>
+        <p:nvPicPr>
+          <p:cNvPr id="2" name="Picture 1">
+            <a:extLst>
+              <a:ext uri="{FF2B5EF4-FFF2-40B4-BE49-F238E27FC236}">
+                <a16:creationId xmlns:a16="http://schemas.microsoft.com/office/drawing/2014/main" id="{0505B98D-264F-4F32-8334-CCAB997AB932}"/>
+              </a:ext>
+            </a:extLst>
+          </p:cNvPr>
+          <p:cNvPicPr>
+            <a:picLocks noChangeAspect="1"/>
+          </p:cNvPicPr>
+          <p:nvPr/>
+        </p:nvPicPr>
+        <p:blipFill>
+          <a:blip r:embed="rId2"/>
+          <a:stretch>
+            <a:fillRect/>
+          </a:stretch>
+        </p:blipFill>
+        <p:spPr>
+          <a:xfrm>
+            <a:off x="2195736" y="1739717"/>
+            <a:ext cx="4464496" cy="3720413"/>
+          </a:xfrm>
+          <a:prstGeom prst="rect">
+            <a:avLst/>
+          </a:prstGeom>
+        </p:spPr>
+      </p:pic>
+    </p:spTree>
+    <p:extLst>
+      <p:ext uri="{BB962C8B-B14F-4D97-AF65-F5344CB8AC3E}">
+        <p14:creationId xmlns:p14="http://schemas.microsoft.com/office/powerpoint/2010/main" val="3757213553"/>
+      </p:ext>
+    </p:extLst>
+  </p:cSld>
+  <p:clrMapOvr>
+    <a:masterClrMapping/>
+  </p:clrMapOvr>
+</p:sld>
+</file>
+
+<file path=ppt/slides/slide19.xml><?xml version="1.0" encoding="utf-8"?>
+<p:sld xmlns:a="http://schemas.openxmlformats.org/drawingml/2006/main" xmlns:r="http://schemas.openxmlformats.org/officeDocument/2006/relationships" xmlns:p="http://schemas.openxmlformats.org/presentationml/2006/main">
+  <p:cSld>
+    <p:spTree>
+      <p:nvGrpSpPr>
+        <p:cNvPr id="1" name=""/>
+        <p:cNvGrpSpPr/>
+        <p:nvPr/>
+      </p:nvGrpSpPr>
+      <p:grpSpPr>
+        <a:xfrm>
+          <a:off x="0" y="0"/>
+          <a:ext cx="0" cy="0"/>
+          <a:chOff x="0" y="0"/>
+          <a:chExt cx="0" cy="0"/>
+        </a:xfrm>
+      </p:grpSpPr>
+      <p:sp>
+        <p:nvSpPr>
+          <p:cNvPr id="5122" name="Rectangle 2">
+            <a:extLst>
+              <a:ext uri="{FF2B5EF4-FFF2-40B4-BE49-F238E27FC236}">
+                <a16:creationId xmlns:a16="http://schemas.microsoft.com/office/drawing/2014/main" id="{DA0A6638-A01B-4ADE-AF93-1C7B857D9914}"/>
+              </a:ext>
+            </a:extLst>
+          </p:cNvPr>
+          <p:cNvSpPr>
+            <a:spLocks noGrp="1" noChangeArrowheads="1"/>
+          </p:cNvSpPr>
+          <p:nvPr>
+            <p:ph type="ctrTitle"/>
+          </p:nvPr>
+        </p:nvSpPr>
+        <p:spPr>
+          <a:xfrm>
+            <a:off x="684213" y="2133600"/>
+            <a:ext cx="7847012" cy="2159000"/>
+          </a:xfrm>
+        </p:spPr>
+        <p:txBody>
+          <a:bodyPr/>
+          <a:lstStyle/>
+          <a:p>
+            <a:pPr eaLnBrk="1" hangingPunct="1"/>
+            <a:br>
+              <a:rPr lang="en-US" altLang="zh-CN" sz="8000" dirty="0">
+                <a:solidFill>
+                  <a:schemeClr val="bg1"/>
+                </a:solidFill>
+                <a:ea typeface="微软雅黑" panose="020B0503020204020204" pitchFamily="34" charset="-122"/>
+              </a:rPr>
+            </a:br>
+            <a:r>
+              <a:rPr lang="en-US" altLang="zh-CN" sz="6600" dirty="0">
+                <a:solidFill>
+                  <a:schemeClr val="bg1"/>
+                </a:solidFill>
+                <a:ea typeface="微软雅黑" panose="020B0503020204020204" pitchFamily="34" charset="-122"/>
+              </a:rPr>
+              <a:t>Q &amp; A</a:t>
+            </a:r>
+            <a:br>
+              <a:rPr lang="zh-CN" altLang="en-US" sz="7200" dirty="0">
+                <a:solidFill>
+                  <a:schemeClr val="bg1"/>
+                </a:solidFill>
+                <a:ea typeface="微软雅黑" panose="020B0503020204020204" pitchFamily="34" charset="-122"/>
+              </a:rPr>
+            </a:br>
+            <a:endParaRPr lang="zh-CN" altLang="en-US" sz="7200" dirty="0">
+              <a:solidFill>
+                <a:schemeClr val="bg1"/>
+              </a:solidFill>
+              <a:ea typeface="微软雅黑" panose="020B0503020204020204" pitchFamily="34" charset="-122"/>
+            </a:endParaRPr>
+          </a:p>
+        </p:txBody>
+      </p:sp>
+    </p:spTree>
+    <p:extLst>
+      <p:ext uri="{BB962C8B-B14F-4D97-AF65-F5344CB8AC3E}">
+        <p14:creationId xmlns:p14="http://schemas.microsoft.com/office/powerpoint/2010/main" val="1068010669"/>
+      </p:ext>
+    </p:extLst>
+  </p:cSld>
+  <p:clrMapOvr>
+    <a:masterClrMapping/>
+  </p:clrMapOvr>
+</p:sld>
+</file>
+
 <file path=ppt/slides/slide2.xml><?xml version="1.0" encoding="utf-8"?>
 <p:sld xmlns:a="http://schemas.openxmlformats.org/drawingml/2006/main" xmlns:r="http://schemas.openxmlformats.org/officeDocument/2006/relationships" xmlns:p="http://schemas.openxmlformats.org/presentationml/2006/main">
   <p:cSld>
@@ -10129,69 +13626,358 @@
       </p:grpSpPr>
       <p:sp>
         <p:nvSpPr>
-          <p:cNvPr id="5122" name="Rectangle 2">
+          <p:cNvPr id="4098" name="TextBox 2">
             <a:extLst>
               <a:ext uri="{FF2B5EF4-FFF2-40B4-BE49-F238E27FC236}">
-                <a16:creationId xmlns:a16="http://schemas.microsoft.com/office/drawing/2014/main" id="{DA0A6638-A01B-4ADE-AF93-1C7B857D9914}"/>
+                <a16:creationId xmlns:a16="http://schemas.microsoft.com/office/drawing/2014/main" id="{5552ED83-0001-4E47-A09B-F49C592A8E24}"/>
               </a:ext>
             </a:extLst>
           </p:cNvPr>
-          <p:cNvSpPr>
-            <a:spLocks noGrp="1" noChangeArrowheads="1"/>
+          <p:cNvSpPr txBox="1">
+            <a:spLocks noChangeArrowheads="1"/>
           </p:cNvSpPr>
-          <p:nvPr>
-            <p:ph type="ctrTitle"/>
-          </p:nvPr>
-        </p:nvSpPr>
-        <p:spPr>
+          <p:nvPr/>
+        </p:nvSpPr>
+        <p:spPr bwMode="auto">
           <a:xfrm>
-            <a:off x="684213" y="2133600"/>
-            <a:ext cx="7847012" cy="2159000"/>
+            <a:off x="12118" y="84217"/>
+            <a:ext cx="8736346" cy="830997"/>
           </a:xfrm>
-        </p:spPr>
-        <p:txBody>
-          <a:bodyPr/>
-          <a:lstStyle/>
+          <a:prstGeom prst="rect">
+            <a:avLst/>
+          </a:prstGeom>
+          <a:noFill/>
+          <a:ln>
+            <a:noFill/>
+          </a:ln>
+          <a:extLst>
+            <a:ext uri="{909E8E84-426E-40DD-AFC4-6F175D3DCCD1}">
+              <a14:hiddenFill xmlns:a14="http://schemas.microsoft.com/office/drawing/2010/main">
+                <a:solidFill>
+                  <a:srgbClr val="FFFFFF"/>
+                </a:solidFill>
+              </a14:hiddenFill>
+            </a:ext>
+            <a:ext uri="{91240B29-F687-4F45-9708-019B960494DF}">
+              <a14:hiddenLine xmlns:a14="http://schemas.microsoft.com/office/drawing/2010/main" w="9525">
+                <a:solidFill>
+                  <a:srgbClr val="000000"/>
+                </a:solidFill>
+                <a:miter lim="800000"/>
+                <a:headEnd/>
+                <a:tailEnd/>
+              </a14:hiddenLine>
+            </a:ext>
+          </a:extLst>
+        </p:spPr>
+        <p:txBody>
+          <a:bodyPr wrap="square">
+            <a:spAutoFit/>
+          </a:bodyPr>
+          <a:lstStyle>
+            <a:lvl1pPr eaLnBrk="0" hangingPunct="0">
+              <a:defRPr>
+                <a:solidFill>
+                  <a:schemeClr val="tx1"/>
+                </a:solidFill>
+                <a:latin typeface="Arial" panose="020B0604020202020204" pitchFamily="34" charset="0"/>
+                <a:ea typeface="宋体" panose="02010600030101010101" pitchFamily="2" charset="-122"/>
+              </a:defRPr>
+            </a:lvl1pPr>
+            <a:lvl2pPr marL="742950" indent="-285750" eaLnBrk="0" hangingPunct="0">
+              <a:defRPr>
+                <a:solidFill>
+                  <a:schemeClr val="tx1"/>
+                </a:solidFill>
+                <a:latin typeface="Arial" panose="020B0604020202020204" pitchFamily="34" charset="0"/>
+                <a:ea typeface="宋体" panose="02010600030101010101" pitchFamily="2" charset="-122"/>
+              </a:defRPr>
+            </a:lvl2pPr>
+            <a:lvl3pPr marL="1143000" indent="-228600" eaLnBrk="0" hangingPunct="0">
+              <a:defRPr>
+                <a:solidFill>
+                  <a:schemeClr val="tx1"/>
+                </a:solidFill>
+                <a:latin typeface="Arial" panose="020B0604020202020204" pitchFamily="34" charset="0"/>
+                <a:ea typeface="宋体" panose="02010600030101010101" pitchFamily="2" charset="-122"/>
+              </a:defRPr>
+            </a:lvl3pPr>
+            <a:lvl4pPr marL="1600200" indent="-228600" eaLnBrk="0" hangingPunct="0">
+              <a:defRPr>
+                <a:solidFill>
+                  <a:schemeClr val="tx1"/>
+                </a:solidFill>
+                <a:latin typeface="Arial" panose="020B0604020202020204" pitchFamily="34" charset="0"/>
+                <a:ea typeface="宋体" panose="02010600030101010101" pitchFamily="2" charset="-122"/>
+              </a:defRPr>
+            </a:lvl4pPr>
+            <a:lvl5pPr marL="2057400" indent="-228600" eaLnBrk="0" hangingPunct="0">
+              <a:defRPr>
+                <a:solidFill>
+                  <a:schemeClr val="tx1"/>
+                </a:solidFill>
+                <a:latin typeface="Arial" panose="020B0604020202020204" pitchFamily="34" charset="0"/>
+                <a:ea typeface="宋体" panose="02010600030101010101" pitchFamily="2" charset="-122"/>
+              </a:defRPr>
+            </a:lvl5pPr>
+            <a:lvl6pPr marL="2514600" indent="-228600" eaLnBrk="0" fontAlgn="base" hangingPunct="0">
+              <a:spcBef>
+                <a:spcPct val="0"/>
+              </a:spcBef>
+              <a:spcAft>
+                <a:spcPct val="0"/>
+              </a:spcAft>
+              <a:defRPr>
+                <a:solidFill>
+                  <a:schemeClr val="tx1"/>
+                </a:solidFill>
+                <a:latin typeface="Arial" panose="020B0604020202020204" pitchFamily="34" charset="0"/>
+                <a:ea typeface="宋体" panose="02010600030101010101" pitchFamily="2" charset="-122"/>
+              </a:defRPr>
+            </a:lvl6pPr>
+            <a:lvl7pPr marL="2971800" indent="-228600" eaLnBrk="0" fontAlgn="base" hangingPunct="0">
+              <a:spcBef>
+                <a:spcPct val="0"/>
+              </a:spcBef>
+              <a:spcAft>
+                <a:spcPct val="0"/>
+              </a:spcAft>
+              <a:defRPr>
+                <a:solidFill>
+                  <a:schemeClr val="tx1"/>
+                </a:solidFill>
+                <a:latin typeface="Arial" panose="020B0604020202020204" pitchFamily="34" charset="0"/>
+                <a:ea typeface="宋体" panose="02010600030101010101" pitchFamily="2" charset="-122"/>
+              </a:defRPr>
+            </a:lvl7pPr>
+            <a:lvl8pPr marL="3429000" indent="-228600" eaLnBrk="0" fontAlgn="base" hangingPunct="0">
+              <a:spcBef>
+                <a:spcPct val="0"/>
+              </a:spcBef>
+              <a:spcAft>
+                <a:spcPct val="0"/>
+              </a:spcAft>
+              <a:defRPr>
+                <a:solidFill>
+                  <a:schemeClr val="tx1"/>
+                </a:solidFill>
+                <a:latin typeface="Arial" panose="020B0604020202020204" pitchFamily="34" charset="0"/>
+                <a:ea typeface="宋体" panose="02010600030101010101" pitchFamily="2" charset="-122"/>
+              </a:defRPr>
+            </a:lvl8pPr>
+            <a:lvl9pPr marL="3886200" indent="-228600" eaLnBrk="0" fontAlgn="base" hangingPunct="0">
+              <a:spcBef>
+                <a:spcPct val="0"/>
+              </a:spcBef>
+              <a:spcAft>
+                <a:spcPct val="0"/>
+              </a:spcAft>
+              <a:defRPr>
+                <a:solidFill>
+                  <a:schemeClr val="tx1"/>
+                </a:solidFill>
+                <a:latin typeface="Arial" panose="020B0604020202020204" pitchFamily="34" charset="0"/>
+                <a:ea typeface="宋体" panose="02010600030101010101" pitchFamily="2" charset="-122"/>
+              </a:defRPr>
+            </a:lvl9pPr>
+          </a:lstStyle>
           <a:p>
             <a:pPr eaLnBrk="1" hangingPunct="1"/>
-            <a:br>
-              <a:rPr lang="en-US" altLang="zh-CN" sz="8000" dirty="0">
-                <a:solidFill>
-                  <a:schemeClr val="bg1"/>
-                </a:solidFill>
-                <a:ea typeface="微软雅黑" panose="020B0503020204020204" pitchFamily="34" charset="-122"/>
-              </a:rPr>
-            </a:br>
-            <a:r>
-              <a:rPr lang="en-US" altLang="zh-CN" sz="6600" dirty="0">
-                <a:solidFill>
-                  <a:schemeClr val="bg1"/>
-                </a:solidFill>
-                <a:ea typeface="微软雅黑" panose="020B0503020204020204" pitchFamily="34" charset="-122"/>
-              </a:rPr>
-              <a:t>Q &amp; A</a:t>
-            </a:r>
-            <a:br>
-              <a:rPr lang="zh-CN" altLang="en-US" sz="7200" dirty="0">
-                <a:solidFill>
-                  <a:schemeClr val="bg1"/>
-                </a:solidFill>
-                <a:ea typeface="微软雅黑" panose="020B0503020204020204" pitchFamily="34" charset="-122"/>
-              </a:rPr>
-            </a:br>
-            <a:endParaRPr lang="zh-CN" altLang="en-US" sz="7200" dirty="0">
+            <a:r>
+              <a:rPr lang="zh-CN" altLang="en-US" sz="4800" dirty="0">
+                <a:solidFill>
+                  <a:schemeClr val="bg1"/>
+                </a:solidFill>
+                <a:latin typeface="微软雅黑" pitchFamily="34" charset="-122"/>
+                <a:ea typeface="微软雅黑" pitchFamily="34" charset="-122"/>
+              </a:rPr>
+              <a:t>基本数据结构 </a:t>
+            </a:r>
+            <a:r>
+              <a:rPr lang="en-US" altLang="zh-CN" sz="4800" dirty="0">
+                <a:solidFill>
+                  <a:schemeClr val="bg1"/>
+                </a:solidFill>
+                <a:latin typeface="微软雅黑" pitchFamily="34" charset="-122"/>
+                <a:ea typeface="微软雅黑" pitchFamily="34" charset="-122"/>
+              </a:rPr>
+              <a:t>- list (</a:t>
+            </a:r>
+            <a:r>
+              <a:rPr lang="zh-CN" altLang="en-US" sz="4800" dirty="0">
+                <a:solidFill>
+                  <a:schemeClr val="bg1"/>
+                </a:solidFill>
+                <a:latin typeface="微软雅黑" pitchFamily="34" charset="-122"/>
+                <a:ea typeface="微软雅黑" pitchFamily="34" charset="-122"/>
+              </a:rPr>
+              <a:t>列表</a:t>
+            </a:r>
+            <a:r>
+              <a:rPr lang="en-US" altLang="zh-CN" sz="4800" dirty="0">
+                <a:solidFill>
+                  <a:schemeClr val="bg1"/>
+                </a:solidFill>
+                <a:latin typeface="微软雅黑" pitchFamily="34" charset="-122"/>
+                <a:ea typeface="微软雅黑" pitchFamily="34" charset="-122"/>
+              </a:rPr>
+              <a:t>)</a:t>
+            </a:r>
+            <a:endParaRPr lang="zh-CN" altLang="en-US" sz="4800" dirty="0">
               <a:solidFill>
                 <a:schemeClr val="bg1"/>
               </a:solidFill>
+              <a:latin typeface="微软雅黑" panose="020B0503020204020204" pitchFamily="34" charset="-122"/>
               <a:ea typeface="微软雅黑" panose="020B0503020204020204" pitchFamily="34" charset="-122"/>
             </a:endParaRPr>
           </a:p>
         </p:txBody>
       </p:sp>
+      <p:sp>
+        <p:nvSpPr>
+          <p:cNvPr id="10" name="TextBox 9">
+            <a:extLst>
+              <a:ext uri="{FF2B5EF4-FFF2-40B4-BE49-F238E27FC236}">
+                <a16:creationId xmlns:a16="http://schemas.microsoft.com/office/drawing/2014/main" id="{6C65DFA7-0E5F-49E5-88D4-5AD68B41A2B2}"/>
+              </a:ext>
+            </a:extLst>
+          </p:cNvPr>
+          <p:cNvSpPr txBox="1"/>
+          <p:nvPr/>
+        </p:nvSpPr>
+        <p:spPr>
+          <a:xfrm>
+            <a:off x="35496" y="908720"/>
+            <a:ext cx="9096385" cy="646331"/>
+          </a:xfrm>
+          <a:prstGeom prst="rect">
+            <a:avLst/>
+          </a:prstGeom>
+          <a:noFill/>
+        </p:spPr>
+        <p:txBody>
+          <a:bodyPr wrap="square">
+            <a:spAutoFit/>
+          </a:bodyPr>
+          <a:lstStyle/>
+          <a:p>
+            <a:pPr>
+              <a:defRPr/>
+            </a:pPr>
+            <a:r>
+              <a:rPr lang="en-US" altLang="zh-CN" sz="3600" dirty="0">
+                <a:solidFill>
+                  <a:schemeClr val="bg1"/>
+                </a:solidFill>
+                <a:latin typeface="微软雅黑" pitchFamily="34" charset="-122"/>
+                <a:ea typeface="微软雅黑" pitchFamily="34" charset="-122"/>
+              </a:rPr>
+              <a:t>	</a:t>
+            </a:r>
+            <a:r>
+              <a:rPr lang="zh-CN" altLang="en-US" sz="3600" dirty="0">
+                <a:solidFill>
+                  <a:schemeClr val="bg1"/>
+                </a:solidFill>
+                <a:latin typeface="微软雅黑" pitchFamily="34" charset="-122"/>
+                <a:ea typeface="微软雅黑" pitchFamily="34" charset="-122"/>
+              </a:rPr>
+              <a:t>支持最大</a:t>
+            </a:r>
+            <a:r>
+              <a:rPr lang="en-US" altLang="zh-CN" sz="3600" dirty="0">
+                <a:solidFill>
+                  <a:schemeClr val="bg1"/>
+                </a:solidFill>
+                <a:latin typeface="微软雅黑" pitchFamily="34" charset="-122"/>
+                <a:ea typeface="微软雅黑" pitchFamily="34" charset="-122"/>
+              </a:rPr>
+              <a:t>2^32 – 1</a:t>
+            </a:r>
+            <a:r>
+              <a:rPr lang="zh-CN" altLang="en-US" sz="3600" dirty="0">
+                <a:solidFill>
+                  <a:schemeClr val="bg1"/>
+                </a:solidFill>
+                <a:latin typeface="微软雅黑" pitchFamily="34" charset="-122"/>
+                <a:ea typeface="微软雅黑" pitchFamily="34" charset="-122"/>
+              </a:rPr>
+              <a:t>个元素</a:t>
+            </a:r>
+            <a:endParaRPr lang="en-US" sz="3600" dirty="0">
+              <a:solidFill>
+                <a:schemeClr val="bg1"/>
+              </a:solidFill>
+              <a:latin typeface="微软雅黑" pitchFamily="34" charset="-122"/>
+              <a:ea typeface="微软雅黑" pitchFamily="34" charset="-122"/>
+            </a:endParaRPr>
+          </a:p>
+        </p:txBody>
+      </p:sp>
+      <p:pic>
+        <p:nvPicPr>
+          <p:cNvPr id="2" name="Picture 1">
+            <a:extLst>
+              <a:ext uri="{FF2B5EF4-FFF2-40B4-BE49-F238E27FC236}">
+                <a16:creationId xmlns:a16="http://schemas.microsoft.com/office/drawing/2014/main" id="{BCFE77F7-5595-4C0B-BE95-CC943466D63F}"/>
+              </a:ext>
+            </a:extLst>
+          </p:cNvPr>
+          <p:cNvPicPr>
+            <a:picLocks noChangeAspect="1"/>
+          </p:cNvPicPr>
+          <p:nvPr/>
+        </p:nvPicPr>
+        <p:blipFill>
+          <a:blip r:embed="rId2"/>
+          <a:stretch>
+            <a:fillRect/>
+          </a:stretch>
+        </p:blipFill>
+        <p:spPr>
+          <a:xfrm>
+            <a:off x="683568" y="1737567"/>
+            <a:ext cx="7613913" cy="1617275"/>
+          </a:xfrm>
+          <a:prstGeom prst="rect">
+            <a:avLst/>
+          </a:prstGeom>
+        </p:spPr>
+      </p:pic>
+      <p:pic>
+        <p:nvPicPr>
+          <p:cNvPr id="3" name="Picture 2">
+            <a:extLst>
+              <a:ext uri="{FF2B5EF4-FFF2-40B4-BE49-F238E27FC236}">
+                <a16:creationId xmlns:a16="http://schemas.microsoft.com/office/drawing/2014/main" id="{21DF4E27-4692-4C39-B54E-A7A3A4B5CAF9}"/>
+              </a:ext>
+            </a:extLst>
+          </p:cNvPr>
+          <p:cNvPicPr>
+            <a:picLocks noChangeAspect="1"/>
+          </p:cNvPicPr>
+          <p:nvPr/>
+        </p:nvPicPr>
+        <p:blipFill>
+          <a:blip r:embed="rId3"/>
+          <a:stretch>
+            <a:fillRect/>
+          </a:stretch>
+        </p:blipFill>
+        <p:spPr>
+          <a:xfrm>
+            <a:off x="1871700" y="3395669"/>
+            <a:ext cx="5400600" cy="3301212"/>
+          </a:xfrm>
+          <a:prstGeom prst="rect">
+            <a:avLst/>
+          </a:prstGeom>
+        </p:spPr>
+      </p:pic>
     </p:spTree>
     <p:extLst>
       <p:ext uri="{BB962C8B-B14F-4D97-AF65-F5344CB8AC3E}">
-        <p14:creationId xmlns:p14="http://schemas.microsoft.com/office/powerpoint/2010/main" val="1068010669"/>
+        <p14:creationId xmlns:p14="http://schemas.microsoft.com/office/powerpoint/2010/main" val="1527366421"/>
       </p:ext>
     </p:extLst>
   </p:cSld>

--- a/doc/SD_EP01_Redis_Adv_Application.pptx
+++ b/doc/SD_EP01_Redis_Adv_Application.pptx
@@ -24,7 +24,14 @@
     <p:sldId id="308" r:id="rId18"/>
     <p:sldId id="309" r:id="rId19"/>
     <p:sldId id="310" r:id="rId20"/>
-    <p:sldId id="294" r:id="rId21"/>
+    <p:sldId id="311" r:id="rId21"/>
+    <p:sldId id="312" r:id="rId22"/>
+    <p:sldId id="313" r:id="rId23"/>
+    <p:sldId id="314" r:id="rId24"/>
+    <p:sldId id="316" r:id="rId25"/>
+    <p:sldId id="315" r:id="rId26"/>
+    <p:sldId id="317" r:id="rId27"/>
+    <p:sldId id="294" r:id="rId28"/>
   </p:sldIdLst>
   <p:sldSz cx="9144000" cy="6858000" type="screen4x3"/>
   <p:notesSz cx="6858000" cy="9144000"/>
@@ -10999,7 +11006,7 @@
                 <a:latin typeface="微软雅黑" pitchFamily="34" charset="-122"/>
                 <a:ea typeface="微软雅黑" pitchFamily="34" charset="-122"/>
               </a:rPr>
-              <a:t>你用</a:t>
+              <a:t>全局唯一、单调递增的</a:t>
             </a:r>
             <a:r>
               <a:rPr lang="en-US" altLang="zh-CN" sz="3600" dirty="0">
@@ -11009,17 +11016,7 @@
                 <a:latin typeface="微软雅黑" pitchFamily="34" charset="-122"/>
                 <a:ea typeface="微软雅黑" pitchFamily="34" charset="-122"/>
               </a:rPr>
-              <a:t>INCR</a:t>
-            </a:r>
-            <a:r>
-              <a:rPr lang="zh-CN" altLang="en-US" sz="3600" dirty="0">
-                <a:solidFill>
-                  <a:schemeClr val="bg1"/>
-                </a:solidFill>
-                <a:latin typeface="微软雅黑" pitchFamily="34" charset="-122"/>
-                <a:ea typeface="微软雅黑" pitchFamily="34" charset="-122"/>
-              </a:rPr>
-              <a:t>指令，保证原子性自增</a:t>
+              <a:t>ID</a:t>
             </a:r>
             <a:endParaRPr lang="en-US" sz="3600" dirty="0">
               <a:solidFill>
@@ -11093,69 +11090,376 @@
       </p:grpSpPr>
       <p:sp>
         <p:nvSpPr>
-          <p:cNvPr id="5122" name="Rectangle 2">
+          <p:cNvPr id="4098" name="TextBox 2">
             <a:extLst>
               <a:ext uri="{FF2B5EF4-FFF2-40B4-BE49-F238E27FC236}">
-                <a16:creationId xmlns:a16="http://schemas.microsoft.com/office/drawing/2014/main" id="{DA0A6638-A01B-4ADE-AF93-1C7B857D9914}"/>
+                <a16:creationId xmlns:a16="http://schemas.microsoft.com/office/drawing/2014/main" id="{5552ED83-0001-4E47-A09B-F49C592A8E24}"/>
               </a:ext>
             </a:extLst>
           </p:cNvPr>
-          <p:cNvSpPr>
-            <a:spLocks noGrp="1" noChangeArrowheads="1"/>
+          <p:cNvSpPr txBox="1">
+            <a:spLocks noChangeArrowheads="1"/>
           </p:cNvSpPr>
-          <p:nvPr>
-            <p:ph type="ctrTitle"/>
-          </p:nvPr>
+          <p:nvPr/>
+        </p:nvSpPr>
+        <p:spPr bwMode="auto">
+          <a:xfrm>
+            <a:off x="12118" y="84217"/>
+            <a:ext cx="8736346" cy="830997"/>
+          </a:xfrm>
+          <a:prstGeom prst="rect">
+            <a:avLst/>
+          </a:prstGeom>
+          <a:noFill/>
+          <a:ln>
+            <a:noFill/>
+          </a:ln>
+          <a:extLst>
+            <a:ext uri="{909E8E84-426E-40DD-AFC4-6F175D3DCCD1}">
+              <a14:hiddenFill xmlns:a14="http://schemas.microsoft.com/office/drawing/2010/main">
+                <a:solidFill>
+                  <a:srgbClr val="FFFFFF"/>
+                </a:solidFill>
+              </a14:hiddenFill>
+            </a:ext>
+            <a:ext uri="{91240B29-F687-4F45-9708-019B960494DF}">
+              <a14:hiddenLine xmlns:a14="http://schemas.microsoft.com/office/drawing/2010/main" w="9525">
+                <a:solidFill>
+                  <a:srgbClr val="000000"/>
+                </a:solidFill>
+                <a:miter lim="800000"/>
+                <a:headEnd/>
+                <a:tailEnd/>
+              </a14:hiddenLine>
+            </a:ext>
+          </a:extLst>
+        </p:spPr>
+        <p:txBody>
+          <a:bodyPr wrap="square">
+            <a:spAutoFit/>
+          </a:bodyPr>
+          <a:lstStyle>
+            <a:lvl1pPr eaLnBrk="0" hangingPunct="0">
+              <a:defRPr>
+                <a:solidFill>
+                  <a:schemeClr val="tx1"/>
+                </a:solidFill>
+                <a:latin typeface="Arial" panose="020B0604020202020204" pitchFamily="34" charset="0"/>
+                <a:ea typeface="宋体" panose="02010600030101010101" pitchFamily="2" charset="-122"/>
+              </a:defRPr>
+            </a:lvl1pPr>
+            <a:lvl2pPr marL="742950" indent="-285750" eaLnBrk="0" hangingPunct="0">
+              <a:defRPr>
+                <a:solidFill>
+                  <a:schemeClr val="tx1"/>
+                </a:solidFill>
+                <a:latin typeface="Arial" panose="020B0604020202020204" pitchFamily="34" charset="0"/>
+                <a:ea typeface="宋体" panose="02010600030101010101" pitchFamily="2" charset="-122"/>
+              </a:defRPr>
+            </a:lvl2pPr>
+            <a:lvl3pPr marL="1143000" indent="-228600" eaLnBrk="0" hangingPunct="0">
+              <a:defRPr>
+                <a:solidFill>
+                  <a:schemeClr val="tx1"/>
+                </a:solidFill>
+                <a:latin typeface="Arial" panose="020B0604020202020204" pitchFamily="34" charset="0"/>
+                <a:ea typeface="宋体" panose="02010600030101010101" pitchFamily="2" charset="-122"/>
+              </a:defRPr>
+            </a:lvl3pPr>
+            <a:lvl4pPr marL="1600200" indent="-228600" eaLnBrk="0" hangingPunct="0">
+              <a:defRPr>
+                <a:solidFill>
+                  <a:schemeClr val="tx1"/>
+                </a:solidFill>
+                <a:latin typeface="Arial" panose="020B0604020202020204" pitchFamily="34" charset="0"/>
+                <a:ea typeface="宋体" panose="02010600030101010101" pitchFamily="2" charset="-122"/>
+              </a:defRPr>
+            </a:lvl4pPr>
+            <a:lvl5pPr marL="2057400" indent="-228600" eaLnBrk="0" hangingPunct="0">
+              <a:defRPr>
+                <a:solidFill>
+                  <a:schemeClr val="tx1"/>
+                </a:solidFill>
+                <a:latin typeface="Arial" panose="020B0604020202020204" pitchFamily="34" charset="0"/>
+                <a:ea typeface="宋体" panose="02010600030101010101" pitchFamily="2" charset="-122"/>
+              </a:defRPr>
+            </a:lvl5pPr>
+            <a:lvl6pPr marL="2514600" indent="-228600" eaLnBrk="0" fontAlgn="base" hangingPunct="0">
+              <a:spcBef>
+                <a:spcPct val="0"/>
+              </a:spcBef>
+              <a:spcAft>
+                <a:spcPct val="0"/>
+              </a:spcAft>
+              <a:defRPr>
+                <a:solidFill>
+                  <a:schemeClr val="tx1"/>
+                </a:solidFill>
+                <a:latin typeface="Arial" panose="020B0604020202020204" pitchFamily="34" charset="0"/>
+                <a:ea typeface="宋体" panose="02010600030101010101" pitchFamily="2" charset="-122"/>
+              </a:defRPr>
+            </a:lvl6pPr>
+            <a:lvl7pPr marL="2971800" indent="-228600" eaLnBrk="0" fontAlgn="base" hangingPunct="0">
+              <a:spcBef>
+                <a:spcPct val="0"/>
+              </a:spcBef>
+              <a:spcAft>
+                <a:spcPct val="0"/>
+              </a:spcAft>
+              <a:defRPr>
+                <a:solidFill>
+                  <a:schemeClr val="tx1"/>
+                </a:solidFill>
+                <a:latin typeface="Arial" panose="020B0604020202020204" pitchFamily="34" charset="0"/>
+                <a:ea typeface="宋体" panose="02010600030101010101" pitchFamily="2" charset="-122"/>
+              </a:defRPr>
+            </a:lvl7pPr>
+            <a:lvl8pPr marL="3429000" indent="-228600" eaLnBrk="0" fontAlgn="base" hangingPunct="0">
+              <a:spcBef>
+                <a:spcPct val="0"/>
+              </a:spcBef>
+              <a:spcAft>
+                <a:spcPct val="0"/>
+              </a:spcAft>
+              <a:defRPr>
+                <a:solidFill>
+                  <a:schemeClr val="tx1"/>
+                </a:solidFill>
+                <a:latin typeface="Arial" panose="020B0604020202020204" pitchFamily="34" charset="0"/>
+                <a:ea typeface="宋体" panose="02010600030101010101" pitchFamily="2" charset="-122"/>
+              </a:defRPr>
+            </a:lvl8pPr>
+            <a:lvl9pPr marL="3886200" indent="-228600" eaLnBrk="0" fontAlgn="base" hangingPunct="0">
+              <a:spcBef>
+                <a:spcPct val="0"/>
+              </a:spcBef>
+              <a:spcAft>
+                <a:spcPct val="0"/>
+              </a:spcAft>
+              <a:defRPr>
+                <a:solidFill>
+                  <a:schemeClr val="tx1"/>
+                </a:solidFill>
+                <a:latin typeface="Arial" panose="020B0604020202020204" pitchFamily="34" charset="0"/>
+                <a:ea typeface="宋体" panose="02010600030101010101" pitchFamily="2" charset="-122"/>
+              </a:defRPr>
+            </a:lvl9pPr>
+          </a:lstStyle>
+          <a:p>
+            <a:pPr eaLnBrk="1" hangingPunct="1"/>
+            <a:r>
+              <a:rPr lang="zh-CN" altLang="en-US" sz="4800" dirty="0">
+                <a:solidFill>
+                  <a:schemeClr val="bg1"/>
+                </a:solidFill>
+                <a:latin typeface="微软雅黑" panose="020B0503020204020204" pitchFamily="34" charset="-122"/>
+                <a:ea typeface="微软雅黑" panose="020B0503020204020204" pitchFamily="34" charset="-122"/>
+              </a:rPr>
+              <a:t>高级场景</a:t>
+            </a:r>
+            <a:r>
+              <a:rPr lang="en-US" altLang="zh-CN" sz="4800" dirty="0">
+                <a:solidFill>
+                  <a:schemeClr val="bg1"/>
+                </a:solidFill>
+                <a:latin typeface="微软雅黑" panose="020B0503020204020204" pitchFamily="34" charset="-122"/>
+                <a:ea typeface="微软雅黑" panose="020B0503020204020204" pitchFamily="34" charset="-122"/>
+              </a:rPr>
+              <a:t>2</a:t>
+            </a:r>
+            <a:r>
+              <a:rPr lang="zh-CN" altLang="en-US" sz="4800" dirty="0">
+                <a:solidFill>
+                  <a:schemeClr val="bg1"/>
+                </a:solidFill>
+                <a:latin typeface="微软雅黑" panose="020B0503020204020204" pitchFamily="34" charset="-122"/>
+                <a:ea typeface="微软雅黑" panose="020B0503020204020204" pitchFamily="34" charset="-122"/>
+              </a:rPr>
+              <a:t> </a:t>
+            </a:r>
+            <a:r>
+              <a:rPr lang="en-US" altLang="zh-CN" sz="4800" dirty="0">
+                <a:solidFill>
+                  <a:schemeClr val="bg1"/>
+                </a:solidFill>
+                <a:latin typeface="微软雅黑" pitchFamily="34" charset="-122"/>
+                <a:ea typeface="微软雅黑" pitchFamily="34" charset="-122"/>
+              </a:rPr>
+              <a:t>– </a:t>
+            </a:r>
+            <a:r>
+              <a:rPr lang="zh-CN" altLang="en-US" sz="4800" dirty="0">
+                <a:solidFill>
+                  <a:schemeClr val="bg1"/>
+                </a:solidFill>
+                <a:latin typeface="微软雅黑" pitchFamily="34" charset="-122"/>
+                <a:ea typeface="微软雅黑" pitchFamily="34" charset="-122"/>
+              </a:rPr>
+              <a:t>数据定时过期</a:t>
+            </a:r>
+          </a:p>
+        </p:txBody>
+      </p:sp>
+      <p:sp>
+        <p:nvSpPr>
+          <p:cNvPr id="10" name="TextBox 9">
+            <a:extLst>
+              <a:ext uri="{FF2B5EF4-FFF2-40B4-BE49-F238E27FC236}">
+                <a16:creationId xmlns:a16="http://schemas.microsoft.com/office/drawing/2014/main" id="{6C65DFA7-0E5F-49E5-88D4-5AD68B41A2B2}"/>
+              </a:ext>
+            </a:extLst>
+          </p:cNvPr>
+          <p:cNvSpPr txBox="1"/>
+          <p:nvPr/>
         </p:nvSpPr>
         <p:spPr>
           <a:xfrm>
-            <a:off x="684213" y="2133600"/>
-            <a:ext cx="7847012" cy="2159000"/>
+            <a:off x="35496" y="908720"/>
+            <a:ext cx="9096385" cy="1200329"/>
           </a:xfrm>
-        </p:spPr>
-        <p:txBody>
-          <a:bodyPr/>
+          <a:prstGeom prst="rect">
+            <a:avLst/>
+          </a:prstGeom>
+          <a:noFill/>
+        </p:spPr>
+        <p:txBody>
+          <a:bodyPr wrap="square">
+            <a:spAutoFit/>
+          </a:bodyPr>
           <a:lstStyle/>
           <a:p>
-            <a:pPr eaLnBrk="1" hangingPunct="1"/>
-            <a:br>
-              <a:rPr lang="en-US" altLang="zh-CN" sz="8000" dirty="0">
-                <a:solidFill>
-                  <a:schemeClr val="bg1"/>
-                </a:solidFill>
-                <a:ea typeface="微软雅黑" panose="020B0503020204020204" pitchFamily="34" charset="-122"/>
-              </a:rPr>
-            </a:br>
-            <a:r>
-              <a:rPr lang="en-US" altLang="zh-CN" sz="6600" dirty="0">
-                <a:solidFill>
-                  <a:schemeClr val="bg1"/>
-                </a:solidFill>
-                <a:ea typeface="微软雅黑" panose="020B0503020204020204" pitchFamily="34" charset="-122"/>
-              </a:rPr>
-              <a:t>Q &amp; A</a:t>
-            </a:r>
-            <a:br>
-              <a:rPr lang="zh-CN" altLang="en-US" sz="7200" dirty="0">
-                <a:solidFill>
-                  <a:schemeClr val="bg1"/>
-                </a:solidFill>
-                <a:ea typeface="微软雅黑" panose="020B0503020204020204" pitchFamily="34" charset="-122"/>
-              </a:rPr>
-            </a:br>
-            <a:endParaRPr lang="zh-CN" altLang="en-US" sz="7200" dirty="0">
+            <a:pPr>
+              <a:defRPr/>
+            </a:pPr>
+            <a:r>
+              <a:rPr lang="en-US" altLang="zh-CN" sz="3600" dirty="0">
+                <a:solidFill>
+                  <a:schemeClr val="bg1"/>
+                </a:solidFill>
+                <a:latin typeface="微软雅黑" pitchFamily="34" charset="-122"/>
+                <a:ea typeface="微软雅黑" pitchFamily="34" charset="-122"/>
+              </a:rPr>
+              <a:t>	</a:t>
+            </a:r>
+            <a:r>
+              <a:rPr lang="zh-CN" altLang="en-US" sz="3600" dirty="0">
+                <a:solidFill>
+                  <a:schemeClr val="bg1"/>
+                </a:solidFill>
+                <a:latin typeface="微软雅黑" pitchFamily="34" charset="-122"/>
+                <a:ea typeface="微软雅黑" pitchFamily="34" charset="-122"/>
+              </a:rPr>
+              <a:t>用户</a:t>
+            </a:r>
+            <a:r>
+              <a:rPr lang="en-US" altLang="zh-CN" sz="3600" dirty="0">
+                <a:solidFill>
+                  <a:schemeClr val="bg1"/>
+                </a:solidFill>
+                <a:latin typeface="微软雅黑" pitchFamily="34" charset="-122"/>
+                <a:ea typeface="微软雅黑" pitchFamily="34" charset="-122"/>
+              </a:rPr>
+              <a:t>Session</a:t>
+            </a:r>
+            <a:r>
+              <a:rPr lang="zh-CN" altLang="en-US" sz="3600" dirty="0">
+                <a:solidFill>
+                  <a:schemeClr val="bg1"/>
+                </a:solidFill>
+                <a:latin typeface="微软雅黑" pitchFamily="34" charset="-122"/>
+                <a:ea typeface="微软雅黑" pitchFamily="34" charset="-122"/>
+              </a:rPr>
+              <a:t>、短信验证码</a:t>
+            </a:r>
+            <a:r>
+              <a:rPr lang="en-US" altLang="zh-CN" sz="3600" dirty="0">
+                <a:solidFill>
+                  <a:schemeClr val="bg1"/>
+                </a:solidFill>
+                <a:latin typeface="微软雅黑" pitchFamily="34" charset="-122"/>
+                <a:ea typeface="微软雅黑" pitchFamily="34" charset="-122"/>
+              </a:rPr>
+              <a:t>……</a:t>
+            </a:r>
+          </a:p>
+          <a:p>
+            <a:pPr>
+              <a:defRPr/>
+            </a:pPr>
+            <a:endParaRPr lang="en-US" altLang="zh-CN" sz="3600" dirty="0">
               <a:solidFill>
                 <a:schemeClr val="bg1"/>
               </a:solidFill>
-              <a:ea typeface="微软雅黑" panose="020B0503020204020204" pitchFamily="34" charset="-122"/>
+              <a:latin typeface="微软雅黑" pitchFamily="34" charset="-122"/>
+              <a:ea typeface="微软雅黑" pitchFamily="34" charset="-122"/>
             </a:endParaRPr>
           </a:p>
         </p:txBody>
       </p:sp>
+      <p:pic>
+        <p:nvPicPr>
+          <p:cNvPr id="3" name="Picture 2">
+            <a:extLst>
+              <a:ext uri="{FF2B5EF4-FFF2-40B4-BE49-F238E27FC236}">
+                <a16:creationId xmlns:a16="http://schemas.microsoft.com/office/drawing/2014/main" id="{5277B143-C93C-4FCB-A73B-926A93E488B4}"/>
+              </a:ext>
+            </a:extLst>
+          </p:cNvPr>
+          <p:cNvPicPr>
+            <a:picLocks noChangeAspect="1"/>
+          </p:cNvPicPr>
+          <p:nvPr/>
+        </p:nvPicPr>
+        <p:blipFill>
+          <a:blip r:embed="rId2"/>
+          <a:stretch>
+            <a:fillRect/>
+          </a:stretch>
+        </p:blipFill>
+        <p:spPr>
+          <a:xfrm>
+            <a:off x="1157033" y="1540534"/>
+            <a:ext cx="6446515" cy="2248506"/>
+          </a:xfrm>
+          <a:prstGeom prst="rect">
+            <a:avLst/>
+          </a:prstGeom>
+        </p:spPr>
+      </p:pic>
+      <p:pic>
+        <p:nvPicPr>
+          <p:cNvPr id="4" name="Picture 3">
+            <a:extLst>
+              <a:ext uri="{FF2B5EF4-FFF2-40B4-BE49-F238E27FC236}">
+                <a16:creationId xmlns:a16="http://schemas.microsoft.com/office/drawing/2014/main" id="{BBF1239A-DBCA-4E2A-8C07-FC3169CE611C}"/>
+              </a:ext>
+            </a:extLst>
+          </p:cNvPr>
+          <p:cNvPicPr>
+            <a:picLocks noChangeAspect="1"/>
+          </p:cNvPicPr>
+          <p:nvPr/>
+        </p:nvPicPr>
+        <p:blipFill>
+          <a:blip r:embed="rId3"/>
+          <a:stretch>
+            <a:fillRect/>
+          </a:stretch>
+        </p:blipFill>
+        <p:spPr>
+          <a:xfrm>
+            <a:off x="1043608" y="3837736"/>
+            <a:ext cx="6696744" cy="2676254"/>
+          </a:xfrm>
+          <a:prstGeom prst="rect">
+            <a:avLst/>
+          </a:prstGeom>
+        </p:spPr>
+      </p:pic>
     </p:spTree>
     <p:extLst>
       <p:ext uri="{BB962C8B-B14F-4D97-AF65-F5344CB8AC3E}">
-        <p14:creationId xmlns:p14="http://schemas.microsoft.com/office/powerpoint/2010/main" val="1068010669"/>
+        <p14:creationId xmlns:p14="http://schemas.microsoft.com/office/powerpoint/2010/main" val="2270352524"/>
       </p:ext>
     </p:extLst>
   </p:cSld>
@@ -11703,6 +12007,2696 @@
     <p:extLst>
       <p:ext uri="{BB962C8B-B14F-4D97-AF65-F5344CB8AC3E}">
         <p14:creationId xmlns:p14="http://schemas.microsoft.com/office/powerpoint/2010/main" val="4087806439"/>
+      </p:ext>
+    </p:extLst>
+  </p:cSld>
+  <p:clrMapOvr>
+    <a:masterClrMapping/>
+  </p:clrMapOvr>
+</p:sld>
+</file>
+
+<file path=ppt/slides/slide20.xml><?xml version="1.0" encoding="utf-8"?>
+<p:sld xmlns:a="http://schemas.openxmlformats.org/drawingml/2006/main" xmlns:r="http://schemas.openxmlformats.org/officeDocument/2006/relationships" xmlns:p="http://schemas.openxmlformats.org/presentationml/2006/main">
+  <p:cSld>
+    <p:spTree>
+      <p:nvGrpSpPr>
+        <p:cNvPr id="1" name=""/>
+        <p:cNvGrpSpPr/>
+        <p:nvPr/>
+      </p:nvGrpSpPr>
+      <p:grpSpPr>
+        <a:xfrm>
+          <a:off x="0" y="0"/>
+          <a:ext cx="0" cy="0"/>
+          <a:chOff x="0" y="0"/>
+          <a:chExt cx="0" cy="0"/>
+        </a:xfrm>
+      </p:grpSpPr>
+      <p:sp>
+        <p:nvSpPr>
+          <p:cNvPr id="4098" name="TextBox 2">
+            <a:extLst>
+              <a:ext uri="{FF2B5EF4-FFF2-40B4-BE49-F238E27FC236}">
+                <a16:creationId xmlns:a16="http://schemas.microsoft.com/office/drawing/2014/main" id="{5552ED83-0001-4E47-A09B-F49C592A8E24}"/>
+              </a:ext>
+            </a:extLst>
+          </p:cNvPr>
+          <p:cNvSpPr txBox="1">
+            <a:spLocks noChangeArrowheads="1"/>
+          </p:cNvSpPr>
+          <p:nvPr/>
+        </p:nvSpPr>
+        <p:spPr bwMode="auto">
+          <a:xfrm>
+            <a:off x="12118" y="84217"/>
+            <a:ext cx="8736346" cy="830997"/>
+          </a:xfrm>
+          <a:prstGeom prst="rect">
+            <a:avLst/>
+          </a:prstGeom>
+          <a:noFill/>
+          <a:ln>
+            <a:noFill/>
+          </a:ln>
+          <a:extLst>
+            <a:ext uri="{909E8E84-426E-40DD-AFC4-6F175D3DCCD1}">
+              <a14:hiddenFill xmlns:a14="http://schemas.microsoft.com/office/drawing/2010/main">
+                <a:solidFill>
+                  <a:srgbClr val="FFFFFF"/>
+                </a:solidFill>
+              </a14:hiddenFill>
+            </a:ext>
+            <a:ext uri="{91240B29-F687-4F45-9708-019B960494DF}">
+              <a14:hiddenLine xmlns:a14="http://schemas.microsoft.com/office/drawing/2010/main" w="9525">
+                <a:solidFill>
+                  <a:srgbClr val="000000"/>
+                </a:solidFill>
+                <a:miter lim="800000"/>
+                <a:headEnd/>
+                <a:tailEnd/>
+              </a14:hiddenLine>
+            </a:ext>
+          </a:extLst>
+        </p:spPr>
+        <p:txBody>
+          <a:bodyPr wrap="square">
+            <a:spAutoFit/>
+          </a:bodyPr>
+          <a:lstStyle>
+            <a:lvl1pPr eaLnBrk="0" hangingPunct="0">
+              <a:defRPr>
+                <a:solidFill>
+                  <a:schemeClr val="tx1"/>
+                </a:solidFill>
+                <a:latin typeface="Arial" panose="020B0604020202020204" pitchFamily="34" charset="0"/>
+                <a:ea typeface="宋体" panose="02010600030101010101" pitchFamily="2" charset="-122"/>
+              </a:defRPr>
+            </a:lvl1pPr>
+            <a:lvl2pPr marL="742950" indent="-285750" eaLnBrk="0" hangingPunct="0">
+              <a:defRPr>
+                <a:solidFill>
+                  <a:schemeClr val="tx1"/>
+                </a:solidFill>
+                <a:latin typeface="Arial" panose="020B0604020202020204" pitchFamily="34" charset="0"/>
+                <a:ea typeface="宋体" panose="02010600030101010101" pitchFamily="2" charset="-122"/>
+              </a:defRPr>
+            </a:lvl2pPr>
+            <a:lvl3pPr marL="1143000" indent="-228600" eaLnBrk="0" hangingPunct="0">
+              <a:defRPr>
+                <a:solidFill>
+                  <a:schemeClr val="tx1"/>
+                </a:solidFill>
+                <a:latin typeface="Arial" panose="020B0604020202020204" pitchFamily="34" charset="0"/>
+                <a:ea typeface="宋体" panose="02010600030101010101" pitchFamily="2" charset="-122"/>
+              </a:defRPr>
+            </a:lvl3pPr>
+            <a:lvl4pPr marL="1600200" indent="-228600" eaLnBrk="0" hangingPunct="0">
+              <a:defRPr>
+                <a:solidFill>
+                  <a:schemeClr val="tx1"/>
+                </a:solidFill>
+                <a:latin typeface="Arial" panose="020B0604020202020204" pitchFamily="34" charset="0"/>
+                <a:ea typeface="宋体" panose="02010600030101010101" pitchFamily="2" charset="-122"/>
+              </a:defRPr>
+            </a:lvl4pPr>
+            <a:lvl5pPr marL="2057400" indent="-228600" eaLnBrk="0" hangingPunct="0">
+              <a:defRPr>
+                <a:solidFill>
+                  <a:schemeClr val="tx1"/>
+                </a:solidFill>
+                <a:latin typeface="Arial" panose="020B0604020202020204" pitchFamily="34" charset="0"/>
+                <a:ea typeface="宋体" panose="02010600030101010101" pitchFamily="2" charset="-122"/>
+              </a:defRPr>
+            </a:lvl5pPr>
+            <a:lvl6pPr marL="2514600" indent="-228600" eaLnBrk="0" fontAlgn="base" hangingPunct="0">
+              <a:spcBef>
+                <a:spcPct val="0"/>
+              </a:spcBef>
+              <a:spcAft>
+                <a:spcPct val="0"/>
+              </a:spcAft>
+              <a:defRPr>
+                <a:solidFill>
+                  <a:schemeClr val="tx1"/>
+                </a:solidFill>
+                <a:latin typeface="Arial" panose="020B0604020202020204" pitchFamily="34" charset="0"/>
+                <a:ea typeface="宋体" panose="02010600030101010101" pitchFamily="2" charset="-122"/>
+              </a:defRPr>
+            </a:lvl6pPr>
+            <a:lvl7pPr marL="2971800" indent="-228600" eaLnBrk="0" fontAlgn="base" hangingPunct="0">
+              <a:spcBef>
+                <a:spcPct val="0"/>
+              </a:spcBef>
+              <a:spcAft>
+                <a:spcPct val="0"/>
+              </a:spcAft>
+              <a:defRPr>
+                <a:solidFill>
+                  <a:schemeClr val="tx1"/>
+                </a:solidFill>
+                <a:latin typeface="Arial" panose="020B0604020202020204" pitchFamily="34" charset="0"/>
+                <a:ea typeface="宋体" panose="02010600030101010101" pitchFamily="2" charset="-122"/>
+              </a:defRPr>
+            </a:lvl7pPr>
+            <a:lvl8pPr marL="3429000" indent="-228600" eaLnBrk="0" fontAlgn="base" hangingPunct="0">
+              <a:spcBef>
+                <a:spcPct val="0"/>
+              </a:spcBef>
+              <a:spcAft>
+                <a:spcPct val="0"/>
+              </a:spcAft>
+              <a:defRPr>
+                <a:solidFill>
+                  <a:schemeClr val="tx1"/>
+                </a:solidFill>
+                <a:latin typeface="Arial" panose="020B0604020202020204" pitchFamily="34" charset="0"/>
+                <a:ea typeface="宋体" panose="02010600030101010101" pitchFamily="2" charset="-122"/>
+              </a:defRPr>
+            </a:lvl8pPr>
+            <a:lvl9pPr marL="3886200" indent="-228600" eaLnBrk="0" fontAlgn="base" hangingPunct="0">
+              <a:spcBef>
+                <a:spcPct val="0"/>
+              </a:spcBef>
+              <a:spcAft>
+                <a:spcPct val="0"/>
+              </a:spcAft>
+              <a:defRPr>
+                <a:solidFill>
+                  <a:schemeClr val="tx1"/>
+                </a:solidFill>
+                <a:latin typeface="Arial" panose="020B0604020202020204" pitchFamily="34" charset="0"/>
+                <a:ea typeface="宋体" panose="02010600030101010101" pitchFamily="2" charset="-122"/>
+              </a:defRPr>
+            </a:lvl9pPr>
+          </a:lstStyle>
+          <a:p>
+            <a:pPr eaLnBrk="1" hangingPunct="1"/>
+            <a:r>
+              <a:rPr lang="zh-CN" altLang="en-US" sz="4800" dirty="0">
+                <a:solidFill>
+                  <a:schemeClr val="bg1"/>
+                </a:solidFill>
+                <a:latin typeface="微软雅黑" panose="020B0503020204020204" pitchFamily="34" charset="-122"/>
+                <a:ea typeface="微软雅黑" panose="020B0503020204020204" pitchFamily="34" charset="-122"/>
+              </a:rPr>
+              <a:t>高级场景</a:t>
+            </a:r>
+            <a:r>
+              <a:rPr lang="en-US" altLang="zh-CN" sz="4800" dirty="0">
+                <a:solidFill>
+                  <a:schemeClr val="bg1"/>
+                </a:solidFill>
+                <a:latin typeface="微软雅黑" panose="020B0503020204020204" pitchFamily="34" charset="-122"/>
+                <a:ea typeface="微软雅黑" panose="020B0503020204020204" pitchFamily="34" charset="-122"/>
+              </a:rPr>
+              <a:t>3</a:t>
+            </a:r>
+            <a:r>
+              <a:rPr lang="zh-CN" altLang="en-US" sz="4800" dirty="0">
+                <a:solidFill>
+                  <a:schemeClr val="bg1"/>
+                </a:solidFill>
+                <a:latin typeface="微软雅黑" panose="020B0503020204020204" pitchFamily="34" charset="-122"/>
+                <a:ea typeface="微软雅黑" panose="020B0503020204020204" pitchFamily="34" charset="-122"/>
+              </a:rPr>
+              <a:t> </a:t>
+            </a:r>
+            <a:r>
+              <a:rPr lang="en-US" altLang="zh-CN" sz="4800" dirty="0">
+                <a:solidFill>
+                  <a:schemeClr val="bg1"/>
+                </a:solidFill>
+                <a:latin typeface="微软雅黑" pitchFamily="34" charset="-122"/>
+                <a:ea typeface="微软雅黑" pitchFamily="34" charset="-122"/>
+              </a:rPr>
+              <a:t>– </a:t>
+            </a:r>
+            <a:r>
+              <a:rPr lang="zh-CN" altLang="en-US" sz="4800" dirty="0">
+                <a:solidFill>
+                  <a:schemeClr val="bg1"/>
+                </a:solidFill>
+                <a:latin typeface="微软雅黑" pitchFamily="34" charset="-122"/>
+                <a:ea typeface="微软雅黑" pitchFamily="34" charset="-122"/>
+              </a:rPr>
+              <a:t>集合运算</a:t>
+            </a:r>
+          </a:p>
+        </p:txBody>
+      </p:sp>
+      <p:sp>
+        <p:nvSpPr>
+          <p:cNvPr id="10" name="TextBox 9">
+            <a:extLst>
+              <a:ext uri="{FF2B5EF4-FFF2-40B4-BE49-F238E27FC236}">
+                <a16:creationId xmlns:a16="http://schemas.microsoft.com/office/drawing/2014/main" id="{6C65DFA7-0E5F-49E5-88D4-5AD68B41A2B2}"/>
+              </a:ext>
+            </a:extLst>
+          </p:cNvPr>
+          <p:cNvSpPr txBox="1"/>
+          <p:nvPr/>
+        </p:nvSpPr>
+        <p:spPr>
+          <a:xfrm>
+            <a:off x="35496" y="908720"/>
+            <a:ext cx="9096385" cy="646331"/>
+          </a:xfrm>
+          <a:prstGeom prst="rect">
+            <a:avLst/>
+          </a:prstGeom>
+          <a:noFill/>
+        </p:spPr>
+        <p:txBody>
+          <a:bodyPr wrap="square">
+            <a:spAutoFit/>
+          </a:bodyPr>
+          <a:lstStyle/>
+          <a:p>
+            <a:pPr>
+              <a:defRPr/>
+            </a:pPr>
+            <a:r>
+              <a:rPr lang="en-US" altLang="zh-CN" sz="3600" dirty="0">
+                <a:solidFill>
+                  <a:schemeClr val="bg1"/>
+                </a:solidFill>
+                <a:latin typeface="微软雅黑" pitchFamily="34" charset="-122"/>
+                <a:ea typeface="微软雅黑" pitchFamily="34" charset="-122"/>
+              </a:rPr>
+              <a:t>	Tom</a:t>
+            </a:r>
+            <a:r>
+              <a:rPr lang="zh-CN" altLang="en-US" sz="3600" dirty="0">
+                <a:solidFill>
+                  <a:schemeClr val="bg1"/>
+                </a:solidFill>
+                <a:latin typeface="微软雅黑" pitchFamily="34" charset="-122"/>
+                <a:ea typeface="微软雅黑" pitchFamily="34" charset="-122"/>
+              </a:rPr>
+              <a:t>是你和</a:t>
+            </a:r>
+            <a:r>
+              <a:rPr lang="en-US" altLang="zh-CN" sz="3600" dirty="0">
+                <a:solidFill>
+                  <a:schemeClr val="bg1"/>
+                </a:solidFill>
+                <a:latin typeface="微软雅黑" pitchFamily="34" charset="-122"/>
+                <a:ea typeface="微软雅黑" pitchFamily="34" charset="-122"/>
+              </a:rPr>
+              <a:t>Mary</a:t>
+            </a:r>
+            <a:r>
+              <a:rPr lang="zh-CN" altLang="en-US" sz="3600" dirty="0">
+                <a:solidFill>
+                  <a:schemeClr val="bg1"/>
+                </a:solidFill>
+                <a:latin typeface="微软雅黑" pitchFamily="34" charset="-122"/>
+                <a:ea typeface="微软雅黑" pitchFamily="34" charset="-122"/>
+              </a:rPr>
+              <a:t>、</a:t>
+            </a:r>
+            <a:r>
+              <a:rPr lang="en-US" altLang="zh-CN" sz="3600" dirty="0">
+                <a:solidFill>
+                  <a:schemeClr val="bg1"/>
+                </a:solidFill>
+                <a:latin typeface="微软雅黑" pitchFamily="34" charset="-122"/>
+                <a:ea typeface="微软雅黑" pitchFamily="34" charset="-122"/>
+              </a:rPr>
+              <a:t>Billy</a:t>
+            </a:r>
+            <a:r>
+              <a:rPr lang="zh-CN" altLang="en-US" sz="3600" dirty="0">
+                <a:solidFill>
+                  <a:schemeClr val="bg1"/>
+                </a:solidFill>
+                <a:latin typeface="微软雅黑" pitchFamily="34" charset="-122"/>
+                <a:ea typeface="微软雅黑" pitchFamily="34" charset="-122"/>
+              </a:rPr>
+              <a:t>的共同好友</a:t>
+            </a:r>
+            <a:r>
+              <a:rPr lang="en-US" altLang="zh-CN" sz="3600" dirty="0">
+                <a:solidFill>
+                  <a:schemeClr val="bg1"/>
+                </a:solidFill>
+                <a:latin typeface="微软雅黑" pitchFamily="34" charset="-122"/>
+                <a:ea typeface="微软雅黑" pitchFamily="34" charset="-122"/>
+              </a:rPr>
+              <a:t>…</a:t>
+            </a:r>
+          </a:p>
+        </p:txBody>
+      </p:sp>
+      <p:pic>
+        <p:nvPicPr>
+          <p:cNvPr id="2" name="Picture 1">
+            <a:extLst>
+              <a:ext uri="{FF2B5EF4-FFF2-40B4-BE49-F238E27FC236}">
+                <a16:creationId xmlns:a16="http://schemas.microsoft.com/office/drawing/2014/main" id="{71416450-0F7A-4274-AFA0-288DA1B0C19D}"/>
+              </a:ext>
+            </a:extLst>
+          </p:cNvPr>
+          <p:cNvPicPr>
+            <a:picLocks noChangeAspect="1"/>
+          </p:cNvPicPr>
+          <p:nvPr/>
+        </p:nvPicPr>
+        <p:blipFill>
+          <a:blip r:embed="rId2"/>
+          <a:stretch>
+            <a:fillRect/>
+          </a:stretch>
+        </p:blipFill>
+        <p:spPr>
+          <a:xfrm>
+            <a:off x="1055744" y="1727008"/>
+            <a:ext cx="7032512" cy="2952328"/>
+          </a:xfrm>
+          <a:prstGeom prst="rect">
+            <a:avLst/>
+          </a:prstGeom>
+        </p:spPr>
+      </p:pic>
+      <p:sp>
+        <p:nvSpPr>
+          <p:cNvPr id="7" name="TextBox 6">
+            <a:extLst>
+              <a:ext uri="{FF2B5EF4-FFF2-40B4-BE49-F238E27FC236}">
+                <a16:creationId xmlns:a16="http://schemas.microsoft.com/office/drawing/2014/main" id="{1B04C0AD-E6DA-4D84-82DB-9B99A588819A}"/>
+              </a:ext>
+            </a:extLst>
+          </p:cNvPr>
+          <p:cNvSpPr txBox="1"/>
+          <p:nvPr/>
+        </p:nvSpPr>
+        <p:spPr>
+          <a:xfrm>
+            <a:off x="0" y="4840130"/>
+            <a:ext cx="9096385" cy="1754326"/>
+          </a:xfrm>
+          <a:prstGeom prst="rect">
+            <a:avLst/>
+          </a:prstGeom>
+          <a:noFill/>
+        </p:spPr>
+        <p:txBody>
+          <a:bodyPr wrap="square">
+            <a:spAutoFit/>
+          </a:bodyPr>
+          <a:lstStyle/>
+          <a:p>
+            <a:pPr>
+              <a:defRPr/>
+            </a:pPr>
+            <a:r>
+              <a:rPr lang="zh-CN" altLang="en-US" sz="3600" dirty="0">
+                <a:solidFill>
+                  <a:schemeClr val="bg1"/>
+                </a:solidFill>
+                <a:latin typeface="微软雅黑" pitchFamily="34" charset="-122"/>
+                <a:ea typeface="微软雅黑" pitchFamily="34" charset="-122"/>
+              </a:rPr>
+              <a:t>你</a:t>
+            </a:r>
+            <a:r>
+              <a:rPr lang="en-US" altLang="zh-CN" sz="3600" dirty="0">
+                <a:solidFill>
+                  <a:schemeClr val="bg1"/>
+                </a:solidFill>
+                <a:latin typeface="微软雅黑" pitchFamily="34" charset="-122"/>
+                <a:ea typeface="微软雅黑" pitchFamily="34" charset="-122"/>
+              </a:rPr>
+              <a:t>:Friends = [</a:t>
+            </a:r>
+            <a:r>
+              <a:rPr lang="en-US" altLang="zh-CN" sz="3600" dirty="0">
+                <a:solidFill>
+                  <a:srgbClr val="FFC000"/>
+                </a:solidFill>
+                <a:latin typeface="微软雅黑" pitchFamily="34" charset="-122"/>
+                <a:ea typeface="微软雅黑" pitchFamily="34" charset="-122"/>
+              </a:rPr>
+              <a:t>Tom</a:t>
+            </a:r>
+            <a:r>
+              <a:rPr lang="en-US" altLang="zh-CN" sz="3600" dirty="0">
+                <a:solidFill>
+                  <a:schemeClr val="bg1"/>
+                </a:solidFill>
+                <a:latin typeface="微软雅黑" pitchFamily="34" charset="-122"/>
+                <a:ea typeface="微软雅黑" pitchFamily="34" charset="-122"/>
+              </a:rPr>
+              <a:t>, Mary, Billy, Mike]</a:t>
+            </a:r>
+          </a:p>
+          <a:p>
+            <a:pPr>
+              <a:defRPr/>
+            </a:pPr>
+            <a:r>
+              <a:rPr lang="en-US" altLang="zh-CN" sz="3600" dirty="0" err="1">
+                <a:solidFill>
+                  <a:schemeClr val="bg1"/>
+                </a:solidFill>
+                <a:latin typeface="微软雅黑" pitchFamily="34" charset="-122"/>
+                <a:ea typeface="微软雅黑" pitchFamily="34" charset="-122"/>
+              </a:rPr>
+              <a:t>Mary:Friends</a:t>
+            </a:r>
+            <a:r>
+              <a:rPr lang="en-US" altLang="zh-CN" sz="3600" dirty="0">
+                <a:solidFill>
+                  <a:schemeClr val="bg1"/>
+                </a:solidFill>
+                <a:latin typeface="微软雅黑" pitchFamily="34" charset="-122"/>
+                <a:ea typeface="微软雅黑" pitchFamily="34" charset="-122"/>
+              </a:rPr>
+              <a:t> = [Ken, </a:t>
+            </a:r>
+            <a:r>
+              <a:rPr lang="en-US" altLang="zh-CN" sz="3600" dirty="0">
+                <a:solidFill>
+                  <a:srgbClr val="FFC000"/>
+                </a:solidFill>
+                <a:latin typeface="微软雅黑" pitchFamily="34" charset="-122"/>
+                <a:ea typeface="微软雅黑" pitchFamily="34" charset="-122"/>
+              </a:rPr>
+              <a:t>Tom</a:t>
+            </a:r>
+            <a:r>
+              <a:rPr lang="en-US" altLang="zh-CN" sz="3600" dirty="0">
+                <a:solidFill>
+                  <a:schemeClr val="bg1"/>
+                </a:solidFill>
+                <a:latin typeface="微软雅黑" pitchFamily="34" charset="-122"/>
+                <a:ea typeface="微软雅黑" pitchFamily="34" charset="-122"/>
+              </a:rPr>
+              <a:t>]</a:t>
+            </a:r>
+          </a:p>
+          <a:p>
+            <a:pPr>
+              <a:defRPr/>
+            </a:pPr>
+            <a:r>
+              <a:rPr lang="en-US" altLang="zh-CN" sz="3600" dirty="0" err="1">
+                <a:solidFill>
+                  <a:schemeClr val="bg1"/>
+                </a:solidFill>
+                <a:latin typeface="微软雅黑" pitchFamily="34" charset="-122"/>
+                <a:ea typeface="微软雅黑" pitchFamily="34" charset="-122"/>
+              </a:rPr>
+              <a:t>Billy:Friends</a:t>
+            </a:r>
+            <a:r>
+              <a:rPr lang="en-US" altLang="zh-CN" sz="3600" dirty="0">
+                <a:solidFill>
+                  <a:schemeClr val="bg1"/>
+                </a:solidFill>
+                <a:latin typeface="微软雅黑" pitchFamily="34" charset="-122"/>
+                <a:ea typeface="微软雅黑" pitchFamily="34" charset="-122"/>
+              </a:rPr>
+              <a:t> = [</a:t>
+            </a:r>
+            <a:r>
+              <a:rPr lang="en-US" altLang="zh-CN" sz="3600" dirty="0">
+                <a:solidFill>
+                  <a:srgbClr val="FFC000"/>
+                </a:solidFill>
+                <a:latin typeface="微软雅黑" pitchFamily="34" charset="-122"/>
+                <a:ea typeface="微软雅黑" pitchFamily="34" charset="-122"/>
+              </a:rPr>
+              <a:t>Tom</a:t>
+            </a:r>
+            <a:r>
+              <a:rPr lang="en-US" altLang="zh-CN" sz="3600" dirty="0">
+                <a:solidFill>
+                  <a:schemeClr val="bg1"/>
+                </a:solidFill>
+                <a:latin typeface="微软雅黑" pitchFamily="34" charset="-122"/>
+                <a:ea typeface="微软雅黑" pitchFamily="34" charset="-122"/>
+              </a:rPr>
+              <a:t>, Dick]</a:t>
+            </a:r>
+          </a:p>
+        </p:txBody>
+      </p:sp>
+    </p:spTree>
+    <p:extLst>
+      <p:ext uri="{BB962C8B-B14F-4D97-AF65-F5344CB8AC3E}">
+        <p14:creationId xmlns:p14="http://schemas.microsoft.com/office/powerpoint/2010/main" val="704531154"/>
+      </p:ext>
+    </p:extLst>
+  </p:cSld>
+  <p:clrMapOvr>
+    <a:masterClrMapping/>
+  </p:clrMapOvr>
+</p:sld>
+</file>
+
+<file path=ppt/slides/slide21.xml><?xml version="1.0" encoding="utf-8"?>
+<p:sld xmlns:a="http://schemas.openxmlformats.org/drawingml/2006/main" xmlns:r="http://schemas.openxmlformats.org/officeDocument/2006/relationships" xmlns:p="http://schemas.openxmlformats.org/presentationml/2006/main">
+  <p:cSld>
+    <p:spTree>
+      <p:nvGrpSpPr>
+        <p:cNvPr id="1" name=""/>
+        <p:cNvGrpSpPr/>
+        <p:nvPr/>
+      </p:nvGrpSpPr>
+      <p:grpSpPr>
+        <a:xfrm>
+          <a:off x="0" y="0"/>
+          <a:ext cx="0" cy="0"/>
+          <a:chOff x="0" y="0"/>
+          <a:chExt cx="0" cy="0"/>
+        </a:xfrm>
+      </p:grpSpPr>
+      <p:sp>
+        <p:nvSpPr>
+          <p:cNvPr id="4098" name="TextBox 2">
+            <a:extLst>
+              <a:ext uri="{FF2B5EF4-FFF2-40B4-BE49-F238E27FC236}">
+                <a16:creationId xmlns:a16="http://schemas.microsoft.com/office/drawing/2014/main" id="{5552ED83-0001-4E47-A09B-F49C592A8E24}"/>
+              </a:ext>
+            </a:extLst>
+          </p:cNvPr>
+          <p:cNvSpPr txBox="1">
+            <a:spLocks noChangeArrowheads="1"/>
+          </p:cNvSpPr>
+          <p:nvPr/>
+        </p:nvSpPr>
+        <p:spPr bwMode="auto">
+          <a:xfrm>
+            <a:off x="12118" y="84217"/>
+            <a:ext cx="8736346" cy="830997"/>
+          </a:xfrm>
+          <a:prstGeom prst="rect">
+            <a:avLst/>
+          </a:prstGeom>
+          <a:noFill/>
+          <a:ln>
+            <a:noFill/>
+          </a:ln>
+          <a:extLst>
+            <a:ext uri="{909E8E84-426E-40DD-AFC4-6F175D3DCCD1}">
+              <a14:hiddenFill xmlns:a14="http://schemas.microsoft.com/office/drawing/2010/main">
+                <a:solidFill>
+                  <a:srgbClr val="FFFFFF"/>
+                </a:solidFill>
+              </a14:hiddenFill>
+            </a:ext>
+            <a:ext uri="{91240B29-F687-4F45-9708-019B960494DF}">
+              <a14:hiddenLine xmlns:a14="http://schemas.microsoft.com/office/drawing/2010/main" w="9525">
+                <a:solidFill>
+                  <a:srgbClr val="000000"/>
+                </a:solidFill>
+                <a:miter lim="800000"/>
+                <a:headEnd/>
+                <a:tailEnd/>
+              </a14:hiddenLine>
+            </a:ext>
+          </a:extLst>
+        </p:spPr>
+        <p:txBody>
+          <a:bodyPr wrap="square">
+            <a:spAutoFit/>
+          </a:bodyPr>
+          <a:lstStyle>
+            <a:lvl1pPr eaLnBrk="0" hangingPunct="0">
+              <a:defRPr>
+                <a:solidFill>
+                  <a:schemeClr val="tx1"/>
+                </a:solidFill>
+                <a:latin typeface="Arial" panose="020B0604020202020204" pitchFamily="34" charset="0"/>
+                <a:ea typeface="宋体" panose="02010600030101010101" pitchFamily="2" charset="-122"/>
+              </a:defRPr>
+            </a:lvl1pPr>
+            <a:lvl2pPr marL="742950" indent="-285750" eaLnBrk="0" hangingPunct="0">
+              <a:defRPr>
+                <a:solidFill>
+                  <a:schemeClr val="tx1"/>
+                </a:solidFill>
+                <a:latin typeface="Arial" panose="020B0604020202020204" pitchFamily="34" charset="0"/>
+                <a:ea typeface="宋体" panose="02010600030101010101" pitchFamily="2" charset="-122"/>
+              </a:defRPr>
+            </a:lvl2pPr>
+            <a:lvl3pPr marL="1143000" indent="-228600" eaLnBrk="0" hangingPunct="0">
+              <a:defRPr>
+                <a:solidFill>
+                  <a:schemeClr val="tx1"/>
+                </a:solidFill>
+                <a:latin typeface="Arial" panose="020B0604020202020204" pitchFamily="34" charset="0"/>
+                <a:ea typeface="宋体" panose="02010600030101010101" pitchFamily="2" charset="-122"/>
+              </a:defRPr>
+            </a:lvl3pPr>
+            <a:lvl4pPr marL="1600200" indent="-228600" eaLnBrk="0" hangingPunct="0">
+              <a:defRPr>
+                <a:solidFill>
+                  <a:schemeClr val="tx1"/>
+                </a:solidFill>
+                <a:latin typeface="Arial" panose="020B0604020202020204" pitchFamily="34" charset="0"/>
+                <a:ea typeface="宋体" panose="02010600030101010101" pitchFamily="2" charset="-122"/>
+              </a:defRPr>
+            </a:lvl4pPr>
+            <a:lvl5pPr marL="2057400" indent="-228600" eaLnBrk="0" hangingPunct="0">
+              <a:defRPr>
+                <a:solidFill>
+                  <a:schemeClr val="tx1"/>
+                </a:solidFill>
+                <a:latin typeface="Arial" panose="020B0604020202020204" pitchFamily="34" charset="0"/>
+                <a:ea typeface="宋体" panose="02010600030101010101" pitchFamily="2" charset="-122"/>
+              </a:defRPr>
+            </a:lvl5pPr>
+            <a:lvl6pPr marL="2514600" indent="-228600" eaLnBrk="0" fontAlgn="base" hangingPunct="0">
+              <a:spcBef>
+                <a:spcPct val="0"/>
+              </a:spcBef>
+              <a:spcAft>
+                <a:spcPct val="0"/>
+              </a:spcAft>
+              <a:defRPr>
+                <a:solidFill>
+                  <a:schemeClr val="tx1"/>
+                </a:solidFill>
+                <a:latin typeface="Arial" panose="020B0604020202020204" pitchFamily="34" charset="0"/>
+                <a:ea typeface="宋体" panose="02010600030101010101" pitchFamily="2" charset="-122"/>
+              </a:defRPr>
+            </a:lvl6pPr>
+            <a:lvl7pPr marL="2971800" indent="-228600" eaLnBrk="0" fontAlgn="base" hangingPunct="0">
+              <a:spcBef>
+                <a:spcPct val="0"/>
+              </a:spcBef>
+              <a:spcAft>
+                <a:spcPct val="0"/>
+              </a:spcAft>
+              <a:defRPr>
+                <a:solidFill>
+                  <a:schemeClr val="tx1"/>
+                </a:solidFill>
+                <a:latin typeface="Arial" panose="020B0604020202020204" pitchFamily="34" charset="0"/>
+                <a:ea typeface="宋体" panose="02010600030101010101" pitchFamily="2" charset="-122"/>
+              </a:defRPr>
+            </a:lvl7pPr>
+            <a:lvl8pPr marL="3429000" indent="-228600" eaLnBrk="0" fontAlgn="base" hangingPunct="0">
+              <a:spcBef>
+                <a:spcPct val="0"/>
+              </a:spcBef>
+              <a:spcAft>
+                <a:spcPct val="0"/>
+              </a:spcAft>
+              <a:defRPr>
+                <a:solidFill>
+                  <a:schemeClr val="tx1"/>
+                </a:solidFill>
+                <a:latin typeface="Arial" panose="020B0604020202020204" pitchFamily="34" charset="0"/>
+                <a:ea typeface="宋体" panose="02010600030101010101" pitchFamily="2" charset="-122"/>
+              </a:defRPr>
+            </a:lvl8pPr>
+            <a:lvl9pPr marL="3886200" indent="-228600" eaLnBrk="0" fontAlgn="base" hangingPunct="0">
+              <a:spcBef>
+                <a:spcPct val="0"/>
+              </a:spcBef>
+              <a:spcAft>
+                <a:spcPct val="0"/>
+              </a:spcAft>
+              <a:defRPr>
+                <a:solidFill>
+                  <a:schemeClr val="tx1"/>
+                </a:solidFill>
+                <a:latin typeface="Arial" panose="020B0604020202020204" pitchFamily="34" charset="0"/>
+                <a:ea typeface="宋体" panose="02010600030101010101" pitchFamily="2" charset="-122"/>
+              </a:defRPr>
+            </a:lvl9pPr>
+          </a:lstStyle>
+          <a:p>
+            <a:pPr eaLnBrk="1" hangingPunct="1"/>
+            <a:r>
+              <a:rPr lang="zh-CN" altLang="en-US" sz="4800" dirty="0">
+                <a:solidFill>
+                  <a:schemeClr val="bg1"/>
+                </a:solidFill>
+                <a:latin typeface="微软雅黑" panose="020B0503020204020204" pitchFamily="34" charset="-122"/>
+                <a:ea typeface="微软雅黑" panose="020B0503020204020204" pitchFamily="34" charset="-122"/>
+              </a:rPr>
+              <a:t>高级场景</a:t>
+            </a:r>
+            <a:r>
+              <a:rPr lang="en-US" altLang="zh-CN" sz="4800" dirty="0">
+                <a:solidFill>
+                  <a:schemeClr val="bg1"/>
+                </a:solidFill>
+                <a:latin typeface="微软雅黑" panose="020B0503020204020204" pitchFamily="34" charset="-122"/>
+                <a:ea typeface="微软雅黑" panose="020B0503020204020204" pitchFamily="34" charset="-122"/>
+              </a:rPr>
+              <a:t>4</a:t>
+            </a:r>
+            <a:r>
+              <a:rPr lang="zh-CN" altLang="en-US" sz="4800" dirty="0">
+                <a:solidFill>
+                  <a:schemeClr val="bg1"/>
+                </a:solidFill>
+                <a:latin typeface="微软雅黑" panose="020B0503020204020204" pitchFamily="34" charset="-122"/>
+                <a:ea typeface="微软雅黑" panose="020B0503020204020204" pitchFamily="34" charset="-122"/>
+              </a:rPr>
+              <a:t> </a:t>
+            </a:r>
+            <a:r>
+              <a:rPr lang="en-US" altLang="zh-CN" sz="4800" dirty="0">
+                <a:solidFill>
+                  <a:schemeClr val="bg1"/>
+                </a:solidFill>
+                <a:latin typeface="微软雅黑" pitchFamily="34" charset="-122"/>
+                <a:ea typeface="微软雅黑" pitchFamily="34" charset="-122"/>
+              </a:rPr>
+              <a:t>– </a:t>
+            </a:r>
+            <a:r>
+              <a:rPr lang="zh-CN" altLang="en-US" sz="4800" dirty="0">
+                <a:solidFill>
+                  <a:schemeClr val="bg1"/>
+                </a:solidFill>
+                <a:latin typeface="微软雅黑" pitchFamily="34" charset="-122"/>
+                <a:ea typeface="微软雅黑" pitchFamily="34" charset="-122"/>
+              </a:rPr>
+              <a:t>分布式锁</a:t>
+            </a:r>
+          </a:p>
+        </p:txBody>
+      </p:sp>
+      <p:sp>
+        <p:nvSpPr>
+          <p:cNvPr id="10" name="TextBox 9">
+            <a:extLst>
+              <a:ext uri="{FF2B5EF4-FFF2-40B4-BE49-F238E27FC236}">
+                <a16:creationId xmlns:a16="http://schemas.microsoft.com/office/drawing/2014/main" id="{6C65DFA7-0E5F-49E5-88D4-5AD68B41A2B2}"/>
+              </a:ext>
+            </a:extLst>
+          </p:cNvPr>
+          <p:cNvSpPr txBox="1"/>
+          <p:nvPr/>
+        </p:nvSpPr>
+        <p:spPr>
+          <a:xfrm>
+            <a:off x="35496" y="908720"/>
+            <a:ext cx="9096385" cy="2862322"/>
+          </a:xfrm>
+          <a:prstGeom prst="rect">
+            <a:avLst/>
+          </a:prstGeom>
+          <a:noFill/>
+        </p:spPr>
+        <p:txBody>
+          <a:bodyPr wrap="square">
+            <a:spAutoFit/>
+          </a:bodyPr>
+          <a:lstStyle/>
+          <a:p>
+            <a:pPr>
+              <a:defRPr/>
+            </a:pPr>
+            <a:r>
+              <a:rPr lang="en-US" altLang="zh-CN" sz="3600" dirty="0">
+                <a:solidFill>
+                  <a:schemeClr val="bg1"/>
+                </a:solidFill>
+                <a:latin typeface="微软雅黑" pitchFamily="34" charset="-122"/>
+                <a:ea typeface="微软雅黑" pitchFamily="34" charset="-122"/>
+              </a:rPr>
+              <a:t>	</a:t>
+            </a:r>
+            <a:r>
+              <a:rPr lang="zh-CN" altLang="en-US" sz="3600" dirty="0">
+                <a:solidFill>
+                  <a:schemeClr val="bg1"/>
+                </a:solidFill>
+                <a:latin typeface="微软雅黑" pitchFamily="34" charset="-122"/>
+                <a:ea typeface="微软雅黑" pitchFamily="34" charset="-122"/>
+              </a:rPr>
+              <a:t>抢占式任务，只有一个能运行，注意任务执行时间和</a:t>
+            </a:r>
+            <a:r>
+              <a:rPr lang="en-US" altLang="zh-CN" sz="3600" dirty="0">
+                <a:solidFill>
+                  <a:schemeClr val="bg1"/>
+                </a:solidFill>
+                <a:latin typeface="微软雅黑" pitchFamily="34" charset="-122"/>
+                <a:ea typeface="微软雅黑" pitchFamily="34" charset="-122"/>
+              </a:rPr>
+              <a:t>key</a:t>
+            </a:r>
+            <a:r>
+              <a:rPr lang="zh-CN" altLang="en-US" sz="3600" dirty="0">
+                <a:solidFill>
+                  <a:schemeClr val="bg1"/>
+                </a:solidFill>
+                <a:latin typeface="微软雅黑" pitchFamily="34" charset="-122"/>
+                <a:ea typeface="微软雅黑" pitchFamily="34" charset="-122"/>
+              </a:rPr>
+              <a:t>过期时间的设置。</a:t>
+            </a:r>
+            <a:r>
+              <a:rPr lang="zh-CN" altLang="en-US" sz="3600" dirty="0">
+                <a:solidFill>
+                  <a:srgbClr val="FFC000"/>
+                </a:solidFill>
+                <a:latin typeface="微软雅黑" pitchFamily="34" charset="-122"/>
+                <a:ea typeface="微软雅黑" pitchFamily="34" charset="-122"/>
+              </a:rPr>
+              <a:t>如果任务执行时间太长</a:t>
+            </a:r>
+            <a:r>
+              <a:rPr lang="zh-CN" altLang="en-US" sz="3600" dirty="0">
+                <a:solidFill>
+                  <a:schemeClr val="bg1"/>
+                </a:solidFill>
+                <a:latin typeface="微软雅黑" pitchFamily="34" charset="-122"/>
+                <a:ea typeface="微软雅黑" pitchFamily="34" charset="-122"/>
+              </a:rPr>
+              <a:t>，可能会错误地释放掉别的任务的锁</a:t>
+            </a:r>
+            <a:endParaRPr lang="en-US" altLang="zh-CN" sz="3600" dirty="0">
+              <a:solidFill>
+                <a:schemeClr val="bg1"/>
+              </a:solidFill>
+              <a:latin typeface="微软雅黑" pitchFamily="34" charset="-122"/>
+              <a:ea typeface="微软雅黑" pitchFamily="34" charset="-122"/>
+            </a:endParaRPr>
+          </a:p>
+          <a:p>
+            <a:pPr>
+              <a:defRPr/>
+            </a:pPr>
+            <a:endParaRPr lang="en-US" altLang="zh-CN" sz="3600" dirty="0">
+              <a:solidFill>
+                <a:schemeClr val="bg1"/>
+              </a:solidFill>
+              <a:latin typeface="微软雅黑" pitchFamily="34" charset="-122"/>
+              <a:ea typeface="微软雅黑" pitchFamily="34" charset="-122"/>
+            </a:endParaRPr>
+          </a:p>
+        </p:txBody>
+      </p:sp>
+      <p:pic>
+        <p:nvPicPr>
+          <p:cNvPr id="2" name="Picture 1">
+            <a:extLst>
+              <a:ext uri="{FF2B5EF4-FFF2-40B4-BE49-F238E27FC236}">
+                <a16:creationId xmlns:a16="http://schemas.microsoft.com/office/drawing/2014/main" id="{2B07BBC5-7C81-4947-8E65-DC97979CA947}"/>
+              </a:ext>
+            </a:extLst>
+          </p:cNvPr>
+          <p:cNvPicPr>
+            <a:picLocks noChangeAspect="1"/>
+          </p:cNvPicPr>
+          <p:nvPr/>
+        </p:nvPicPr>
+        <p:blipFill>
+          <a:blip r:embed="rId2"/>
+          <a:stretch>
+            <a:fillRect/>
+          </a:stretch>
+        </p:blipFill>
+        <p:spPr>
+          <a:xfrm>
+            <a:off x="0" y="3789040"/>
+            <a:ext cx="9096385" cy="1013268"/>
+          </a:xfrm>
+          <a:prstGeom prst="rect">
+            <a:avLst/>
+          </a:prstGeom>
+        </p:spPr>
+      </p:pic>
+    </p:spTree>
+    <p:extLst>
+      <p:ext uri="{BB962C8B-B14F-4D97-AF65-F5344CB8AC3E}">
+        <p14:creationId xmlns:p14="http://schemas.microsoft.com/office/powerpoint/2010/main" val="328360964"/>
+      </p:ext>
+    </p:extLst>
+  </p:cSld>
+  <p:clrMapOvr>
+    <a:masterClrMapping/>
+  </p:clrMapOvr>
+</p:sld>
+</file>
+
+<file path=ppt/slides/slide22.xml><?xml version="1.0" encoding="utf-8"?>
+<p:sld xmlns:a="http://schemas.openxmlformats.org/drawingml/2006/main" xmlns:r="http://schemas.openxmlformats.org/officeDocument/2006/relationships" xmlns:p="http://schemas.openxmlformats.org/presentationml/2006/main">
+  <p:cSld>
+    <p:spTree>
+      <p:nvGrpSpPr>
+        <p:cNvPr id="1" name=""/>
+        <p:cNvGrpSpPr/>
+        <p:nvPr/>
+      </p:nvGrpSpPr>
+      <p:grpSpPr>
+        <a:xfrm>
+          <a:off x="0" y="0"/>
+          <a:ext cx="0" cy="0"/>
+          <a:chOff x="0" y="0"/>
+          <a:chExt cx="0" cy="0"/>
+        </a:xfrm>
+      </p:grpSpPr>
+      <p:sp>
+        <p:nvSpPr>
+          <p:cNvPr id="4098" name="TextBox 2">
+            <a:extLst>
+              <a:ext uri="{FF2B5EF4-FFF2-40B4-BE49-F238E27FC236}">
+                <a16:creationId xmlns:a16="http://schemas.microsoft.com/office/drawing/2014/main" id="{5552ED83-0001-4E47-A09B-F49C592A8E24}"/>
+              </a:ext>
+            </a:extLst>
+          </p:cNvPr>
+          <p:cNvSpPr txBox="1">
+            <a:spLocks noChangeArrowheads="1"/>
+          </p:cNvSpPr>
+          <p:nvPr/>
+        </p:nvSpPr>
+        <p:spPr bwMode="auto">
+          <a:xfrm>
+            <a:off x="12118" y="84217"/>
+            <a:ext cx="8736346" cy="830997"/>
+          </a:xfrm>
+          <a:prstGeom prst="rect">
+            <a:avLst/>
+          </a:prstGeom>
+          <a:noFill/>
+          <a:ln>
+            <a:noFill/>
+          </a:ln>
+          <a:extLst>
+            <a:ext uri="{909E8E84-426E-40DD-AFC4-6F175D3DCCD1}">
+              <a14:hiddenFill xmlns:a14="http://schemas.microsoft.com/office/drawing/2010/main">
+                <a:solidFill>
+                  <a:srgbClr val="FFFFFF"/>
+                </a:solidFill>
+              </a14:hiddenFill>
+            </a:ext>
+            <a:ext uri="{91240B29-F687-4F45-9708-019B960494DF}">
+              <a14:hiddenLine xmlns:a14="http://schemas.microsoft.com/office/drawing/2010/main" w="9525">
+                <a:solidFill>
+                  <a:srgbClr val="000000"/>
+                </a:solidFill>
+                <a:miter lim="800000"/>
+                <a:headEnd/>
+                <a:tailEnd/>
+              </a14:hiddenLine>
+            </a:ext>
+          </a:extLst>
+        </p:spPr>
+        <p:txBody>
+          <a:bodyPr wrap="square">
+            <a:spAutoFit/>
+          </a:bodyPr>
+          <a:lstStyle>
+            <a:lvl1pPr eaLnBrk="0" hangingPunct="0">
+              <a:defRPr>
+                <a:solidFill>
+                  <a:schemeClr val="tx1"/>
+                </a:solidFill>
+                <a:latin typeface="Arial" panose="020B0604020202020204" pitchFamily="34" charset="0"/>
+                <a:ea typeface="宋体" panose="02010600030101010101" pitchFamily="2" charset="-122"/>
+              </a:defRPr>
+            </a:lvl1pPr>
+            <a:lvl2pPr marL="742950" indent="-285750" eaLnBrk="0" hangingPunct="0">
+              <a:defRPr>
+                <a:solidFill>
+                  <a:schemeClr val="tx1"/>
+                </a:solidFill>
+                <a:latin typeface="Arial" panose="020B0604020202020204" pitchFamily="34" charset="0"/>
+                <a:ea typeface="宋体" panose="02010600030101010101" pitchFamily="2" charset="-122"/>
+              </a:defRPr>
+            </a:lvl2pPr>
+            <a:lvl3pPr marL="1143000" indent="-228600" eaLnBrk="0" hangingPunct="0">
+              <a:defRPr>
+                <a:solidFill>
+                  <a:schemeClr val="tx1"/>
+                </a:solidFill>
+                <a:latin typeface="Arial" panose="020B0604020202020204" pitchFamily="34" charset="0"/>
+                <a:ea typeface="宋体" panose="02010600030101010101" pitchFamily="2" charset="-122"/>
+              </a:defRPr>
+            </a:lvl3pPr>
+            <a:lvl4pPr marL="1600200" indent="-228600" eaLnBrk="0" hangingPunct="0">
+              <a:defRPr>
+                <a:solidFill>
+                  <a:schemeClr val="tx1"/>
+                </a:solidFill>
+                <a:latin typeface="Arial" panose="020B0604020202020204" pitchFamily="34" charset="0"/>
+                <a:ea typeface="宋体" panose="02010600030101010101" pitchFamily="2" charset="-122"/>
+              </a:defRPr>
+            </a:lvl4pPr>
+            <a:lvl5pPr marL="2057400" indent="-228600" eaLnBrk="0" hangingPunct="0">
+              <a:defRPr>
+                <a:solidFill>
+                  <a:schemeClr val="tx1"/>
+                </a:solidFill>
+                <a:latin typeface="Arial" panose="020B0604020202020204" pitchFamily="34" charset="0"/>
+                <a:ea typeface="宋体" panose="02010600030101010101" pitchFamily="2" charset="-122"/>
+              </a:defRPr>
+            </a:lvl5pPr>
+            <a:lvl6pPr marL="2514600" indent="-228600" eaLnBrk="0" fontAlgn="base" hangingPunct="0">
+              <a:spcBef>
+                <a:spcPct val="0"/>
+              </a:spcBef>
+              <a:spcAft>
+                <a:spcPct val="0"/>
+              </a:spcAft>
+              <a:defRPr>
+                <a:solidFill>
+                  <a:schemeClr val="tx1"/>
+                </a:solidFill>
+                <a:latin typeface="Arial" panose="020B0604020202020204" pitchFamily="34" charset="0"/>
+                <a:ea typeface="宋体" panose="02010600030101010101" pitchFamily="2" charset="-122"/>
+              </a:defRPr>
+            </a:lvl6pPr>
+            <a:lvl7pPr marL="2971800" indent="-228600" eaLnBrk="0" fontAlgn="base" hangingPunct="0">
+              <a:spcBef>
+                <a:spcPct val="0"/>
+              </a:spcBef>
+              <a:spcAft>
+                <a:spcPct val="0"/>
+              </a:spcAft>
+              <a:defRPr>
+                <a:solidFill>
+                  <a:schemeClr val="tx1"/>
+                </a:solidFill>
+                <a:latin typeface="Arial" panose="020B0604020202020204" pitchFamily="34" charset="0"/>
+                <a:ea typeface="宋体" panose="02010600030101010101" pitchFamily="2" charset="-122"/>
+              </a:defRPr>
+            </a:lvl7pPr>
+            <a:lvl8pPr marL="3429000" indent="-228600" eaLnBrk="0" fontAlgn="base" hangingPunct="0">
+              <a:spcBef>
+                <a:spcPct val="0"/>
+              </a:spcBef>
+              <a:spcAft>
+                <a:spcPct val="0"/>
+              </a:spcAft>
+              <a:defRPr>
+                <a:solidFill>
+                  <a:schemeClr val="tx1"/>
+                </a:solidFill>
+                <a:latin typeface="Arial" panose="020B0604020202020204" pitchFamily="34" charset="0"/>
+                <a:ea typeface="宋体" panose="02010600030101010101" pitchFamily="2" charset="-122"/>
+              </a:defRPr>
+            </a:lvl8pPr>
+            <a:lvl9pPr marL="3886200" indent="-228600" eaLnBrk="0" fontAlgn="base" hangingPunct="0">
+              <a:spcBef>
+                <a:spcPct val="0"/>
+              </a:spcBef>
+              <a:spcAft>
+                <a:spcPct val="0"/>
+              </a:spcAft>
+              <a:defRPr>
+                <a:solidFill>
+                  <a:schemeClr val="tx1"/>
+                </a:solidFill>
+                <a:latin typeface="Arial" panose="020B0604020202020204" pitchFamily="34" charset="0"/>
+                <a:ea typeface="宋体" panose="02010600030101010101" pitchFamily="2" charset="-122"/>
+              </a:defRPr>
+            </a:lvl9pPr>
+          </a:lstStyle>
+          <a:p>
+            <a:pPr eaLnBrk="1" hangingPunct="1"/>
+            <a:r>
+              <a:rPr lang="zh-CN" altLang="en-US" sz="4800" dirty="0">
+                <a:solidFill>
+                  <a:schemeClr val="bg1"/>
+                </a:solidFill>
+                <a:latin typeface="微软雅黑" panose="020B0503020204020204" pitchFamily="34" charset="-122"/>
+                <a:ea typeface="微软雅黑" panose="020B0503020204020204" pitchFamily="34" charset="-122"/>
+              </a:rPr>
+              <a:t>高级场景</a:t>
+            </a:r>
+            <a:r>
+              <a:rPr lang="en-US" altLang="zh-CN" sz="4800" dirty="0">
+                <a:solidFill>
+                  <a:schemeClr val="bg1"/>
+                </a:solidFill>
+                <a:latin typeface="微软雅黑" panose="020B0503020204020204" pitchFamily="34" charset="-122"/>
+                <a:ea typeface="微软雅黑" panose="020B0503020204020204" pitchFamily="34" charset="-122"/>
+              </a:rPr>
+              <a:t>5</a:t>
+            </a:r>
+            <a:r>
+              <a:rPr lang="zh-CN" altLang="en-US" sz="4800" dirty="0">
+                <a:solidFill>
+                  <a:schemeClr val="bg1"/>
+                </a:solidFill>
+                <a:latin typeface="微软雅黑" panose="020B0503020204020204" pitchFamily="34" charset="-122"/>
+                <a:ea typeface="微软雅黑" panose="020B0503020204020204" pitchFamily="34" charset="-122"/>
+              </a:rPr>
+              <a:t> </a:t>
+            </a:r>
+            <a:r>
+              <a:rPr lang="en-US" altLang="zh-CN" sz="4800" dirty="0">
+                <a:solidFill>
+                  <a:schemeClr val="bg1"/>
+                </a:solidFill>
+                <a:latin typeface="微软雅黑" pitchFamily="34" charset="-122"/>
+                <a:ea typeface="微软雅黑" pitchFamily="34" charset="-122"/>
+              </a:rPr>
+              <a:t>– </a:t>
+            </a:r>
+            <a:r>
+              <a:rPr lang="zh-CN" altLang="en-US" sz="4800" dirty="0">
+                <a:solidFill>
+                  <a:schemeClr val="bg1"/>
+                </a:solidFill>
+                <a:latin typeface="微软雅黑" pitchFamily="34" charset="-122"/>
+                <a:ea typeface="微软雅黑" pitchFamily="34" charset="-122"/>
+              </a:rPr>
+              <a:t>基数统计</a:t>
+            </a:r>
+          </a:p>
+        </p:txBody>
+      </p:sp>
+      <p:sp>
+        <p:nvSpPr>
+          <p:cNvPr id="10" name="TextBox 9">
+            <a:extLst>
+              <a:ext uri="{FF2B5EF4-FFF2-40B4-BE49-F238E27FC236}">
+                <a16:creationId xmlns:a16="http://schemas.microsoft.com/office/drawing/2014/main" id="{6C65DFA7-0E5F-49E5-88D4-5AD68B41A2B2}"/>
+              </a:ext>
+            </a:extLst>
+          </p:cNvPr>
+          <p:cNvSpPr txBox="1"/>
+          <p:nvPr/>
+        </p:nvSpPr>
+        <p:spPr>
+          <a:xfrm>
+            <a:off x="35496" y="908720"/>
+            <a:ext cx="9096385" cy="3046988"/>
+          </a:xfrm>
+          <a:prstGeom prst="rect">
+            <a:avLst/>
+          </a:prstGeom>
+          <a:noFill/>
+        </p:spPr>
+        <p:txBody>
+          <a:bodyPr wrap="square">
+            <a:spAutoFit/>
+          </a:bodyPr>
+          <a:lstStyle/>
+          <a:p>
+            <a:pPr>
+              <a:defRPr/>
+            </a:pPr>
+            <a:r>
+              <a:rPr lang="en-US" altLang="zh-CN" sz="3600" dirty="0">
+                <a:solidFill>
+                  <a:schemeClr val="bg1"/>
+                </a:solidFill>
+                <a:latin typeface="微软雅黑" pitchFamily="34" charset="-122"/>
+                <a:ea typeface="微软雅黑" pitchFamily="34" charset="-122"/>
+              </a:rPr>
+              <a:t>	</a:t>
+            </a:r>
+            <a:r>
+              <a:rPr lang="zh-CN" altLang="en-US" sz="3600" dirty="0">
+                <a:solidFill>
+                  <a:schemeClr val="bg1"/>
+                </a:solidFill>
+                <a:latin typeface="微软雅黑" pitchFamily="34" charset="-122"/>
+                <a:ea typeface="微软雅黑" pitchFamily="34" charset="-122"/>
+              </a:rPr>
+              <a:t>想象一下如下场景：某一条，老板突然跟你提一个需求：系统中有很多页面，</a:t>
+            </a:r>
+            <a:r>
+              <a:rPr lang="zh-CN" altLang="en-US" sz="3600" dirty="0">
+                <a:solidFill>
+                  <a:srgbClr val="FFC000"/>
+                </a:solidFill>
+                <a:latin typeface="微软雅黑" pitchFamily="34" charset="-122"/>
+                <a:ea typeface="微软雅黑" pitchFamily="34" charset="-122"/>
+              </a:rPr>
+              <a:t>老板想知道每个页面每天有多少个人访问过</a:t>
+            </a:r>
+            <a:r>
+              <a:rPr lang="zh-CN" altLang="en-US" sz="3600" dirty="0">
+                <a:solidFill>
+                  <a:schemeClr val="bg1"/>
+                </a:solidFill>
+                <a:latin typeface="微软雅黑" pitchFamily="34" charset="-122"/>
+                <a:ea typeface="微软雅黑" pitchFamily="34" charset="-122"/>
+              </a:rPr>
+              <a:t>。你会怎么做？</a:t>
+            </a:r>
+            <a:endParaRPr lang="en-US" altLang="zh-CN" sz="3600" dirty="0">
+              <a:solidFill>
+                <a:schemeClr val="bg1"/>
+              </a:solidFill>
+              <a:latin typeface="微软雅黑" pitchFamily="34" charset="-122"/>
+              <a:ea typeface="微软雅黑" pitchFamily="34" charset="-122"/>
+            </a:endParaRPr>
+          </a:p>
+          <a:p>
+            <a:pPr>
+              <a:defRPr/>
+            </a:pPr>
+            <a:r>
+              <a:rPr lang="en-US" altLang="zh-CN" sz="3600" dirty="0">
+                <a:solidFill>
+                  <a:schemeClr val="bg1"/>
+                </a:solidFill>
+                <a:latin typeface="微软雅黑" pitchFamily="34" charset="-122"/>
+                <a:ea typeface="微软雅黑" pitchFamily="34" charset="-122"/>
+              </a:rPr>
+              <a:t>	</a:t>
+            </a:r>
+            <a:r>
+              <a:rPr lang="en-US" altLang="zh-CN" sz="4800" dirty="0">
+                <a:solidFill>
+                  <a:schemeClr val="bg1"/>
+                </a:solidFill>
+                <a:latin typeface="微软雅黑" pitchFamily="34" charset="-122"/>
+                <a:ea typeface="微软雅黑" pitchFamily="34" charset="-122"/>
+              </a:rPr>
+              <a:t>UV = Unique Visitor</a:t>
+            </a:r>
+            <a:endParaRPr lang="en-US" altLang="zh-CN" sz="3600" dirty="0">
+              <a:solidFill>
+                <a:schemeClr val="bg1"/>
+              </a:solidFill>
+              <a:latin typeface="微软雅黑" pitchFamily="34" charset="-122"/>
+              <a:ea typeface="微软雅黑" pitchFamily="34" charset="-122"/>
+            </a:endParaRPr>
+          </a:p>
+        </p:txBody>
+      </p:sp>
+    </p:spTree>
+    <p:extLst>
+      <p:ext uri="{BB962C8B-B14F-4D97-AF65-F5344CB8AC3E}">
+        <p14:creationId xmlns:p14="http://schemas.microsoft.com/office/powerpoint/2010/main" val="3061775143"/>
+      </p:ext>
+    </p:extLst>
+  </p:cSld>
+  <p:clrMapOvr>
+    <a:masterClrMapping/>
+  </p:clrMapOvr>
+  <p:timing>
+    <p:tnLst>
+      <p:par>
+        <p:cTn id="1" dur="indefinite" restart="never" nodeType="tmRoot">
+          <p:childTnLst>
+            <p:seq concurrent="1" nextAc="seek">
+              <p:cTn id="2" dur="indefinite" nodeType="mainSeq">
+                <p:childTnLst>
+                  <p:par>
+                    <p:cTn id="3" fill="hold">
+                      <p:stCondLst>
+                        <p:cond delay="indefinite"/>
+                      </p:stCondLst>
+                      <p:childTnLst>
+                        <p:par>
+                          <p:cTn id="4" fill="hold">
+                            <p:stCondLst>
+                              <p:cond delay="0"/>
+                            </p:stCondLst>
+                            <p:childTnLst>
+                              <p:par>
+                                <p:cTn id="5" presetID="10" presetClass="entr" presetSubtype="0" fill="hold" nodeType="clickEffect">
+                                  <p:stCondLst>
+                                    <p:cond delay="0"/>
+                                  </p:stCondLst>
+                                  <p:childTnLst>
+                                    <p:set>
+                                      <p:cBhvr>
+                                        <p:cTn id="6" dur="1" fill="hold">
+                                          <p:stCondLst>
+                                            <p:cond delay="0"/>
+                                          </p:stCondLst>
+                                        </p:cTn>
+                                        <p:tgtEl>
+                                          <p:spTgt spid="10">
+                                            <p:txEl>
+                                              <p:pRg st="1" end="1"/>
+                                            </p:txEl>
+                                          </p:spTgt>
+                                        </p:tgtEl>
+                                        <p:attrNameLst>
+                                          <p:attrName>style.visibility</p:attrName>
+                                        </p:attrNameLst>
+                                      </p:cBhvr>
+                                      <p:to>
+                                        <p:strVal val="visible"/>
+                                      </p:to>
+                                    </p:set>
+                                    <p:animEffect transition="in" filter="fade">
+                                      <p:cBhvr>
+                                        <p:cTn id="7" dur="500"/>
+                                        <p:tgtEl>
+                                          <p:spTgt spid="10">
+                                            <p:txEl>
+                                              <p:pRg st="1" end="1"/>
+                                            </p:txEl>
+                                          </p:spTgt>
+                                        </p:tgtEl>
+                                      </p:cBhvr>
+                                    </p:animEffect>
+                                  </p:childTnLst>
+                                </p:cTn>
+                              </p:par>
+                            </p:childTnLst>
+                          </p:cTn>
+                        </p:par>
+                      </p:childTnLst>
+                    </p:cTn>
+                  </p:par>
+                </p:childTnLst>
+              </p:cTn>
+              <p:prevCondLst>
+                <p:cond evt="onPrev" delay="0">
+                  <p:tgtEl>
+                    <p:sldTgt/>
+                  </p:tgtEl>
+                </p:cond>
+              </p:prevCondLst>
+              <p:nextCondLst>
+                <p:cond evt="onNext" delay="0">
+                  <p:tgtEl>
+                    <p:sldTgt/>
+                  </p:tgtEl>
+                </p:cond>
+              </p:nextCondLst>
+            </p:seq>
+          </p:childTnLst>
+        </p:cTn>
+      </p:par>
+    </p:tnLst>
+  </p:timing>
+</p:sld>
+</file>
+
+<file path=ppt/slides/slide23.xml><?xml version="1.0" encoding="utf-8"?>
+<p:sld xmlns:a="http://schemas.openxmlformats.org/drawingml/2006/main" xmlns:r="http://schemas.openxmlformats.org/officeDocument/2006/relationships" xmlns:p="http://schemas.openxmlformats.org/presentationml/2006/main">
+  <p:cSld>
+    <p:spTree>
+      <p:nvGrpSpPr>
+        <p:cNvPr id="1" name=""/>
+        <p:cNvGrpSpPr/>
+        <p:nvPr/>
+      </p:nvGrpSpPr>
+      <p:grpSpPr>
+        <a:xfrm>
+          <a:off x="0" y="0"/>
+          <a:ext cx="0" cy="0"/>
+          <a:chOff x="0" y="0"/>
+          <a:chExt cx="0" cy="0"/>
+        </a:xfrm>
+      </p:grpSpPr>
+      <p:sp>
+        <p:nvSpPr>
+          <p:cNvPr id="4098" name="TextBox 2">
+            <a:extLst>
+              <a:ext uri="{FF2B5EF4-FFF2-40B4-BE49-F238E27FC236}">
+                <a16:creationId xmlns:a16="http://schemas.microsoft.com/office/drawing/2014/main" id="{5552ED83-0001-4E47-A09B-F49C592A8E24}"/>
+              </a:ext>
+            </a:extLst>
+          </p:cNvPr>
+          <p:cNvSpPr txBox="1">
+            <a:spLocks noChangeArrowheads="1"/>
+          </p:cNvSpPr>
+          <p:nvPr/>
+        </p:nvSpPr>
+        <p:spPr bwMode="auto">
+          <a:xfrm>
+            <a:off x="12118" y="84217"/>
+            <a:ext cx="8736346" cy="830997"/>
+          </a:xfrm>
+          <a:prstGeom prst="rect">
+            <a:avLst/>
+          </a:prstGeom>
+          <a:noFill/>
+          <a:ln>
+            <a:noFill/>
+          </a:ln>
+          <a:extLst>
+            <a:ext uri="{909E8E84-426E-40DD-AFC4-6F175D3DCCD1}">
+              <a14:hiddenFill xmlns:a14="http://schemas.microsoft.com/office/drawing/2010/main">
+                <a:solidFill>
+                  <a:srgbClr val="FFFFFF"/>
+                </a:solidFill>
+              </a14:hiddenFill>
+            </a:ext>
+            <a:ext uri="{91240B29-F687-4F45-9708-019B960494DF}">
+              <a14:hiddenLine xmlns:a14="http://schemas.microsoft.com/office/drawing/2010/main" w="9525">
+                <a:solidFill>
+                  <a:srgbClr val="000000"/>
+                </a:solidFill>
+                <a:miter lim="800000"/>
+                <a:headEnd/>
+                <a:tailEnd/>
+              </a14:hiddenLine>
+            </a:ext>
+          </a:extLst>
+        </p:spPr>
+        <p:txBody>
+          <a:bodyPr wrap="square">
+            <a:spAutoFit/>
+          </a:bodyPr>
+          <a:lstStyle>
+            <a:lvl1pPr eaLnBrk="0" hangingPunct="0">
+              <a:defRPr>
+                <a:solidFill>
+                  <a:schemeClr val="tx1"/>
+                </a:solidFill>
+                <a:latin typeface="Arial" panose="020B0604020202020204" pitchFamily="34" charset="0"/>
+                <a:ea typeface="宋体" panose="02010600030101010101" pitchFamily="2" charset="-122"/>
+              </a:defRPr>
+            </a:lvl1pPr>
+            <a:lvl2pPr marL="742950" indent="-285750" eaLnBrk="0" hangingPunct="0">
+              <a:defRPr>
+                <a:solidFill>
+                  <a:schemeClr val="tx1"/>
+                </a:solidFill>
+                <a:latin typeface="Arial" panose="020B0604020202020204" pitchFamily="34" charset="0"/>
+                <a:ea typeface="宋体" panose="02010600030101010101" pitchFamily="2" charset="-122"/>
+              </a:defRPr>
+            </a:lvl2pPr>
+            <a:lvl3pPr marL="1143000" indent="-228600" eaLnBrk="0" hangingPunct="0">
+              <a:defRPr>
+                <a:solidFill>
+                  <a:schemeClr val="tx1"/>
+                </a:solidFill>
+                <a:latin typeface="Arial" panose="020B0604020202020204" pitchFamily="34" charset="0"/>
+                <a:ea typeface="宋体" panose="02010600030101010101" pitchFamily="2" charset="-122"/>
+              </a:defRPr>
+            </a:lvl3pPr>
+            <a:lvl4pPr marL="1600200" indent="-228600" eaLnBrk="0" hangingPunct="0">
+              <a:defRPr>
+                <a:solidFill>
+                  <a:schemeClr val="tx1"/>
+                </a:solidFill>
+                <a:latin typeface="Arial" panose="020B0604020202020204" pitchFamily="34" charset="0"/>
+                <a:ea typeface="宋体" panose="02010600030101010101" pitchFamily="2" charset="-122"/>
+              </a:defRPr>
+            </a:lvl4pPr>
+            <a:lvl5pPr marL="2057400" indent="-228600" eaLnBrk="0" hangingPunct="0">
+              <a:defRPr>
+                <a:solidFill>
+                  <a:schemeClr val="tx1"/>
+                </a:solidFill>
+                <a:latin typeface="Arial" panose="020B0604020202020204" pitchFamily="34" charset="0"/>
+                <a:ea typeface="宋体" panose="02010600030101010101" pitchFamily="2" charset="-122"/>
+              </a:defRPr>
+            </a:lvl5pPr>
+            <a:lvl6pPr marL="2514600" indent="-228600" eaLnBrk="0" fontAlgn="base" hangingPunct="0">
+              <a:spcBef>
+                <a:spcPct val="0"/>
+              </a:spcBef>
+              <a:spcAft>
+                <a:spcPct val="0"/>
+              </a:spcAft>
+              <a:defRPr>
+                <a:solidFill>
+                  <a:schemeClr val="tx1"/>
+                </a:solidFill>
+                <a:latin typeface="Arial" panose="020B0604020202020204" pitchFamily="34" charset="0"/>
+                <a:ea typeface="宋体" panose="02010600030101010101" pitchFamily="2" charset="-122"/>
+              </a:defRPr>
+            </a:lvl6pPr>
+            <a:lvl7pPr marL="2971800" indent="-228600" eaLnBrk="0" fontAlgn="base" hangingPunct="0">
+              <a:spcBef>
+                <a:spcPct val="0"/>
+              </a:spcBef>
+              <a:spcAft>
+                <a:spcPct val="0"/>
+              </a:spcAft>
+              <a:defRPr>
+                <a:solidFill>
+                  <a:schemeClr val="tx1"/>
+                </a:solidFill>
+                <a:latin typeface="Arial" panose="020B0604020202020204" pitchFamily="34" charset="0"/>
+                <a:ea typeface="宋体" panose="02010600030101010101" pitchFamily="2" charset="-122"/>
+              </a:defRPr>
+            </a:lvl7pPr>
+            <a:lvl8pPr marL="3429000" indent="-228600" eaLnBrk="0" fontAlgn="base" hangingPunct="0">
+              <a:spcBef>
+                <a:spcPct val="0"/>
+              </a:spcBef>
+              <a:spcAft>
+                <a:spcPct val="0"/>
+              </a:spcAft>
+              <a:defRPr>
+                <a:solidFill>
+                  <a:schemeClr val="tx1"/>
+                </a:solidFill>
+                <a:latin typeface="Arial" panose="020B0604020202020204" pitchFamily="34" charset="0"/>
+                <a:ea typeface="宋体" panose="02010600030101010101" pitchFamily="2" charset="-122"/>
+              </a:defRPr>
+            </a:lvl8pPr>
+            <a:lvl9pPr marL="3886200" indent="-228600" eaLnBrk="0" fontAlgn="base" hangingPunct="0">
+              <a:spcBef>
+                <a:spcPct val="0"/>
+              </a:spcBef>
+              <a:spcAft>
+                <a:spcPct val="0"/>
+              </a:spcAft>
+              <a:defRPr>
+                <a:solidFill>
+                  <a:schemeClr val="tx1"/>
+                </a:solidFill>
+                <a:latin typeface="Arial" panose="020B0604020202020204" pitchFamily="34" charset="0"/>
+                <a:ea typeface="宋体" panose="02010600030101010101" pitchFamily="2" charset="-122"/>
+              </a:defRPr>
+            </a:lvl9pPr>
+          </a:lstStyle>
+          <a:p>
+            <a:pPr eaLnBrk="1" hangingPunct="1"/>
+            <a:r>
+              <a:rPr lang="zh-CN" altLang="en-US" sz="4800" dirty="0">
+                <a:solidFill>
+                  <a:schemeClr val="bg1"/>
+                </a:solidFill>
+                <a:latin typeface="微软雅黑" panose="020B0503020204020204" pitchFamily="34" charset="-122"/>
+                <a:ea typeface="微软雅黑" panose="020B0503020204020204" pitchFamily="34" charset="-122"/>
+              </a:rPr>
+              <a:t>高级场景</a:t>
+            </a:r>
+            <a:r>
+              <a:rPr lang="en-US" altLang="zh-CN" sz="4800" dirty="0">
+                <a:solidFill>
+                  <a:schemeClr val="bg1"/>
+                </a:solidFill>
+                <a:latin typeface="微软雅黑" panose="020B0503020204020204" pitchFamily="34" charset="-122"/>
+                <a:ea typeface="微软雅黑" panose="020B0503020204020204" pitchFamily="34" charset="-122"/>
+              </a:rPr>
+              <a:t>5</a:t>
+            </a:r>
+            <a:r>
+              <a:rPr lang="zh-CN" altLang="en-US" sz="4800" dirty="0">
+                <a:solidFill>
+                  <a:schemeClr val="bg1"/>
+                </a:solidFill>
+                <a:latin typeface="微软雅黑" panose="020B0503020204020204" pitchFamily="34" charset="-122"/>
+                <a:ea typeface="微软雅黑" panose="020B0503020204020204" pitchFamily="34" charset="-122"/>
+              </a:rPr>
+              <a:t> </a:t>
+            </a:r>
+            <a:r>
+              <a:rPr lang="en-US" altLang="zh-CN" sz="4800" dirty="0">
+                <a:solidFill>
+                  <a:schemeClr val="bg1"/>
+                </a:solidFill>
+                <a:latin typeface="微软雅黑" pitchFamily="34" charset="-122"/>
+                <a:ea typeface="微软雅黑" pitchFamily="34" charset="-122"/>
+              </a:rPr>
+              <a:t>– </a:t>
+            </a:r>
+            <a:r>
+              <a:rPr lang="zh-CN" altLang="en-US" sz="4800" dirty="0">
+                <a:solidFill>
+                  <a:schemeClr val="bg1"/>
+                </a:solidFill>
+                <a:latin typeface="微软雅黑" pitchFamily="34" charset="-122"/>
+                <a:ea typeface="微软雅黑" pitchFamily="34" charset="-122"/>
+              </a:rPr>
+              <a:t>基数统计</a:t>
+            </a:r>
+          </a:p>
+        </p:txBody>
+      </p:sp>
+      <p:sp>
+        <p:nvSpPr>
+          <p:cNvPr id="10" name="TextBox 9">
+            <a:extLst>
+              <a:ext uri="{FF2B5EF4-FFF2-40B4-BE49-F238E27FC236}">
+                <a16:creationId xmlns:a16="http://schemas.microsoft.com/office/drawing/2014/main" id="{6C65DFA7-0E5F-49E5-88D4-5AD68B41A2B2}"/>
+              </a:ext>
+            </a:extLst>
+          </p:cNvPr>
+          <p:cNvSpPr txBox="1"/>
+          <p:nvPr/>
+        </p:nvSpPr>
+        <p:spPr>
+          <a:xfrm>
+            <a:off x="35496" y="908720"/>
+            <a:ext cx="9096385" cy="3970318"/>
+          </a:xfrm>
+          <a:prstGeom prst="rect">
+            <a:avLst/>
+          </a:prstGeom>
+          <a:noFill/>
+        </p:spPr>
+        <p:txBody>
+          <a:bodyPr wrap="square">
+            <a:spAutoFit/>
+          </a:bodyPr>
+          <a:lstStyle/>
+          <a:p>
+            <a:pPr>
+              <a:defRPr/>
+            </a:pPr>
+            <a:r>
+              <a:rPr lang="en-US" altLang="zh-CN" sz="3600" dirty="0">
+                <a:solidFill>
+                  <a:schemeClr val="bg1"/>
+                </a:solidFill>
+                <a:latin typeface="微软雅黑" pitchFamily="34" charset="-122"/>
+                <a:ea typeface="微软雅黑" pitchFamily="34" charset="-122"/>
+              </a:rPr>
+              <a:t>	</a:t>
+            </a:r>
+            <a:r>
+              <a:rPr lang="zh-CN" altLang="en-US" sz="3600" dirty="0">
+                <a:solidFill>
+                  <a:schemeClr val="bg1"/>
+                </a:solidFill>
+                <a:latin typeface="微软雅黑" pitchFamily="34" charset="-122"/>
+                <a:ea typeface="微软雅黑" pitchFamily="34" charset="-122"/>
+              </a:rPr>
+              <a:t>其实这个问题本质上是要求</a:t>
+            </a:r>
+            <a:r>
+              <a:rPr lang="zh-CN" altLang="en-US" sz="3600" dirty="0">
+                <a:solidFill>
+                  <a:srgbClr val="FFC000"/>
+                </a:solidFill>
+                <a:latin typeface="微软雅黑" pitchFamily="34" charset="-122"/>
+                <a:ea typeface="微软雅黑" pitchFamily="34" charset="-122"/>
+              </a:rPr>
+              <a:t>统计一个序列中不同元素的个数</a:t>
+            </a:r>
+            <a:r>
+              <a:rPr lang="zh-CN" altLang="en-US" sz="3600" dirty="0">
+                <a:solidFill>
+                  <a:schemeClr val="bg1"/>
+                </a:solidFill>
+                <a:latin typeface="微软雅黑" pitchFamily="34" charset="-122"/>
+                <a:ea typeface="微软雅黑" pitchFamily="34" charset="-122"/>
+              </a:rPr>
+              <a:t>。</a:t>
+            </a:r>
+            <a:endParaRPr lang="en-US" altLang="zh-CN" sz="3600" dirty="0">
+              <a:solidFill>
+                <a:schemeClr val="bg1"/>
+              </a:solidFill>
+              <a:latin typeface="微软雅黑" pitchFamily="34" charset="-122"/>
+              <a:ea typeface="微软雅黑" pitchFamily="34" charset="-122"/>
+            </a:endParaRPr>
+          </a:p>
+          <a:p>
+            <a:pPr>
+              <a:defRPr/>
+            </a:pPr>
+            <a:r>
+              <a:rPr lang="en-US" altLang="zh-CN" sz="3600" dirty="0">
+                <a:solidFill>
+                  <a:schemeClr val="bg1"/>
+                </a:solidFill>
+                <a:latin typeface="微软雅黑" pitchFamily="34" charset="-122"/>
+                <a:ea typeface="微软雅黑" pitchFamily="34" charset="-122"/>
+              </a:rPr>
+              <a:t>	</a:t>
+            </a:r>
+            <a:r>
+              <a:rPr lang="zh-CN" altLang="en-US" sz="3600" dirty="0">
+                <a:solidFill>
+                  <a:schemeClr val="bg1"/>
+                </a:solidFill>
+                <a:latin typeface="微软雅黑" pitchFamily="34" charset="-122"/>
+                <a:ea typeface="微软雅黑" pitchFamily="34" charset="-122"/>
+              </a:rPr>
+              <a:t>最笨的方法是用</a:t>
+            </a:r>
+            <a:r>
+              <a:rPr lang="en-US" altLang="zh-CN" sz="3600" dirty="0">
+                <a:solidFill>
+                  <a:schemeClr val="bg1"/>
+                </a:solidFill>
+                <a:latin typeface="微软雅黑" pitchFamily="34" charset="-122"/>
+                <a:ea typeface="微软雅黑" pitchFamily="34" charset="-122"/>
+              </a:rPr>
+              <a:t>Set</a:t>
+            </a:r>
+            <a:r>
+              <a:rPr lang="zh-CN" altLang="en-US" sz="3600" dirty="0">
+                <a:solidFill>
+                  <a:schemeClr val="bg1"/>
+                </a:solidFill>
+                <a:latin typeface="微软雅黑" pitchFamily="34" charset="-122"/>
+                <a:ea typeface="微软雅黑" pitchFamily="34" charset="-122"/>
+              </a:rPr>
+              <a:t>把每一个</a:t>
+            </a:r>
+            <a:r>
+              <a:rPr lang="en-US" altLang="zh-CN" sz="3600" dirty="0" err="1">
+                <a:solidFill>
+                  <a:schemeClr val="bg1"/>
+                </a:solidFill>
+                <a:latin typeface="微软雅黑" pitchFamily="34" charset="-122"/>
+                <a:ea typeface="微软雅黑" pitchFamily="34" charset="-122"/>
+              </a:rPr>
+              <a:t>UserID</a:t>
+            </a:r>
+            <a:r>
+              <a:rPr lang="zh-CN" altLang="en-US" sz="3600" dirty="0">
+                <a:solidFill>
+                  <a:schemeClr val="bg1"/>
+                </a:solidFill>
+                <a:latin typeface="微软雅黑" pitchFamily="34" charset="-122"/>
+                <a:ea typeface="微软雅黑" pitchFamily="34" charset="-122"/>
+              </a:rPr>
+              <a:t>都存起来：</a:t>
+            </a:r>
+            <a:endParaRPr lang="en-US" altLang="zh-CN" sz="3600" dirty="0">
+              <a:solidFill>
+                <a:schemeClr val="bg1"/>
+              </a:solidFill>
+              <a:latin typeface="微软雅黑" pitchFamily="34" charset="-122"/>
+              <a:ea typeface="微软雅黑" pitchFamily="34" charset="-122"/>
+            </a:endParaRPr>
+          </a:p>
+          <a:p>
+            <a:pPr>
+              <a:defRPr/>
+            </a:pPr>
+            <a:r>
+              <a:rPr lang="en-US" altLang="zh-CN" sz="3600" dirty="0">
+                <a:solidFill>
+                  <a:schemeClr val="bg1"/>
+                </a:solidFill>
+                <a:latin typeface="微软雅黑" pitchFamily="34" charset="-122"/>
+                <a:ea typeface="微软雅黑" pitchFamily="34" charset="-122"/>
+              </a:rPr>
+              <a:t>	Page1:UV = {U1, U2, U3……}</a:t>
+            </a:r>
+          </a:p>
+          <a:p>
+            <a:pPr>
+              <a:defRPr/>
+            </a:pPr>
+            <a:r>
+              <a:rPr lang="en-US" altLang="zh-CN" sz="3600" dirty="0">
+                <a:solidFill>
+                  <a:schemeClr val="bg1"/>
+                </a:solidFill>
+                <a:latin typeface="微软雅黑" pitchFamily="34" charset="-122"/>
+                <a:ea typeface="微软雅黑" pitchFamily="34" charset="-122"/>
+              </a:rPr>
+              <a:t>	</a:t>
+            </a:r>
+            <a:r>
+              <a:rPr lang="zh-CN" altLang="en-US" sz="3600" dirty="0">
+                <a:solidFill>
+                  <a:schemeClr val="bg1"/>
+                </a:solidFill>
+                <a:latin typeface="微软雅黑" pitchFamily="34" charset="-122"/>
+                <a:ea typeface="微软雅黑" pitchFamily="34" charset="-122"/>
+              </a:rPr>
+              <a:t>如果你的网站活跃用户数上千万，这些数据会占多少空间？</a:t>
+            </a:r>
+            <a:endParaRPr lang="en-US" altLang="zh-CN" sz="3600" dirty="0">
+              <a:solidFill>
+                <a:schemeClr val="bg1"/>
+              </a:solidFill>
+              <a:latin typeface="微软雅黑" pitchFamily="34" charset="-122"/>
+              <a:ea typeface="微软雅黑" pitchFamily="34" charset="-122"/>
+            </a:endParaRPr>
+          </a:p>
+        </p:txBody>
+      </p:sp>
+    </p:spTree>
+    <p:extLst>
+      <p:ext uri="{BB962C8B-B14F-4D97-AF65-F5344CB8AC3E}">
+        <p14:creationId xmlns:p14="http://schemas.microsoft.com/office/powerpoint/2010/main" val="1020331981"/>
+      </p:ext>
+    </p:extLst>
+  </p:cSld>
+  <p:clrMapOvr>
+    <a:masterClrMapping/>
+  </p:clrMapOvr>
+</p:sld>
+</file>
+
+<file path=ppt/slides/slide24.xml><?xml version="1.0" encoding="utf-8"?>
+<p:sld xmlns:a="http://schemas.openxmlformats.org/drawingml/2006/main" xmlns:r="http://schemas.openxmlformats.org/officeDocument/2006/relationships" xmlns:p="http://schemas.openxmlformats.org/presentationml/2006/main">
+  <p:cSld>
+    <p:spTree>
+      <p:nvGrpSpPr>
+        <p:cNvPr id="1" name=""/>
+        <p:cNvGrpSpPr/>
+        <p:nvPr/>
+      </p:nvGrpSpPr>
+      <p:grpSpPr>
+        <a:xfrm>
+          <a:off x="0" y="0"/>
+          <a:ext cx="0" cy="0"/>
+          <a:chOff x="0" y="0"/>
+          <a:chExt cx="0" cy="0"/>
+        </a:xfrm>
+      </p:grpSpPr>
+      <p:sp>
+        <p:nvSpPr>
+          <p:cNvPr id="4098" name="TextBox 2">
+            <a:extLst>
+              <a:ext uri="{FF2B5EF4-FFF2-40B4-BE49-F238E27FC236}">
+                <a16:creationId xmlns:a16="http://schemas.microsoft.com/office/drawing/2014/main" id="{5552ED83-0001-4E47-A09B-F49C592A8E24}"/>
+              </a:ext>
+            </a:extLst>
+          </p:cNvPr>
+          <p:cNvSpPr txBox="1">
+            <a:spLocks noChangeArrowheads="1"/>
+          </p:cNvSpPr>
+          <p:nvPr/>
+        </p:nvSpPr>
+        <p:spPr bwMode="auto">
+          <a:xfrm>
+            <a:off x="12118" y="84217"/>
+            <a:ext cx="8736346" cy="830997"/>
+          </a:xfrm>
+          <a:prstGeom prst="rect">
+            <a:avLst/>
+          </a:prstGeom>
+          <a:noFill/>
+          <a:ln>
+            <a:noFill/>
+          </a:ln>
+          <a:extLst>
+            <a:ext uri="{909E8E84-426E-40DD-AFC4-6F175D3DCCD1}">
+              <a14:hiddenFill xmlns:a14="http://schemas.microsoft.com/office/drawing/2010/main">
+                <a:solidFill>
+                  <a:srgbClr val="FFFFFF"/>
+                </a:solidFill>
+              </a14:hiddenFill>
+            </a:ext>
+            <a:ext uri="{91240B29-F687-4F45-9708-019B960494DF}">
+              <a14:hiddenLine xmlns:a14="http://schemas.microsoft.com/office/drawing/2010/main" w="9525">
+                <a:solidFill>
+                  <a:srgbClr val="000000"/>
+                </a:solidFill>
+                <a:miter lim="800000"/>
+                <a:headEnd/>
+                <a:tailEnd/>
+              </a14:hiddenLine>
+            </a:ext>
+          </a:extLst>
+        </p:spPr>
+        <p:txBody>
+          <a:bodyPr wrap="square">
+            <a:spAutoFit/>
+          </a:bodyPr>
+          <a:lstStyle>
+            <a:lvl1pPr eaLnBrk="0" hangingPunct="0">
+              <a:defRPr>
+                <a:solidFill>
+                  <a:schemeClr val="tx1"/>
+                </a:solidFill>
+                <a:latin typeface="Arial" panose="020B0604020202020204" pitchFamily="34" charset="0"/>
+                <a:ea typeface="宋体" panose="02010600030101010101" pitchFamily="2" charset="-122"/>
+              </a:defRPr>
+            </a:lvl1pPr>
+            <a:lvl2pPr marL="742950" indent="-285750" eaLnBrk="0" hangingPunct="0">
+              <a:defRPr>
+                <a:solidFill>
+                  <a:schemeClr val="tx1"/>
+                </a:solidFill>
+                <a:latin typeface="Arial" panose="020B0604020202020204" pitchFamily="34" charset="0"/>
+                <a:ea typeface="宋体" panose="02010600030101010101" pitchFamily="2" charset="-122"/>
+              </a:defRPr>
+            </a:lvl2pPr>
+            <a:lvl3pPr marL="1143000" indent="-228600" eaLnBrk="0" hangingPunct="0">
+              <a:defRPr>
+                <a:solidFill>
+                  <a:schemeClr val="tx1"/>
+                </a:solidFill>
+                <a:latin typeface="Arial" panose="020B0604020202020204" pitchFamily="34" charset="0"/>
+                <a:ea typeface="宋体" panose="02010600030101010101" pitchFamily="2" charset="-122"/>
+              </a:defRPr>
+            </a:lvl3pPr>
+            <a:lvl4pPr marL="1600200" indent="-228600" eaLnBrk="0" hangingPunct="0">
+              <a:defRPr>
+                <a:solidFill>
+                  <a:schemeClr val="tx1"/>
+                </a:solidFill>
+                <a:latin typeface="Arial" panose="020B0604020202020204" pitchFamily="34" charset="0"/>
+                <a:ea typeface="宋体" panose="02010600030101010101" pitchFamily="2" charset="-122"/>
+              </a:defRPr>
+            </a:lvl4pPr>
+            <a:lvl5pPr marL="2057400" indent="-228600" eaLnBrk="0" hangingPunct="0">
+              <a:defRPr>
+                <a:solidFill>
+                  <a:schemeClr val="tx1"/>
+                </a:solidFill>
+                <a:latin typeface="Arial" panose="020B0604020202020204" pitchFamily="34" charset="0"/>
+                <a:ea typeface="宋体" panose="02010600030101010101" pitchFamily="2" charset="-122"/>
+              </a:defRPr>
+            </a:lvl5pPr>
+            <a:lvl6pPr marL="2514600" indent="-228600" eaLnBrk="0" fontAlgn="base" hangingPunct="0">
+              <a:spcBef>
+                <a:spcPct val="0"/>
+              </a:spcBef>
+              <a:spcAft>
+                <a:spcPct val="0"/>
+              </a:spcAft>
+              <a:defRPr>
+                <a:solidFill>
+                  <a:schemeClr val="tx1"/>
+                </a:solidFill>
+                <a:latin typeface="Arial" panose="020B0604020202020204" pitchFamily="34" charset="0"/>
+                <a:ea typeface="宋体" panose="02010600030101010101" pitchFamily="2" charset="-122"/>
+              </a:defRPr>
+            </a:lvl6pPr>
+            <a:lvl7pPr marL="2971800" indent="-228600" eaLnBrk="0" fontAlgn="base" hangingPunct="0">
+              <a:spcBef>
+                <a:spcPct val="0"/>
+              </a:spcBef>
+              <a:spcAft>
+                <a:spcPct val="0"/>
+              </a:spcAft>
+              <a:defRPr>
+                <a:solidFill>
+                  <a:schemeClr val="tx1"/>
+                </a:solidFill>
+                <a:latin typeface="Arial" panose="020B0604020202020204" pitchFamily="34" charset="0"/>
+                <a:ea typeface="宋体" panose="02010600030101010101" pitchFamily="2" charset="-122"/>
+              </a:defRPr>
+            </a:lvl7pPr>
+            <a:lvl8pPr marL="3429000" indent="-228600" eaLnBrk="0" fontAlgn="base" hangingPunct="0">
+              <a:spcBef>
+                <a:spcPct val="0"/>
+              </a:spcBef>
+              <a:spcAft>
+                <a:spcPct val="0"/>
+              </a:spcAft>
+              <a:defRPr>
+                <a:solidFill>
+                  <a:schemeClr val="tx1"/>
+                </a:solidFill>
+                <a:latin typeface="Arial" panose="020B0604020202020204" pitchFamily="34" charset="0"/>
+                <a:ea typeface="宋体" panose="02010600030101010101" pitchFamily="2" charset="-122"/>
+              </a:defRPr>
+            </a:lvl8pPr>
+            <a:lvl9pPr marL="3886200" indent="-228600" eaLnBrk="0" fontAlgn="base" hangingPunct="0">
+              <a:spcBef>
+                <a:spcPct val="0"/>
+              </a:spcBef>
+              <a:spcAft>
+                <a:spcPct val="0"/>
+              </a:spcAft>
+              <a:defRPr>
+                <a:solidFill>
+                  <a:schemeClr val="tx1"/>
+                </a:solidFill>
+                <a:latin typeface="Arial" panose="020B0604020202020204" pitchFamily="34" charset="0"/>
+                <a:ea typeface="宋体" panose="02010600030101010101" pitchFamily="2" charset="-122"/>
+              </a:defRPr>
+            </a:lvl9pPr>
+          </a:lstStyle>
+          <a:p>
+            <a:pPr eaLnBrk="1" hangingPunct="1"/>
+            <a:r>
+              <a:rPr lang="zh-CN" altLang="en-US" sz="4800" dirty="0">
+                <a:solidFill>
+                  <a:schemeClr val="bg1"/>
+                </a:solidFill>
+                <a:latin typeface="微软雅黑" panose="020B0503020204020204" pitchFamily="34" charset="-122"/>
+                <a:ea typeface="微软雅黑" panose="020B0503020204020204" pitchFamily="34" charset="-122"/>
+              </a:rPr>
+              <a:t>高级场景</a:t>
+            </a:r>
+            <a:r>
+              <a:rPr lang="en-US" altLang="zh-CN" sz="4800" dirty="0">
+                <a:solidFill>
+                  <a:schemeClr val="bg1"/>
+                </a:solidFill>
+                <a:latin typeface="微软雅黑" panose="020B0503020204020204" pitchFamily="34" charset="-122"/>
+                <a:ea typeface="微软雅黑" panose="020B0503020204020204" pitchFamily="34" charset="-122"/>
+              </a:rPr>
+              <a:t>5</a:t>
+            </a:r>
+            <a:r>
+              <a:rPr lang="zh-CN" altLang="en-US" sz="4800" dirty="0">
+                <a:solidFill>
+                  <a:schemeClr val="bg1"/>
+                </a:solidFill>
+                <a:latin typeface="微软雅黑" panose="020B0503020204020204" pitchFamily="34" charset="-122"/>
+                <a:ea typeface="微软雅黑" panose="020B0503020204020204" pitchFamily="34" charset="-122"/>
+              </a:rPr>
+              <a:t> </a:t>
+            </a:r>
+            <a:r>
+              <a:rPr lang="en-US" altLang="zh-CN" sz="4800" dirty="0">
+                <a:solidFill>
+                  <a:schemeClr val="bg1"/>
+                </a:solidFill>
+                <a:latin typeface="微软雅黑" pitchFamily="34" charset="-122"/>
+                <a:ea typeface="微软雅黑" pitchFamily="34" charset="-122"/>
+              </a:rPr>
+              <a:t>– </a:t>
+            </a:r>
+            <a:r>
+              <a:rPr lang="zh-CN" altLang="en-US" sz="4800" dirty="0">
+                <a:solidFill>
+                  <a:schemeClr val="bg1"/>
+                </a:solidFill>
+                <a:latin typeface="微软雅黑" pitchFamily="34" charset="-122"/>
+                <a:ea typeface="微软雅黑" pitchFamily="34" charset="-122"/>
+              </a:rPr>
+              <a:t>基数统计</a:t>
+            </a:r>
+          </a:p>
+        </p:txBody>
+      </p:sp>
+      <p:sp>
+        <p:nvSpPr>
+          <p:cNvPr id="10" name="TextBox 9">
+            <a:extLst>
+              <a:ext uri="{FF2B5EF4-FFF2-40B4-BE49-F238E27FC236}">
+                <a16:creationId xmlns:a16="http://schemas.microsoft.com/office/drawing/2014/main" id="{6C65DFA7-0E5F-49E5-88D4-5AD68B41A2B2}"/>
+              </a:ext>
+            </a:extLst>
+          </p:cNvPr>
+          <p:cNvSpPr txBox="1"/>
+          <p:nvPr/>
+        </p:nvSpPr>
+        <p:spPr>
+          <a:xfrm>
+            <a:off x="35496" y="908720"/>
+            <a:ext cx="9096385" cy="5078313"/>
+          </a:xfrm>
+          <a:prstGeom prst="rect">
+            <a:avLst/>
+          </a:prstGeom>
+          <a:noFill/>
+        </p:spPr>
+        <p:txBody>
+          <a:bodyPr wrap="square">
+            <a:spAutoFit/>
+          </a:bodyPr>
+          <a:lstStyle/>
+          <a:p>
+            <a:pPr>
+              <a:defRPr/>
+            </a:pPr>
+            <a:r>
+              <a:rPr lang="en-US" altLang="zh-CN" sz="3600" dirty="0">
+                <a:solidFill>
+                  <a:schemeClr val="bg1"/>
+                </a:solidFill>
+                <a:latin typeface="微软雅黑" pitchFamily="34" charset="-122"/>
+                <a:ea typeface="微软雅黑" pitchFamily="34" charset="-122"/>
+              </a:rPr>
+              <a:t>	</a:t>
+            </a:r>
+            <a:r>
+              <a:rPr lang="zh-CN" altLang="en-US" sz="3600" dirty="0">
+                <a:solidFill>
+                  <a:schemeClr val="bg1"/>
+                </a:solidFill>
+                <a:latin typeface="微软雅黑" pitchFamily="34" charset="-122"/>
+                <a:ea typeface="微软雅黑" pitchFamily="34" charset="-122"/>
+              </a:rPr>
+              <a:t>基数是指一堆元素中不同元素的个数，比如</a:t>
+            </a:r>
+            <a:r>
+              <a:rPr lang="en-US" altLang="zh-CN" sz="3600" dirty="0">
+                <a:solidFill>
+                  <a:schemeClr val="bg1"/>
+                </a:solidFill>
+                <a:latin typeface="微软雅黑" pitchFamily="34" charset="-122"/>
+                <a:ea typeface="微软雅黑" pitchFamily="34" charset="-122"/>
+              </a:rPr>
+              <a:t>[1, 3, 5, 7, 5, 3, 1] -&gt; 4.</a:t>
+            </a:r>
+          </a:p>
+          <a:p>
+            <a:pPr>
+              <a:defRPr/>
+            </a:pPr>
+            <a:r>
+              <a:rPr lang="en-US" altLang="zh-CN" sz="3600" dirty="0">
+                <a:solidFill>
+                  <a:schemeClr val="bg1"/>
+                </a:solidFill>
+                <a:latin typeface="微软雅黑" pitchFamily="34" charset="-122"/>
+                <a:ea typeface="微软雅黑" pitchFamily="34" charset="-122"/>
+              </a:rPr>
+              <a:t>	</a:t>
+            </a:r>
+            <a:r>
+              <a:rPr lang="en-US" altLang="zh-CN" sz="3600" dirty="0" err="1">
+                <a:solidFill>
+                  <a:srgbClr val="FFC000"/>
+                </a:solidFill>
+                <a:latin typeface="微软雅黑" pitchFamily="34" charset="-122"/>
+                <a:ea typeface="微软雅黑" pitchFamily="34" charset="-122"/>
+              </a:rPr>
+              <a:t>HyperLogLog</a:t>
+            </a:r>
+            <a:r>
+              <a:rPr lang="zh-CN" altLang="en-US" sz="3600" dirty="0">
+                <a:solidFill>
+                  <a:schemeClr val="bg1"/>
+                </a:solidFill>
+                <a:latin typeface="微软雅黑" pitchFamily="34" charset="-122"/>
+                <a:ea typeface="微软雅黑" pitchFamily="34" charset="-122"/>
+              </a:rPr>
+              <a:t>是一种</a:t>
+            </a:r>
+            <a:r>
+              <a:rPr lang="zh-CN" altLang="en-US" sz="3600" dirty="0">
+                <a:solidFill>
+                  <a:srgbClr val="FFC000"/>
+                </a:solidFill>
+                <a:latin typeface="微软雅黑" pitchFamily="34" charset="-122"/>
+                <a:ea typeface="微软雅黑" pitchFamily="34" charset="-122"/>
+              </a:rPr>
+              <a:t>概率数据结构</a:t>
+            </a:r>
+            <a:r>
+              <a:rPr lang="zh-CN" altLang="en-US" sz="3600" dirty="0">
+                <a:solidFill>
+                  <a:schemeClr val="bg1"/>
+                </a:solidFill>
+                <a:latin typeface="微软雅黑" pitchFamily="34" charset="-122"/>
+                <a:ea typeface="微软雅黑" pitchFamily="34" charset="-122"/>
+              </a:rPr>
+              <a:t>，它能够以固定</a:t>
+            </a:r>
+            <a:r>
+              <a:rPr lang="en-US" altLang="zh-CN" sz="3600" dirty="0">
+                <a:solidFill>
+                  <a:srgbClr val="FFC000"/>
+                </a:solidFill>
+                <a:latin typeface="微软雅黑" pitchFamily="34" charset="-122"/>
+                <a:ea typeface="微软雅黑" pitchFamily="34" charset="-122"/>
+              </a:rPr>
+              <a:t>12KB</a:t>
+            </a:r>
+            <a:r>
+              <a:rPr lang="zh-CN" altLang="en-US" sz="3600" dirty="0">
+                <a:solidFill>
+                  <a:schemeClr val="bg1"/>
+                </a:solidFill>
+                <a:latin typeface="微软雅黑" pitchFamily="34" charset="-122"/>
+                <a:ea typeface="微软雅黑" pitchFamily="34" charset="-122"/>
+              </a:rPr>
+              <a:t>的空间，估算一个序列的基数，但是会有一定</a:t>
+            </a:r>
+            <a:r>
+              <a:rPr lang="zh-CN" altLang="en-US" sz="3600" dirty="0">
+                <a:solidFill>
+                  <a:srgbClr val="FFC000"/>
+                </a:solidFill>
+                <a:latin typeface="微软雅黑" pitchFamily="34" charset="-122"/>
+                <a:ea typeface="微软雅黑" pitchFamily="34" charset="-122"/>
+              </a:rPr>
+              <a:t>误差，误差是 </a:t>
+            </a:r>
+            <a:r>
+              <a:rPr lang="en-US" altLang="zh-CN" sz="3600" dirty="0">
+                <a:solidFill>
+                  <a:srgbClr val="FFC000"/>
+                </a:solidFill>
+                <a:latin typeface="微软雅黑" pitchFamily="34" charset="-122"/>
+                <a:ea typeface="微软雅黑" pitchFamily="34" charset="-122"/>
+              </a:rPr>
+              <a:t>0.81%</a:t>
+            </a:r>
+            <a:r>
+              <a:rPr lang="zh-CN" altLang="en-US" sz="3600" dirty="0">
+                <a:solidFill>
+                  <a:schemeClr val="bg1"/>
+                </a:solidFill>
+                <a:latin typeface="微软雅黑" pitchFamily="34" charset="-122"/>
+                <a:ea typeface="微软雅黑" pitchFamily="34" charset="-122"/>
+              </a:rPr>
+              <a:t>，也无法知道已经出现过哪些元素。</a:t>
+            </a:r>
+            <a:endParaRPr lang="en-US" altLang="zh-CN" sz="3600" dirty="0">
+              <a:solidFill>
+                <a:schemeClr val="bg1"/>
+              </a:solidFill>
+              <a:latin typeface="微软雅黑" pitchFamily="34" charset="-122"/>
+              <a:ea typeface="微软雅黑" pitchFamily="34" charset="-122"/>
+            </a:endParaRPr>
+          </a:p>
+          <a:p>
+            <a:pPr>
+              <a:defRPr/>
+            </a:pPr>
+            <a:r>
+              <a:rPr lang="en-US" altLang="zh-CN" sz="3600">
+                <a:solidFill>
+                  <a:schemeClr val="bg1"/>
+                </a:solidFill>
+                <a:latin typeface="微软雅黑" pitchFamily="34" charset="-122"/>
+                <a:ea typeface="微软雅黑" pitchFamily="34" charset="-122"/>
+                <a:hlinkClick r:id="rId2"/>
+              </a:rPr>
+              <a:t>http://content.research.neustar.biz/blog/hll.html</a:t>
+            </a:r>
+            <a:endParaRPr lang="en-US" altLang="zh-CN" sz="3600">
+              <a:solidFill>
+                <a:schemeClr val="bg1"/>
+              </a:solidFill>
+              <a:latin typeface="微软雅黑" pitchFamily="34" charset="-122"/>
+              <a:ea typeface="微软雅黑" pitchFamily="34" charset="-122"/>
+            </a:endParaRPr>
+          </a:p>
+          <a:p>
+            <a:pPr>
+              <a:defRPr/>
+            </a:pPr>
+            <a:endParaRPr lang="en-US" altLang="zh-CN" sz="3600" dirty="0">
+              <a:solidFill>
+                <a:schemeClr val="bg1"/>
+              </a:solidFill>
+              <a:latin typeface="微软雅黑" pitchFamily="34" charset="-122"/>
+              <a:ea typeface="微软雅黑" pitchFamily="34" charset="-122"/>
+            </a:endParaRPr>
+          </a:p>
+        </p:txBody>
+      </p:sp>
+    </p:spTree>
+    <p:extLst>
+      <p:ext uri="{BB962C8B-B14F-4D97-AF65-F5344CB8AC3E}">
+        <p14:creationId xmlns:p14="http://schemas.microsoft.com/office/powerpoint/2010/main" val="3338001901"/>
+      </p:ext>
+    </p:extLst>
+  </p:cSld>
+  <p:clrMapOvr>
+    <a:masterClrMapping/>
+  </p:clrMapOvr>
+</p:sld>
+</file>
+
+<file path=ppt/slides/slide25.xml><?xml version="1.0" encoding="utf-8"?>
+<p:sld xmlns:a="http://schemas.openxmlformats.org/drawingml/2006/main" xmlns:r="http://schemas.openxmlformats.org/officeDocument/2006/relationships" xmlns:p="http://schemas.openxmlformats.org/presentationml/2006/main">
+  <p:cSld>
+    <p:spTree>
+      <p:nvGrpSpPr>
+        <p:cNvPr id="1" name=""/>
+        <p:cNvGrpSpPr/>
+        <p:nvPr/>
+      </p:nvGrpSpPr>
+      <p:grpSpPr>
+        <a:xfrm>
+          <a:off x="0" y="0"/>
+          <a:ext cx="0" cy="0"/>
+          <a:chOff x="0" y="0"/>
+          <a:chExt cx="0" cy="0"/>
+        </a:xfrm>
+      </p:grpSpPr>
+      <p:sp>
+        <p:nvSpPr>
+          <p:cNvPr id="4098" name="TextBox 2">
+            <a:extLst>
+              <a:ext uri="{FF2B5EF4-FFF2-40B4-BE49-F238E27FC236}">
+                <a16:creationId xmlns:a16="http://schemas.microsoft.com/office/drawing/2014/main" id="{5552ED83-0001-4E47-A09B-F49C592A8E24}"/>
+              </a:ext>
+            </a:extLst>
+          </p:cNvPr>
+          <p:cNvSpPr txBox="1">
+            <a:spLocks noChangeArrowheads="1"/>
+          </p:cNvSpPr>
+          <p:nvPr/>
+        </p:nvSpPr>
+        <p:spPr bwMode="auto">
+          <a:xfrm>
+            <a:off x="12118" y="84217"/>
+            <a:ext cx="8736346" cy="830997"/>
+          </a:xfrm>
+          <a:prstGeom prst="rect">
+            <a:avLst/>
+          </a:prstGeom>
+          <a:noFill/>
+          <a:ln>
+            <a:noFill/>
+          </a:ln>
+          <a:extLst>
+            <a:ext uri="{909E8E84-426E-40DD-AFC4-6F175D3DCCD1}">
+              <a14:hiddenFill xmlns:a14="http://schemas.microsoft.com/office/drawing/2010/main">
+                <a:solidFill>
+                  <a:srgbClr val="FFFFFF"/>
+                </a:solidFill>
+              </a14:hiddenFill>
+            </a:ext>
+            <a:ext uri="{91240B29-F687-4F45-9708-019B960494DF}">
+              <a14:hiddenLine xmlns:a14="http://schemas.microsoft.com/office/drawing/2010/main" w="9525">
+                <a:solidFill>
+                  <a:srgbClr val="000000"/>
+                </a:solidFill>
+                <a:miter lim="800000"/>
+                <a:headEnd/>
+                <a:tailEnd/>
+              </a14:hiddenLine>
+            </a:ext>
+          </a:extLst>
+        </p:spPr>
+        <p:txBody>
+          <a:bodyPr wrap="square">
+            <a:spAutoFit/>
+          </a:bodyPr>
+          <a:lstStyle>
+            <a:lvl1pPr eaLnBrk="0" hangingPunct="0">
+              <a:defRPr>
+                <a:solidFill>
+                  <a:schemeClr val="tx1"/>
+                </a:solidFill>
+                <a:latin typeface="Arial" panose="020B0604020202020204" pitchFamily="34" charset="0"/>
+                <a:ea typeface="宋体" panose="02010600030101010101" pitchFamily="2" charset="-122"/>
+              </a:defRPr>
+            </a:lvl1pPr>
+            <a:lvl2pPr marL="742950" indent="-285750" eaLnBrk="0" hangingPunct="0">
+              <a:defRPr>
+                <a:solidFill>
+                  <a:schemeClr val="tx1"/>
+                </a:solidFill>
+                <a:latin typeface="Arial" panose="020B0604020202020204" pitchFamily="34" charset="0"/>
+                <a:ea typeface="宋体" panose="02010600030101010101" pitchFamily="2" charset="-122"/>
+              </a:defRPr>
+            </a:lvl2pPr>
+            <a:lvl3pPr marL="1143000" indent="-228600" eaLnBrk="0" hangingPunct="0">
+              <a:defRPr>
+                <a:solidFill>
+                  <a:schemeClr val="tx1"/>
+                </a:solidFill>
+                <a:latin typeface="Arial" panose="020B0604020202020204" pitchFamily="34" charset="0"/>
+                <a:ea typeface="宋体" panose="02010600030101010101" pitchFamily="2" charset="-122"/>
+              </a:defRPr>
+            </a:lvl3pPr>
+            <a:lvl4pPr marL="1600200" indent="-228600" eaLnBrk="0" hangingPunct="0">
+              <a:defRPr>
+                <a:solidFill>
+                  <a:schemeClr val="tx1"/>
+                </a:solidFill>
+                <a:latin typeface="Arial" panose="020B0604020202020204" pitchFamily="34" charset="0"/>
+                <a:ea typeface="宋体" panose="02010600030101010101" pitchFamily="2" charset="-122"/>
+              </a:defRPr>
+            </a:lvl4pPr>
+            <a:lvl5pPr marL="2057400" indent="-228600" eaLnBrk="0" hangingPunct="0">
+              <a:defRPr>
+                <a:solidFill>
+                  <a:schemeClr val="tx1"/>
+                </a:solidFill>
+                <a:latin typeface="Arial" panose="020B0604020202020204" pitchFamily="34" charset="0"/>
+                <a:ea typeface="宋体" panose="02010600030101010101" pitchFamily="2" charset="-122"/>
+              </a:defRPr>
+            </a:lvl5pPr>
+            <a:lvl6pPr marL="2514600" indent="-228600" eaLnBrk="0" fontAlgn="base" hangingPunct="0">
+              <a:spcBef>
+                <a:spcPct val="0"/>
+              </a:spcBef>
+              <a:spcAft>
+                <a:spcPct val="0"/>
+              </a:spcAft>
+              <a:defRPr>
+                <a:solidFill>
+                  <a:schemeClr val="tx1"/>
+                </a:solidFill>
+                <a:latin typeface="Arial" panose="020B0604020202020204" pitchFamily="34" charset="0"/>
+                <a:ea typeface="宋体" panose="02010600030101010101" pitchFamily="2" charset="-122"/>
+              </a:defRPr>
+            </a:lvl6pPr>
+            <a:lvl7pPr marL="2971800" indent="-228600" eaLnBrk="0" fontAlgn="base" hangingPunct="0">
+              <a:spcBef>
+                <a:spcPct val="0"/>
+              </a:spcBef>
+              <a:spcAft>
+                <a:spcPct val="0"/>
+              </a:spcAft>
+              <a:defRPr>
+                <a:solidFill>
+                  <a:schemeClr val="tx1"/>
+                </a:solidFill>
+                <a:latin typeface="Arial" panose="020B0604020202020204" pitchFamily="34" charset="0"/>
+                <a:ea typeface="宋体" panose="02010600030101010101" pitchFamily="2" charset="-122"/>
+              </a:defRPr>
+            </a:lvl7pPr>
+            <a:lvl8pPr marL="3429000" indent="-228600" eaLnBrk="0" fontAlgn="base" hangingPunct="0">
+              <a:spcBef>
+                <a:spcPct val="0"/>
+              </a:spcBef>
+              <a:spcAft>
+                <a:spcPct val="0"/>
+              </a:spcAft>
+              <a:defRPr>
+                <a:solidFill>
+                  <a:schemeClr val="tx1"/>
+                </a:solidFill>
+                <a:latin typeface="Arial" panose="020B0604020202020204" pitchFamily="34" charset="0"/>
+                <a:ea typeface="宋体" panose="02010600030101010101" pitchFamily="2" charset="-122"/>
+              </a:defRPr>
+            </a:lvl8pPr>
+            <a:lvl9pPr marL="3886200" indent="-228600" eaLnBrk="0" fontAlgn="base" hangingPunct="0">
+              <a:spcBef>
+                <a:spcPct val="0"/>
+              </a:spcBef>
+              <a:spcAft>
+                <a:spcPct val="0"/>
+              </a:spcAft>
+              <a:defRPr>
+                <a:solidFill>
+                  <a:schemeClr val="tx1"/>
+                </a:solidFill>
+                <a:latin typeface="Arial" panose="020B0604020202020204" pitchFamily="34" charset="0"/>
+                <a:ea typeface="宋体" panose="02010600030101010101" pitchFamily="2" charset="-122"/>
+              </a:defRPr>
+            </a:lvl9pPr>
+          </a:lstStyle>
+          <a:p>
+            <a:pPr eaLnBrk="1" hangingPunct="1"/>
+            <a:r>
+              <a:rPr lang="zh-CN" altLang="en-US" sz="4800" dirty="0">
+                <a:solidFill>
+                  <a:schemeClr val="bg1"/>
+                </a:solidFill>
+                <a:latin typeface="微软雅黑" panose="020B0503020204020204" pitchFamily="34" charset="-122"/>
+                <a:ea typeface="微软雅黑" panose="020B0503020204020204" pitchFamily="34" charset="-122"/>
+              </a:rPr>
+              <a:t>高级场景</a:t>
+            </a:r>
+            <a:r>
+              <a:rPr lang="en-US" altLang="zh-CN" sz="4800" dirty="0">
+                <a:solidFill>
+                  <a:schemeClr val="bg1"/>
+                </a:solidFill>
+                <a:latin typeface="微软雅黑" panose="020B0503020204020204" pitchFamily="34" charset="-122"/>
+                <a:ea typeface="微软雅黑" panose="020B0503020204020204" pitchFamily="34" charset="-122"/>
+              </a:rPr>
+              <a:t>5</a:t>
+            </a:r>
+            <a:r>
+              <a:rPr lang="zh-CN" altLang="en-US" sz="4800" dirty="0">
+                <a:solidFill>
+                  <a:schemeClr val="bg1"/>
+                </a:solidFill>
+                <a:latin typeface="微软雅黑" panose="020B0503020204020204" pitchFamily="34" charset="-122"/>
+                <a:ea typeface="微软雅黑" panose="020B0503020204020204" pitchFamily="34" charset="-122"/>
+              </a:rPr>
+              <a:t> </a:t>
+            </a:r>
+            <a:r>
+              <a:rPr lang="en-US" altLang="zh-CN" sz="4800" dirty="0">
+                <a:solidFill>
+                  <a:schemeClr val="bg1"/>
+                </a:solidFill>
+                <a:latin typeface="微软雅黑" pitchFamily="34" charset="-122"/>
+                <a:ea typeface="微软雅黑" pitchFamily="34" charset="-122"/>
+              </a:rPr>
+              <a:t>– </a:t>
+            </a:r>
+            <a:r>
+              <a:rPr lang="zh-CN" altLang="en-US" sz="4800" dirty="0">
+                <a:solidFill>
+                  <a:schemeClr val="bg1"/>
+                </a:solidFill>
+                <a:latin typeface="微软雅黑" pitchFamily="34" charset="-122"/>
+                <a:ea typeface="微软雅黑" pitchFamily="34" charset="-122"/>
+              </a:rPr>
+              <a:t>基数统计</a:t>
+            </a:r>
+          </a:p>
+        </p:txBody>
+      </p:sp>
+      <p:sp>
+        <p:nvSpPr>
+          <p:cNvPr id="10" name="TextBox 9">
+            <a:extLst>
+              <a:ext uri="{FF2B5EF4-FFF2-40B4-BE49-F238E27FC236}">
+                <a16:creationId xmlns:a16="http://schemas.microsoft.com/office/drawing/2014/main" id="{6C65DFA7-0E5F-49E5-88D4-5AD68B41A2B2}"/>
+              </a:ext>
+            </a:extLst>
+          </p:cNvPr>
+          <p:cNvSpPr txBox="1"/>
+          <p:nvPr/>
+        </p:nvSpPr>
+        <p:spPr>
+          <a:xfrm>
+            <a:off x="35496" y="908720"/>
+            <a:ext cx="9096385" cy="1200329"/>
+          </a:xfrm>
+          <a:prstGeom prst="rect">
+            <a:avLst/>
+          </a:prstGeom>
+          <a:noFill/>
+        </p:spPr>
+        <p:txBody>
+          <a:bodyPr wrap="square">
+            <a:spAutoFit/>
+          </a:bodyPr>
+          <a:lstStyle/>
+          <a:p>
+            <a:pPr>
+              <a:defRPr/>
+            </a:pPr>
+            <a:r>
+              <a:rPr lang="en-US" altLang="zh-CN" sz="3600" dirty="0">
+                <a:solidFill>
+                  <a:schemeClr val="bg1"/>
+                </a:solidFill>
+                <a:latin typeface="微软雅黑" pitchFamily="34" charset="-122"/>
+                <a:ea typeface="微软雅黑" pitchFamily="34" charset="-122"/>
+              </a:rPr>
+              <a:t>	</a:t>
+            </a:r>
+            <a:r>
+              <a:rPr lang="zh-CN" altLang="en-US" sz="3600" dirty="0">
+                <a:solidFill>
+                  <a:schemeClr val="bg1"/>
+                </a:solidFill>
+                <a:latin typeface="微软雅黑" pitchFamily="34" charset="-122"/>
+                <a:ea typeface="微软雅黑" pitchFamily="34" charset="-122"/>
+              </a:rPr>
+              <a:t>适用于数量级特别大、能容忍一定误差、不关心出现过哪些元素的。</a:t>
+            </a:r>
+            <a:endParaRPr lang="en-US" altLang="zh-CN" sz="3600" dirty="0">
+              <a:solidFill>
+                <a:schemeClr val="bg1"/>
+              </a:solidFill>
+              <a:latin typeface="微软雅黑" pitchFamily="34" charset="-122"/>
+              <a:ea typeface="微软雅黑" pitchFamily="34" charset="-122"/>
+            </a:endParaRPr>
+          </a:p>
+        </p:txBody>
+      </p:sp>
+      <p:pic>
+        <p:nvPicPr>
+          <p:cNvPr id="2" name="Picture 1">
+            <a:extLst>
+              <a:ext uri="{FF2B5EF4-FFF2-40B4-BE49-F238E27FC236}">
+                <a16:creationId xmlns:a16="http://schemas.microsoft.com/office/drawing/2014/main" id="{D102BEB2-9CBF-4FD0-A60E-AC44CD6C5C4F}"/>
+              </a:ext>
+            </a:extLst>
+          </p:cNvPr>
+          <p:cNvPicPr>
+            <a:picLocks noChangeAspect="1"/>
+          </p:cNvPicPr>
+          <p:nvPr/>
+        </p:nvPicPr>
+        <p:blipFill>
+          <a:blip r:embed="rId2"/>
+          <a:stretch>
+            <a:fillRect/>
+          </a:stretch>
+        </p:blipFill>
+        <p:spPr>
+          <a:xfrm>
+            <a:off x="947284" y="2204864"/>
+            <a:ext cx="7272808" cy="4427798"/>
+          </a:xfrm>
+          <a:prstGeom prst="rect">
+            <a:avLst/>
+          </a:prstGeom>
+        </p:spPr>
+      </p:pic>
+    </p:spTree>
+    <p:extLst>
+      <p:ext uri="{BB962C8B-B14F-4D97-AF65-F5344CB8AC3E}">
+        <p14:creationId xmlns:p14="http://schemas.microsoft.com/office/powerpoint/2010/main" val="2255986690"/>
+      </p:ext>
+    </p:extLst>
+  </p:cSld>
+  <p:clrMapOvr>
+    <a:masterClrMapping/>
+  </p:clrMapOvr>
+</p:sld>
+</file>
+
+<file path=ppt/slides/slide26.xml><?xml version="1.0" encoding="utf-8"?>
+<p:sld xmlns:a="http://schemas.openxmlformats.org/drawingml/2006/main" xmlns:r="http://schemas.openxmlformats.org/officeDocument/2006/relationships" xmlns:p="http://schemas.openxmlformats.org/presentationml/2006/main">
+  <p:cSld>
+    <p:spTree>
+      <p:nvGrpSpPr>
+        <p:cNvPr id="1" name=""/>
+        <p:cNvGrpSpPr/>
+        <p:nvPr/>
+      </p:nvGrpSpPr>
+      <p:grpSpPr>
+        <a:xfrm>
+          <a:off x="0" y="0"/>
+          <a:ext cx="0" cy="0"/>
+          <a:chOff x="0" y="0"/>
+          <a:chExt cx="0" cy="0"/>
+        </a:xfrm>
+      </p:grpSpPr>
+      <p:sp>
+        <p:nvSpPr>
+          <p:cNvPr id="5122" name="Rectangle 2">
+            <a:extLst>
+              <a:ext uri="{FF2B5EF4-FFF2-40B4-BE49-F238E27FC236}">
+                <a16:creationId xmlns:a16="http://schemas.microsoft.com/office/drawing/2014/main" id="{DA0A6638-A01B-4ADE-AF93-1C7B857D9914}"/>
+              </a:ext>
+            </a:extLst>
+          </p:cNvPr>
+          <p:cNvSpPr>
+            <a:spLocks noGrp="1" noChangeArrowheads="1"/>
+          </p:cNvSpPr>
+          <p:nvPr>
+            <p:ph type="ctrTitle"/>
+          </p:nvPr>
+        </p:nvSpPr>
+        <p:spPr>
+          <a:xfrm>
+            <a:off x="684213" y="2133600"/>
+            <a:ext cx="7847012" cy="2159000"/>
+          </a:xfrm>
+        </p:spPr>
+        <p:txBody>
+          <a:bodyPr/>
+          <a:lstStyle/>
+          <a:p>
+            <a:pPr eaLnBrk="1" hangingPunct="1"/>
+            <a:br>
+              <a:rPr lang="en-US" altLang="zh-CN" sz="8000" dirty="0">
+                <a:solidFill>
+                  <a:schemeClr val="bg1"/>
+                </a:solidFill>
+                <a:ea typeface="微软雅黑" panose="020B0503020204020204" pitchFamily="34" charset="-122"/>
+              </a:rPr>
+            </a:br>
+            <a:r>
+              <a:rPr lang="en-US" altLang="zh-CN" sz="6600" dirty="0">
+                <a:solidFill>
+                  <a:schemeClr val="bg1"/>
+                </a:solidFill>
+                <a:ea typeface="微软雅黑" panose="020B0503020204020204" pitchFamily="34" charset="-122"/>
+              </a:rPr>
+              <a:t>Q &amp; A</a:t>
+            </a:r>
+            <a:br>
+              <a:rPr lang="zh-CN" altLang="en-US" sz="7200" dirty="0">
+                <a:solidFill>
+                  <a:schemeClr val="bg1"/>
+                </a:solidFill>
+                <a:ea typeface="微软雅黑" panose="020B0503020204020204" pitchFamily="34" charset="-122"/>
+              </a:rPr>
+            </a:br>
+            <a:endParaRPr lang="zh-CN" altLang="en-US" sz="7200" dirty="0">
+              <a:solidFill>
+                <a:schemeClr val="bg1"/>
+              </a:solidFill>
+              <a:ea typeface="微软雅黑" panose="020B0503020204020204" pitchFamily="34" charset="-122"/>
+            </a:endParaRPr>
+          </a:p>
+        </p:txBody>
+      </p:sp>
+    </p:spTree>
+    <p:extLst>
+      <p:ext uri="{BB962C8B-B14F-4D97-AF65-F5344CB8AC3E}">
+        <p14:creationId xmlns:p14="http://schemas.microsoft.com/office/powerpoint/2010/main" val="1068010669"/>
       </p:ext>
     </p:extLst>
   </p:cSld>

--- a/doc/SD_EP01_Redis_Adv_Application.pptx
+++ b/doc/SD_EP01_Redis_Adv_Application.pptx
@@ -31,7 +31,15 @@
     <p:sldId id="316" r:id="rId25"/>
     <p:sldId id="315" r:id="rId26"/>
     <p:sldId id="317" r:id="rId27"/>
-    <p:sldId id="294" r:id="rId28"/>
+    <p:sldId id="318" r:id="rId28"/>
+    <p:sldId id="319" r:id="rId29"/>
+    <p:sldId id="320" r:id="rId30"/>
+    <p:sldId id="321" r:id="rId31"/>
+    <p:sldId id="322" r:id="rId32"/>
+    <p:sldId id="323" r:id="rId33"/>
+    <p:sldId id="324" r:id="rId34"/>
+    <p:sldId id="325" r:id="rId35"/>
+    <p:sldId id="294" r:id="rId36"/>
   </p:sldIdLst>
   <p:sldSz cx="9144000" cy="6858000" type="screen4x3"/>
   <p:notesSz cx="6858000" cy="9144000"/>
@@ -13165,7 +13173,7 @@
                 <a:latin typeface="微软雅黑" pitchFamily="34" charset="-122"/>
                 <a:ea typeface="微软雅黑" pitchFamily="34" charset="-122"/>
               </a:rPr>
-              <a:t>基数统计</a:t>
+              <a:t>海量数据基数统计</a:t>
             </a:r>
           </a:p>
         </p:txBody>
@@ -13185,7 +13193,7 @@
         <p:spPr>
           <a:xfrm>
             <a:off x="35496" y="908720"/>
-            <a:ext cx="9096385" cy="3046988"/>
+            <a:ext cx="9096385" cy="4339650"/>
           </a:xfrm>
           <a:prstGeom prst="rect">
             <a:avLst/>
@@ -13219,27 +13227,7 @@
                 <a:latin typeface="微软雅黑" pitchFamily="34" charset="-122"/>
                 <a:ea typeface="微软雅黑" pitchFamily="34" charset="-122"/>
               </a:rPr>
-              <a:t>想象一下如下场景：某一条，老板突然跟你提一个需求：系统中有很多页面，</a:t>
-            </a:r>
-            <a:r>
-              <a:rPr lang="zh-CN" altLang="en-US" sz="3600" dirty="0">
-                <a:solidFill>
-                  <a:srgbClr val="FFC000"/>
-                </a:solidFill>
-                <a:latin typeface="微软雅黑" pitchFamily="34" charset="-122"/>
-                <a:ea typeface="微软雅黑" pitchFamily="34" charset="-122"/>
-              </a:rPr>
-              <a:t>老板想知道每个页面每天有多少个人访问过</a:t>
-            </a:r>
-            <a:r>
-              <a:rPr lang="zh-CN" altLang="en-US" sz="3600" dirty="0">
-                <a:solidFill>
-                  <a:schemeClr val="bg1"/>
-                </a:solidFill>
-                <a:latin typeface="微软雅黑" pitchFamily="34" charset="-122"/>
-                <a:ea typeface="微软雅黑" pitchFamily="34" charset="-122"/>
-              </a:rPr>
-              <a:t>。你会怎么做？</a:t>
+              <a:t>想象一下如下场景：你在某新闻公司工作，网站每天都会新增很多新闻。</a:t>
             </a:r>
             <a:endParaRPr lang="en-US" altLang="zh-CN" sz="3600" dirty="0">
               <a:solidFill>
@@ -13264,6 +13252,58 @@
               <a:t>	</a:t>
             </a:r>
             <a:r>
+              <a:rPr lang="zh-CN" altLang="en-US" sz="3600" dirty="0">
+                <a:solidFill>
+                  <a:schemeClr val="bg1"/>
+                </a:solidFill>
+                <a:latin typeface="微软雅黑" pitchFamily="34" charset="-122"/>
+                <a:ea typeface="微软雅黑" pitchFamily="34" charset="-122"/>
+              </a:rPr>
+              <a:t>某一天，老板突然跟你提一个需求：</a:t>
+            </a:r>
+            <a:r>
+              <a:rPr lang="zh-CN" altLang="en-US" sz="3600" dirty="0">
+                <a:solidFill>
+                  <a:srgbClr val="FFC000"/>
+                </a:solidFill>
+                <a:latin typeface="微软雅黑" pitchFamily="34" charset="-122"/>
+                <a:ea typeface="微软雅黑" pitchFamily="34" charset="-122"/>
+              </a:rPr>
+              <a:t>老板想知道每个新闻页面每天有多少个人访问过</a:t>
+            </a:r>
+            <a:r>
+              <a:rPr lang="zh-CN" altLang="en-US" sz="3600" dirty="0">
+                <a:solidFill>
+                  <a:schemeClr val="bg1"/>
+                </a:solidFill>
+                <a:latin typeface="微软雅黑" pitchFamily="34" charset="-122"/>
+                <a:ea typeface="微软雅黑" pitchFamily="34" charset="-122"/>
+              </a:rPr>
+              <a:t>。你会怎么做？</a:t>
+            </a:r>
+            <a:endParaRPr lang="en-US" altLang="zh-CN" sz="3600" dirty="0">
+              <a:solidFill>
+                <a:schemeClr val="bg1"/>
+              </a:solidFill>
+              <a:latin typeface="微软雅黑" pitchFamily="34" charset="-122"/>
+              <a:ea typeface="微软雅黑" pitchFamily="34" charset="-122"/>
+            </a:endParaRPr>
+          </a:p>
+          <a:p>
+            <a:pPr>
+              <a:defRPr/>
+            </a:pPr>
+            <a:r>
+              <a:rPr lang="en-US" altLang="zh-CN" sz="3600" dirty="0">
+                <a:solidFill>
+                  <a:schemeClr val="bg1"/>
+                </a:solidFill>
+                <a:latin typeface="微软雅黑" pitchFamily="34" charset="-122"/>
+                <a:ea typeface="微软雅黑" pitchFamily="34" charset="-122"/>
+              </a:rPr>
+              <a:t>	</a:t>
+            </a:r>
+            <a:r>
               <a:rPr lang="en-US" altLang="zh-CN" sz="4800" dirty="0">
                 <a:solidFill>
                   <a:schemeClr val="bg1"/>
@@ -13272,6 +13312,31 @@
                 <a:ea typeface="微软雅黑" pitchFamily="34" charset="-122"/>
               </a:rPr>
               <a:t>UV = Unique Visitor</a:t>
+            </a:r>
+          </a:p>
+          <a:p>
+            <a:pPr>
+              <a:defRPr/>
+            </a:pPr>
+            <a:r>
+              <a:rPr lang="en-US" altLang="zh-CN" sz="4800" dirty="0">
+                <a:solidFill>
+                  <a:schemeClr val="bg1"/>
+                </a:solidFill>
+                <a:latin typeface="微软雅黑" pitchFamily="34" charset="-122"/>
+                <a:ea typeface="微软雅黑" pitchFamily="34" charset="-122"/>
+              </a:rPr>
+              <a:t>               </a:t>
+            </a:r>
+            <a:r>
+              <a:rPr lang="zh-CN" altLang="en-US" sz="4800" dirty="0">
+                <a:solidFill>
+                  <a:schemeClr val="bg1"/>
+                </a:solidFill>
+                <a:latin typeface="微软雅黑" pitchFamily="34" charset="-122"/>
+                <a:ea typeface="微软雅黑" pitchFamily="34" charset="-122"/>
+              </a:rPr>
+              <a:t>独立用户数</a:t>
             </a:r>
             <a:endParaRPr lang="en-US" altLang="zh-CN" sz="3600" dirty="0">
               <a:solidFill>
@@ -13293,97 +13358,6 @@
   <p:clrMapOvr>
     <a:masterClrMapping/>
   </p:clrMapOvr>
-  <p:timing>
-    <p:tnLst>
-      <p:par>
-        <p:cTn id="1" dur="indefinite" restart="never" nodeType="tmRoot">
-          <p:childTnLst>
-            <p:seq concurrent="1" nextAc="seek">
-              <p:cTn id="2" dur="indefinite" nodeType="mainSeq">
-                <p:childTnLst>
-                  <p:par>
-                    <p:cTn id="3" fill="hold">
-                      <p:stCondLst>
-                        <p:cond delay="indefinite"/>
-                      </p:stCondLst>
-                      <p:childTnLst>
-                        <p:par>
-                          <p:cTn id="4" fill="hold">
-                            <p:stCondLst>
-                              <p:cond delay="0"/>
-                            </p:stCondLst>
-                            <p:childTnLst>
-                              <p:par>
-                                <p:cTn id="5" presetID="10" presetClass="entr" presetSubtype="0" fill="hold" nodeType="clickEffect">
-                                  <p:stCondLst>
-                                    <p:cond delay="0"/>
-                                  </p:stCondLst>
-                                  <p:childTnLst>
-                                    <p:set>
-                                      <p:cBhvr>
-                                        <p:cTn id="6" dur="1" fill="hold">
-                                          <p:stCondLst>
-                                            <p:cond delay="0"/>
-                                          </p:stCondLst>
-                                        </p:cTn>
-                                        <p:tgtEl>
-                                          <p:spTgt spid="10">
-                                            <p:txEl>
-                                              <p:pRg st="1" end="1"/>
-                                            </p:txEl>
-                                          </p:spTgt>
-                                        </p:tgtEl>
-                                        <p:attrNameLst>
-                                          <p:attrName>style.visibility</p:attrName>
-                                        </p:attrNameLst>
-                                      </p:cBhvr>
-                                      <p:to>
-                                        <p:strVal val="visible"/>
-                                      </p:to>
-                                    </p:set>
-                                    <p:animEffect transition="in" filter="fade">
-                                      <p:cBhvr>
-                                        <p:cTn id="7" dur="500"/>
-                                        <p:tgtEl>
-                                          <p:spTgt spid="10">
-                                            <p:txEl>
-                                              <p:pRg st="1" end="1"/>
-                                            </p:txEl>
-                                          </p:spTgt>
-                                        </p:tgtEl>
-                                      </p:cBhvr>
-                                    </p:animEffect>
-                                  </p:childTnLst>
-                                </p:cTn>
-                              </p:par>
-                            </p:childTnLst>
-                          </p:cTn>
-                        </p:par>
-                      </p:childTnLst>
-                    </p:cTn>
-                  </p:par>
-                </p:childTnLst>
-              </p:cTn>
-              <p:prevCondLst>
-                <p:cond evt="onPrev" delay="0">
-                  <p:tgtEl>
-                    <p:sldTgt/>
-                  </p:tgtEl>
-                </p:cond>
-              </p:prevCondLst>
-              <p:nextCondLst>
-                <p:cond evt="onNext" delay="0">
-                  <p:tgtEl>
-                    <p:sldTgt/>
-                  </p:tgtEl>
-                </p:cond>
-              </p:nextCondLst>
-            </p:seq>
-          </p:childTnLst>
-        </p:cTn>
-      </p:par>
-    </p:tnLst>
-  </p:timing>
 </p:sld>
 </file>
 
@@ -13601,7 +13575,7 @@
                 <a:latin typeface="微软雅黑" pitchFamily="34" charset="-122"/>
                 <a:ea typeface="微软雅黑" pitchFamily="34" charset="-122"/>
               </a:rPr>
-              <a:t>– </a:t>
+              <a:t>–</a:t>
             </a:r>
             <a:r>
               <a:rPr lang="zh-CN" altLang="en-US" sz="4800" dirty="0">
@@ -13611,7 +13585,7 @@
                 <a:latin typeface="微软雅黑" pitchFamily="34" charset="-122"/>
                 <a:ea typeface="微软雅黑" pitchFamily="34" charset="-122"/>
               </a:rPr>
-              <a:t>基数统计</a:t>
+              <a:t>海量数据基数统计</a:t>
             </a:r>
           </a:p>
         </p:txBody>
@@ -13717,7 +13691,7 @@
                 <a:latin typeface="微软雅黑" pitchFamily="34" charset="-122"/>
                 <a:ea typeface="微软雅黑" pitchFamily="34" charset="-122"/>
               </a:rPr>
-              <a:t>最笨的方法是用</a:t>
+              <a:t>最容易的方法是用</a:t>
             </a:r>
             <a:r>
               <a:rPr lang="en-US" altLang="zh-CN" sz="3600" dirty="0">
@@ -14043,7 +14017,7 @@
                 <a:latin typeface="微软雅黑" pitchFamily="34" charset="-122"/>
                 <a:ea typeface="微软雅黑" pitchFamily="34" charset="-122"/>
               </a:rPr>
-              <a:t>– </a:t>
+              <a:t>–</a:t>
             </a:r>
             <a:r>
               <a:rPr lang="zh-CN" altLang="en-US" sz="4800" dirty="0">
@@ -14053,7 +14027,7 @@
                 <a:latin typeface="微软雅黑" pitchFamily="34" charset="-122"/>
                 <a:ea typeface="微软雅黑" pitchFamily="34" charset="-122"/>
               </a:rPr>
-              <a:t>基数统计</a:t>
+              <a:t>海量数据基数统计</a:t>
             </a:r>
           </a:p>
         </p:txBody>
@@ -14202,7 +14176,7 @@
                 <a:latin typeface="微软雅黑" pitchFamily="34" charset="-122"/>
                 <a:ea typeface="微软雅黑" pitchFamily="34" charset="-122"/>
               </a:rPr>
-              <a:t>误差，误差是 </a:t>
+              <a:t>误差，标准误差是 </a:t>
             </a:r>
             <a:r>
               <a:rPr lang="en-US" altLang="zh-CN" sz="3600" dirty="0">
@@ -14237,7 +14211,7 @@
               <a:defRPr/>
             </a:pPr>
             <a:r>
-              <a:rPr lang="en-US" altLang="zh-CN" sz="3600">
+              <a:rPr lang="en-US" altLang="zh-CN" sz="3600" dirty="0">
                 <a:solidFill>
                   <a:schemeClr val="bg1"/>
                 </a:solidFill>
@@ -14247,7 +14221,7 @@
               </a:rPr>
               <a:t>http://content.research.neustar.biz/blog/hll.html</a:t>
             </a:r>
-            <a:endParaRPr lang="en-US" altLang="zh-CN" sz="3600">
+            <a:endParaRPr lang="en-US" altLang="zh-CN" sz="3600" dirty="0">
               <a:solidFill>
                 <a:schemeClr val="bg1"/>
               </a:solidFill>
@@ -14496,7 +14470,7 @@
                 <a:latin typeface="微软雅黑" pitchFamily="34" charset="-122"/>
                 <a:ea typeface="微软雅黑" pitchFamily="34" charset="-122"/>
               </a:rPr>
-              <a:t>– </a:t>
+              <a:t>–</a:t>
             </a:r>
             <a:r>
               <a:rPr lang="zh-CN" altLang="en-US" sz="4800" dirty="0">
@@ -14506,7 +14480,7 @@
                 <a:latin typeface="微软雅黑" pitchFamily="34" charset="-122"/>
                 <a:ea typeface="微软雅黑" pitchFamily="34" charset="-122"/>
               </a:rPr>
-              <a:t>基数统计</a:t>
+              <a:t>海量数据基数统计</a:t>
             </a:r>
           </a:p>
         </p:txBody>
@@ -14634,61 +14608,365 @@
       </p:grpSpPr>
       <p:sp>
         <p:nvSpPr>
-          <p:cNvPr id="5122" name="Rectangle 2">
+          <p:cNvPr id="4098" name="TextBox 2">
             <a:extLst>
               <a:ext uri="{FF2B5EF4-FFF2-40B4-BE49-F238E27FC236}">
-                <a16:creationId xmlns:a16="http://schemas.microsoft.com/office/drawing/2014/main" id="{DA0A6638-A01B-4ADE-AF93-1C7B857D9914}"/>
+                <a16:creationId xmlns:a16="http://schemas.microsoft.com/office/drawing/2014/main" id="{5552ED83-0001-4E47-A09B-F49C592A8E24}"/>
               </a:ext>
             </a:extLst>
           </p:cNvPr>
-          <p:cNvSpPr>
-            <a:spLocks noGrp="1" noChangeArrowheads="1"/>
+          <p:cNvSpPr txBox="1">
+            <a:spLocks noChangeArrowheads="1"/>
           </p:cNvSpPr>
-          <p:nvPr>
-            <p:ph type="ctrTitle"/>
-          </p:nvPr>
+          <p:nvPr/>
+        </p:nvSpPr>
+        <p:spPr bwMode="auto">
+          <a:xfrm>
+            <a:off x="12118" y="84217"/>
+            <a:ext cx="8736346" cy="830997"/>
+          </a:xfrm>
+          <a:prstGeom prst="rect">
+            <a:avLst/>
+          </a:prstGeom>
+          <a:noFill/>
+          <a:ln>
+            <a:noFill/>
+          </a:ln>
+          <a:extLst>
+            <a:ext uri="{909E8E84-426E-40DD-AFC4-6F175D3DCCD1}">
+              <a14:hiddenFill xmlns:a14="http://schemas.microsoft.com/office/drawing/2010/main">
+                <a:solidFill>
+                  <a:srgbClr val="FFFFFF"/>
+                </a:solidFill>
+              </a14:hiddenFill>
+            </a:ext>
+            <a:ext uri="{91240B29-F687-4F45-9708-019B960494DF}">
+              <a14:hiddenLine xmlns:a14="http://schemas.microsoft.com/office/drawing/2010/main" w="9525">
+                <a:solidFill>
+                  <a:srgbClr val="000000"/>
+                </a:solidFill>
+                <a:miter lim="800000"/>
+                <a:headEnd/>
+                <a:tailEnd/>
+              </a14:hiddenLine>
+            </a:ext>
+          </a:extLst>
+        </p:spPr>
+        <p:txBody>
+          <a:bodyPr wrap="square">
+            <a:spAutoFit/>
+          </a:bodyPr>
+          <a:lstStyle>
+            <a:lvl1pPr eaLnBrk="0" hangingPunct="0">
+              <a:defRPr>
+                <a:solidFill>
+                  <a:schemeClr val="tx1"/>
+                </a:solidFill>
+                <a:latin typeface="Arial" panose="020B0604020202020204" pitchFamily="34" charset="0"/>
+                <a:ea typeface="宋体" panose="02010600030101010101" pitchFamily="2" charset="-122"/>
+              </a:defRPr>
+            </a:lvl1pPr>
+            <a:lvl2pPr marL="742950" indent="-285750" eaLnBrk="0" hangingPunct="0">
+              <a:defRPr>
+                <a:solidFill>
+                  <a:schemeClr val="tx1"/>
+                </a:solidFill>
+                <a:latin typeface="Arial" panose="020B0604020202020204" pitchFamily="34" charset="0"/>
+                <a:ea typeface="宋体" panose="02010600030101010101" pitchFamily="2" charset="-122"/>
+              </a:defRPr>
+            </a:lvl2pPr>
+            <a:lvl3pPr marL="1143000" indent="-228600" eaLnBrk="0" hangingPunct="0">
+              <a:defRPr>
+                <a:solidFill>
+                  <a:schemeClr val="tx1"/>
+                </a:solidFill>
+                <a:latin typeface="Arial" panose="020B0604020202020204" pitchFamily="34" charset="0"/>
+                <a:ea typeface="宋体" panose="02010600030101010101" pitchFamily="2" charset="-122"/>
+              </a:defRPr>
+            </a:lvl3pPr>
+            <a:lvl4pPr marL="1600200" indent="-228600" eaLnBrk="0" hangingPunct="0">
+              <a:defRPr>
+                <a:solidFill>
+                  <a:schemeClr val="tx1"/>
+                </a:solidFill>
+                <a:latin typeface="Arial" panose="020B0604020202020204" pitchFamily="34" charset="0"/>
+                <a:ea typeface="宋体" panose="02010600030101010101" pitchFamily="2" charset="-122"/>
+              </a:defRPr>
+            </a:lvl4pPr>
+            <a:lvl5pPr marL="2057400" indent="-228600" eaLnBrk="0" hangingPunct="0">
+              <a:defRPr>
+                <a:solidFill>
+                  <a:schemeClr val="tx1"/>
+                </a:solidFill>
+                <a:latin typeface="Arial" panose="020B0604020202020204" pitchFamily="34" charset="0"/>
+                <a:ea typeface="宋体" panose="02010600030101010101" pitchFamily="2" charset="-122"/>
+              </a:defRPr>
+            </a:lvl5pPr>
+            <a:lvl6pPr marL="2514600" indent="-228600" eaLnBrk="0" fontAlgn="base" hangingPunct="0">
+              <a:spcBef>
+                <a:spcPct val="0"/>
+              </a:spcBef>
+              <a:spcAft>
+                <a:spcPct val="0"/>
+              </a:spcAft>
+              <a:defRPr>
+                <a:solidFill>
+                  <a:schemeClr val="tx1"/>
+                </a:solidFill>
+                <a:latin typeface="Arial" panose="020B0604020202020204" pitchFamily="34" charset="0"/>
+                <a:ea typeface="宋体" panose="02010600030101010101" pitchFamily="2" charset="-122"/>
+              </a:defRPr>
+            </a:lvl6pPr>
+            <a:lvl7pPr marL="2971800" indent="-228600" eaLnBrk="0" fontAlgn="base" hangingPunct="0">
+              <a:spcBef>
+                <a:spcPct val="0"/>
+              </a:spcBef>
+              <a:spcAft>
+                <a:spcPct val="0"/>
+              </a:spcAft>
+              <a:defRPr>
+                <a:solidFill>
+                  <a:schemeClr val="tx1"/>
+                </a:solidFill>
+                <a:latin typeface="Arial" panose="020B0604020202020204" pitchFamily="34" charset="0"/>
+                <a:ea typeface="宋体" panose="02010600030101010101" pitchFamily="2" charset="-122"/>
+              </a:defRPr>
+            </a:lvl7pPr>
+            <a:lvl8pPr marL="3429000" indent="-228600" eaLnBrk="0" fontAlgn="base" hangingPunct="0">
+              <a:spcBef>
+                <a:spcPct val="0"/>
+              </a:spcBef>
+              <a:spcAft>
+                <a:spcPct val="0"/>
+              </a:spcAft>
+              <a:defRPr>
+                <a:solidFill>
+                  <a:schemeClr val="tx1"/>
+                </a:solidFill>
+                <a:latin typeface="Arial" panose="020B0604020202020204" pitchFamily="34" charset="0"/>
+                <a:ea typeface="宋体" panose="02010600030101010101" pitchFamily="2" charset="-122"/>
+              </a:defRPr>
+            </a:lvl8pPr>
+            <a:lvl9pPr marL="3886200" indent="-228600" eaLnBrk="0" fontAlgn="base" hangingPunct="0">
+              <a:spcBef>
+                <a:spcPct val="0"/>
+              </a:spcBef>
+              <a:spcAft>
+                <a:spcPct val="0"/>
+              </a:spcAft>
+              <a:defRPr>
+                <a:solidFill>
+                  <a:schemeClr val="tx1"/>
+                </a:solidFill>
+                <a:latin typeface="Arial" panose="020B0604020202020204" pitchFamily="34" charset="0"/>
+                <a:ea typeface="宋体" panose="02010600030101010101" pitchFamily="2" charset="-122"/>
+              </a:defRPr>
+            </a:lvl9pPr>
+          </a:lstStyle>
+          <a:p>
+            <a:pPr eaLnBrk="1" hangingPunct="1"/>
+            <a:r>
+              <a:rPr lang="zh-CN" altLang="en-US" sz="4800" dirty="0">
+                <a:solidFill>
+                  <a:schemeClr val="bg1"/>
+                </a:solidFill>
+                <a:latin typeface="微软雅黑" panose="020B0503020204020204" pitchFamily="34" charset="-122"/>
+                <a:ea typeface="微软雅黑" panose="020B0503020204020204" pitchFamily="34" charset="-122"/>
+              </a:rPr>
+              <a:t>高级场景</a:t>
+            </a:r>
+            <a:r>
+              <a:rPr lang="en-US" altLang="zh-CN" sz="4800" dirty="0">
+                <a:solidFill>
+                  <a:schemeClr val="bg1"/>
+                </a:solidFill>
+                <a:latin typeface="微软雅黑" panose="020B0503020204020204" pitchFamily="34" charset="-122"/>
+                <a:ea typeface="微软雅黑" panose="020B0503020204020204" pitchFamily="34" charset="-122"/>
+              </a:rPr>
+              <a:t>6</a:t>
+            </a:r>
+            <a:r>
+              <a:rPr lang="zh-CN" altLang="en-US" sz="4800" dirty="0">
+                <a:solidFill>
+                  <a:schemeClr val="bg1"/>
+                </a:solidFill>
+                <a:latin typeface="微软雅黑" panose="020B0503020204020204" pitchFamily="34" charset="-122"/>
+                <a:ea typeface="微软雅黑" panose="020B0503020204020204" pitchFamily="34" charset="-122"/>
+              </a:rPr>
+              <a:t> </a:t>
+            </a:r>
+            <a:r>
+              <a:rPr lang="en-US" altLang="zh-CN" sz="4800" dirty="0">
+                <a:solidFill>
+                  <a:schemeClr val="bg1"/>
+                </a:solidFill>
+                <a:latin typeface="微软雅黑" pitchFamily="34" charset="-122"/>
+                <a:ea typeface="微软雅黑" pitchFamily="34" charset="-122"/>
+              </a:rPr>
+              <a:t>–</a:t>
+            </a:r>
+            <a:r>
+              <a:rPr lang="zh-CN" altLang="en-US" sz="4800" dirty="0">
+                <a:solidFill>
+                  <a:schemeClr val="bg1"/>
+                </a:solidFill>
+                <a:latin typeface="微软雅黑" pitchFamily="34" charset="-122"/>
+                <a:ea typeface="微软雅黑" pitchFamily="34" charset="-122"/>
+              </a:rPr>
+              <a:t>海量数据去重</a:t>
+            </a:r>
+          </a:p>
+        </p:txBody>
+      </p:sp>
+      <p:sp>
+        <p:nvSpPr>
+          <p:cNvPr id="10" name="TextBox 9">
+            <a:extLst>
+              <a:ext uri="{FF2B5EF4-FFF2-40B4-BE49-F238E27FC236}">
+                <a16:creationId xmlns:a16="http://schemas.microsoft.com/office/drawing/2014/main" id="{6C65DFA7-0E5F-49E5-88D4-5AD68B41A2B2}"/>
+              </a:ext>
+            </a:extLst>
+          </p:cNvPr>
+          <p:cNvSpPr txBox="1"/>
+          <p:nvPr/>
         </p:nvSpPr>
         <p:spPr>
           <a:xfrm>
-            <a:off x="684213" y="2133600"/>
-            <a:ext cx="7847012" cy="2159000"/>
+            <a:off x="35496" y="908720"/>
+            <a:ext cx="9096385" cy="2862322"/>
           </a:xfrm>
+          <a:prstGeom prst="rect">
+            <a:avLst/>
+          </a:prstGeom>
+          <a:noFill/>
         </p:spPr>
         <p:txBody>
-          <a:bodyPr/>
+          <a:bodyPr wrap="square">
+            <a:spAutoFit/>
+          </a:bodyPr>
           <a:lstStyle/>
           <a:p>
-            <a:pPr eaLnBrk="1" hangingPunct="1"/>
-            <a:br>
-              <a:rPr lang="en-US" altLang="zh-CN" sz="8000" dirty="0">
-                <a:solidFill>
-                  <a:schemeClr val="bg1"/>
-                </a:solidFill>
-                <a:ea typeface="微软雅黑" panose="020B0503020204020204" pitchFamily="34" charset="-122"/>
-              </a:rPr>
-            </a:br>
-            <a:r>
-              <a:rPr lang="en-US" altLang="zh-CN" sz="6600" dirty="0">
-                <a:solidFill>
-                  <a:schemeClr val="bg1"/>
-                </a:solidFill>
-                <a:ea typeface="微软雅黑" panose="020B0503020204020204" pitchFamily="34" charset="-122"/>
-              </a:rPr>
-              <a:t>Q &amp; A</a:t>
-            </a:r>
-            <a:br>
-              <a:rPr lang="zh-CN" altLang="en-US" sz="7200" dirty="0">
-                <a:solidFill>
-                  <a:schemeClr val="bg1"/>
-                </a:solidFill>
-                <a:ea typeface="微软雅黑" panose="020B0503020204020204" pitchFamily="34" charset="-122"/>
-              </a:rPr>
-            </a:br>
-            <a:endParaRPr lang="zh-CN" altLang="en-US" sz="7200" dirty="0">
+            <a:pPr>
+              <a:defRPr/>
+            </a:pPr>
+            <a:r>
+              <a:rPr lang="en-US" altLang="zh-CN" sz="3600" dirty="0">
+                <a:solidFill>
+                  <a:schemeClr val="bg1"/>
+                </a:solidFill>
+                <a:latin typeface="微软雅黑" pitchFamily="34" charset="-122"/>
+                <a:ea typeface="微软雅黑" pitchFamily="34" charset="-122"/>
+              </a:rPr>
+              <a:t>	</a:t>
+            </a:r>
+            <a:r>
+              <a:rPr lang="zh-CN" altLang="en-US" sz="3600" dirty="0">
+                <a:solidFill>
+                  <a:schemeClr val="bg1"/>
+                </a:solidFill>
+                <a:latin typeface="微软雅黑" pitchFamily="34" charset="-122"/>
+                <a:ea typeface="微软雅黑" pitchFamily="34" charset="-122"/>
+              </a:rPr>
+              <a:t>想象一下如下场景：你在某新闻公司工作，网站每天都会新增很多新闻。</a:t>
+            </a:r>
+            <a:endParaRPr lang="en-US" altLang="zh-CN" sz="3600" dirty="0">
               <a:solidFill>
                 <a:schemeClr val="bg1"/>
               </a:solidFill>
-              <a:ea typeface="微软雅黑" panose="020B0503020204020204" pitchFamily="34" charset="-122"/>
+              <a:latin typeface="微软雅黑" pitchFamily="34" charset="-122"/>
+              <a:ea typeface="微软雅黑" pitchFamily="34" charset="-122"/>
+            </a:endParaRPr>
+          </a:p>
+          <a:p>
+            <a:pPr>
+              <a:defRPr/>
+            </a:pPr>
+            <a:r>
+              <a:rPr lang="en-US" altLang="zh-CN" sz="3600" dirty="0">
+                <a:solidFill>
+                  <a:schemeClr val="bg1"/>
+                </a:solidFill>
+                <a:latin typeface="微软雅黑" pitchFamily="34" charset="-122"/>
+                <a:ea typeface="微软雅黑" pitchFamily="34" charset="-122"/>
+              </a:rPr>
+              <a:t>	</a:t>
+            </a:r>
+            <a:r>
+              <a:rPr lang="zh-CN" altLang="en-US" sz="3600" dirty="0">
+                <a:solidFill>
+                  <a:schemeClr val="bg1"/>
+                </a:solidFill>
+                <a:latin typeface="微软雅黑" pitchFamily="34" charset="-122"/>
+                <a:ea typeface="微软雅黑" pitchFamily="34" charset="-122"/>
+              </a:rPr>
+              <a:t>某一天，老板突然跟你提一个需求：</a:t>
+            </a:r>
+            <a:r>
+              <a:rPr lang="zh-CN" altLang="en-US" sz="3600" dirty="0">
+                <a:solidFill>
+                  <a:srgbClr val="FFC000"/>
+                </a:solidFill>
+                <a:latin typeface="微软雅黑" pitchFamily="34" charset="-122"/>
+                <a:ea typeface="微软雅黑" pitchFamily="34" charset="-122"/>
+              </a:rPr>
+              <a:t>每次用户刷新</a:t>
+            </a:r>
+            <a:r>
+              <a:rPr lang="en-US" altLang="zh-CN" sz="3600" dirty="0">
+                <a:solidFill>
+                  <a:srgbClr val="FFC000"/>
+                </a:solidFill>
+                <a:latin typeface="微软雅黑" pitchFamily="34" charset="-122"/>
+                <a:ea typeface="微软雅黑" pitchFamily="34" charset="-122"/>
+              </a:rPr>
+              <a:t>APP</a:t>
+            </a:r>
+            <a:r>
+              <a:rPr lang="zh-CN" altLang="en-US" sz="3600" dirty="0">
+                <a:solidFill>
+                  <a:srgbClr val="FFC000"/>
+                </a:solidFill>
+                <a:latin typeface="微软雅黑" pitchFamily="34" charset="-122"/>
+                <a:ea typeface="微软雅黑" pitchFamily="34" charset="-122"/>
+              </a:rPr>
+              <a:t>时，系统都会推送这个用户</a:t>
+            </a:r>
+            <a:r>
+              <a:rPr lang="zh-CN" altLang="en-US" sz="3600" u="sng" dirty="0">
+                <a:solidFill>
+                  <a:srgbClr val="FFC000"/>
+                </a:solidFill>
+                <a:latin typeface="微软雅黑" pitchFamily="34" charset="-122"/>
+                <a:ea typeface="微软雅黑" pitchFamily="34" charset="-122"/>
+              </a:rPr>
+              <a:t>没看过</a:t>
+            </a:r>
+            <a:r>
+              <a:rPr lang="zh-CN" altLang="en-US" sz="3600" dirty="0">
+                <a:solidFill>
+                  <a:srgbClr val="FFC000"/>
+                </a:solidFill>
+                <a:latin typeface="微软雅黑" pitchFamily="34" charset="-122"/>
+                <a:ea typeface="微软雅黑" pitchFamily="34" charset="-122"/>
+              </a:rPr>
+              <a:t>的新闻。</a:t>
+            </a:r>
+            <a:r>
+              <a:rPr lang="zh-CN" altLang="en-US" sz="3600" dirty="0">
+                <a:solidFill>
+                  <a:schemeClr val="bg1"/>
+                </a:solidFill>
+                <a:latin typeface="微软雅黑" pitchFamily="34" charset="-122"/>
+                <a:ea typeface="微软雅黑" pitchFamily="34" charset="-122"/>
+              </a:rPr>
+              <a:t>你会怎么做？</a:t>
+            </a:r>
+            <a:endParaRPr lang="en-US" altLang="zh-CN" sz="3600" dirty="0">
+              <a:solidFill>
+                <a:schemeClr val="bg1"/>
+              </a:solidFill>
+              <a:latin typeface="微软雅黑" pitchFamily="34" charset="-122"/>
+              <a:ea typeface="微软雅黑" pitchFamily="34" charset="-122"/>
             </a:endParaRPr>
           </a:p>
         </p:txBody>
@@ -14696,7 +14974,1459 @@
     </p:spTree>
     <p:extLst>
       <p:ext uri="{BB962C8B-B14F-4D97-AF65-F5344CB8AC3E}">
-        <p14:creationId xmlns:p14="http://schemas.microsoft.com/office/powerpoint/2010/main" val="1068010669"/>
+        <p14:creationId xmlns:p14="http://schemas.microsoft.com/office/powerpoint/2010/main" val="3417862476"/>
+      </p:ext>
+    </p:extLst>
+  </p:cSld>
+  <p:clrMapOvr>
+    <a:masterClrMapping/>
+  </p:clrMapOvr>
+</p:sld>
+</file>
+
+<file path=ppt/slides/slide27.xml><?xml version="1.0" encoding="utf-8"?>
+<p:sld xmlns:a="http://schemas.openxmlformats.org/drawingml/2006/main" xmlns:r="http://schemas.openxmlformats.org/officeDocument/2006/relationships" xmlns:p="http://schemas.openxmlformats.org/presentationml/2006/main">
+  <p:cSld>
+    <p:spTree>
+      <p:nvGrpSpPr>
+        <p:cNvPr id="1" name=""/>
+        <p:cNvGrpSpPr/>
+        <p:nvPr/>
+      </p:nvGrpSpPr>
+      <p:grpSpPr>
+        <a:xfrm>
+          <a:off x="0" y="0"/>
+          <a:ext cx="0" cy="0"/>
+          <a:chOff x="0" y="0"/>
+          <a:chExt cx="0" cy="0"/>
+        </a:xfrm>
+      </p:grpSpPr>
+      <p:sp>
+        <p:nvSpPr>
+          <p:cNvPr id="4098" name="TextBox 2">
+            <a:extLst>
+              <a:ext uri="{FF2B5EF4-FFF2-40B4-BE49-F238E27FC236}">
+                <a16:creationId xmlns:a16="http://schemas.microsoft.com/office/drawing/2014/main" id="{5552ED83-0001-4E47-A09B-F49C592A8E24}"/>
+              </a:ext>
+            </a:extLst>
+          </p:cNvPr>
+          <p:cNvSpPr txBox="1">
+            <a:spLocks noChangeArrowheads="1"/>
+          </p:cNvSpPr>
+          <p:nvPr/>
+        </p:nvSpPr>
+        <p:spPr bwMode="auto">
+          <a:xfrm>
+            <a:off x="12118" y="84217"/>
+            <a:ext cx="8736346" cy="830997"/>
+          </a:xfrm>
+          <a:prstGeom prst="rect">
+            <a:avLst/>
+          </a:prstGeom>
+          <a:noFill/>
+          <a:ln>
+            <a:noFill/>
+          </a:ln>
+          <a:extLst>
+            <a:ext uri="{909E8E84-426E-40DD-AFC4-6F175D3DCCD1}">
+              <a14:hiddenFill xmlns:a14="http://schemas.microsoft.com/office/drawing/2010/main">
+                <a:solidFill>
+                  <a:srgbClr val="FFFFFF"/>
+                </a:solidFill>
+              </a14:hiddenFill>
+            </a:ext>
+            <a:ext uri="{91240B29-F687-4F45-9708-019B960494DF}">
+              <a14:hiddenLine xmlns:a14="http://schemas.microsoft.com/office/drawing/2010/main" w="9525">
+                <a:solidFill>
+                  <a:srgbClr val="000000"/>
+                </a:solidFill>
+                <a:miter lim="800000"/>
+                <a:headEnd/>
+                <a:tailEnd/>
+              </a14:hiddenLine>
+            </a:ext>
+          </a:extLst>
+        </p:spPr>
+        <p:txBody>
+          <a:bodyPr wrap="square">
+            <a:spAutoFit/>
+          </a:bodyPr>
+          <a:lstStyle>
+            <a:lvl1pPr eaLnBrk="0" hangingPunct="0">
+              <a:defRPr>
+                <a:solidFill>
+                  <a:schemeClr val="tx1"/>
+                </a:solidFill>
+                <a:latin typeface="Arial" panose="020B0604020202020204" pitchFamily="34" charset="0"/>
+                <a:ea typeface="宋体" panose="02010600030101010101" pitchFamily="2" charset="-122"/>
+              </a:defRPr>
+            </a:lvl1pPr>
+            <a:lvl2pPr marL="742950" indent="-285750" eaLnBrk="0" hangingPunct="0">
+              <a:defRPr>
+                <a:solidFill>
+                  <a:schemeClr val="tx1"/>
+                </a:solidFill>
+                <a:latin typeface="Arial" panose="020B0604020202020204" pitchFamily="34" charset="0"/>
+                <a:ea typeface="宋体" panose="02010600030101010101" pitchFamily="2" charset="-122"/>
+              </a:defRPr>
+            </a:lvl2pPr>
+            <a:lvl3pPr marL="1143000" indent="-228600" eaLnBrk="0" hangingPunct="0">
+              <a:defRPr>
+                <a:solidFill>
+                  <a:schemeClr val="tx1"/>
+                </a:solidFill>
+                <a:latin typeface="Arial" panose="020B0604020202020204" pitchFamily="34" charset="0"/>
+                <a:ea typeface="宋体" panose="02010600030101010101" pitchFamily="2" charset="-122"/>
+              </a:defRPr>
+            </a:lvl3pPr>
+            <a:lvl4pPr marL="1600200" indent="-228600" eaLnBrk="0" hangingPunct="0">
+              <a:defRPr>
+                <a:solidFill>
+                  <a:schemeClr val="tx1"/>
+                </a:solidFill>
+                <a:latin typeface="Arial" panose="020B0604020202020204" pitchFamily="34" charset="0"/>
+                <a:ea typeface="宋体" panose="02010600030101010101" pitchFamily="2" charset="-122"/>
+              </a:defRPr>
+            </a:lvl4pPr>
+            <a:lvl5pPr marL="2057400" indent="-228600" eaLnBrk="0" hangingPunct="0">
+              <a:defRPr>
+                <a:solidFill>
+                  <a:schemeClr val="tx1"/>
+                </a:solidFill>
+                <a:latin typeface="Arial" panose="020B0604020202020204" pitchFamily="34" charset="0"/>
+                <a:ea typeface="宋体" panose="02010600030101010101" pitchFamily="2" charset="-122"/>
+              </a:defRPr>
+            </a:lvl5pPr>
+            <a:lvl6pPr marL="2514600" indent="-228600" eaLnBrk="0" fontAlgn="base" hangingPunct="0">
+              <a:spcBef>
+                <a:spcPct val="0"/>
+              </a:spcBef>
+              <a:spcAft>
+                <a:spcPct val="0"/>
+              </a:spcAft>
+              <a:defRPr>
+                <a:solidFill>
+                  <a:schemeClr val="tx1"/>
+                </a:solidFill>
+                <a:latin typeface="Arial" panose="020B0604020202020204" pitchFamily="34" charset="0"/>
+                <a:ea typeface="宋体" panose="02010600030101010101" pitchFamily="2" charset="-122"/>
+              </a:defRPr>
+            </a:lvl6pPr>
+            <a:lvl7pPr marL="2971800" indent="-228600" eaLnBrk="0" fontAlgn="base" hangingPunct="0">
+              <a:spcBef>
+                <a:spcPct val="0"/>
+              </a:spcBef>
+              <a:spcAft>
+                <a:spcPct val="0"/>
+              </a:spcAft>
+              <a:defRPr>
+                <a:solidFill>
+                  <a:schemeClr val="tx1"/>
+                </a:solidFill>
+                <a:latin typeface="Arial" panose="020B0604020202020204" pitchFamily="34" charset="0"/>
+                <a:ea typeface="宋体" panose="02010600030101010101" pitchFamily="2" charset="-122"/>
+              </a:defRPr>
+            </a:lvl7pPr>
+            <a:lvl8pPr marL="3429000" indent="-228600" eaLnBrk="0" fontAlgn="base" hangingPunct="0">
+              <a:spcBef>
+                <a:spcPct val="0"/>
+              </a:spcBef>
+              <a:spcAft>
+                <a:spcPct val="0"/>
+              </a:spcAft>
+              <a:defRPr>
+                <a:solidFill>
+                  <a:schemeClr val="tx1"/>
+                </a:solidFill>
+                <a:latin typeface="Arial" panose="020B0604020202020204" pitchFamily="34" charset="0"/>
+                <a:ea typeface="宋体" panose="02010600030101010101" pitchFamily="2" charset="-122"/>
+              </a:defRPr>
+            </a:lvl8pPr>
+            <a:lvl9pPr marL="3886200" indent="-228600" eaLnBrk="0" fontAlgn="base" hangingPunct="0">
+              <a:spcBef>
+                <a:spcPct val="0"/>
+              </a:spcBef>
+              <a:spcAft>
+                <a:spcPct val="0"/>
+              </a:spcAft>
+              <a:defRPr>
+                <a:solidFill>
+                  <a:schemeClr val="tx1"/>
+                </a:solidFill>
+                <a:latin typeface="Arial" panose="020B0604020202020204" pitchFamily="34" charset="0"/>
+                <a:ea typeface="宋体" panose="02010600030101010101" pitchFamily="2" charset="-122"/>
+              </a:defRPr>
+            </a:lvl9pPr>
+          </a:lstStyle>
+          <a:p>
+            <a:pPr eaLnBrk="1" hangingPunct="1"/>
+            <a:r>
+              <a:rPr lang="zh-CN" altLang="en-US" sz="4800" dirty="0">
+                <a:solidFill>
+                  <a:schemeClr val="bg1"/>
+                </a:solidFill>
+                <a:latin typeface="微软雅黑" panose="020B0503020204020204" pitchFamily="34" charset="-122"/>
+                <a:ea typeface="微软雅黑" panose="020B0503020204020204" pitchFamily="34" charset="-122"/>
+              </a:rPr>
+              <a:t>高级场景</a:t>
+            </a:r>
+            <a:r>
+              <a:rPr lang="en-US" altLang="zh-CN" sz="4800" dirty="0">
+                <a:solidFill>
+                  <a:schemeClr val="bg1"/>
+                </a:solidFill>
+                <a:latin typeface="微软雅黑" panose="020B0503020204020204" pitchFamily="34" charset="-122"/>
+                <a:ea typeface="微软雅黑" panose="020B0503020204020204" pitchFamily="34" charset="-122"/>
+              </a:rPr>
+              <a:t>6</a:t>
+            </a:r>
+            <a:r>
+              <a:rPr lang="zh-CN" altLang="en-US" sz="4800" dirty="0">
+                <a:solidFill>
+                  <a:schemeClr val="bg1"/>
+                </a:solidFill>
+                <a:latin typeface="微软雅黑" panose="020B0503020204020204" pitchFamily="34" charset="-122"/>
+                <a:ea typeface="微软雅黑" panose="020B0503020204020204" pitchFamily="34" charset="-122"/>
+              </a:rPr>
+              <a:t> </a:t>
+            </a:r>
+            <a:r>
+              <a:rPr lang="en-US" altLang="zh-CN" sz="4800" dirty="0">
+                <a:solidFill>
+                  <a:schemeClr val="bg1"/>
+                </a:solidFill>
+                <a:latin typeface="微软雅黑" pitchFamily="34" charset="-122"/>
+                <a:ea typeface="微软雅黑" pitchFamily="34" charset="-122"/>
+              </a:rPr>
+              <a:t>–</a:t>
+            </a:r>
+            <a:r>
+              <a:rPr lang="zh-CN" altLang="en-US" sz="4800" dirty="0">
+                <a:solidFill>
+                  <a:schemeClr val="bg1"/>
+                </a:solidFill>
+                <a:latin typeface="微软雅黑" pitchFamily="34" charset="-122"/>
+                <a:ea typeface="微软雅黑" pitchFamily="34" charset="-122"/>
+              </a:rPr>
+              <a:t>海量数据去重</a:t>
+            </a:r>
+          </a:p>
+        </p:txBody>
+      </p:sp>
+      <p:sp>
+        <p:nvSpPr>
+          <p:cNvPr id="10" name="TextBox 9">
+            <a:extLst>
+              <a:ext uri="{FF2B5EF4-FFF2-40B4-BE49-F238E27FC236}">
+                <a16:creationId xmlns:a16="http://schemas.microsoft.com/office/drawing/2014/main" id="{6C65DFA7-0E5F-49E5-88D4-5AD68B41A2B2}"/>
+              </a:ext>
+            </a:extLst>
+          </p:cNvPr>
+          <p:cNvSpPr txBox="1"/>
+          <p:nvPr/>
+        </p:nvSpPr>
+        <p:spPr>
+          <a:xfrm>
+            <a:off x="35496" y="908720"/>
+            <a:ext cx="9096385" cy="1200329"/>
+          </a:xfrm>
+          <a:prstGeom prst="rect">
+            <a:avLst/>
+          </a:prstGeom>
+          <a:noFill/>
+        </p:spPr>
+        <p:txBody>
+          <a:bodyPr wrap="square">
+            <a:spAutoFit/>
+          </a:bodyPr>
+          <a:lstStyle/>
+          <a:p>
+            <a:pPr>
+              <a:defRPr/>
+            </a:pPr>
+            <a:r>
+              <a:rPr lang="en-US" altLang="zh-CN" sz="3600" dirty="0">
+                <a:solidFill>
+                  <a:schemeClr val="bg1"/>
+                </a:solidFill>
+                <a:latin typeface="微软雅黑" pitchFamily="34" charset="-122"/>
+                <a:ea typeface="微软雅黑" pitchFamily="34" charset="-122"/>
+              </a:rPr>
+              <a:t>	Bloom Filter</a:t>
+            </a:r>
+            <a:r>
+              <a:rPr lang="zh-CN" altLang="en-US" sz="3600" dirty="0">
+                <a:solidFill>
+                  <a:schemeClr val="bg1"/>
+                </a:solidFill>
+                <a:latin typeface="微软雅黑" pitchFamily="34" charset="-122"/>
+                <a:ea typeface="微软雅黑" pitchFamily="34" charset="-122"/>
+              </a:rPr>
+              <a:t>：牺牲一定的准确性换取空间上的极小占用。</a:t>
+            </a:r>
+            <a:endParaRPr lang="en-US" altLang="zh-CN" sz="3600" dirty="0">
+              <a:solidFill>
+                <a:schemeClr val="bg1"/>
+              </a:solidFill>
+              <a:latin typeface="微软雅黑" pitchFamily="34" charset="-122"/>
+              <a:ea typeface="微软雅黑" pitchFamily="34" charset="-122"/>
+            </a:endParaRPr>
+          </a:p>
+        </p:txBody>
+      </p:sp>
+      <p:pic>
+        <p:nvPicPr>
+          <p:cNvPr id="2" name="Picture 1">
+            <a:extLst>
+              <a:ext uri="{FF2B5EF4-FFF2-40B4-BE49-F238E27FC236}">
+                <a16:creationId xmlns:a16="http://schemas.microsoft.com/office/drawing/2014/main" id="{4BB367DD-CFE8-4E12-80EB-89A116189205}"/>
+              </a:ext>
+            </a:extLst>
+          </p:cNvPr>
+          <p:cNvPicPr>
+            <a:picLocks noChangeAspect="1"/>
+          </p:cNvPicPr>
+          <p:nvPr/>
+        </p:nvPicPr>
+        <p:blipFill>
+          <a:blip r:embed="rId2"/>
+          <a:stretch>
+            <a:fillRect/>
+          </a:stretch>
+        </p:blipFill>
+        <p:spPr>
+          <a:xfrm>
+            <a:off x="131614" y="2444695"/>
+            <a:ext cx="8880772" cy="2736304"/>
+          </a:xfrm>
+          <a:prstGeom prst="rect">
+            <a:avLst/>
+          </a:prstGeom>
+        </p:spPr>
+      </p:pic>
+      <p:sp>
+        <p:nvSpPr>
+          <p:cNvPr id="5" name="TextBox 4">
+            <a:extLst>
+              <a:ext uri="{FF2B5EF4-FFF2-40B4-BE49-F238E27FC236}">
+                <a16:creationId xmlns:a16="http://schemas.microsoft.com/office/drawing/2014/main" id="{C36DC130-1424-4769-8EA2-DCB4C6240698}"/>
+              </a:ext>
+            </a:extLst>
+          </p:cNvPr>
+          <p:cNvSpPr txBox="1"/>
+          <p:nvPr/>
+        </p:nvSpPr>
+        <p:spPr>
+          <a:xfrm>
+            <a:off x="1619672" y="5302949"/>
+            <a:ext cx="495672" cy="646331"/>
+          </a:xfrm>
+          <a:prstGeom prst="rect">
+            <a:avLst/>
+          </a:prstGeom>
+          <a:noFill/>
+        </p:spPr>
+        <p:txBody>
+          <a:bodyPr wrap="square">
+            <a:spAutoFit/>
+          </a:bodyPr>
+          <a:lstStyle/>
+          <a:p>
+            <a:pPr>
+              <a:defRPr/>
+            </a:pPr>
+            <a:r>
+              <a:rPr lang="en-US" altLang="zh-CN" sz="3600" dirty="0">
+                <a:solidFill>
+                  <a:schemeClr val="bg1"/>
+                </a:solidFill>
+                <a:latin typeface="微软雅黑" pitchFamily="34" charset="-122"/>
+                <a:ea typeface="微软雅黑" pitchFamily="34" charset="-122"/>
+              </a:rPr>
+              <a:t>1</a:t>
+            </a:r>
+          </a:p>
+        </p:txBody>
+      </p:sp>
+      <p:sp>
+        <p:nvSpPr>
+          <p:cNvPr id="6" name="TextBox 5">
+            <a:extLst>
+              <a:ext uri="{FF2B5EF4-FFF2-40B4-BE49-F238E27FC236}">
+                <a16:creationId xmlns:a16="http://schemas.microsoft.com/office/drawing/2014/main" id="{A594E88C-C317-44A2-90EE-27D98B97ABED}"/>
+              </a:ext>
+            </a:extLst>
+          </p:cNvPr>
+          <p:cNvSpPr txBox="1"/>
+          <p:nvPr/>
+        </p:nvSpPr>
+        <p:spPr>
+          <a:xfrm>
+            <a:off x="3419872" y="5302949"/>
+            <a:ext cx="495672" cy="646331"/>
+          </a:xfrm>
+          <a:prstGeom prst="rect">
+            <a:avLst/>
+          </a:prstGeom>
+          <a:noFill/>
+        </p:spPr>
+        <p:txBody>
+          <a:bodyPr wrap="square">
+            <a:spAutoFit/>
+          </a:bodyPr>
+          <a:lstStyle/>
+          <a:p>
+            <a:pPr>
+              <a:defRPr/>
+            </a:pPr>
+            <a:r>
+              <a:rPr lang="en-US" altLang="zh-CN" sz="3600" dirty="0">
+                <a:solidFill>
+                  <a:schemeClr val="bg1"/>
+                </a:solidFill>
+                <a:latin typeface="微软雅黑" pitchFamily="34" charset="-122"/>
+                <a:ea typeface="微软雅黑" pitchFamily="34" charset="-122"/>
+              </a:rPr>
+              <a:t>2</a:t>
+            </a:r>
+          </a:p>
+        </p:txBody>
+      </p:sp>
+      <p:sp>
+        <p:nvSpPr>
+          <p:cNvPr id="7" name="TextBox 6">
+            <a:extLst>
+              <a:ext uri="{FF2B5EF4-FFF2-40B4-BE49-F238E27FC236}">
+                <a16:creationId xmlns:a16="http://schemas.microsoft.com/office/drawing/2014/main" id="{1087BC0D-195C-46B9-B5E5-8DC753D58BE5}"/>
+              </a:ext>
+            </a:extLst>
+          </p:cNvPr>
+          <p:cNvSpPr txBox="1"/>
+          <p:nvPr/>
+        </p:nvSpPr>
+        <p:spPr>
+          <a:xfrm>
+            <a:off x="5292080" y="5302949"/>
+            <a:ext cx="495672" cy="646331"/>
+          </a:xfrm>
+          <a:prstGeom prst="rect">
+            <a:avLst/>
+          </a:prstGeom>
+          <a:noFill/>
+        </p:spPr>
+        <p:txBody>
+          <a:bodyPr wrap="square">
+            <a:spAutoFit/>
+          </a:bodyPr>
+          <a:lstStyle/>
+          <a:p>
+            <a:pPr>
+              <a:defRPr/>
+            </a:pPr>
+            <a:r>
+              <a:rPr lang="en-US" altLang="zh-CN" sz="3600" dirty="0">
+                <a:solidFill>
+                  <a:schemeClr val="bg1"/>
+                </a:solidFill>
+                <a:latin typeface="微软雅黑" pitchFamily="34" charset="-122"/>
+                <a:ea typeface="微软雅黑" pitchFamily="34" charset="-122"/>
+              </a:rPr>
+              <a:t>3</a:t>
+            </a:r>
+          </a:p>
+        </p:txBody>
+      </p:sp>
+      <p:sp>
+        <p:nvSpPr>
+          <p:cNvPr id="8" name="TextBox 7">
+            <a:extLst>
+              <a:ext uri="{FF2B5EF4-FFF2-40B4-BE49-F238E27FC236}">
+                <a16:creationId xmlns:a16="http://schemas.microsoft.com/office/drawing/2014/main" id="{9C18F103-FE0D-4611-8D21-1D959918BA22}"/>
+              </a:ext>
+            </a:extLst>
+          </p:cNvPr>
+          <p:cNvSpPr txBox="1"/>
+          <p:nvPr/>
+        </p:nvSpPr>
+        <p:spPr>
+          <a:xfrm>
+            <a:off x="6228184" y="5315561"/>
+            <a:ext cx="495672" cy="646331"/>
+          </a:xfrm>
+          <a:prstGeom prst="rect">
+            <a:avLst/>
+          </a:prstGeom>
+          <a:noFill/>
+        </p:spPr>
+        <p:txBody>
+          <a:bodyPr wrap="square">
+            <a:spAutoFit/>
+          </a:bodyPr>
+          <a:lstStyle/>
+          <a:p>
+            <a:pPr>
+              <a:defRPr/>
+            </a:pPr>
+            <a:r>
+              <a:rPr lang="en-US" altLang="zh-CN" sz="3600" dirty="0">
+                <a:solidFill>
+                  <a:schemeClr val="bg1"/>
+                </a:solidFill>
+                <a:latin typeface="微软雅黑" pitchFamily="34" charset="-122"/>
+                <a:ea typeface="微软雅黑" pitchFamily="34" charset="-122"/>
+              </a:rPr>
+              <a:t>4</a:t>
+            </a:r>
+          </a:p>
+        </p:txBody>
+      </p:sp>
+      <p:sp>
+        <p:nvSpPr>
+          <p:cNvPr id="9" name="TextBox 8">
+            <a:extLst>
+              <a:ext uri="{FF2B5EF4-FFF2-40B4-BE49-F238E27FC236}">
+                <a16:creationId xmlns:a16="http://schemas.microsoft.com/office/drawing/2014/main" id="{F244FCC3-9E97-4CFA-9587-62D67281D072}"/>
+              </a:ext>
+            </a:extLst>
+          </p:cNvPr>
+          <p:cNvSpPr txBox="1"/>
+          <p:nvPr/>
+        </p:nvSpPr>
+        <p:spPr>
+          <a:xfrm>
+            <a:off x="8004256" y="5302948"/>
+            <a:ext cx="495672" cy="646331"/>
+          </a:xfrm>
+          <a:prstGeom prst="rect">
+            <a:avLst/>
+          </a:prstGeom>
+          <a:noFill/>
+        </p:spPr>
+        <p:txBody>
+          <a:bodyPr wrap="square">
+            <a:spAutoFit/>
+          </a:bodyPr>
+          <a:lstStyle/>
+          <a:p>
+            <a:pPr>
+              <a:defRPr/>
+            </a:pPr>
+            <a:r>
+              <a:rPr lang="en-US" altLang="zh-CN" sz="3600" dirty="0">
+                <a:solidFill>
+                  <a:schemeClr val="bg1"/>
+                </a:solidFill>
+                <a:latin typeface="微软雅黑" pitchFamily="34" charset="-122"/>
+                <a:ea typeface="微软雅黑" pitchFamily="34" charset="-122"/>
+              </a:rPr>
+              <a:t>5</a:t>
+            </a:r>
+          </a:p>
+        </p:txBody>
+      </p:sp>
+    </p:spTree>
+    <p:extLst>
+      <p:ext uri="{BB962C8B-B14F-4D97-AF65-F5344CB8AC3E}">
+        <p14:creationId xmlns:p14="http://schemas.microsoft.com/office/powerpoint/2010/main" val="529320654"/>
+      </p:ext>
+    </p:extLst>
+  </p:cSld>
+  <p:clrMapOvr>
+    <a:masterClrMapping/>
+  </p:clrMapOvr>
+</p:sld>
+</file>
+
+<file path=ppt/slides/slide28.xml><?xml version="1.0" encoding="utf-8"?>
+<p:sld xmlns:a="http://schemas.openxmlformats.org/drawingml/2006/main" xmlns:r="http://schemas.openxmlformats.org/officeDocument/2006/relationships" xmlns:p="http://schemas.openxmlformats.org/presentationml/2006/main">
+  <p:cSld>
+    <p:spTree>
+      <p:nvGrpSpPr>
+        <p:cNvPr id="1" name=""/>
+        <p:cNvGrpSpPr/>
+        <p:nvPr/>
+      </p:nvGrpSpPr>
+      <p:grpSpPr>
+        <a:xfrm>
+          <a:off x="0" y="0"/>
+          <a:ext cx="0" cy="0"/>
+          <a:chOff x="0" y="0"/>
+          <a:chExt cx="0" cy="0"/>
+        </a:xfrm>
+      </p:grpSpPr>
+      <p:sp>
+        <p:nvSpPr>
+          <p:cNvPr id="4098" name="TextBox 2">
+            <a:extLst>
+              <a:ext uri="{FF2B5EF4-FFF2-40B4-BE49-F238E27FC236}">
+                <a16:creationId xmlns:a16="http://schemas.microsoft.com/office/drawing/2014/main" id="{5552ED83-0001-4E47-A09B-F49C592A8E24}"/>
+              </a:ext>
+            </a:extLst>
+          </p:cNvPr>
+          <p:cNvSpPr txBox="1">
+            <a:spLocks noChangeArrowheads="1"/>
+          </p:cNvSpPr>
+          <p:nvPr/>
+        </p:nvSpPr>
+        <p:spPr bwMode="auto">
+          <a:xfrm>
+            <a:off x="12118" y="84217"/>
+            <a:ext cx="8736346" cy="830997"/>
+          </a:xfrm>
+          <a:prstGeom prst="rect">
+            <a:avLst/>
+          </a:prstGeom>
+          <a:noFill/>
+          <a:ln>
+            <a:noFill/>
+          </a:ln>
+          <a:extLst>
+            <a:ext uri="{909E8E84-426E-40DD-AFC4-6F175D3DCCD1}">
+              <a14:hiddenFill xmlns:a14="http://schemas.microsoft.com/office/drawing/2010/main">
+                <a:solidFill>
+                  <a:srgbClr val="FFFFFF"/>
+                </a:solidFill>
+              </a14:hiddenFill>
+            </a:ext>
+            <a:ext uri="{91240B29-F687-4F45-9708-019B960494DF}">
+              <a14:hiddenLine xmlns:a14="http://schemas.microsoft.com/office/drawing/2010/main" w="9525">
+                <a:solidFill>
+                  <a:srgbClr val="000000"/>
+                </a:solidFill>
+                <a:miter lim="800000"/>
+                <a:headEnd/>
+                <a:tailEnd/>
+              </a14:hiddenLine>
+            </a:ext>
+          </a:extLst>
+        </p:spPr>
+        <p:txBody>
+          <a:bodyPr wrap="square">
+            <a:spAutoFit/>
+          </a:bodyPr>
+          <a:lstStyle>
+            <a:lvl1pPr eaLnBrk="0" hangingPunct="0">
+              <a:defRPr>
+                <a:solidFill>
+                  <a:schemeClr val="tx1"/>
+                </a:solidFill>
+                <a:latin typeface="Arial" panose="020B0604020202020204" pitchFamily="34" charset="0"/>
+                <a:ea typeface="宋体" panose="02010600030101010101" pitchFamily="2" charset="-122"/>
+              </a:defRPr>
+            </a:lvl1pPr>
+            <a:lvl2pPr marL="742950" indent="-285750" eaLnBrk="0" hangingPunct="0">
+              <a:defRPr>
+                <a:solidFill>
+                  <a:schemeClr val="tx1"/>
+                </a:solidFill>
+                <a:latin typeface="Arial" panose="020B0604020202020204" pitchFamily="34" charset="0"/>
+                <a:ea typeface="宋体" panose="02010600030101010101" pitchFamily="2" charset="-122"/>
+              </a:defRPr>
+            </a:lvl2pPr>
+            <a:lvl3pPr marL="1143000" indent="-228600" eaLnBrk="0" hangingPunct="0">
+              <a:defRPr>
+                <a:solidFill>
+                  <a:schemeClr val="tx1"/>
+                </a:solidFill>
+                <a:latin typeface="Arial" panose="020B0604020202020204" pitchFamily="34" charset="0"/>
+                <a:ea typeface="宋体" panose="02010600030101010101" pitchFamily="2" charset="-122"/>
+              </a:defRPr>
+            </a:lvl3pPr>
+            <a:lvl4pPr marL="1600200" indent="-228600" eaLnBrk="0" hangingPunct="0">
+              <a:defRPr>
+                <a:solidFill>
+                  <a:schemeClr val="tx1"/>
+                </a:solidFill>
+                <a:latin typeface="Arial" panose="020B0604020202020204" pitchFamily="34" charset="0"/>
+                <a:ea typeface="宋体" panose="02010600030101010101" pitchFamily="2" charset="-122"/>
+              </a:defRPr>
+            </a:lvl4pPr>
+            <a:lvl5pPr marL="2057400" indent="-228600" eaLnBrk="0" hangingPunct="0">
+              <a:defRPr>
+                <a:solidFill>
+                  <a:schemeClr val="tx1"/>
+                </a:solidFill>
+                <a:latin typeface="Arial" panose="020B0604020202020204" pitchFamily="34" charset="0"/>
+                <a:ea typeface="宋体" panose="02010600030101010101" pitchFamily="2" charset="-122"/>
+              </a:defRPr>
+            </a:lvl5pPr>
+            <a:lvl6pPr marL="2514600" indent="-228600" eaLnBrk="0" fontAlgn="base" hangingPunct="0">
+              <a:spcBef>
+                <a:spcPct val="0"/>
+              </a:spcBef>
+              <a:spcAft>
+                <a:spcPct val="0"/>
+              </a:spcAft>
+              <a:defRPr>
+                <a:solidFill>
+                  <a:schemeClr val="tx1"/>
+                </a:solidFill>
+                <a:latin typeface="Arial" panose="020B0604020202020204" pitchFamily="34" charset="0"/>
+                <a:ea typeface="宋体" panose="02010600030101010101" pitchFamily="2" charset="-122"/>
+              </a:defRPr>
+            </a:lvl6pPr>
+            <a:lvl7pPr marL="2971800" indent="-228600" eaLnBrk="0" fontAlgn="base" hangingPunct="0">
+              <a:spcBef>
+                <a:spcPct val="0"/>
+              </a:spcBef>
+              <a:spcAft>
+                <a:spcPct val="0"/>
+              </a:spcAft>
+              <a:defRPr>
+                <a:solidFill>
+                  <a:schemeClr val="tx1"/>
+                </a:solidFill>
+                <a:latin typeface="Arial" panose="020B0604020202020204" pitchFamily="34" charset="0"/>
+                <a:ea typeface="宋体" panose="02010600030101010101" pitchFamily="2" charset="-122"/>
+              </a:defRPr>
+            </a:lvl7pPr>
+            <a:lvl8pPr marL="3429000" indent="-228600" eaLnBrk="0" fontAlgn="base" hangingPunct="0">
+              <a:spcBef>
+                <a:spcPct val="0"/>
+              </a:spcBef>
+              <a:spcAft>
+                <a:spcPct val="0"/>
+              </a:spcAft>
+              <a:defRPr>
+                <a:solidFill>
+                  <a:schemeClr val="tx1"/>
+                </a:solidFill>
+                <a:latin typeface="Arial" panose="020B0604020202020204" pitchFamily="34" charset="0"/>
+                <a:ea typeface="宋体" panose="02010600030101010101" pitchFamily="2" charset="-122"/>
+              </a:defRPr>
+            </a:lvl8pPr>
+            <a:lvl9pPr marL="3886200" indent="-228600" eaLnBrk="0" fontAlgn="base" hangingPunct="0">
+              <a:spcBef>
+                <a:spcPct val="0"/>
+              </a:spcBef>
+              <a:spcAft>
+                <a:spcPct val="0"/>
+              </a:spcAft>
+              <a:defRPr>
+                <a:solidFill>
+                  <a:schemeClr val="tx1"/>
+                </a:solidFill>
+                <a:latin typeface="Arial" panose="020B0604020202020204" pitchFamily="34" charset="0"/>
+                <a:ea typeface="宋体" panose="02010600030101010101" pitchFamily="2" charset="-122"/>
+              </a:defRPr>
+            </a:lvl9pPr>
+          </a:lstStyle>
+          <a:p>
+            <a:pPr eaLnBrk="1" hangingPunct="1"/>
+            <a:r>
+              <a:rPr lang="zh-CN" altLang="en-US" sz="4800" dirty="0">
+                <a:solidFill>
+                  <a:schemeClr val="bg1"/>
+                </a:solidFill>
+                <a:latin typeface="微软雅黑" panose="020B0503020204020204" pitchFamily="34" charset="-122"/>
+                <a:ea typeface="微软雅黑" panose="020B0503020204020204" pitchFamily="34" charset="-122"/>
+              </a:rPr>
+              <a:t>高级场景</a:t>
+            </a:r>
+            <a:r>
+              <a:rPr lang="en-US" altLang="zh-CN" sz="4800" dirty="0">
+                <a:solidFill>
+                  <a:schemeClr val="bg1"/>
+                </a:solidFill>
+                <a:latin typeface="微软雅黑" panose="020B0503020204020204" pitchFamily="34" charset="-122"/>
+                <a:ea typeface="微软雅黑" panose="020B0503020204020204" pitchFamily="34" charset="-122"/>
+              </a:rPr>
+              <a:t>6</a:t>
+            </a:r>
+            <a:r>
+              <a:rPr lang="zh-CN" altLang="en-US" sz="4800" dirty="0">
+                <a:solidFill>
+                  <a:schemeClr val="bg1"/>
+                </a:solidFill>
+                <a:latin typeface="微软雅黑" panose="020B0503020204020204" pitchFamily="34" charset="-122"/>
+                <a:ea typeface="微软雅黑" panose="020B0503020204020204" pitchFamily="34" charset="-122"/>
+              </a:rPr>
+              <a:t> </a:t>
+            </a:r>
+            <a:r>
+              <a:rPr lang="en-US" altLang="zh-CN" sz="4800" dirty="0">
+                <a:solidFill>
+                  <a:schemeClr val="bg1"/>
+                </a:solidFill>
+                <a:latin typeface="微软雅黑" pitchFamily="34" charset="-122"/>
+                <a:ea typeface="微软雅黑" pitchFamily="34" charset="-122"/>
+              </a:rPr>
+              <a:t>–</a:t>
+            </a:r>
+            <a:r>
+              <a:rPr lang="zh-CN" altLang="en-US" sz="4800" dirty="0">
+                <a:solidFill>
+                  <a:schemeClr val="bg1"/>
+                </a:solidFill>
+                <a:latin typeface="微软雅黑" pitchFamily="34" charset="-122"/>
+                <a:ea typeface="微软雅黑" pitchFamily="34" charset="-122"/>
+              </a:rPr>
+              <a:t>海量数据去重</a:t>
+            </a:r>
+          </a:p>
+        </p:txBody>
+      </p:sp>
+      <p:sp>
+        <p:nvSpPr>
+          <p:cNvPr id="10" name="TextBox 9">
+            <a:extLst>
+              <a:ext uri="{FF2B5EF4-FFF2-40B4-BE49-F238E27FC236}">
+                <a16:creationId xmlns:a16="http://schemas.microsoft.com/office/drawing/2014/main" id="{6C65DFA7-0E5F-49E5-88D4-5AD68B41A2B2}"/>
+              </a:ext>
+            </a:extLst>
+          </p:cNvPr>
+          <p:cNvSpPr txBox="1"/>
+          <p:nvPr/>
+        </p:nvSpPr>
+        <p:spPr>
+          <a:xfrm>
+            <a:off x="35496" y="908720"/>
+            <a:ext cx="9096385" cy="2862322"/>
+          </a:xfrm>
+          <a:prstGeom prst="rect">
+            <a:avLst/>
+          </a:prstGeom>
+          <a:noFill/>
+        </p:spPr>
+        <p:txBody>
+          <a:bodyPr wrap="square">
+            <a:spAutoFit/>
+          </a:bodyPr>
+          <a:lstStyle/>
+          <a:p>
+            <a:pPr>
+              <a:defRPr/>
+            </a:pPr>
+            <a:r>
+              <a:rPr lang="en-US" altLang="zh-CN" sz="3600" dirty="0">
+                <a:solidFill>
+                  <a:schemeClr val="bg1"/>
+                </a:solidFill>
+                <a:latin typeface="微软雅黑" pitchFamily="34" charset="-122"/>
+                <a:ea typeface="微软雅黑" pitchFamily="34" charset="-122"/>
+              </a:rPr>
+              <a:t>	</a:t>
+            </a:r>
+            <a:r>
+              <a:rPr lang="zh-CN" altLang="en-US" sz="3600" dirty="0">
+                <a:solidFill>
+                  <a:schemeClr val="bg1"/>
+                </a:solidFill>
+                <a:latin typeface="微软雅黑" pitchFamily="34" charset="-122"/>
+                <a:ea typeface="微软雅黑" pitchFamily="34" charset="-122"/>
+              </a:rPr>
+              <a:t>需要开发人员对数据量有比较准确的预估，否则准确率会</a:t>
+            </a:r>
+            <a:r>
+              <a:rPr lang="zh-CN" altLang="en-US" sz="3600" dirty="0">
+                <a:solidFill>
+                  <a:srgbClr val="FFC000"/>
+                </a:solidFill>
+                <a:latin typeface="微软雅黑" pitchFamily="34" charset="-122"/>
+                <a:ea typeface="微软雅黑" pitchFamily="34" charset="-122"/>
+              </a:rPr>
+              <a:t>大大下降</a:t>
+            </a:r>
+            <a:r>
+              <a:rPr lang="zh-CN" altLang="en-US" sz="3600" dirty="0">
+                <a:solidFill>
+                  <a:schemeClr val="bg1"/>
+                </a:solidFill>
+                <a:latin typeface="微软雅黑" pitchFamily="34" charset="-122"/>
+                <a:ea typeface="微软雅黑" pitchFamily="34" charset="-122"/>
+              </a:rPr>
+              <a:t>。</a:t>
+            </a:r>
+            <a:endParaRPr lang="en-US" altLang="zh-CN" sz="3600" dirty="0">
+              <a:solidFill>
+                <a:schemeClr val="bg1"/>
+              </a:solidFill>
+              <a:latin typeface="微软雅黑" pitchFamily="34" charset="-122"/>
+              <a:ea typeface="微软雅黑" pitchFamily="34" charset="-122"/>
+            </a:endParaRPr>
+          </a:p>
+          <a:p>
+            <a:pPr>
+              <a:defRPr/>
+            </a:pPr>
+            <a:r>
+              <a:rPr lang="en-US" altLang="zh-CN" sz="3600" dirty="0">
+                <a:solidFill>
+                  <a:schemeClr val="bg1"/>
+                </a:solidFill>
+                <a:latin typeface="微软雅黑" pitchFamily="34" charset="-122"/>
+                <a:ea typeface="微软雅黑" pitchFamily="34" charset="-122"/>
+              </a:rPr>
+              <a:t>	</a:t>
+            </a:r>
+            <a:r>
+              <a:rPr lang="zh-CN" altLang="en-US" sz="3600" dirty="0">
+                <a:solidFill>
+                  <a:schemeClr val="bg1"/>
+                </a:solidFill>
+                <a:latin typeface="微软雅黑" pitchFamily="34" charset="-122"/>
+                <a:ea typeface="微软雅黑" pitchFamily="34" charset="-122"/>
+              </a:rPr>
+              <a:t>需要指定的参数包括：</a:t>
+            </a:r>
+            <a:endParaRPr lang="en-US" altLang="zh-CN" sz="3600" dirty="0">
+              <a:solidFill>
+                <a:schemeClr val="bg1"/>
+              </a:solidFill>
+              <a:latin typeface="微软雅黑" pitchFamily="34" charset="-122"/>
+              <a:ea typeface="微软雅黑" pitchFamily="34" charset="-122"/>
+            </a:endParaRPr>
+          </a:p>
+          <a:p>
+            <a:pPr>
+              <a:defRPr/>
+            </a:pPr>
+            <a:r>
+              <a:rPr lang="en-US" altLang="zh-CN" sz="3600" dirty="0">
+                <a:solidFill>
+                  <a:schemeClr val="bg1"/>
+                </a:solidFill>
+                <a:latin typeface="微软雅黑" pitchFamily="34" charset="-122"/>
+                <a:ea typeface="微软雅黑" pitchFamily="34" charset="-122"/>
+              </a:rPr>
+              <a:t>	</a:t>
+            </a:r>
+            <a:r>
+              <a:rPr lang="zh-CN" altLang="en-US" sz="3600" dirty="0">
+                <a:solidFill>
+                  <a:schemeClr val="bg1"/>
+                </a:solidFill>
+                <a:latin typeface="微软雅黑" pitchFamily="34" charset="-122"/>
+                <a:ea typeface="微软雅黑" pitchFamily="34" charset="-122"/>
+              </a:rPr>
+              <a:t>（</a:t>
+            </a:r>
+            <a:r>
+              <a:rPr lang="en-US" altLang="zh-CN" sz="3600" dirty="0">
+                <a:solidFill>
+                  <a:schemeClr val="bg1"/>
+                </a:solidFill>
+                <a:latin typeface="微软雅黑" pitchFamily="34" charset="-122"/>
+                <a:ea typeface="微软雅黑" pitchFamily="34" charset="-122"/>
+              </a:rPr>
+              <a:t>1</a:t>
+            </a:r>
+            <a:r>
+              <a:rPr lang="zh-CN" altLang="en-US" sz="3600" dirty="0">
+                <a:solidFill>
+                  <a:schemeClr val="bg1"/>
+                </a:solidFill>
+                <a:latin typeface="微软雅黑" pitchFamily="34" charset="-122"/>
+                <a:ea typeface="微软雅黑" pitchFamily="34" charset="-122"/>
+              </a:rPr>
+              <a:t>）</a:t>
+            </a:r>
+            <a:r>
+              <a:rPr lang="en-US" sz="3600" b="1" dirty="0">
+                <a:solidFill>
+                  <a:schemeClr val="bg1"/>
+                </a:solidFill>
+              </a:rPr>
+              <a:t>Count ( </a:t>
+            </a:r>
+            <a:r>
+              <a:rPr lang="en-US" sz="3600" b="1" i="1" dirty="0">
+                <a:solidFill>
+                  <a:schemeClr val="bg1"/>
+                </a:solidFill>
+              </a:rPr>
+              <a:t>n</a:t>
+            </a:r>
+            <a:r>
+              <a:rPr lang="en-US" sz="3600" b="1" dirty="0">
+                <a:solidFill>
+                  <a:schemeClr val="bg1"/>
+                </a:solidFill>
+              </a:rPr>
+              <a:t> )   </a:t>
+            </a:r>
+            <a:r>
+              <a:rPr lang="en-US" altLang="zh-CN" sz="3600" b="1" dirty="0">
+                <a:solidFill>
+                  <a:schemeClr val="bg1"/>
+                </a:solidFill>
+              </a:rPr>
+              <a:t>-   </a:t>
+            </a:r>
+            <a:r>
+              <a:rPr lang="zh-CN" altLang="en-US" sz="3600" b="1" dirty="0">
+                <a:solidFill>
+                  <a:schemeClr val="bg1"/>
+                </a:solidFill>
+              </a:rPr>
+              <a:t>默认</a:t>
+            </a:r>
+            <a:r>
+              <a:rPr lang="en-US" altLang="zh-CN" sz="3600" b="1" dirty="0">
+                <a:solidFill>
+                  <a:schemeClr val="bg1"/>
+                </a:solidFill>
+              </a:rPr>
+              <a:t>100</a:t>
+            </a:r>
+            <a:endParaRPr lang="en-US" sz="3600" b="1" dirty="0">
+              <a:solidFill>
+                <a:schemeClr val="bg1"/>
+              </a:solidFill>
+            </a:endParaRPr>
+          </a:p>
+          <a:p>
+            <a:pPr>
+              <a:defRPr/>
+            </a:pPr>
+            <a:r>
+              <a:rPr lang="en-US" altLang="zh-CN" sz="3600" b="1" dirty="0">
+                <a:solidFill>
+                  <a:schemeClr val="bg1"/>
+                </a:solidFill>
+                <a:latin typeface="微软雅黑" pitchFamily="34" charset="-122"/>
+                <a:ea typeface="微软雅黑" pitchFamily="34" charset="-122"/>
+              </a:rPr>
+              <a:t>	</a:t>
+            </a:r>
+            <a:r>
+              <a:rPr lang="zh-CN" altLang="en-US" sz="3600" dirty="0">
+                <a:solidFill>
+                  <a:schemeClr val="bg1"/>
+                </a:solidFill>
+                <a:latin typeface="微软雅黑" pitchFamily="34" charset="-122"/>
+                <a:ea typeface="微软雅黑" pitchFamily="34" charset="-122"/>
+              </a:rPr>
+              <a:t>（</a:t>
+            </a:r>
+            <a:r>
+              <a:rPr lang="en-US" altLang="zh-CN" sz="3600" dirty="0">
+                <a:solidFill>
+                  <a:schemeClr val="bg1"/>
+                </a:solidFill>
+                <a:latin typeface="微软雅黑" pitchFamily="34" charset="-122"/>
+                <a:ea typeface="微软雅黑" pitchFamily="34" charset="-122"/>
+              </a:rPr>
+              <a:t>2</a:t>
+            </a:r>
+            <a:r>
+              <a:rPr lang="zh-CN" altLang="en-US" sz="3600" dirty="0">
+                <a:solidFill>
+                  <a:schemeClr val="bg1"/>
+                </a:solidFill>
+                <a:latin typeface="微软雅黑" pitchFamily="34" charset="-122"/>
+                <a:ea typeface="微软雅黑" pitchFamily="34" charset="-122"/>
+              </a:rPr>
+              <a:t>）</a:t>
+            </a:r>
+            <a:r>
+              <a:rPr lang="en-US" sz="3600" b="1" dirty="0">
+                <a:solidFill>
+                  <a:schemeClr val="bg1"/>
+                </a:solidFill>
+              </a:rPr>
+              <a:t>Error ( </a:t>
+            </a:r>
+            <a:r>
+              <a:rPr lang="en-US" sz="3600" b="1" i="1" dirty="0">
+                <a:solidFill>
+                  <a:schemeClr val="bg1"/>
+                </a:solidFill>
+              </a:rPr>
+              <a:t>p</a:t>
+            </a:r>
+            <a:r>
+              <a:rPr lang="en-US" sz="3600" b="1" dirty="0">
+                <a:solidFill>
+                  <a:schemeClr val="bg1"/>
+                </a:solidFill>
+              </a:rPr>
+              <a:t> )  </a:t>
+            </a:r>
+            <a:r>
+              <a:rPr lang="en-US" altLang="zh-CN" sz="3600" b="1" dirty="0">
+                <a:solidFill>
+                  <a:schemeClr val="bg1"/>
+                </a:solidFill>
+              </a:rPr>
+              <a:t>-  </a:t>
+            </a:r>
+            <a:r>
+              <a:rPr lang="zh-CN" altLang="en-US" sz="3600" b="1" dirty="0">
+                <a:solidFill>
+                  <a:schemeClr val="bg1"/>
+                </a:solidFill>
+              </a:rPr>
+              <a:t>默认</a:t>
+            </a:r>
+            <a:r>
+              <a:rPr lang="en-US" altLang="zh-CN" sz="3600" b="1" dirty="0">
+                <a:solidFill>
+                  <a:schemeClr val="bg1"/>
+                </a:solidFill>
+              </a:rPr>
+              <a:t>0.01</a:t>
+            </a:r>
+            <a:endParaRPr lang="en-US" altLang="zh-CN" sz="3600" dirty="0">
+              <a:solidFill>
+                <a:schemeClr val="bg1"/>
+              </a:solidFill>
+              <a:latin typeface="微软雅黑" pitchFamily="34" charset="-122"/>
+              <a:ea typeface="微软雅黑" pitchFamily="34" charset="-122"/>
+            </a:endParaRPr>
+          </a:p>
+        </p:txBody>
+      </p:sp>
+      <p:pic>
+        <p:nvPicPr>
+          <p:cNvPr id="3" name="Picture 2">
+            <a:extLst>
+              <a:ext uri="{FF2B5EF4-FFF2-40B4-BE49-F238E27FC236}">
+                <a16:creationId xmlns:a16="http://schemas.microsoft.com/office/drawing/2014/main" id="{3540031E-4563-4B11-BFD4-DE3A17CF0A4B}"/>
+              </a:ext>
+            </a:extLst>
+          </p:cNvPr>
+          <p:cNvPicPr>
+            <a:picLocks noChangeAspect="1"/>
+          </p:cNvPicPr>
+          <p:nvPr/>
+        </p:nvPicPr>
+        <p:blipFill>
+          <a:blip r:embed="rId2"/>
+          <a:stretch>
+            <a:fillRect/>
+          </a:stretch>
+        </p:blipFill>
+        <p:spPr>
+          <a:xfrm>
+            <a:off x="539552" y="3861048"/>
+            <a:ext cx="8082696" cy="2592288"/>
+          </a:xfrm>
+          <a:prstGeom prst="rect">
+            <a:avLst/>
+          </a:prstGeom>
+        </p:spPr>
+      </p:pic>
+    </p:spTree>
+    <p:extLst>
+      <p:ext uri="{BB962C8B-B14F-4D97-AF65-F5344CB8AC3E}">
+        <p14:creationId xmlns:p14="http://schemas.microsoft.com/office/powerpoint/2010/main" val="1979978034"/>
+      </p:ext>
+    </p:extLst>
+  </p:cSld>
+  <p:clrMapOvr>
+    <a:masterClrMapping/>
+  </p:clrMapOvr>
+</p:sld>
+</file>
+
+<file path=ppt/slides/slide29.xml><?xml version="1.0" encoding="utf-8"?>
+<p:sld xmlns:a="http://schemas.openxmlformats.org/drawingml/2006/main" xmlns:r="http://schemas.openxmlformats.org/officeDocument/2006/relationships" xmlns:p="http://schemas.openxmlformats.org/presentationml/2006/main">
+  <p:cSld>
+    <p:spTree>
+      <p:nvGrpSpPr>
+        <p:cNvPr id="1" name=""/>
+        <p:cNvGrpSpPr/>
+        <p:nvPr/>
+      </p:nvGrpSpPr>
+      <p:grpSpPr>
+        <a:xfrm>
+          <a:off x="0" y="0"/>
+          <a:ext cx="0" cy="0"/>
+          <a:chOff x="0" y="0"/>
+          <a:chExt cx="0" cy="0"/>
+        </a:xfrm>
+      </p:grpSpPr>
+      <p:sp>
+        <p:nvSpPr>
+          <p:cNvPr id="4098" name="TextBox 2">
+            <a:extLst>
+              <a:ext uri="{FF2B5EF4-FFF2-40B4-BE49-F238E27FC236}">
+                <a16:creationId xmlns:a16="http://schemas.microsoft.com/office/drawing/2014/main" id="{5552ED83-0001-4E47-A09B-F49C592A8E24}"/>
+              </a:ext>
+            </a:extLst>
+          </p:cNvPr>
+          <p:cNvSpPr txBox="1">
+            <a:spLocks noChangeArrowheads="1"/>
+          </p:cNvSpPr>
+          <p:nvPr/>
+        </p:nvSpPr>
+        <p:spPr bwMode="auto">
+          <a:xfrm>
+            <a:off x="12118" y="84217"/>
+            <a:ext cx="8736346" cy="830997"/>
+          </a:xfrm>
+          <a:prstGeom prst="rect">
+            <a:avLst/>
+          </a:prstGeom>
+          <a:noFill/>
+          <a:ln>
+            <a:noFill/>
+          </a:ln>
+          <a:extLst>
+            <a:ext uri="{909E8E84-426E-40DD-AFC4-6F175D3DCCD1}">
+              <a14:hiddenFill xmlns:a14="http://schemas.microsoft.com/office/drawing/2010/main">
+                <a:solidFill>
+                  <a:srgbClr val="FFFFFF"/>
+                </a:solidFill>
+              </a14:hiddenFill>
+            </a:ext>
+            <a:ext uri="{91240B29-F687-4F45-9708-019B960494DF}">
+              <a14:hiddenLine xmlns:a14="http://schemas.microsoft.com/office/drawing/2010/main" w="9525">
+                <a:solidFill>
+                  <a:srgbClr val="000000"/>
+                </a:solidFill>
+                <a:miter lim="800000"/>
+                <a:headEnd/>
+                <a:tailEnd/>
+              </a14:hiddenLine>
+            </a:ext>
+          </a:extLst>
+        </p:spPr>
+        <p:txBody>
+          <a:bodyPr wrap="square">
+            <a:spAutoFit/>
+          </a:bodyPr>
+          <a:lstStyle>
+            <a:lvl1pPr eaLnBrk="0" hangingPunct="0">
+              <a:defRPr>
+                <a:solidFill>
+                  <a:schemeClr val="tx1"/>
+                </a:solidFill>
+                <a:latin typeface="Arial" panose="020B0604020202020204" pitchFamily="34" charset="0"/>
+                <a:ea typeface="宋体" panose="02010600030101010101" pitchFamily="2" charset="-122"/>
+              </a:defRPr>
+            </a:lvl1pPr>
+            <a:lvl2pPr marL="742950" indent="-285750" eaLnBrk="0" hangingPunct="0">
+              <a:defRPr>
+                <a:solidFill>
+                  <a:schemeClr val="tx1"/>
+                </a:solidFill>
+                <a:latin typeface="Arial" panose="020B0604020202020204" pitchFamily="34" charset="0"/>
+                <a:ea typeface="宋体" panose="02010600030101010101" pitchFamily="2" charset="-122"/>
+              </a:defRPr>
+            </a:lvl2pPr>
+            <a:lvl3pPr marL="1143000" indent="-228600" eaLnBrk="0" hangingPunct="0">
+              <a:defRPr>
+                <a:solidFill>
+                  <a:schemeClr val="tx1"/>
+                </a:solidFill>
+                <a:latin typeface="Arial" panose="020B0604020202020204" pitchFamily="34" charset="0"/>
+                <a:ea typeface="宋体" panose="02010600030101010101" pitchFamily="2" charset="-122"/>
+              </a:defRPr>
+            </a:lvl3pPr>
+            <a:lvl4pPr marL="1600200" indent="-228600" eaLnBrk="0" hangingPunct="0">
+              <a:defRPr>
+                <a:solidFill>
+                  <a:schemeClr val="tx1"/>
+                </a:solidFill>
+                <a:latin typeface="Arial" panose="020B0604020202020204" pitchFamily="34" charset="0"/>
+                <a:ea typeface="宋体" panose="02010600030101010101" pitchFamily="2" charset="-122"/>
+              </a:defRPr>
+            </a:lvl4pPr>
+            <a:lvl5pPr marL="2057400" indent="-228600" eaLnBrk="0" hangingPunct="0">
+              <a:defRPr>
+                <a:solidFill>
+                  <a:schemeClr val="tx1"/>
+                </a:solidFill>
+                <a:latin typeface="Arial" panose="020B0604020202020204" pitchFamily="34" charset="0"/>
+                <a:ea typeface="宋体" panose="02010600030101010101" pitchFamily="2" charset="-122"/>
+              </a:defRPr>
+            </a:lvl5pPr>
+            <a:lvl6pPr marL="2514600" indent="-228600" eaLnBrk="0" fontAlgn="base" hangingPunct="0">
+              <a:spcBef>
+                <a:spcPct val="0"/>
+              </a:spcBef>
+              <a:spcAft>
+                <a:spcPct val="0"/>
+              </a:spcAft>
+              <a:defRPr>
+                <a:solidFill>
+                  <a:schemeClr val="tx1"/>
+                </a:solidFill>
+                <a:latin typeface="Arial" panose="020B0604020202020204" pitchFamily="34" charset="0"/>
+                <a:ea typeface="宋体" panose="02010600030101010101" pitchFamily="2" charset="-122"/>
+              </a:defRPr>
+            </a:lvl6pPr>
+            <a:lvl7pPr marL="2971800" indent="-228600" eaLnBrk="0" fontAlgn="base" hangingPunct="0">
+              <a:spcBef>
+                <a:spcPct val="0"/>
+              </a:spcBef>
+              <a:spcAft>
+                <a:spcPct val="0"/>
+              </a:spcAft>
+              <a:defRPr>
+                <a:solidFill>
+                  <a:schemeClr val="tx1"/>
+                </a:solidFill>
+                <a:latin typeface="Arial" panose="020B0604020202020204" pitchFamily="34" charset="0"/>
+                <a:ea typeface="宋体" panose="02010600030101010101" pitchFamily="2" charset="-122"/>
+              </a:defRPr>
+            </a:lvl7pPr>
+            <a:lvl8pPr marL="3429000" indent="-228600" eaLnBrk="0" fontAlgn="base" hangingPunct="0">
+              <a:spcBef>
+                <a:spcPct val="0"/>
+              </a:spcBef>
+              <a:spcAft>
+                <a:spcPct val="0"/>
+              </a:spcAft>
+              <a:defRPr>
+                <a:solidFill>
+                  <a:schemeClr val="tx1"/>
+                </a:solidFill>
+                <a:latin typeface="Arial" panose="020B0604020202020204" pitchFamily="34" charset="0"/>
+                <a:ea typeface="宋体" panose="02010600030101010101" pitchFamily="2" charset="-122"/>
+              </a:defRPr>
+            </a:lvl8pPr>
+            <a:lvl9pPr marL="3886200" indent="-228600" eaLnBrk="0" fontAlgn="base" hangingPunct="0">
+              <a:spcBef>
+                <a:spcPct val="0"/>
+              </a:spcBef>
+              <a:spcAft>
+                <a:spcPct val="0"/>
+              </a:spcAft>
+              <a:defRPr>
+                <a:solidFill>
+                  <a:schemeClr val="tx1"/>
+                </a:solidFill>
+                <a:latin typeface="Arial" panose="020B0604020202020204" pitchFamily="34" charset="0"/>
+                <a:ea typeface="宋体" panose="02010600030101010101" pitchFamily="2" charset="-122"/>
+              </a:defRPr>
+            </a:lvl9pPr>
+          </a:lstStyle>
+          <a:p>
+            <a:pPr eaLnBrk="1" hangingPunct="1"/>
+            <a:r>
+              <a:rPr lang="zh-CN" altLang="en-US" sz="4800" dirty="0">
+                <a:solidFill>
+                  <a:schemeClr val="bg1"/>
+                </a:solidFill>
+                <a:latin typeface="微软雅黑" panose="020B0503020204020204" pitchFamily="34" charset="-122"/>
+                <a:ea typeface="微软雅黑" panose="020B0503020204020204" pitchFamily="34" charset="-122"/>
+              </a:rPr>
+              <a:t>高级场景</a:t>
+            </a:r>
+            <a:r>
+              <a:rPr lang="en-US" altLang="zh-CN" sz="4800" dirty="0">
+                <a:solidFill>
+                  <a:schemeClr val="bg1"/>
+                </a:solidFill>
+                <a:latin typeface="微软雅黑" panose="020B0503020204020204" pitchFamily="34" charset="-122"/>
+                <a:ea typeface="微软雅黑" panose="020B0503020204020204" pitchFamily="34" charset="-122"/>
+              </a:rPr>
+              <a:t>6</a:t>
+            </a:r>
+            <a:r>
+              <a:rPr lang="zh-CN" altLang="en-US" sz="4800" dirty="0">
+                <a:solidFill>
+                  <a:schemeClr val="bg1"/>
+                </a:solidFill>
+                <a:latin typeface="微软雅黑" panose="020B0503020204020204" pitchFamily="34" charset="-122"/>
+                <a:ea typeface="微软雅黑" panose="020B0503020204020204" pitchFamily="34" charset="-122"/>
+              </a:rPr>
+              <a:t> </a:t>
+            </a:r>
+            <a:r>
+              <a:rPr lang="en-US" altLang="zh-CN" sz="4800" dirty="0">
+                <a:solidFill>
+                  <a:schemeClr val="bg1"/>
+                </a:solidFill>
+                <a:latin typeface="微软雅黑" pitchFamily="34" charset="-122"/>
+                <a:ea typeface="微软雅黑" pitchFamily="34" charset="-122"/>
+              </a:rPr>
+              <a:t>–</a:t>
+            </a:r>
+            <a:r>
+              <a:rPr lang="zh-CN" altLang="en-US" sz="4800" dirty="0">
+                <a:solidFill>
+                  <a:schemeClr val="bg1"/>
+                </a:solidFill>
+                <a:latin typeface="微软雅黑" pitchFamily="34" charset="-122"/>
+                <a:ea typeface="微软雅黑" pitchFamily="34" charset="-122"/>
+              </a:rPr>
+              <a:t>海量数据去重</a:t>
+            </a:r>
+          </a:p>
+        </p:txBody>
+      </p:sp>
+      <p:sp>
+        <p:nvSpPr>
+          <p:cNvPr id="10" name="TextBox 9">
+            <a:extLst>
+              <a:ext uri="{FF2B5EF4-FFF2-40B4-BE49-F238E27FC236}">
+                <a16:creationId xmlns:a16="http://schemas.microsoft.com/office/drawing/2014/main" id="{6C65DFA7-0E5F-49E5-88D4-5AD68B41A2B2}"/>
+              </a:ext>
+            </a:extLst>
+          </p:cNvPr>
+          <p:cNvSpPr txBox="1"/>
+          <p:nvPr/>
+        </p:nvSpPr>
+        <p:spPr>
+          <a:xfrm>
+            <a:off x="35496" y="908720"/>
+            <a:ext cx="9096385" cy="1754326"/>
+          </a:xfrm>
+          <a:prstGeom prst="rect">
+            <a:avLst/>
+          </a:prstGeom>
+          <a:noFill/>
+        </p:spPr>
+        <p:txBody>
+          <a:bodyPr wrap="square">
+            <a:spAutoFit/>
+          </a:bodyPr>
+          <a:lstStyle/>
+          <a:p>
+            <a:pPr>
+              <a:defRPr/>
+            </a:pPr>
+            <a:r>
+              <a:rPr lang="en-US" altLang="zh-CN" sz="3600" dirty="0">
+                <a:solidFill>
+                  <a:schemeClr val="bg1"/>
+                </a:solidFill>
+                <a:latin typeface="微软雅黑" pitchFamily="34" charset="-122"/>
+                <a:ea typeface="微软雅黑" pitchFamily="34" charset="-122"/>
+              </a:rPr>
+              <a:t>	</a:t>
+            </a:r>
+            <a:r>
+              <a:rPr lang="en-US" altLang="zh-CN" sz="3600" dirty="0">
+                <a:solidFill>
+                  <a:schemeClr val="bg1"/>
+                </a:solidFill>
+                <a:latin typeface="微软雅黑" pitchFamily="34" charset="-122"/>
+                <a:ea typeface="微软雅黑" pitchFamily="34" charset="-122"/>
+                <a:hlinkClick r:id="rId2"/>
+              </a:rPr>
+              <a:t>https://krisives.github.io/bloom-calculator/</a:t>
+            </a:r>
+            <a:endParaRPr lang="en-US" altLang="zh-CN" sz="3600" dirty="0">
+              <a:solidFill>
+                <a:schemeClr val="bg1"/>
+              </a:solidFill>
+              <a:latin typeface="微软雅黑" pitchFamily="34" charset="-122"/>
+              <a:ea typeface="微软雅黑" pitchFamily="34" charset="-122"/>
+            </a:endParaRPr>
+          </a:p>
+          <a:p>
+            <a:pPr>
+              <a:defRPr/>
+            </a:pPr>
+            <a:endParaRPr lang="en-US" altLang="zh-CN" sz="3600" dirty="0">
+              <a:solidFill>
+                <a:schemeClr val="bg1"/>
+              </a:solidFill>
+              <a:latin typeface="微软雅黑" pitchFamily="34" charset="-122"/>
+              <a:ea typeface="微软雅黑" pitchFamily="34" charset="-122"/>
+            </a:endParaRPr>
+          </a:p>
+        </p:txBody>
+      </p:sp>
+    </p:spTree>
+    <p:extLst>
+      <p:ext uri="{BB962C8B-B14F-4D97-AF65-F5344CB8AC3E}">
+        <p14:creationId xmlns:p14="http://schemas.microsoft.com/office/powerpoint/2010/main" val="1207098"/>
       </p:ext>
     </p:extLst>
   </p:cSld>
@@ -14785,6 +16515,1952 @@
         </p:txBody>
       </p:sp>
     </p:spTree>
+  </p:cSld>
+  <p:clrMapOvr>
+    <a:masterClrMapping/>
+  </p:clrMapOvr>
+</p:sld>
+</file>
+
+<file path=ppt/slides/slide30.xml><?xml version="1.0" encoding="utf-8"?>
+<p:sld xmlns:a="http://schemas.openxmlformats.org/drawingml/2006/main" xmlns:r="http://schemas.openxmlformats.org/officeDocument/2006/relationships" xmlns:p="http://schemas.openxmlformats.org/presentationml/2006/main">
+  <p:cSld>
+    <p:spTree>
+      <p:nvGrpSpPr>
+        <p:cNvPr id="1" name=""/>
+        <p:cNvGrpSpPr/>
+        <p:nvPr/>
+      </p:nvGrpSpPr>
+      <p:grpSpPr>
+        <a:xfrm>
+          <a:off x="0" y="0"/>
+          <a:ext cx="0" cy="0"/>
+          <a:chOff x="0" y="0"/>
+          <a:chExt cx="0" cy="0"/>
+        </a:xfrm>
+      </p:grpSpPr>
+      <p:sp>
+        <p:nvSpPr>
+          <p:cNvPr id="4098" name="TextBox 2">
+            <a:extLst>
+              <a:ext uri="{FF2B5EF4-FFF2-40B4-BE49-F238E27FC236}">
+                <a16:creationId xmlns:a16="http://schemas.microsoft.com/office/drawing/2014/main" id="{5552ED83-0001-4E47-A09B-F49C592A8E24}"/>
+              </a:ext>
+            </a:extLst>
+          </p:cNvPr>
+          <p:cNvSpPr txBox="1">
+            <a:spLocks noChangeArrowheads="1"/>
+          </p:cNvSpPr>
+          <p:nvPr/>
+        </p:nvSpPr>
+        <p:spPr bwMode="auto">
+          <a:xfrm>
+            <a:off x="12118" y="84217"/>
+            <a:ext cx="8736346" cy="830997"/>
+          </a:xfrm>
+          <a:prstGeom prst="rect">
+            <a:avLst/>
+          </a:prstGeom>
+          <a:noFill/>
+          <a:ln>
+            <a:noFill/>
+          </a:ln>
+          <a:extLst>
+            <a:ext uri="{909E8E84-426E-40DD-AFC4-6F175D3DCCD1}">
+              <a14:hiddenFill xmlns:a14="http://schemas.microsoft.com/office/drawing/2010/main">
+                <a:solidFill>
+                  <a:srgbClr val="FFFFFF"/>
+                </a:solidFill>
+              </a14:hiddenFill>
+            </a:ext>
+            <a:ext uri="{91240B29-F687-4F45-9708-019B960494DF}">
+              <a14:hiddenLine xmlns:a14="http://schemas.microsoft.com/office/drawing/2010/main" w="9525">
+                <a:solidFill>
+                  <a:srgbClr val="000000"/>
+                </a:solidFill>
+                <a:miter lim="800000"/>
+                <a:headEnd/>
+                <a:tailEnd/>
+              </a14:hiddenLine>
+            </a:ext>
+          </a:extLst>
+        </p:spPr>
+        <p:txBody>
+          <a:bodyPr wrap="square">
+            <a:spAutoFit/>
+          </a:bodyPr>
+          <a:lstStyle>
+            <a:lvl1pPr eaLnBrk="0" hangingPunct="0">
+              <a:defRPr>
+                <a:solidFill>
+                  <a:schemeClr val="tx1"/>
+                </a:solidFill>
+                <a:latin typeface="Arial" panose="020B0604020202020204" pitchFamily="34" charset="0"/>
+                <a:ea typeface="宋体" panose="02010600030101010101" pitchFamily="2" charset="-122"/>
+              </a:defRPr>
+            </a:lvl1pPr>
+            <a:lvl2pPr marL="742950" indent="-285750" eaLnBrk="0" hangingPunct="0">
+              <a:defRPr>
+                <a:solidFill>
+                  <a:schemeClr val="tx1"/>
+                </a:solidFill>
+                <a:latin typeface="Arial" panose="020B0604020202020204" pitchFamily="34" charset="0"/>
+                <a:ea typeface="宋体" panose="02010600030101010101" pitchFamily="2" charset="-122"/>
+              </a:defRPr>
+            </a:lvl2pPr>
+            <a:lvl3pPr marL="1143000" indent="-228600" eaLnBrk="0" hangingPunct="0">
+              <a:defRPr>
+                <a:solidFill>
+                  <a:schemeClr val="tx1"/>
+                </a:solidFill>
+                <a:latin typeface="Arial" panose="020B0604020202020204" pitchFamily="34" charset="0"/>
+                <a:ea typeface="宋体" panose="02010600030101010101" pitchFamily="2" charset="-122"/>
+              </a:defRPr>
+            </a:lvl3pPr>
+            <a:lvl4pPr marL="1600200" indent="-228600" eaLnBrk="0" hangingPunct="0">
+              <a:defRPr>
+                <a:solidFill>
+                  <a:schemeClr val="tx1"/>
+                </a:solidFill>
+                <a:latin typeface="Arial" panose="020B0604020202020204" pitchFamily="34" charset="0"/>
+                <a:ea typeface="宋体" panose="02010600030101010101" pitchFamily="2" charset="-122"/>
+              </a:defRPr>
+            </a:lvl4pPr>
+            <a:lvl5pPr marL="2057400" indent="-228600" eaLnBrk="0" hangingPunct="0">
+              <a:defRPr>
+                <a:solidFill>
+                  <a:schemeClr val="tx1"/>
+                </a:solidFill>
+                <a:latin typeface="Arial" panose="020B0604020202020204" pitchFamily="34" charset="0"/>
+                <a:ea typeface="宋体" panose="02010600030101010101" pitchFamily="2" charset="-122"/>
+              </a:defRPr>
+            </a:lvl5pPr>
+            <a:lvl6pPr marL="2514600" indent="-228600" eaLnBrk="0" fontAlgn="base" hangingPunct="0">
+              <a:spcBef>
+                <a:spcPct val="0"/>
+              </a:spcBef>
+              <a:spcAft>
+                <a:spcPct val="0"/>
+              </a:spcAft>
+              <a:defRPr>
+                <a:solidFill>
+                  <a:schemeClr val="tx1"/>
+                </a:solidFill>
+                <a:latin typeface="Arial" panose="020B0604020202020204" pitchFamily="34" charset="0"/>
+                <a:ea typeface="宋体" panose="02010600030101010101" pitchFamily="2" charset="-122"/>
+              </a:defRPr>
+            </a:lvl6pPr>
+            <a:lvl7pPr marL="2971800" indent="-228600" eaLnBrk="0" fontAlgn="base" hangingPunct="0">
+              <a:spcBef>
+                <a:spcPct val="0"/>
+              </a:spcBef>
+              <a:spcAft>
+                <a:spcPct val="0"/>
+              </a:spcAft>
+              <a:defRPr>
+                <a:solidFill>
+                  <a:schemeClr val="tx1"/>
+                </a:solidFill>
+                <a:latin typeface="Arial" panose="020B0604020202020204" pitchFamily="34" charset="0"/>
+                <a:ea typeface="宋体" panose="02010600030101010101" pitchFamily="2" charset="-122"/>
+              </a:defRPr>
+            </a:lvl7pPr>
+            <a:lvl8pPr marL="3429000" indent="-228600" eaLnBrk="0" fontAlgn="base" hangingPunct="0">
+              <a:spcBef>
+                <a:spcPct val="0"/>
+              </a:spcBef>
+              <a:spcAft>
+                <a:spcPct val="0"/>
+              </a:spcAft>
+              <a:defRPr>
+                <a:solidFill>
+                  <a:schemeClr val="tx1"/>
+                </a:solidFill>
+                <a:latin typeface="Arial" panose="020B0604020202020204" pitchFamily="34" charset="0"/>
+                <a:ea typeface="宋体" panose="02010600030101010101" pitchFamily="2" charset="-122"/>
+              </a:defRPr>
+            </a:lvl8pPr>
+            <a:lvl9pPr marL="3886200" indent="-228600" eaLnBrk="0" fontAlgn="base" hangingPunct="0">
+              <a:spcBef>
+                <a:spcPct val="0"/>
+              </a:spcBef>
+              <a:spcAft>
+                <a:spcPct val="0"/>
+              </a:spcAft>
+              <a:defRPr>
+                <a:solidFill>
+                  <a:schemeClr val="tx1"/>
+                </a:solidFill>
+                <a:latin typeface="Arial" panose="020B0604020202020204" pitchFamily="34" charset="0"/>
+                <a:ea typeface="宋体" panose="02010600030101010101" pitchFamily="2" charset="-122"/>
+              </a:defRPr>
+            </a:lvl9pPr>
+          </a:lstStyle>
+          <a:p>
+            <a:pPr eaLnBrk="1" hangingPunct="1"/>
+            <a:r>
+              <a:rPr lang="zh-CN" altLang="en-US" sz="4800" dirty="0">
+                <a:solidFill>
+                  <a:schemeClr val="bg1"/>
+                </a:solidFill>
+                <a:latin typeface="微软雅黑" panose="020B0503020204020204" pitchFamily="34" charset="-122"/>
+                <a:ea typeface="微软雅黑" panose="020B0503020204020204" pitchFamily="34" charset="-122"/>
+              </a:rPr>
+              <a:t>高级场景</a:t>
+            </a:r>
+            <a:r>
+              <a:rPr lang="en-US" altLang="zh-CN" sz="4800" dirty="0">
+                <a:solidFill>
+                  <a:schemeClr val="bg1"/>
+                </a:solidFill>
+                <a:latin typeface="微软雅黑" panose="020B0503020204020204" pitchFamily="34" charset="-122"/>
+                <a:ea typeface="微软雅黑" panose="020B0503020204020204" pitchFamily="34" charset="-122"/>
+              </a:rPr>
+              <a:t>7</a:t>
+            </a:r>
+            <a:r>
+              <a:rPr lang="zh-CN" altLang="en-US" sz="4800" dirty="0">
+                <a:solidFill>
+                  <a:schemeClr val="bg1"/>
+                </a:solidFill>
+                <a:latin typeface="微软雅黑" panose="020B0503020204020204" pitchFamily="34" charset="-122"/>
+                <a:ea typeface="微软雅黑" panose="020B0503020204020204" pitchFamily="34" charset="-122"/>
+              </a:rPr>
+              <a:t> </a:t>
+            </a:r>
+            <a:r>
+              <a:rPr lang="en-US" altLang="zh-CN" sz="4800" dirty="0">
+                <a:solidFill>
+                  <a:schemeClr val="bg1"/>
+                </a:solidFill>
+                <a:latin typeface="微软雅黑" pitchFamily="34" charset="-122"/>
+                <a:ea typeface="微软雅黑" pitchFamily="34" charset="-122"/>
+              </a:rPr>
+              <a:t>– </a:t>
+            </a:r>
+            <a:r>
+              <a:rPr lang="zh-CN" altLang="en-US" sz="4800" dirty="0">
+                <a:solidFill>
+                  <a:schemeClr val="bg1"/>
+                </a:solidFill>
+                <a:latin typeface="微软雅黑" pitchFamily="34" charset="-122"/>
+                <a:ea typeface="微软雅黑" pitchFamily="34" charset="-122"/>
+              </a:rPr>
+              <a:t>如何找到附近的人</a:t>
+            </a:r>
+          </a:p>
+        </p:txBody>
+      </p:sp>
+      <p:sp>
+        <p:nvSpPr>
+          <p:cNvPr id="10" name="TextBox 9">
+            <a:extLst>
+              <a:ext uri="{FF2B5EF4-FFF2-40B4-BE49-F238E27FC236}">
+                <a16:creationId xmlns:a16="http://schemas.microsoft.com/office/drawing/2014/main" id="{6C65DFA7-0E5F-49E5-88D4-5AD68B41A2B2}"/>
+              </a:ext>
+            </a:extLst>
+          </p:cNvPr>
+          <p:cNvSpPr txBox="1"/>
+          <p:nvPr/>
+        </p:nvSpPr>
+        <p:spPr>
+          <a:xfrm>
+            <a:off x="35496" y="908720"/>
+            <a:ext cx="9096385" cy="646331"/>
+          </a:xfrm>
+          <a:prstGeom prst="rect">
+            <a:avLst/>
+          </a:prstGeom>
+          <a:noFill/>
+        </p:spPr>
+        <p:txBody>
+          <a:bodyPr wrap="square">
+            <a:spAutoFit/>
+          </a:bodyPr>
+          <a:lstStyle/>
+          <a:p>
+            <a:pPr>
+              <a:defRPr/>
+            </a:pPr>
+            <a:r>
+              <a:rPr lang="en-US" altLang="zh-CN" sz="3600" dirty="0">
+                <a:solidFill>
+                  <a:schemeClr val="bg1"/>
+                </a:solidFill>
+                <a:latin typeface="微软雅黑" pitchFamily="34" charset="-122"/>
+                <a:ea typeface="微软雅黑" pitchFamily="34" charset="-122"/>
+              </a:rPr>
+              <a:t>	</a:t>
+            </a:r>
+          </a:p>
+        </p:txBody>
+      </p:sp>
+      <p:sp>
+        <p:nvSpPr>
+          <p:cNvPr id="5" name="TextBox 4">
+            <a:extLst>
+              <a:ext uri="{FF2B5EF4-FFF2-40B4-BE49-F238E27FC236}">
+                <a16:creationId xmlns:a16="http://schemas.microsoft.com/office/drawing/2014/main" id="{4AD34F77-EB74-4FBE-9BF1-C2F0F5AAA337}"/>
+              </a:ext>
+            </a:extLst>
+          </p:cNvPr>
+          <p:cNvSpPr txBox="1"/>
+          <p:nvPr/>
+        </p:nvSpPr>
+        <p:spPr>
+          <a:xfrm>
+            <a:off x="35496" y="908720"/>
+            <a:ext cx="9096385" cy="1754326"/>
+          </a:xfrm>
+          <a:prstGeom prst="rect">
+            <a:avLst/>
+          </a:prstGeom>
+          <a:noFill/>
+        </p:spPr>
+        <p:txBody>
+          <a:bodyPr wrap="square">
+            <a:spAutoFit/>
+          </a:bodyPr>
+          <a:lstStyle/>
+          <a:p>
+            <a:pPr>
+              <a:defRPr/>
+            </a:pPr>
+            <a:r>
+              <a:rPr lang="en-US" altLang="zh-CN" sz="3600" dirty="0">
+                <a:solidFill>
+                  <a:schemeClr val="bg1"/>
+                </a:solidFill>
+                <a:latin typeface="微软雅黑" pitchFamily="34" charset="-122"/>
+                <a:ea typeface="微软雅黑" pitchFamily="34" charset="-122"/>
+              </a:rPr>
+              <a:t>	</a:t>
+            </a:r>
+            <a:r>
+              <a:rPr lang="zh-CN" altLang="en-US" sz="3600" dirty="0">
+                <a:solidFill>
+                  <a:schemeClr val="bg1"/>
+                </a:solidFill>
+                <a:latin typeface="微软雅黑" pitchFamily="34" charset="-122"/>
+                <a:ea typeface="微软雅黑" pitchFamily="34" charset="-122"/>
+              </a:rPr>
+              <a:t>类似微信、</a:t>
+            </a:r>
+            <a:r>
+              <a:rPr lang="en-US" altLang="zh-CN" sz="3600" dirty="0">
+                <a:solidFill>
+                  <a:schemeClr val="bg1"/>
+                </a:solidFill>
+                <a:latin typeface="微软雅黑" pitchFamily="34" charset="-122"/>
+                <a:ea typeface="微软雅黑" pitchFamily="34" charset="-122"/>
+              </a:rPr>
+              <a:t>WhatsApp</a:t>
+            </a:r>
+            <a:r>
+              <a:rPr lang="zh-CN" altLang="en-US" sz="3600" dirty="0">
+                <a:solidFill>
+                  <a:schemeClr val="bg1"/>
+                </a:solidFill>
+                <a:latin typeface="微软雅黑" pitchFamily="34" charset="-122"/>
+                <a:ea typeface="微软雅黑" pitchFamily="34" charset="-122"/>
+              </a:rPr>
+              <a:t>之类的软件都有一个“发现附近的人”功能，那么它是如何实现的呢？</a:t>
+            </a:r>
+            <a:endParaRPr lang="en-US" altLang="zh-CN" sz="3600" dirty="0">
+              <a:solidFill>
+                <a:schemeClr val="bg1"/>
+              </a:solidFill>
+              <a:latin typeface="微软雅黑" pitchFamily="34" charset="-122"/>
+              <a:ea typeface="微软雅黑" pitchFamily="34" charset="-122"/>
+            </a:endParaRPr>
+          </a:p>
+        </p:txBody>
+      </p:sp>
+      <p:pic>
+        <p:nvPicPr>
+          <p:cNvPr id="2" name="Picture 1">
+            <a:extLst>
+              <a:ext uri="{FF2B5EF4-FFF2-40B4-BE49-F238E27FC236}">
+                <a16:creationId xmlns:a16="http://schemas.microsoft.com/office/drawing/2014/main" id="{481B906A-DBD2-4ACB-BF07-6FC58C6A0D96}"/>
+              </a:ext>
+            </a:extLst>
+          </p:cNvPr>
+          <p:cNvPicPr>
+            <a:picLocks noChangeAspect="1"/>
+          </p:cNvPicPr>
+          <p:nvPr/>
+        </p:nvPicPr>
+        <p:blipFill>
+          <a:blip r:embed="rId2"/>
+          <a:stretch>
+            <a:fillRect/>
+          </a:stretch>
+        </p:blipFill>
+        <p:spPr>
+          <a:xfrm>
+            <a:off x="2398695" y="2780928"/>
+            <a:ext cx="4369986" cy="3878529"/>
+          </a:xfrm>
+          <a:prstGeom prst="rect">
+            <a:avLst/>
+          </a:prstGeom>
+        </p:spPr>
+      </p:pic>
+    </p:spTree>
+    <p:extLst>
+      <p:ext uri="{BB962C8B-B14F-4D97-AF65-F5344CB8AC3E}">
+        <p14:creationId xmlns:p14="http://schemas.microsoft.com/office/powerpoint/2010/main" val="2148358592"/>
+      </p:ext>
+    </p:extLst>
+  </p:cSld>
+  <p:clrMapOvr>
+    <a:masterClrMapping/>
+  </p:clrMapOvr>
+</p:sld>
+</file>
+
+<file path=ppt/slides/slide31.xml><?xml version="1.0" encoding="utf-8"?>
+<p:sld xmlns:a="http://schemas.openxmlformats.org/drawingml/2006/main" xmlns:r="http://schemas.openxmlformats.org/officeDocument/2006/relationships" xmlns:p="http://schemas.openxmlformats.org/presentationml/2006/main">
+  <p:cSld>
+    <p:spTree>
+      <p:nvGrpSpPr>
+        <p:cNvPr id="1" name=""/>
+        <p:cNvGrpSpPr/>
+        <p:nvPr/>
+      </p:nvGrpSpPr>
+      <p:grpSpPr>
+        <a:xfrm>
+          <a:off x="0" y="0"/>
+          <a:ext cx="0" cy="0"/>
+          <a:chOff x="0" y="0"/>
+          <a:chExt cx="0" cy="0"/>
+        </a:xfrm>
+      </p:grpSpPr>
+      <p:sp>
+        <p:nvSpPr>
+          <p:cNvPr id="4098" name="TextBox 2">
+            <a:extLst>
+              <a:ext uri="{FF2B5EF4-FFF2-40B4-BE49-F238E27FC236}">
+                <a16:creationId xmlns:a16="http://schemas.microsoft.com/office/drawing/2014/main" id="{5552ED83-0001-4E47-A09B-F49C592A8E24}"/>
+              </a:ext>
+            </a:extLst>
+          </p:cNvPr>
+          <p:cNvSpPr txBox="1">
+            <a:spLocks noChangeArrowheads="1"/>
+          </p:cNvSpPr>
+          <p:nvPr/>
+        </p:nvSpPr>
+        <p:spPr bwMode="auto">
+          <a:xfrm>
+            <a:off x="12118" y="84217"/>
+            <a:ext cx="8736346" cy="830997"/>
+          </a:xfrm>
+          <a:prstGeom prst="rect">
+            <a:avLst/>
+          </a:prstGeom>
+          <a:noFill/>
+          <a:ln>
+            <a:noFill/>
+          </a:ln>
+          <a:extLst>
+            <a:ext uri="{909E8E84-426E-40DD-AFC4-6F175D3DCCD1}">
+              <a14:hiddenFill xmlns:a14="http://schemas.microsoft.com/office/drawing/2010/main">
+                <a:solidFill>
+                  <a:srgbClr val="FFFFFF"/>
+                </a:solidFill>
+              </a14:hiddenFill>
+            </a:ext>
+            <a:ext uri="{91240B29-F687-4F45-9708-019B960494DF}">
+              <a14:hiddenLine xmlns:a14="http://schemas.microsoft.com/office/drawing/2010/main" w="9525">
+                <a:solidFill>
+                  <a:srgbClr val="000000"/>
+                </a:solidFill>
+                <a:miter lim="800000"/>
+                <a:headEnd/>
+                <a:tailEnd/>
+              </a14:hiddenLine>
+            </a:ext>
+          </a:extLst>
+        </p:spPr>
+        <p:txBody>
+          <a:bodyPr wrap="square">
+            <a:spAutoFit/>
+          </a:bodyPr>
+          <a:lstStyle>
+            <a:lvl1pPr eaLnBrk="0" hangingPunct="0">
+              <a:defRPr>
+                <a:solidFill>
+                  <a:schemeClr val="tx1"/>
+                </a:solidFill>
+                <a:latin typeface="Arial" panose="020B0604020202020204" pitchFamily="34" charset="0"/>
+                <a:ea typeface="宋体" panose="02010600030101010101" pitchFamily="2" charset="-122"/>
+              </a:defRPr>
+            </a:lvl1pPr>
+            <a:lvl2pPr marL="742950" indent="-285750" eaLnBrk="0" hangingPunct="0">
+              <a:defRPr>
+                <a:solidFill>
+                  <a:schemeClr val="tx1"/>
+                </a:solidFill>
+                <a:latin typeface="Arial" panose="020B0604020202020204" pitchFamily="34" charset="0"/>
+                <a:ea typeface="宋体" panose="02010600030101010101" pitchFamily="2" charset="-122"/>
+              </a:defRPr>
+            </a:lvl2pPr>
+            <a:lvl3pPr marL="1143000" indent="-228600" eaLnBrk="0" hangingPunct="0">
+              <a:defRPr>
+                <a:solidFill>
+                  <a:schemeClr val="tx1"/>
+                </a:solidFill>
+                <a:latin typeface="Arial" panose="020B0604020202020204" pitchFamily="34" charset="0"/>
+                <a:ea typeface="宋体" panose="02010600030101010101" pitchFamily="2" charset="-122"/>
+              </a:defRPr>
+            </a:lvl3pPr>
+            <a:lvl4pPr marL="1600200" indent="-228600" eaLnBrk="0" hangingPunct="0">
+              <a:defRPr>
+                <a:solidFill>
+                  <a:schemeClr val="tx1"/>
+                </a:solidFill>
+                <a:latin typeface="Arial" panose="020B0604020202020204" pitchFamily="34" charset="0"/>
+                <a:ea typeface="宋体" panose="02010600030101010101" pitchFamily="2" charset="-122"/>
+              </a:defRPr>
+            </a:lvl4pPr>
+            <a:lvl5pPr marL="2057400" indent="-228600" eaLnBrk="0" hangingPunct="0">
+              <a:defRPr>
+                <a:solidFill>
+                  <a:schemeClr val="tx1"/>
+                </a:solidFill>
+                <a:latin typeface="Arial" panose="020B0604020202020204" pitchFamily="34" charset="0"/>
+                <a:ea typeface="宋体" panose="02010600030101010101" pitchFamily="2" charset="-122"/>
+              </a:defRPr>
+            </a:lvl5pPr>
+            <a:lvl6pPr marL="2514600" indent="-228600" eaLnBrk="0" fontAlgn="base" hangingPunct="0">
+              <a:spcBef>
+                <a:spcPct val="0"/>
+              </a:spcBef>
+              <a:spcAft>
+                <a:spcPct val="0"/>
+              </a:spcAft>
+              <a:defRPr>
+                <a:solidFill>
+                  <a:schemeClr val="tx1"/>
+                </a:solidFill>
+                <a:latin typeface="Arial" panose="020B0604020202020204" pitchFamily="34" charset="0"/>
+                <a:ea typeface="宋体" panose="02010600030101010101" pitchFamily="2" charset="-122"/>
+              </a:defRPr>
+            </a:lvl6pPr>
+            <a:lvl7pPr marL="2971800" indent="-228600" eaLnBrk="0" fontAlgn="base" hangingPunct="0">
+              <a:spcBef>
+                <a:spcPct val="0"/>
+              </a:spcBef>
+              <a:spcAft>
+                <a:spcPct val="0"/>
+              </a:spcAft>
+              <a:defRPr>
+                <a:solidFill>
+                  <a:schemeClr val="tx1"/>
+                </a:solidFill>
+                <a:latin typeface="Arial" panose="020B0604020202020204" pitchFamily="34" charset="0"/>
+                <a:ea typeface="宋体" panose="02010600030101010101" pitchFamily="2" charset="-122"/>
+              </a:defRPr>
+            </a:lvl7pPr>
+            <a:lvl8pPr marL="3429000" indent="-228600" eaLnBrk="0" fontAlgn="base" hangingPunct="0">
+              <a:spcBef>
+                <a:spcPct val="0"/>
+              </a:spcBef>
+              <a:spcAft>
+                <a:spcPct val="0"/>
+              </a:spcAft>
+              <a:defRPr>
+                <a:solidFill>
+                  <a:schemeClr val="tx1"/>
+                </a:solidFill>
+                <a:latin typeface="Arial" panose="020B0604020202020204" pitchFamily="34" charset="0"/>
+                <a:ea typeface="宋体" panose="02010600030101010101" pitchFamily="2" charset="-122"/>
+              </a:defRPr>
+            </a:lvl8pPr>
+            <a:lvl9pPr marL="3886200" indent="-228600" eaLnBrk="0" fontAlgn="base" hangingPunct="0">
+              <a:spcBef>
+                <a:spcPct val="0"/>
+              </a:spcBef>
+              <a:spcAft>
+                <a:spcPct val="0"/>
+              </a:spcAft>
+              <a:defRPr>
+                <a:solidFill>
+                  <a:schemeClr val="tx1"/>
+                </a:solidFill>
+                <a:latin typeface="Arial" panose="020B0604020202020204" pitchFamily="34" charset="0"/>
+                <a:ea typeface="宋体" panose="02010600030101010101" pitchFamily="2" charset="-122"/>
+              </a:defRPr>
+            </a:lvl9pPr>
+          </a:lstStyle>
+          <a:p>
+            <a:pPr eaLnBrk="1" hangingPunct="1"/>
+            <a:r>
+              <a:rPr lang="zh-CN" altLang="en-US" sz="4800" dirty="0">
+                <a:solidFill>
+                  <a:schemeClr val="bg1"/>
+                </a:solidFill>
+                <a:latin typeface="微软雅黑" panose="020B0503020204020204" pitchFamily="34" charset="-122"/>
+                <a:ea typeface="微软雅黑" panose="020B0503020204020204" pitchFamily="34" charset="-122"/>
+              </a:rPr>
+              <a:t>高级场景</a:t>
+            </a:r>
+            <a:r>
+              <a:rPr lang="en-US" altLang="zh-CN" sz="4800" dirty="0">
+                <a:solidFill>
+                  <a:schemeClr val="bg1"/>
+                </a:solidFill>
+                <a:latin typeface="微软雅黑" panose="020B0503020204020204" pitchFamily="34" charset="-122"/>
+                <a:ea typeface="微软雅黑" panose="020B0503020204020204" pitchFamily="34" charset="-122"/>
+              </a:rPr>
+              <a:t>7</a:t>
+            </a:r>
+            <a:r>
+              <a:rPr lang="zh-CN" altLang="en-US" sz="4800" dirty="0">
+                <a:solidFill>
+                  <a:schemeClr val="bg1"/>
+                </a:solidFill>
+                <a:latin typeface="微软雅黑" panose="020B0503020204020204" pitchFamily="34" charset="-122"/>
+                <a:ea typeface="微软雅黑" panose="020B0503020204020204" pitchFamily="34" charset="-122"/>
+              </a:rPr>
+              <a:t> </a:t>
+            </a:r>
+            <a:r>
+              <a:rPr lang="en-US" altLang="zh-CN" sz="4800" dirty="0">
+                <a:solidFill>
+                  <a:schemeClr val="bg1"/>
+                </a:solidFill>
+                <a:latin typeface="微软雅黑" pitchFamily="34" charset="-122"/>
+                <a:ea typeface="微软雅黑" pitchFamily="34" charset="-122"/>
+              </a:rPr>
+              <a:t>– </a:t>
+            </a:r>
+            <a:r>
+              <a:rPr lang="zh-CN" altLang="en-US" sz="4800" dirty="0">
+                <a:solidFill>
+                  <a:schemeClr val="bg1"/>
+                </a:solidFill>
+                <a:latin typeface="微软雅黑" pitchFamily="34" charset="-122"/>
+                <a:ea typeface="微软雅黑" pitchFamily="34" charset="-122"/>
+              </a:rPr>
+              <a:t>如何找到附近的人</a:t>
+            </a:r>
+          </a:p>
+        </p:txBody>
+      </p:sp>
+      <p:sp>
+        <p:nvSpPr>
+          <p:cNvPr id="10" name="TextBox 9">
+            <a:extLst>
+              <a:ext uri="{FF2B5EF4-FFF2-40B4-BE49-F238E27FC236}">
+                <a16:creationId xmlns:a16="http://schemas.microsoft.com/office/drawing/2014/main" id="{6C65DFA7-0E5F-49E5-88D4-5AD68B41A2B2}"/>
+              </a:ext>
+            </a:extLst>
+          </p:cNvPr>
+          <p:cNvSpPr txBox="1"/>
+          <p:nvPr/>
+        </p:nvSpPr>
+        <p:spPr>
+          <a:xfrm>
+            <a:off x="35496" y="908720"/>
+            <a:ext cx="9096385" cy="646331"/>
+          </a:xfrm>
+          <a:prstGeom prst="rect">
+            <a:avLst/>
+          </a:prstGeom>
+          <a:noFill/>
+        </p:spPr>
+        <p:txBody>
+          <a:bodyPr wrap="square">
+            <a:spAutoFit/>
+          </a:bodyPr>
+          <a:lstStyle/>
+          <a:p>
+            <a:pPr>
+              <a:defRPr/>
+            </a:pPr>
+            <a:r>
+              <a:rPr lang="en-US" altLang="zh-CN" sz="3600" dirty="0">
+                <a:solidFill>
+                  <a:schemeClr val="bg1"/>
+                </a:solidFill>
+                <a:latin typeface="微软雅黑" pitchFamily="34" charset="-122"/>
+                <a:ea typeface="微软雅黑" pitchFamily="34" charset="-122"/>
+              </a:rPr>
+              <a:t>	</a:t>
+            </a:r>
+          </a:p>
+        </p:txBody>
+      </p:sp>
+      <p:sp>
+        <p:nvSpPr>
+          <p:cNvPr id="5" name="TextBox 4">
+            <a:extLst>
+              <a:ext uri="{FF2B5EF4-FFF2-40B4-BE49-F238E27FC236}">
+                <a16:creationId xmlns:a16="http://schemas.microsoft.com/office/drawing/2014/main" id="{4AD34F77-EB74-4FBE-9BF1-C2F0F5AAA337}"/>
+              </a:ext>
+            </a:extLst>
+          </p:cNvPr>
+          <p:cNvSpPr txBox="1"/>
+          <p:nvPr/>
+        </p:nvSpPr>
+        <p:spPr>
+          <a:xfrm>
+            <a:off x="35496" y="908720"/>
+            <a:ext cx="9096385" cy="1754326"/>
+          </a:xfrm>
+          <a:prstGeom prst="rect">
+            <a:avLst/>
+          </a:prstGeom>
+          <a:noFill/>
+        </p:spPr>
+        <p:txBody>
+          <a:bodyPr wrap="square">
+            <a:spAutoFit/>
+          </a:bodyPr>
+          <a:lstStyle/>
+          <a:p>
+            <a:pPr>
+              <a:defRPr/>
+            </a:pPr>
+            <a:r>
+              <a:rPr lang="en-US" altLang="zh-CN" sz="3600" dirty="0">
+                <a:solidFill>
+                  <a:schemeClr val="bg1"/>
+                </a:solidFill>
+                <a:latin typeface="微软雅黑" pitchFamily="34" charset="-122"/>
+                <a:ea typeface="微软雅黑" pitchFamily="34" charset="-122"/>
+              </a:rPr>
+              <a:t>	</a:t>
+            </a:r>
+            <a:r>
+              <a:rPr lang="zh-CN" altLang="en-US" sz="3600" dirty="0">
+                <a:solidFill>
+                  <a:schemeClr val="bg1"/>
+                </a:solidFill>
+                <a:latin typeface="微软雅黑" pitchFamily="34" charset="-122"/>
+                <a:ea typeface="微软雅黑" pitchFamily="34" charset="-122"/>
+              </a:rPr>
+              <a:t>如果把（用户</a:t>
+            </a:r>
+            <a:r>
+              <a:rPr lang="en-US" altLang="zh-CN" sz="3600" dirty="0">
+                <a:solidFill>
+                  <a:schemeClr val="bg1"/>
+                </a:solidFill>
+                <a:latin typeface="微软雅黑" pitchFamily="34" charset="-122"/>
+                <a:ea typeface="微软雅黑" pitchFamily="34" charset="-122"/>
+              </a:rPr>
+              <a:t>id, </a:t>
+            </a:r>
+            <a:r>
+              <a:rPr lang="zh-CN" altLang="en-US" sz="3600" dirty="0">
+                <a:solidFill>
+                  <a:schemeClr val="bg1"/>
+                </a:solidFill>
+                <a:latin typeface="微软雅黑" pitchFamily="34" charset="-122"/>
+                <a:ea typeface="微软雅黑" pitchFamily="34" charset="-122"/>
+              </a:rPr>
+              <a:t>经度</a:t>
+            </a:r>
+            <a:r>
+              <a:rPr lang="en-US" altLang="zh-CN" sz="3600" dirty="0">
+                <a:solidFill>
+                  <a:schemeClr val="bg1"/>
+                </a:solidFill>
+                <a:latin typeface="微软雅黑" pitchFamily="34" charset="-122"/>
+                <a:ea typeface="微软雅黑" pitchFamily="34" charset="-122"/>
+              </a:rPr>
+              <a:t>, </a:t>
+            </a:r>
+            <a:r>
+              <a:rPr lang="zh-CN" altLang="en-US" sz="3600" dirty="0">
+                <a:solidFill>
+                  <a:schemeClr val="bg1"/>
+                </a:solidFill>
+                <a:latin typeface="微软雅黑" pitchFamily="34" charset="-122"/>
+                <a:ea typeface="微软雅黑" pitchFamily="34" charset="-122"/>
+              </a:rPr>
+              <a:t>维度）存储在数据库，首先，不可能遍历所有人计算跟目标用户的距离并排序，这样计算量太大。</a:t>
+            </a:r>
+            <a:endParaRPr lang="en-US" altLang="zh-CN" sz="3600" dirty="0">
+              <a:solidFill>
+                <a:schemeClr val="bg1"/>
+              </a:solidFill>
+              <a:latin typeface="微软雅黑" pitchFamily="34" charset="-122"/>
+              <a:ea typeface="微软雅黑" pitchFamily="34" charset="-122"/>
+            </a:endParaRPr>
+          </a:p>
+        </p:txBody>
+      </p:sp>
+    </p:spTree>
+    <p:extLst>
+      <p:ext uri="{BB962C8B-B14F-4D97-AF65-F5344CB8AC3E}">
+        <p14:creationId xmlns:p14="http://schemas.microsoft.com/office/powerpoint/2010/main" val="2036838103"/>
+      </p:ext>
+    </p:extLst>
+  </p:cSld>
+  <p:clrMapOvr>
+    <a:masterClrMapping/>
+  </p:clrMapOvr>
+</p:sld>
+</file>
+
+<file path=ppt/slides/slide32.xml><?xml version="1.0" encoding="utf-8"?>
+<p:sld xmlns:a="http://schemas.openxmlformats.org/drawingml/2006/main" xmlns:r="http://schemas.openxmlformats.org/officeDocument/2006/relationships" xmlns:p="http://schemas.openxmlformats.org/presentationml/2006/main">
+  <p:cSld>
+    <p:spTree>
+      <p:nvGrpSpPr>
+        <p:cNvPr id="1" name=""/>
+        <p:cNvGrpSpPr/>
+        <p:nvPr/>
+      </p:nvGrpSpPr>
+      <p:grpSpPr>
+        <a:xfrm>
+          <a:off x="0" y="0"/>
+          <a:ext cx="0" cy="0"/>
+          <a:chOff x="0" y="0"/>
+          <a:chExt cx="0" cy="0"/>
+        </a:xfrm>
+      </p:grpSpPr>
+      <p:sp>
+        <p:nvSpPr>
+          <p:cNvPr id="4098" name="TextBox 2">
+            <a:extLst>
+              <a:ext uri="{FF2B5EF4-FFF2-40B4-BE49-F238E27FC236}">
+                <a16:creationId xmlns:a16="http://schemas.microsoft.com/office/drawing/2014/main" id="{5552ED83-0001-4E47-A09B-F49C592A8E24}"/>
+              </a:ext>
+            </a:extLst>
+          </p:cNvPr>
+          <p:cNvSpPr txBox="1">
+            <a:spLocks noChangeArrowheads="1"/>
+          </p:cNvSpPr>
+          <p:nvPr/>
+        </p:nvSpPr>
+        <p:spPr bwMode="auto">
+          <a:xfrm>
+            <a:off x="12118" y="84217"/>
+            <a:ext cx="8736346" cy="830997"/>
+          </a:xfrm>
+          <a:prstGeom prst="rect">
+            <a:avLst/>
+          </a:prstGeom>
+          <a:noFill/>
+          <a:ln>
+            <a:noFill/>
+          </a:ln>
+          <a:extLst>
+            <a:ext uri="{909E8E84-426E-40DD-AFC4-6F175D3DCCD1}">
+              <a14:hiddenFill xmlns:a14="http://schemas.microsoft.com/office/drawing/2010/main">
+                <a:solidFill>
+                  <a:srgbClr val="FFFFFF"/>
+                </a:solidFill>
+              </a14:hiddenFill>
+            </a:ext>
+            <a:ext uri="{91240B29-F687-4F45-9708-019B960494DF}">
+              <a14:hiddenLine xmlns:a14="http://schemas.microsoft.com/office/drawing/2010/main" w="9525">
+                <a:solidFill>
+                  <a:srgbClr val="000000"/>
+                </a:solidFill>
+                <a:miter lim="800000"/>
+                <a:headEnd/>
+                <a:tailEnd/>
+              </a14:hiddenLine>
+            </a:ext>
+          </a:extLst>
+        </p:spPr>
+        <p:txBody>
+          <a:bodyPr wrap="square">
+            <a:spAutoFit/>
+          </a:bodyPr>
+          <a:lstStyle>
+            <a:lvl1pPr eaLnBrk="0" hangingPunct="0">
+              <a:defRPr>
+                <a:solidFill>
+                  <a:schemeClr val="tx1"/>
+                </a:solidFill>
+                <a:latin typeface="Arial" panose="020B0604020202020204" pitchFamily="34" charset="0"/>
+                <a:ea typeface="宋体" panose="02010600030101010101" pitchFamily="2" charset="-122"/>
+              </a:defRPr>
+            </a:lvl1pPr>
+            <a:lvl2pPr marL="742950" indent="-285750" eaLnBrk="0" hangingPunct="0">
+              <a:defRPr>
+                <a:solidFill>
+                  <a:schemeClr val="tx1"/>
+                </a:solidFill>
+                <a:latin typeface="Arial" panose="020B0604020202020204" pitchFamily="34" charset="0"/>
+                <a:ea typeface="宋体" panose="02010600030101010101" pitchFamily="2" charset="-122"/>
+              </a:defRPr>
+            </a:lvl2pPr>
+            <a:lvl3pPr marL="1143000" indent="-228600" eaLnBrk="0" hangingPunct="0">
+              <a:defRPr>
+                <a:solidFill>
+                  <a:schemeClr val="tx1"/>
+                </a:solidFill>
+                <a:latin typeface="Arial" panose="020B0604020202020204" pitchFamily="34" charset="0"/>
+                <a:ea typeface="宋体" panose="02010600030101010101" pitchFamily="2" charset="-122"/>
+              </a:defRPr>
+            </a:lvl3pPr>
+            <a:lvl4pPr marL="1600200" indent="-228600" eaLnBrk="0" hangingPunct="0">
+              <a:defRPr>
+                <a:solidFill>
+                  <a:schemeClr val="tx1"/>
+                </a:solidFill>
+                <a:latin typeface="Arial" panose="020B0604020202020204" pitchFamily="34" charset="0"/>
+                <a:ea typeface="宋体" panose="02010600030101010101" pitchFamily="2" charset="-122"/>
+              </a:defRPr>
+            </a:lvl4pPr>
+            <a:lvl5pPr marL="2057400" indent="-228600" eaLnBrk="0" hangingPunct="0">
+              <a:defRPr>
+                <a:solidFill>
+                  <a:schemeClr val="tx1"/>
+                </a:solidFill>
+                <a:latin typeface="Arial" panose="020B0604020202020204" pitchFamily="34" charset="0"/>
+                <a:ea typeface="宋体" panose="02010600030101010101" pitchFamily="2" charset="-122"/>
+              </a:defRPr>
+            </a:lvl5pPr>
+            <a:lvl6pPr marL="2514600" indent="-228600" eaLnBrk="0" fontAlgn="base" hangingPunct="0">
+              <a:spcBef>
+                <a:spcPct val="0"/>
+              </a:spcBef>
+              <a:spcAft>
+                <a:spcPct val="0"/>
+              </a:spcAft>
+              <a:defRPr>
+                <a:solidFill>
+                  <a:schemeClr val="tx1"/>
+                </a:solidFill>
+                <a:latin typeface="Arial" panose="020B0604020202020204" pitchFamily="34" charset="0"/>
+                <a:ea typeface="宋体" panose="02010600030101010101" pitchFamily="2" charset="-122"/>
+              </a:defRPr>
+            </a:lvl6pPr>
+            <a:lvl7pPr marL="2971800" indent="-228600" eaLnBrk="0" fontAlgn="base" hangingPunct="0">
+              <a:spcBef>
+                <a:spcPct val="0"/>
+              </a:spcBef>
+              <a:spcAft>
+                <a:spcPct val="0"/>
+              </a:spcAft>
+              <a:defRPr>
+                <a:solidFill>
+                  <a:schemeClr val="tx1"/>
+                </a:solidFill>
+                <a:latin typeface="Arial" panose="020B0604020202020204" pitchFamily="34" charset="0"/>
+                <a:ea typeface="宋体" panose="02010600030101010101" pitchFamily="2" charset="-122"/>
+              </a:defRPr>
+            </a:lvl7pPr>
+            <a:lvl8pPr marL="3429000" indent="-228600" eaLnBrk="0" fontAlgn="base" hangingPunct="0">
+              <a:spcBef>
+                <a:spcPct val="0"/>
+              </a:spcBef>
+              <a:spcAft>
+                <a:spcPct val="0"/>
+              </a:spcAft>
+              <a:defRPr>
+                <a:solidFill>
+                  <a:schemeClr val="tx1"/>
+                </a:solidFill>
+                <a:latin typeface="Arial" panose="020B0604020202020204" pitchFamily="34" charset="0"/>
+                <a:ea typeface="宋体" panose="02010600030101010101" pitchFamily="2" charset="-122"/>
+              </a:defRPr>
+            </a:lvl8pPr>
+            <a:lvl9pPr marL="3886200" indent="-228600" eaLnBrk="0" fontAlgn="base" hangingPunct="0">
+              <a:spcBef>
+                <a:spcPct val="0"/>
+              </a:spcBef>
+              <a:spcAft>
+                <a:spcPct val="0"/>
+              </a:spcAft>
+              <a:defRPr>
+                <a:solidFill>
+                  <a:schemeClr val="tx1"/>
+                </a:solidFill>
+                <a:latin typeface="Arial" panose="020B0604020202020204" pitchFamily="34" charset="0"/>
+                <a:ea typeface="宋体" panose="02010600030101010101" pitchFamily="2" charset="-122"/>
+              </a:defRPr>
+            </a:lvl9pPr>
+          </a:lstStyle>
+          <a:p>
+            <a:pPr eaLnBrk="1" hangingPunct="1"/>
+            <a:r>
+              <a:rPr lang="zh-CN" altLang="en-US" sz="4800" dirty="0">
+                <a:solidFill>
+                  <a:schemeClr val="bg1"/>
+                </a:solidFill>
+                <a:latin typeface="微软雅黑" panose="020B0503020204020204" pitchFamily="34" charset="-122"/>
+                <a:ea typeface="微软雅黑" panose="020B0503020204020204" pitchFamily="34" charset="-122"/>
+              </a:rPr>
+              <a:t>高级场景</a:t>
+            </a:r>
+            <a:r>
+              <a:rPr lang="en-US" altLang="zh-CN" sz="4800" dirty="0">
+                <a:solidFill>
+                  <a:schemeClr val="bg1"/>
+                </a:solidFill>
+                <a:latin typeface="微软雅黑" panose="020B0503020204020204" pitchFamily="34" charset="-122"/>
+                <a:ea typeface="微软雅黑" panose="020B0503020204020204" pitchFamily="34" charset="-122"/>
+              </a:rPr>
+              <a:t>7</a:t>
+            </a:r>
+            <a:r>
+              <a:rPr lang="zh-CN" altLang="en-US" sz="4800" dirty="0">
+                <a:solidFill>
+                  <a:schemeClr val="bg1"/>
+                </a:solidFill>
+                <a:latin typeface="微软雅黑" panose="020B0503020204020204" pitchFamily="34" charset="-122"/>
+                <a:ea typeface="微软雅黑" panose="020B0503020204020204" pitchFamily="34" charset="-122"/>
+              </a:rPr>
+              <a:t> </a:t>
+            </a:r>
+            <a:r>
+              <a:rPr lang="en-US" altLang="zh-CN" sz="4800" dirty="0">
+                <a:solidFill>
+                  <a:schemeClr val="bg1"/>
+                </a:solidFill>
+                <a:latin typeface="微软雅黑" pitchFamily="34" charset="-122"/>
+                <a:ea typeface="微软雅黑" pitchFamily="34" charset="-122"/>
+              </a:rPr>
+              <a:t>– </a:t>
+            </a:r>
+            <a:r>
+              <a:rPr lang="zh-CN" altLang="en-US" sz="4800" dirty="0">
+                <a:solidFill>
+                  <a:schemeClr val="bg1"/>
+                </a:solidFill>
+                <a:latin typeface="微软雅黑" pitchFamily="34" charset="-122"/>
+                <a:ea typeface="微软雅黑" pitchFamily="34" charset="-122"/>
+              </a:rPr>
+              <a:t>如何找到附近的人</a:t>
+            </a:r>
+          </a:p>
+        </p:txBody>
+      </p:sp>
+      <p:sp>
+        <p:nvSpPr>
+          <p:cNvPr id="10" name="TextBox 9">
+            <a:extLst>
+              <a:ext uri="{FF2B5EF4-FFF2-40B4-BE49-F238E27FC236}">
+                <a16:creationId xmlns:a16="http://schemas.microsoft.com/office/drawing/2014/main" id="{6C65DFA7-0E5F-49E5-88D4-5AD68B41A2B2}"/>
+              </a:ext>
+            </a:extLst>
+          </p:cNvPr>
+          <p:cNvSpPr txBox="1"/>
+          <p:nvPr/>
+        </p:nvSpPr>
+        <p:spPr>
+          <a:xfrm>
+            <a:off x="35496" y="908720"/>
+            <a:ext cx="9096385" cy="646331"/>
+          </a:xfrm>
+          <a:prstGeom prst="rect">
+            <a:avLst/>
+          </a:prstGeom>
+          <a:noFill/>
+        </p:spPr>
+        <p:txBody>
+          <a:bodyPr wrap="square">
+            <a:spAutoFit/>
+          </a:bodyPr>
+          <a:lstStyle/>
+          <a:p>
+            <a:pPr>
+              <a:defRPr/>
+            </a:pPr>
+            <a:r>
+              <a:rPr lang="en-US" altLang="zh-CN" sz="3600" dirty="0">
+                <a:solidFill>
+                  <a:schemeClr val="bg1"/>
+                </a:solidFill>
+                <a:latin typeface="微软雅黑" pitchFamily="34" charset="-122"/>
+                <a:ea typeface="微软雅黑" pitchFamily="34" charset="-122"/>
+              </a:rPr>
+              <a:t>	</a:t>
+            </a:r>
+          </a:p>
+        </p:txBody>
+      </p:sp>
+      <p:sp>
+        <p:nvSpPr>
+          <p:cNvPr id="5" name="TextBox 4">
+            <a:extLst>
+              <a:ext uri="{FF2B5EF4-FFF2-40B4-BE49-F238E27FC236}">
+                <a16:creationId xmlns:a16="http://schemas.microsoft.com/office/drawing/2014/main" id="{4AD34F77-EB74-4FBE-9BF1-C2F0F5AAA337}"/>
+              </a:ext>
+            </a:extLst>
+          </p:cNvPr>
+          <p:cNvSpPr txBox="1"/>
+          <p:nvPr/>
+        </p:nvSpPr>
+        <p:spPr>
+          <a:xfrm>
+            <a:off x="35496" y="908720"/>
+            <a:ext cx="9096385" cy="3416320"/>
+          </a:xfrm>
+          <a:prstGeom prst="rect">
+            <a:avLst/>
+          </a:prstGeom>
+          <a:noFill/>
+        </p:spPr>
+        <p:txBody>
+          <a:bodyPr wrap="square">
+            <a:spAutoFit/>
+          </a:bodyPr>
+          <a:lstStyle/>
+          <a:p>
+            <a:pPr>
+              <a:defRPr/>
+            </a:pPr>
+            <a:r>
+              <a:rPr lang="en-US" altLang="zh-CN" sz="3600" dirty="0">
+                <a:solidFill>
+                  <a:schemeClr val="bg1"/>
+                </a:solidFill>
+                <a:latin typeface="微软雅黑" pitchFamily="34" charset="-122"/>
+                <a:ea typeface="微软雅黑" pitchFamily="34" charset="-122"/>
+              </a:rPr>
+              <a:t>	</a:t>
+            </a:r>
+            <a:r>
+              <a:rPr lang="zh-CN" altLang="en-US" sz="3600" dirty="0">
+                <a:solidFill>
+                  <a:schemeClr val="bg1"/>
+                </a:solidFill>
+                <a:latin typeface="微软雅黑" pitchFamily="34" charset="-122"/>
+                <a:ea typeface="微软雅黑" pitchFamily="34" charset="-122"/>
+              </a:rPr>
+              <a:t>一般的方法是以目标用户为中心划定一个矩形区域，只对区域内的用户做距离计算。通过在经度、纬度上建立联合索引，可以提升计算速度：</a:t>
+            </a:r>
+            <a:endParaRPr lang="en-US" altLang="zh-CN" sz="3600" dirty="0">
+              <a:solidFill>
+                <a:schemeClr val="bg1"/>
+              </a:solidFill>
+              <a:latin typeface="微软雅黑" pitchFamily="34" charset="-122"/>
+              <a:ea typeface="微软雅黑" pitchFamily="34" charset="-122"/>
+            </a:endParaRPr>
+          </a:p>
+          <a:p>
+            <a:pPr>
+              <a:defRPr/>
+            </a:pPr>
+            <a:r>
+              <a:rPr lang="en-US" sz="3600" dirty="0">
+                <a:solidFill>
+                  <a:schemeClr val="bg1"/>
+                </a:solidFill>
+              </a:rPr>
+              <a:t>select id from positions where </a:t>
+            </a:r>
+          </a:p>
+          <a:p>
+            <a:pPr>
+              <a:defRPr/>
+            </a:pPr>
+            <a:r>
+              <a:rPr lang="en-US" sz="3600" dirty="0">
+                <a:solidFill>
+                  <a:schemeClr val="bg1"/>
+                </a:solidFill>
+              </a:rPr>
+              <a:t>x0-r &lt; x &lt; x0+r and y0-r &lt; y &lt; y0+r</a:t>
+            </a:r>
+            <a:endParaRPr lang="en-US" altLang="zh-CN" sz="3600" dirty="0">
+              <a:solidFill>
+                <a:schemeClr val="bg1"/>
+              </a:solidFill>
+              <a:latin typeface="微软雅黑" pitchFamily="34" charset="-122"/>
+              <a:ea typeface="微软雅黑" pitchFamily="34" charset="-122"/>
+            </a:endParaRPr>
+          </a:p>
+        </p:txBody>
+      </p:sp>
+      <p:pic>
+        <p:nvPicPr>
+          <p:cNvPr id="6" name="Picture 5">
+            <a:extLst>
+              <a:ext uri="{FF2B5EF4-FFF2-40B4-BE49-F238E27FC236}">
+                <a16:creationId xmlns:a16="http://schemas.microsoft.com/office/drawing/2014/main" id="{0F4C4F96-19B6-41F1-984D-58CA76452194}"/>
+              </a:ext>
+            </a:extLst>
+          </p:cNvPr>
+          <p:cNvPicPr>
+            <a:picLocks noChangeAspect="1"/>
+          </p:cNvPicPr>
+          <p:nvPr/>
+        </p:nvPicPr>
+        <p:blipFill>
+          <a:blip r:embed="rId2"/>
+          <a:stretch>
+            <a:fillRect/>
+          </a:stretch>
+        </p:blipFill>
+        <p:spPr>
+          <a:xfrm>
+            <a:off x="2915816" y="4446341"/>
+            <a:ext cx="2622357" cy="2327442"/>
+          </a:xfrm>
+          <a:prstGeom prst="rect">
+            <a:avLst/>
+          </a:prstGeom>
+        </p:spPr>
+      </p:pic>
+    </p:spTree>
+    <p:extLst>
+      <p:ext uri="{BB962C8B-B14F-4D97-AF65-F5344CB8AC3E}">
+        <p14:creationId xmlns:p14="http://schemas.microsoft.com/office/powerpoint/2010/main" val="609299172"/>
+      </p:ext>
+    </p:extLst>
+  </p:cSld>
+  <p:clrMapOvr>
+    <a:masterClrMapping/>
+  </p:clrMapOvr>
+</p:sld>
+</file>
+
+<file path=ppt/slides/slide33.xml><?xml version="1.0" encoding="utf-8"?>
+<p:sld xmlns:a="http://schemas.openxmlformats.org/drawingml/2006/main" xmlns:r="http://schemas.openxmlformats.org/officeDocument/2006/relationships" xmlns:p="http://schemas.openxmlformats.org/presentationml/2006/main">
+  <p:cSld>
+    <p:spTree>
+      <p:nvGrpSpPr>
+        <p:cNvPr id="1" name=""/>
+        <p:cNvGrpSpPr/>
+        <p:nvPr/>
+      </p:nvGrpSpPr>
+      <p:grpSpPr>
+        <a:xfrm>
+          <a:off x="0" y="0"/>
+          <a:ext cx="0" cy="0"/>
+          <a:chOff x="0" y="0"/>
+          <a:chExt cx="0" cy="0"/>
+        </a:xfrm>
+      </p:grpSpPr>
+      <p:sp>
+        <p:nvSpPr>
+          <p:cNvPr id="4098" name="TextBox 2">
+            <a:extLst>
+              <a:ext uri="{FF2B5EF4-FFF2-40B4-BE49-F238E27FC236}">
+                <a16:creationId xmlns:a16="http://schemas.microsoft.com/office/drawing/2014/main" id="{5552ED83-0001-4E47-A09B-F49C592A8E24}"/>
+              </a:ext>
+            </a:extLst>
+          </p:cNvPr>
+          <p:cNvSpPr txBox="1">
+            <a:spLocks noChangeArrowheads="1"/>
+          </p:cNvSpPr>
+          <p:nvPr/>
+        </p:nvSpPr>
+        <p:spPr bwMode="auto">
+          <a:xfrm>
+            <a:off x="12118" y="84217"/>
+            <a:ext cx="8736346" cy="830997"/>
+          </a:xfrm>
+          <a:prstGeom prst="rect">
+            <a:avLst/>
+          </a:prstGeom>
+          <a:noFill/>
+          <a:ln>
+            <a:noFill/>
+          </a:ln>
+          <a:extLst>
+            <a:ext uri="{909E8E84-426E-40DD-AFC4-6F175D3DCCD1}">
+              <a14:hiddenFill xmlns:a14="http://schemas.microsoft.com/office/drawing/2010/main">
+                <a:solidFill>
+                  <a:srgbClr val="FFFFFF"/>
+                </a:solidFill>
+              </a14:hiddenFill>
+            </a:ext>
+            <a:ext uri="{91240B29-F687-4F45-9708-019B960494DF}">
+              <a14:hiddenLine xmlns:a14="http://schemas.microsoft.com/office/drawing/2010/main" w="9525">
+                <a:solidFill>
+                  <a:srgbClr val="000000"/>
+                </a:solidFill>
+                <a:miter lim="800000"/>
+                <a:headEnd/>
+                <a:tailEnd/>
+              </a14:hiddenLine>
+            </a:ext>
+          </a:extLst>
+        </p:spPr>
+        <p:txBody>
+          <a:bodyPr wrap="square">
+            <a:spAutoFit/>
+          </a:bodyPr>
+          <a:lstStyle>
+            <a:lvl1pPr eaLnBrk="0" hangingPunct="0">
+              <a:defRPr>
+                <a:solidFill>
+                  <a:schemeClr val="tx1"/>
+                </a:solidFill>
+                <a:latin typeface="Arial" panose="020B0604020202020204" pitchFamily="34" charset="0"/>
+                <a:ea typeface="宋体" panose="02010600030101010101" pitchFamily="2" charset="-122"/>
+              </a:defRPr>
+            </a:lvl1pPr>
+            <a:lvl2pPr marL="742950" indent="-285750" eaLnBrk="0" hangingPunct="0">
+              <a:defRPr>
+                <a:solidFill>
+                  <a:schemeClr val="tx1"/>
+                </a:solidFill>
+                <a:latin typeface="Arial" panose="020B0604020202020204" pitchFamily="34" charset="0"/>
+                <a:ea typeface="宋体" panose="02010600030101010101" pitchFamily="2" charset="-122"/>
+              </a:defRPr>
+            </a:lvl2pPr>
+            <a:lvl3pPr marL="1143000" indent="-228600" eaLnBrk="0" hangingPunct="0">
+              <a:defRPr>
+                <a:solidFill>
+                  <a:schemeClr val="tx1"/>
+                </a:solidFill>
+                <a:latin typeface="Arial" panose="020B0604020202020204" pitchFamily="34" charset="0"/>
+                <a:ea typeface="宋体" panose="02010600030101010101" pitchFamily="2" charset="-122"/>
+              </a:defRPr>
+            </a:lvl3pPr>
+            <a:lvl4pPr marL="1600200" indent="-228600" eaLnBrk="0" hangingPunct="0">
+              <a:defRPr>
+                <a:solidFill>
+                  <a:schemeClr val="tx1"/>
+                </a:solidFill>
+                <a:latin typeface="Arial" panose="020B0604020202020204" pitchFamily="34" charset="0"/>
+                <a:ea typeface="宋体" panose="02010600030101010101" pitchFamily="2" charset="-122"/>
+              </a:defRPr>
+            </a:lvl4pPr>
+            <a:lvl5pPr marL="2057400" indent="-228600" eaLnBrk="0" hangingPunct="0">
+              <a:defRPr>
+                <a:solidFill>
+                  <a:schemeClr val="tx1"/>
+                </a:solidFill>
+                <a:latin typeface="Arial" panose="020B0604020202020204" pitchFamily="34" charset="0"/>
+                <a:ea typeface="宋体" panose="02010600030101010101" pitchFamily="2" charset="-122"/>
+              </a:defRPr>
+            </a:lvl5pPr>
+            <a:lvl6pPr marL="2514600" indent="-228600" eaLnBrk="0" fontAlgn="base" hangingPunct="0">
+              <a:spcBef>
+                <a:spcPct val="0"/>
+              </a:spcBef>
+              <a:spcAft>
+                <a:spcPct val="0"/>
+              </a:spcAft>
+              <a:defRPr>
+                <a:solidFill>
+                  <a:schemeClr val="tx1"/>
+                </a:solidFill>
+                <a:latin typeface="Arial" panose="020B0604020202020204" pitchFamily="34" charset="0"/>
+                <a:ea typeface="宋体" panose="02010600030101010101" pitchFamily="2" charset="-122"/>
+              </a:defRPr>
+            </a:lvl6pPr>
+            <a:lvl7pPr marL="2971800" indent="-228600" eaLnBrk="0" fontAlgn="base" hangingPunct="0">
+              <a:spcBef>
+                <a:spcPct val="0"/>
+              </a:spcBef>
+              <a:spcAft>
+                <a:spcPct val="0"/>
+              </a:spcAft>
+              <a:defRPr>
+                <a:solidFill>
+                  <a:schemeClr val="tx1"/>
+                </a:solidFill>
+                <a:latin typeface="Arial" panose="020B0604020202020204" pitchFamily="34" charset="0"/>
+                <a:ea typeface="宋体" panose="02010600030101010101" pitchFamily="2" charset="-122"/>
+              </a:defRPr>
+            </a:lvl7pPr>
+            <a:lvl8pPr marL="3429000" indent="-228600" eaLnBrk="0" fontAlgn="base" hangingPunct="0">
+              <a:spcBef>
+                <a:spcPct val="0"/>
+              </a:spcBef>
+              <a:spcAft>
+                <a:spcPct val="0"/>
+              </a:spcAft>
+              <a:defRPr>
+                <a:solidFill>
+                  <a:schemeClr val="tx1"/>
+                </a:solidFill>
+                <a:latin typeface="Arial" panose="020B0604020202020204" pitchFamily="34" charset="0"/>
+                <a:ea typeface="宋体" panose="02010600030101010101" pitchFamily="2" charset="-122"/>
+              </a:defRPr>
+            </a:lvl8pPr>
+            <a:lvl9pPr marL="3886200" indent="-228600" eaLnBrk="0" fontAlgn="base" hangingPunct="0">
+              <a:spcBef>
+                <a:spcPct val="0"/>
+              </a:spcBef>
+              <a:spcAft>
+                <a:spcPct val="0"/>
+              </a:spcAft>
+              <a:defRPr>
+                <a:solidFill>
+                  <a:schemeClr val="tx1"/>
+                </a:solidFill>
+                <a:latin typeface="Arial" panose="020B0604020202020204" pitchFamily="34" charset="0"/>
+                <a:ea typeface="宋体" panose="02010600030101010101" pitchFamily="2" charset="-122"/>
+              </a:defRPr>
+            </a:lvl9pPr>
+          </a:lstStyle>
+          <a:p>
+            <a:pPr eaLnBrk="1" hangingPunct="1"/>
+            <a:r>
+              <a:rPr lang="zh-CN" altLang="en-US" sz="4800" dirty="0">
+                <a:solidFill>
+                  <a:schemeClr val="bg1"/>
+                </a:solidFill>
+                <a:latin typeface="微软雅黑" panose="020B0503020204020204" pitchFamily="34" charset="-122"/>
+                <a:ea typeface="微软雅黑" panose="020B0503020204020204" pitchFamily="34" charset="-122"/>
+              </a:rPr>
+              <a:t>高级场景</a:t>
+            </a:r>
+            <a:r>
+              <a:rPr lang="en-US" altLang="zh-CN" sz="4800" dirty="0">
+                <a:solidFill>
+                  <a:schemeClr val="bg1"/>
+                </a:solidFill>
+                <a:latin typeface="微软雅黑" panose="020B0503020204020204" pitchFamily="34" charset="-122"/>
+                <a:ea typeface="微软雅黑" panose="020B0503020204020204" pitchFamily="34" charset="-122"/>
+              </a:rPr>
+              <a:t>7</a:t>
+            </a:r>
+            <a:r>
+              <a:rPr lang="zh-CN" altLang="en-US" sz="4800" dirty="0">
+                <a:solidFill>
+                  <a:schemeClr val="bg1"/>
+                </a:solidFill>
+                <a:latin typeface="微软雅黑" panose="020B0503020204020204" pitchFamily="34" charset="-122"/>
+                <a:ea typeface="微软雅黑" panose="020B0503020204020204" pitchFamily="34" charset="-122"/>
+              </a:rPr>
+              <a:t> </a:t>
+            </a:r>
+            <a:r>
+              <a:rPr lang="en-US" altLang="zh-CN" sz="4800" dirty="0">
+                <a:solidFill>
+                  <a:schemeClr val="bg1"/>
+                </a:solidFill>
+                <a:latin typeface="微软雅黑" pitchFamily="34" charset="-122"/>
+                <a:ea typeface="微软雅黑" pitchFamily="34" charset="-122"/>
+              </a:rPr>
+              <a:t>– </a:t>
+            </a:r>
+            <a:r>
+              <a:rPr lang="zh-CN" altLang="en-US" sz="4800" dirty="0">
+                <a:solidFill>
+                  <a:schemeClr val="bg1"/>
+                </a:solidFill>
+                <a:latin typeface="微软雅黑" pitchFamily="34" charset="-122"/>
+                <a:ea typeface="微软雅黑" pitchFamily="34" charset="-122"/>
+              </a:rPr>
+              <a:t>如何找到附近的人</a:t>
+            </a:r>
+          </a:p>
+        </p:txBody>
+      </p:sp>
+      <p:sp>
+        <p:nvSpPr>
+          <p:cNvPr id="10" name="TextBox 9">
+            <a:extLst>
+              <a:ext uri="{FF2B5EF4-FFF2-40B4-BE49-F238E27FC236}">
+                <a16:creationId xmlns:a16="http://schemas.microsoft.com/office/drawing/2014/main" id="{6C65DFA7-0E5F-49E5-88D4-5AD68B41A2B2}"/>
+              </a:ext>
+            </a:extLst>
+          </p:cNvPr>
+          <p:cNvSpPr txBox="1"/>
+          <p:nvPr/>
+        </p:nvSpPr>
+        <p:spPr>
+          <a:xfrm>
+            <a:off x="35496" y="908720"/>
+            <a:ext cx="9096385" cy="646331"/>
+          </a:xfrm>
+          <a:prstGeom prst="rect">
+            <a:avLst/>
+          </a:prstGeom>
+          <a:noFill/>
+        </p:spPr>
+        <p:txBody>
+          <a:bodyPr wrap="square">
+            <a:spAutoFit/>
+          </a:bodyPr>
+          <a:lstStyle/>
+          <a:p>
+            <a:pPr>
+              <a:defRPr/>
+            </a:pPr>
+            <a:r>
+              <a:rPr lang="en-US" altLang="zh-CN" sz="3600" dirty="0">
+                <a:solidFill>
+                  <a:schemeClr val="bg1"/>
+                </a:solidFill>
+                <a:latin typeface="微软雅黑" pitchFamily="34" charset="-122"/>
+                <a:ea typeface="微软雅黑" pitchFamily="34" charset="-122"/>
+              </a:rPr>
+              <a:t>	</a:t>
+            </a:r>
+          </a:p>
+        </p:txBody>
+      </p:sp>
+      <p:sp>
+        <p:nvSpPr>
+          <p:cNvPr id="5" name="TextBox 4">
+            <a:extLst>
+              <a:ext uri="{FF2B5EF4-FFF2-40B4-BE49-F238E27FC236}">
+                <a16:creationId xmlns:a16="http://schemas.microsoft.com/office/drawing/2014/main" id="{4AD34F77-EB74-4FBE-9BF1-C2F0F5AAA337}"/>
+              </a:ext>
+            </a:extLst>
+          </p:cNvPr>
+          <p:cNvSpPr txBox="1"/>
+          <p:nvPr/>
+        </p:nvSpPr>
+        <p:spPr>
+          <a:xfrm>
+            <a:off x="35496" y="908720"/>
+            <a:ext cx="9096385" cy="646331"/>
+          </a:xfrm>
+          <a:prstGeom prst="rect">
+            <a:avLst/>
+          </a:prstGeom>
+          <a:noFill/>
+        </p:spPr>
+        <p:txBody>
+          <a:bodyPr wrap="square">
+            <a:spAutoFit/>
+          </a:bodyPr>
+          <a:lstStyle/>
+          <a:p>
+            <a:pPr>
+              <a:defRPr/>
+            </a:pPr>
+            <a:r>
+              <a:rPr lang="en-US" altLang="zh-CN" sz="3600" dirty="0">
+                <a:solidFill>
+                  <a:schemeClr val="bg1"/>
+                </a:solidFill>
+                <a:latin typeface="微软雅黑" pitchFamily="34" charset="-122"/>
+                <a:ea typeface="微软雅黑" pitchFamily="34" charset="-122"/>
+              </a:rPr>
+              <a:t>	</a:t>
+            </a:r>
+            <a:r>
+              <a:rPr lang="zh-CN" altLang="en-US" sz="3600" dirty="0">
+                <a:solidFill>
+                  <a:schemeClr val="bg1"/>
+                </a:solidFill>
+                <a:latin typeface="微软雅黑" pitchFamily="34" charset="-122"/>
+                <a:ea typeface="微软雅黑" pitchFamily="34" charset="-122"/>
+              </a:rPr>
+              <a:t>业界普遍使用的是</a:t>
+            </a:r>
+            <a:r>
+              <a:rPr lang="en-US" altLang="zh-CN" sz="3600" dirty="0" err="1">
+                <a:solidFill>
+                  <a:schemeClr val="bg1"/>
+                </a:solidFill>
+                <a:latin typeface="微软雅黑" pitchFamily="34" charset="-122"/>
+                <a:ea typeface="微软雅黑" pitchFamily="34" charset="-122"/>
+              </a:rPr>
+              <a:t>GeoHash</a:t>
+            </a:r>
+            <a:r>
+              <a:rPr lang="zh-CN" altLang="en-US" sz="3600" dirty="0">
+                <a:solidFill>
+                  <a:schemeClr val="bg1"/>
+                </a:solidFill>
+                <a:latin typeface="微软雅黑" pitchFamily="34" charset="-122"/>
+                <a:ea typeface="微软雅黑" pitchFamily="34" charset="-122"/>
+              </a:rPr>
+              <a:t>算法</a:t>
+            </a:r>
+            <a:endParaRPr lang="en-US" altLang="zh-CN" sz="3600" dirty="0">
+              <a:solidFill>
+                <a:schemeClr val="bg1"/>
+              </a:solidFill>
+              <a:latin typeface="微软雅黑" pitchFamily="34" charset="-122"/>
+              <a:ea typeface="微软雅黑" pitchFamily="34" charset="-122"/>
+            </a:endParaRPr>
+          </a:p>
+        </p:txBody>
+      </p:sp>
+      <p:pic>
+        <p:nvPicPr>
+          <p:cNvPr id="2" name="Picture 1">
+            <a:extLst>
+              <a:ext uri="{FF2B5EF4-FFF2-40B4-BE49-F238E27FC236}">
+                <a16:creationId xmlns:a16="http://schemas.microsoft.com/office/drawing/2014/main" id="{AF82E8E7-8945-40EA-AE71-E1C06C80D987}"/>
+              </a:ext>
+            </a:extLst>
+          </p:cNvPr>
+          <p:cNvPicPr>
+            <a:picLocks noChangeAspect="1"/>
+          </p:cNvPicPr>
+          <p:nvPr/>
+        </p:nvPicPr>
+        <p:blipFill>
+          <a:blip r:embed="rId2"/>
+          <a:stretch>
+            <a:fillRect/>
+          </a:stretch>
+        </p:blipFill>
+        <p:spPr>
+          <a:xfrm>
+            <a:off x="2267744" y="1555051"/>
+            <a:ext cx="4347999" cy="4347999"/>
+          </a:xfrm>
+          <a:prstGeom prst="rect">
+            <a:avLst/>
+          </a:prstGeom>
+        </p:spPr>
+      </p:pic>
+      <p:sp>
+        <p:nvSpPr>
+          <p:cNvPr id="7" name="TextBox 6">
+            <a:extLst>
+              <a:ext uri="{FF2B5EF4-FFF2-40B4-BE49-F238E27FC236}">
+                <a16:creationId xmlns:a16="http://schemas.microsoft.com/office/drawing/2014/main" id="{38EB8790-6B6A-4877-A36D-BC7CAD25F15E}"/>
+              </a:ext>
+            </a:extLst>
+          </p:cNvPr>
+          <p:cNvSpPr txBox="1"/>
+          <p:nvPr/>
+        </p:nvSpPr>
+        <p:spPr>
+          <a:xfrm>
+            <a:off x="-252536" y="5953748"/>
+            <a:ext cx="9096385" cy="646331"/>
+          </a:xfrm>
+          <a:prstGeom prst="rect">
+            <a:avLst/>
+          </a:prstGeom>
+          <a:noFill/>
+        </p:spPr>
+        <p:txBody>
+          <a:bodyPr wrap="square">
+            <a:spAutoFit/>
+          </a:bodyPr>
+          <a:lstStyle/>
+          <a:p>
+            <a:pPr>
+              <a:defRPr/>
+            </a:pPr>
+            <a:r>
+              <a:rPr lang="en-US" altLang="zh-CN" sz="3600" dirty="0">
+                <a:solidFill>
+                  <a:schemeClr val="bg1"/>
+                </a:solidFill>
+                <a:latin typeface="微软雅黑" pitchFamily="34" charset="-122"/>
+                <a:ea typeface="微软雅黑" pitchFamily="34" charset="-122"/>
+              </a:rPr>
+              <a:t>	1,</a:t>
+            </a:r>
+            <a:r>
+              <a:rPr lang="zh-CN" altLang="en-US" sz="3600" dirty="0">
+                <a:solidFill>
+                  <a:schemeClr val="bg1"/>
+                </a:solidFill>
+                <a:latin typeface="微软雅黑" pitchFamily="34" charset="-122"/>
+                <a:ea typeface="微软雅黑" pitchFamily="34" charset="-122"/>
+              </a:rPr>
+              <a:t> </a:t>
+            </a:r>
+            <a:r>
+              <a:rPr lang="en-US" altLang="zh-CN" sz="3600" dirty="0">
+                <a:solidFill>
+                  <a:schemeClr val="bg1"/>
+                </a:solidFill>
+                <a:latin typeface="微软雅黑" pitchFamily="34" charset="-122"/>
+                <a:ea typeface="微软雅黑" pitchFamily="34" charset="-122"/>
+              </a:rPr>
+              <a:t>21,</a:t>
+            </a:r>
+            <a:r>
+              <a:rPr lang="zh-CN" altLang="en-US" sz="3600" dirty="0">
+                <a:solidFill>
+                  <a:schemeClr val="bg1"/>
+                </a:solidFill>
+                <a:latin typeface="微软雅黑" pitchFamily="34" charset="-122"/>
+                <a:ea typeface="微软雅黑" pitchFamily="34" charset="-122"/>
+              </a:rPr>
+              <a:t> </a:t>
+            </a:r>
+            <a:r>
+              <a:rPr lang="en-US" altLang="zh-CN" sz="3600" dirty="0">
+                <a:solidFill>
+                  <a:srgbClr val="FFC000"/>
+                </a:solidFill>
+                <a:latin typeface="微软雅黑" pitchFamily="34" charset="-122"/>
+                <a:ea typeface="微软雅黑" pitchFamily="34" charset="-122"/>
+              </a:rPr>
+              <a:t>22</a:t>
+            </a:r>
+            <a:r>
+              <a:rPr lang="en-US" altLang="zh-CN" sz="3600" dirty="0">
+                <a:solidFill>
+                  <a:schemeClr val="bg1"/>
+                </a:solidFill>
+                <a:latin typeface="微软雅黑" pitchFamily="34" charset="-122"/>
+                <a:ea typeface="微软雅黑" pitchFamily="34" charset="-122"/>
+              </a:rPr>
+              <a:t>1,</a:t>
+            </a:r>
+            <a:r>
+              <a:rPr lang="zh-CN" altLang="en-US" sz="3600" dirty="0">
+                <a:solidFill>
+                  <a:schemeClr val="bg1"/>
+                </a:solidFill>
+                <a:latin typeface="微软雅黑" pitchFamily="34" charset="-122"/>
+                <a:ea typeface="微软雅黑" pitchFamily="34" charset="-122"/>
+              </a:rPr>
+              <a:t> </a:t>
+            </a:r>
+            <a:r>
+              <a:rPr lang="en-US" altLang="zh-CN" sz="3600" dirty="0">
+                <a:solidFill>
+                  <a:srgbClr val="FFC000"/>
+                </a:solidFill>
+                <a:latin typeface="微软雅黑" pitchFamily="34" charset="-122"/>
+                <a:ea typeface="微软雅黑" pitchFamily="34" charset="-122"/>
+              </a:rPr>
+              <a:t>22</a:t>
+            </a:r>
+            <a:r>
+              <a:rPr lang="en-US" altLang="zh-CN" sz="3600" dirty="0">
+                <a:solidFill>
+                  <a:schemeClr val="bg1"/>
+                </a:solidFill>
+                <a:latin typeface="微软雅黑" pitchFamily="34" charset="-122"/>
+                <a:ea typeface="微软雅黑" pitchFamily="34" charset="-122"/>
+              </a:rPr>
+              <a:t>2,</a:t>
+            </a:r>
+            <a:r>
+              <a:rPr lang="zh-CN" altLang="en-US" sz="3600" dirty="0">
+                <a:solidFill>
+                  <a:schemeClr val="bg1"/>
+                </a:solidFill>
+                <a:latin typeface="微软雅黑" pitchFamily="34" charset="-122"/>
+                <a:ea typeface="微软雅黑" pitchFamily="34" charset="-122"/>
+              </a:rPr>
+              <a:t> </a:t>
+            </a:r>
+            <a:r>
+              <a:rPr lang="en-US" altLang="zh-CN" sz="3600" dirty="0">
+                <a:solidFill>
+                  <a:srgbClr val="FFC000"/>
+                </a:solidFill>
+                <a:latin typeface="微软雅黑" pitchFamily="34" charset="-122"/>
+                <a:ea typeface="微软雅黑" pitchFamily="34" charset="-122"/>
+              </a:rPr>
+              <a:t>22</a:t>
+            </a:r>
+            <a:r>
+              <a:rPr lang="en-US" altLang="zh-CN" sz="3600" dirty="0">
+                <a:solidFill>
+                  <a:schemeClr val="bg1"/>
+                </a:solidFill>
+                <a:latin typeface="微软雅黑" pitchFamily="34" charset="-122"/>
+                <a:ea typeface="微软雅黑" pitchFamily="34" charset="-122"/>
+              </a:rPr>
+              <a:t>3,</a:t>
+            </a:r>
+            <a:r>
+              <a:rPr lang="zh-CN" altLang="en-US" sz="3600" dirty="0">
+                <a:solidFill>
+                  <a:schemeClr val="bg1"/>
+                </a:solidFill>
+                <a:latin typeface="微软雅黑" pitchFamily="34" charset="-122"/>
+                <a:ea typeface="微软雅黑" pitchFamily="34" charset="-122"/>
+              </a:rPr>
+              <a:t> </a:t>
+            </a:r>
+            <a:r>
+              <a:rPr lang="en-US" altLang="zh-CN" sz="3600" dirty="0">
+                <a:solidFill>
+                  <a:srgbClr val="FFC000"/>
+                </a:solidFill>
+                <a:latin typeface="微软雅黑" pitchFamily="34" charset="-122"/>
+                <a:ea typeface="微软雅黑" pitchFamily="34" charset="-122"/>
+              </a:rPr>
+              <a:t>22</a:t>
+            </a:r>
+            <a:r>
+              <a:rPr lang="en-US" altLang="zh-CN" sz="3600" dirty="0">
+                <a:solidFill>
+                  <a:schemeClr val="bg1"/>
+                </a:solidFill>
+                <a:latin typeface="微软雅黑" pitchFamily="34" charset="-122"/>
+                <a:ea typeface="微软雅黑" pitchFamily="34" charset="-122"/>
+              </a:rPr>
+              <a:t>4,</a:t>
+            </a:r>
+            <a:r>
+              <a:rPr lang="zh-CN" altLang="en-US" sz="3600" dirty="0">
+                <a:solidFill>
+                  <a:schemeClr val="bg1"/>
+                </a:solidFill>
+                <a:latin typeface="微软雅黑" pitchFamily="34" charset="-122"/>
+                <a:ea typeface="微软雅黑" pitchFamily="34" charset="-122"/>
+              </a:rPr>
+              <a:t> </a:t>
+            </a:r>
+            <a:r>
+              <a:rPr lang="en-US" altLang="zh-CN" sz="3600" dirty="0">
+                <a:solidFill>
+                  <a:schemeClr val="bg1"/>
+                </a:solidFill>
+                <a:latin typeface="微软雅黑" pitchFamily="34" charset="-122"/>
+                <a:ea typeface="微软雅黑" pitchFamily="34" charset="-122"/>
+              </a:rPr>
+              <a:t>23,</a:t>
+            </a:r>
+            <a:r>
+              <a:rPr lang="zh-CN" altLang="en-US" sz="3600" dirty="0">
+                <a:solidFill>
+                  <a:schemeClr val="bg1"/>
+                </a:solidFill>
+                <a:latin typeface="微软雅黑" pitchFamily="34" charset="-122"/>
+                <a:ea typeface="微软雅黑" pitchFamily="34" charset="-122"/>
+              </a:rPr>
+              <a:t> </a:t>
+            </a:r>
+            <a:r>
+              <a:rPr lang="en-US" altLang="zh-CN" sz="3600" dirty="0">
+                <a:solidFill>
+                  <a:schemeClr val="bg1"/>
+                </a:solidFill>
+                <a:latin typeface="微软雅黑" pitchFamily="34" charset="-122"/>
+                <a:ea typeface="微软雅黑" pitchFamily="34" charset="-122"/>
+              </a:rPr>
+              <a:t>24,</a:t>
+            </a:r>
+            <a:r>
+              <a:rPr lang="zh-CN" altLang="en-US" sz="3600" dirty="0">
+                <a:solidFill>
+                  <a:schemeClr val="bg1"/>
+                </a:solidFill>
+                <a:latin typeface="微软雅黑" pitchFamily="34" charset="-122"/>
+                <a:ea typeface="微软雅黑" pitchFamily="34" charset="-122"/>
+              </a:rPr>
+              <a:t> </a:t>
+            </a:r>
+            <a:r>
+              <a:rPr lang="en-US" altLang="zh-CN" sz="3600" dirty="0">
+                <a:solidFill>
+                  <a:schemeClr val="bg1"/>
+                </a:solidFill>
+                <a:latin typeface="微软雅黑" pitchFamily="34" charset="-122"/>
+                <a:ea typeface="微软雅黑" pitchFamily="34" charset="-122"/>
+              </a:rPr>
+              <a:t>3,</a:t>
+            </a:r>
+            <a:r>
+              <a:rPr lang="zh-CN" altLang="en-US" sz="3600" dirty="0">
+                <a:solidFill>
+                  <a:schemeClr val="bg1"/>
+                </a:solidFill>
+                <a:latin typeface="微软雅黑" pitchFamily="34" charset="-122"/>
+                <a:ea typeface="微软雅黑" pitchFamily="34" charset="-122"/>
+              </a:rPr>
+              <a:t> </a:t>
+            </a:r>
+            <a:r>
+              <a:rPr lang="en-US" altLang="zh-CN" sz="3600" dirty="0">
+                <a:solidFill>
+                  <a:schemeClr val="bg1"/>
+                </a:solidFill>
+                <a:latin typeface="微软雅黑" pitchFamily="34" charset="-122"/>
+                <a:ea typeface="微软雅黑" pitchFamily="34" charset="-122"/>
+              </a:rPr>
+              <a:t>4</a:t>
+            </a:r>
+          </a:p>
+        </p:txBody>
+      </p:sp>
+    </p:spTree>
+    <p:extLst>
+      <p:ext uri="{BB962C8B-B14F-4D97-AF65-F5344CB8AC3E}">
+        <p14:creationId xmlns:p14="http://schemas.microsoft.com/office/powerpoint/2010/main" val="2796769551"/>
+      </p:ext>
+    </p:extLst>
+  </p:cSld>
+  <p:clrMapOvr>
+    <a:masterClrMapping/>
+  </p:clrMapOvr>
+</p:sld>
+</file>
+
+<file path=ppt/slides/slide34.xml><?xml version="1.0" encoding="utf-8"?>
+<p:sld xmlns:a="http://schemas.openxmlformats.org/drawingml/2006/main" xmlns:r="http://schemas.openxmlformats.org/officeDocument/2006/relationships" xmlns:p="http://schemas.openxmlformats.org/presentationml/2006/main">
+  <p:cSld>
+    <p:spTree>
+      <p:nvGrpSpPr>
+        <p:cNvPr id="1" name=""/>
+        <p:cNvGrpSpPr/>
+        <p:nvPr/>
+      </p:nvGrpSpPr>
+      <p:grpSpPr>
+        <a:xfrm>
+          <a:off x="0" y="0"/>
+          <a:ext cx="0" cy="0"/>
+          <a:chOff x="0" y="0"/>
+          <a:chExt cx="0" cy="0"/>
+        </a:xfrm>
+      </p:grpSpPr>
+      <p:sp>
+        <p:nvSpPr>
+          <p:cNvPr id="5122" name="Rectangle 2">
+            <a:extLst>
+              <a:ext uri="{FF2B5EF4-FFF2-40B4-BE49-F238E27FC236}">
+                <a16:creationId xmlns:a16="http://schemas.microsoft.com/office/drawing/2014/main" id="{DA0A6638-A01B-4ADE-AF93-1C7B857D9914}"/>
+              </a:ext>
+            </a:extLst>
+          </p:cNvPr>
+          <p:cNvSpPr>
+            <a:spLocks noGrp="1" noChangeArrowheads="1"/>
+          </p:cNvSpPr>
+          <p:nvPr>
+            <p:ph type="ctrTitle"/>
+          </p:nvPr>
+        </p:nvSpPr>
+        <p:spPr>
+          <a:xfrm>
+            <a:off x="684213" y="2133600"/>
+            <a:ext cx="7847012" cy="2159000"/>
+          </a:xfrm>
+        </p:spPr>
+        <p:txBody>
+          <a:bodyPr/>
+          <a:lstStyle/>
+          <a:p>
+            <a:pPr eaLnBrk="1" hangingPunct="1"/>
+            <a:br>
+              <a:rPr lang="en-US" altLang="zh-CN" sz="8000" dirty="0">
+                <a:solidFill>
+                  <a:schemeClr val="bg1"/>
+                </a:solidFill>
+                <a:ea typeface="微软雅黑" panose="020B0503020204020204" pitchFamily="34" charset="-122"/>
+              </a:rPr>
+            </a:br>
+            <a:r>
+              <a:rPr lang="en-US" altLang="zh-CN" sz="6600" dirty="0">
+                <a:solidFill>
+                  <a:schemeClr val="bg1"/>
+                </a:solidFill>
+                <a:ea typeface="微软雅黑" panose="020B0503020204020204" pitchFamily="34" charset="-122"/>
+              </a:rPr>
+              <a:t>Q &amp; A</a:t>
+            </a:r>
+            <a:br>
+              <a:rPr lang="zh-CN" altLang="en-US" sz="7200" dirty="0">
+                <a:solidFill>
+                  <a:schemeClr val="bg1"/>
+                </a:solidFill>
+                <a:ea typeface="微软雅黑" panose="020B0503020204020204" pitchFamily="34" charset="-122"/>
+              </a:rPr>
+            </a:br>
+            <a:endParaRPr lang="zh-CN" altLang="en-US" sz="7200" dirty="0">
+              <a:solidFill>
+                <a:schemeClr val="bg1"/>
+              </a:solidFill>
+              <a:ea typeface="微软雅黑" panose="020B0503020204020204" pitchFamily="34" charset="-122"/>
+            </a:endParaRPr>
+          </a:p>
+        </p:txBody>
+      </p:sp>
+    </p:spTree>
+    <p:extLst>
+      <p:ext uri="{BB962C8B-B14F-4D97-AF65-F5344CB8AC3E}">
+        <p14:creationId xmlns:p14="http://schemas.microsoft.com/office/powerpoint/2010/main" val="1068010669"/>
+      </p:ext>
+    </p:extLst>
   </p:cSld>
   <p:clrMapOvr>
     <a:masterClrMapping/>

--- a/doc/SD_EP01_Redis_Adv_Application.pptx
+++ b/doc/SD_EP01_Redis_Adv_Application.pptx
@@ -39,7 +39,9 @@
     <p:sldId id="323" r:id="rId33"/>
     <p:sldId id="324" r:id="rId34"/>
     <p:sldId id="325" r:id="rId35"/>
-    <p:sldId id="294" r:id="rId36"/>
+    <p:sldId id="326" r:id="rId36"/>
+    <p:sldId id="327" r:id="rId37"/>
+    <p:sldId id="294" r:id="rId38"/>
   </p:sldIdLst>
   <p:sldSz cx="9144000" cy="6858000" type="screen4x3"/>
   <p:notesSz cx="6858000" cy="9144000"/>
@@ -18378,6 +18380,609 @@
 </file>
 
 <file path=ppt/slides/slide34.xml><?xml version="1.0" encoding="utf-8"?>
+<p:sld xmlns:a="http://schemas.openxmlformats.org/drawingml/2006/main" xmlns:r="http://schemas.openxmlformats.org/officeDocument/2006/relationships" xmlns:p="http://schemas.openxmlformats.org/presentationml/2006/main">
+  <p:cSld>
+    <p:spTree>
+      <p:nvGrpSpPr>
+        <p:cNvPr id="1" name=""/>
+        <p:cNvGrpSpPr/>
+        <p:nvPr/>
+      </p:nvGrpSpPr>
+      <p:grpSpPr>
+        <a:xfrm>
+          <a:off x="0" y="0"/>
+          <a:ext cx="0" cy="0"/>
+          <a:chOff x="0" y="0"/>
+          <a:chExt cx="0" cy="0"/>
+        </a:xfrm>
+      </p:grpSpPr>
+      <p:sp>
+        <p:nvSpPr>
+          <p:cNvPr id="5122" name="Rectangle 2">
+            <a:extLst>
+              <a:ext uri="{FF2B5EF4-FFF2-40B4-BE49-F238E27FC236}">
+                <a16:creationId xmlns:a16="http://schemas.microsoft.com/office/drawing/2014/main" id="{DA0A6638-A01B-4ADE-AF93-1C7B857D9914}"/>
+              </a:ext>
+            </a:extLst>
+          </p:cNvPr>
+          <p:cNvSpPr>
+            <a:spLocks noGrp="1" noChangeArrowheads="1"/>
+          </p:cNvSpPr>
+          <p:nvPr>
+            <p:ph type="ctrTitle"/>
+          </p:nvPr>
+        </p:nvSpPr>
+        <p:spPr>
+          <a:xfrm>
+            <a:off x="684213" y="2133600"/>
+            <a:ext cx="7847012" cy="2159000"/>
+          </a:xfrm>
+        </p:spPr>
+        <p:txBody>
+          <a:bodyPr/>
+          <a:lstStyle/>
+          <a:p>
+            <a:pPr eaLnBrk="1" hangingPunct="1"/>
+            <a:br>
+              <a:rPr lang="en-US" altLang="zh-CN" sz="8000" dirty="0">
+                <a:solidFill>
+                  <a:schemeClr val="bg1"/>
+                </a:solidFill>
+                <a:ea typeface="微软雅黑" panose="020B0503020204020204" pitchFamily="34" charset="-122"/>
+              </a:rPr>
+            </a:br>
+            <a:r>
+              <a:rPr lang="zh-CN" altLang="en-US" sz="7200" dirty="0">
+                <a:solidFill>
+                  <a:schemeClr val="bg1"/>
+                </a:solidFill>
+                <a:latin typeface="微软雅黑" pitchFamily="34" charset="-122"/>
+                <a:ea typeface="微软雅黑" pitchFamily="34" charset="-122"/>
+              </a:rPr>
+              <a:t>缓存穿透</a:t>
+            </a:r>
+            <a:br>
+              <a:rPr lang="zh-CN" altLang="en-US" sz="7200" dirty="0">
+                <a:solidFill>
+                  <a:schemeClr val="bg1"/>
+                </a:solidFill>
+                <a:ea typeface="微软雅黑" panose="020B0503020204020204" pitchFamily="34" charset="-122"/>
+              </a:rPr>
+            </a:br>
+            <a:endParaRPr lang="zh-CN" altLang="en-US" sz="7200" dirty="0">
+              <a:solidFill>
+                <a:schemeClr val="bg1"/>
+              </a:solidFill>
+              <a:ea typeface="微软雅黑" panose="020B0503020204020204" pitchFamily="34" charset="-122"/>
+            </a:endParaRPr>
+          </a:p>
+        </p:txBody>
+      </p:sp>
+    </p:spTree>
+    <p:extLst>
+      <p:ext uri="{BB962C8B-B14F-4D97-AF65-F5344CB8AC3E}">
+        <p14:creationId xmlns:p14="http://schemas.microsoft.com/office/powerpoint/2010/main" val="682154176"/>
+      </p:ext>
+    </p:extLst>
+  </p:cSld>
+  <p:clrMapOvr>
+    <a:masterClrMapping/>
+  </p:clrMapOvr>
+</p:sld>
+</file>
+
+<file path=ppt/slides/slide35.xml><?xml version="1.0" encoding="utf-8"?>
+<p:sld xmlns:a="http://schemas.openxmlformats.org/drawingml/2006/main" xmlns:r="http://schemas.openxmlformats.org/officeDocument/2006/relationships" xmlns:p="http://schemas.openxmlformats.org/presentationml/2006/main">
+  <p:cSld>
+    <p:spTree>
+      <p:nvGrpSpPr>
+        <p:cNvPr id="1" name=""/>
+        <p:cNvGrpSpPr/>
+        <p:nvPr/>
+      </p:nvGrpSpPr>
+      <p:grpSpPr>
+        <a:xfrm>
+          <a:off x="0" y="0"/>
+          <a:ext cx="0" cy="0"/>
+          <a:chOff x="0" y="0"/>
+          <a:chExt cx="0" cy="0"/>
+        </a:xfrm>
+      </p:grpSpPr>
+      <p:sp>
+        <p:nvSpPr>
+          <p:cNvPr id="4098" name="TextBox 2">
+            <a:extLst>
+              <a:ext uri="{FF2B5EF4-FFF2-40B4-BE49-F238E27FC236}">
+                <a16:creationId xmlns:a16="http://schemas.microsoft.com/office/drawing/2014/main" id="{5552ED83-0001-4E47-A09B-F49C592A8E24}"/>
+              </a:ext>
+            </a:extLst>
+          </p:cNvPr>
+          <p:cNvSpPr txBox="1">
+            <a:spLocks noChangeArrowheads="1"/>
+          </p:cNvSpPr>
+          <p:nvPr/>
+        </p:nvSpPr>
+        <p:spPr bwMode="auto">
+          <a:xfrm>
+            <a:off x="12118" y="84217"/>
+            <a:ext cx="8736346" cy="830997"/>
+          </a:xfrm>
+          <a:prstGeom prst="rect">
+            <a:avLst/>
+          </a:prstGeom>
+          <a:noFill/>
+          <a:ln>
+            <a:noFill/>
+          </a:ln>
+          <a:extLst>
+            <a:ext uri="{909E8E84-426E-40DD-AFC4-6F175D3DCCD1}">
+              <a14:hiddenFill xmlns:a14="http://schemas.microsoft.com/office/drawing/2010/main">
+                <a:solidFill>
+                  <a:srgbClr val="FFFFFF"/>
+                </a:solidFill>
+              </a14:hiddenFill>
+            </a:ext>
+            <a:ext uri="{91240B29-F687-4F45-9708-019B960494DF}">
+              <a14:hiddenLine xmlns:a14="http://schemas.microsoft.com/office/drawing/2010/main" w="9525">
+                <a:solidFill>
+                  <a:srgbClr val="000000"/>
+                </a:solidFill>
+                <a:miter lim="800000"/>
+                <a:headEnd/>
+                <a:tailEnd/>
+              </a14:hiddenLine>
+            </a:ext>
+          </a:extLst>
+        </p:spPr>
+        <p:txBody>
+          <a:bodyPr wrap="square">
+            <a:spAutoFit/>
+          </a:bodyPr>
+          <a:lstStyle>
+            <a:lvl1pPr eaLnBrk="0" hangingPunct="0">
+              <a:defRPr>
+                <a:solidFill>
+                  <a:schemeClr val="tx1"/>
+                </a:solidFill>
+                <a:latin typeface="Arial" panose="020B0604020202020204" pitchFamily="34" charset="0"/>
+                <a:ea typeface="宋体" panose="02010600030101010101" pitchFamily="2" charset="-122"/>
+              </a:defRPr>
+            </a:lvl1pPr>
+            <a:lvl2pPr marL="742950" indent="-285750" eaLnBrk="0" hangingPunct="0">
+              <a:defRPr>
+                <a:solidFill>
+                  <a:schemeClr val="tx1"/>
+                </a:solidFill>
+                <a:latin typeface="Arial" panose="020B0604020202020204" pitchFamily="34" charset="0"/>
+                <a:ea typeface="宋体" panose="02010600030101010101" pitchFamily="2" charset="-122"/>
+              </a:defRPr>
+            </a:lvl2pPr>
+            <a:lvl3pPr marL="1143000" indent="-228600" eaLnBrk="0" hangingPunct="0">
+              <a:defRPr>
+                <a:solidFill>
+                  <a:schemeClr val="tx1"/>
+                </a:solidFill>
+                <a:latin typeface="Arial" panose="020B0604020202020204" pitchFamily="34" charset="0"/>
+                <a:ea typeface="宋体" panose="02010600030101010101" pitchFamily="2" charset="-122"/>
+              </a:defRPr>
+            </a:lvl3pPr>
+            <a:lvl4pPr marL="1600200" indent="-228600" eaLnBrk="0" hangingPunct="0">
+              <a:defRPr>
+                <a:solidFill>
+                  <a:schemeClr val="tx1"/>
+                </a:solidFill>
+                <a:latin typeface="Arial" panose="020B0604020202020204" pitchFamily="34" charset="0"/>
+                <a:ea typeface="宋体" panose="02010600030101010101" pitchFamily="2" charset="-122"/>
+              </a:defRPr>
+            </a:lvl4pPr>
+            <a:lvl5pPr marL="2057400" indent="-228600" eaLnBrk="0" hangingPunct="0">
+              <a:defRPr>
+                <a:solidFill>
+                  <a:schemeClr val="tx1"/>
+                </a:solidFill>
+                <a:latin typeface="Arial" panose="020B0604020202020204" pitchFamily="34" charset="0"/>
+                <a:ea typeface="宋体" panose="02010600030101010101" pitchFamily="2" charset="-122"/>
+              </a:defRPr>
+            </a:lvl5pPr>
+            <a:lvl6pPr marL="2514600" indent="-228600" eaLnBrk="0" fontAlgn="base" hangingPunct="0">
+              <a:spcBef>
+                <a:spcPct val="0"/>
+              </a:spcBef>
+              <a:spcAft>
+                <a:spcPct val="0"/>
+              </a:spcAft>
+              <a:defRPr>
+                <a:solidFill>
+                  <a:schemeClr val="tx1"/>
+                </a:solidFill>
+                <a:latin typeface="Arial" panose="020B0604020202020204" pitchFamily="34" charset="0"/>
+                <a:ea typeface="宋体" panose="02010600030101010101" pitchFamily="2" charset="-122"/>
+              </a:defRPr>
+            </a:lvl6pPr>
+            <a:lvl7pPr marL="2971800" indent="-228600" eaLnBrk="0" fontAlgn="base" hangingPunct="0">
+              <a:spcBef>
+                <a:spcPct val="0"/>
+              </a:spcBef>
+              <a:spcAft>
+                <a:spcPct val="0"/>
+              </a:spcAft>
+              <a:defRPr>
+                <a:solidFill>
+                  <a:schemeClr val="tx1"/>
+                </a:solidFill>
+                <a:latin typeface="Arial" panose="020B0604020202020204" pitchFamily="34" charset="0"/>
+                <a:ea typeface="宋体" panose="02010600030101010101" pitchFamily="2" charset="-122"/>
+              </a:defRPr>
+            </a:lvl7pPr>
+            <a:lvl8pPr marL="3429000" indent="-228600" eaLnBrk="0" fontAlgn="base" hangingPunct="0">
+              <a:spcBef>
+                <a:spcPct val="0"/>
+              </a:spcBef>
+              <a:spcAft>
+                <a:spcPct val="0"/>
+              </a:spcAft>
+              <a:defRPr>
+                <a:solidFill>
+                  <a:schemeClr val="tx1"/>
+                </a:solidFill>
+                <a:latin typeface="Arial" panose="020B0604020202020204" pitchFamily="34" charset="0"/>
+                <a:ea typeface="宋体" panose="02010600030101010101" pitchFamily="2" charset="-122"/>
+              </a:defRPr>
+            </a:lvl8pPr>
+            <a:lvl9pPr marL="3886200" indent="-228600" eaLnBrk="0" fontAlgn="base" hangingPunct="0">
+              <a:spcBef>
+                <a:spcPct val="0"/>
+              </a:spcBef>
+              <a:spcAft>
+                <a:spcPct val="0"/>
+              </a:spcAft>
+              <a:defRPr>
+                <a:solidFill>
+                  <a:schemeClr val="tx1"/>
+                </a:solidFill>
+                <a:latin typeface="Arial" panose="020B0604020202020204" pitchFamily="34" charset="0"/>
+                <a:ea typeface="宋体" panose="02010600030101010101" pitchFamily="2" charset="-122"/>
+              </a:defRPr>
+            </a:lvl9pPr>
+          </a:lstStyle>
+          <a:p>
+            <a:pPr eaLnBrk="1" hangingPunct="1"/>
+            <a:r>
+              <a:rPr lang="zh-CN" altLang="en-US" sz="4800" dirty="0">
+                <a:solidFill>
+                  <a:schemeClr val="bg1"/>
+                </a:solidFill>
+                <a:latin typeface="微软雅黑" panose="020B0503020204020204" pitchFamily="34" charset="-122"/>
+                <a:ea typeface="微软雅黑" panose="020B0503020204020204" pitchFamily="34" charset="-122"/>
+              </a:rPr>
+              <a:t>缓存穿透</a:t>
+            </a:r>
+          </a:p>
+        </p:txBody>
+      </p:sp>
+      <p:sp>
+        <p:nvSpPr>
+          <p:cNvPr id="10" name="TextBox 9">
+            <a:extLst>
+              <a:ext uri="{FF2B5EF4-FFF2-40B4-BE49-F238E27FC236}">
+                <a16:creationId xmlns:a16="http://schemas.microsoft.com/office/drawing/2014/main" id="{6C65DFA7-0E5F-49E5-88D4-5AD68B41A2B2}"/>
+              </a:ext>
+            </a:extLst>
+          </p:cNvPr>
+          <p:cNvSpPr txBox="1"/>
+          <p:nvPr/>
+        </p:nvSpPr>
+        <p:spPr>
+          <a:xfrm>
+            <a:off x="35496" y="908720"/>
+            <a:ext cx="9096385" cy="646331"/>
+          </a:xfrm>
+          <a:prstGeom prst="rect">
+            <a:avLst/>
+          </a:prstGeom>
+          <a:noFill/>
+        </p:spPr>
+        <p:txBody>
+          <a:bodyPr wrap="square">
+            <a:spAutoFit/>
+          </a:bodyPr>
+          <a:lstStyle/>
+          <a:p>
+            <a:pPr>
+              <a:defRPr/>
+            </a:pPr>
+            <a:r>
+              <a:rPr lang="en-US" altLang="zh-CN" sz="3600" dirty="0">
+                <a:solidFill>
+                  <a:schemeClr val="bg1"/>
+                </a:solidFill>
+                <a:latin typeface="微软雅黑" pitchFamily="34" charset="-122"/>
+                <a:ea typeface="微软雅黑" pitchFamily="34" charset="-122"/>
+              </a:rPr>
+              <a:t>	</a:t>
+            </a:r>
+          </a:p>
+        </p:txBody>
+      </p:sp>
+      <p:sp>
+        <p:nvSpPr>
+          <p:cNvPr id="5" name="TextBox 4">
+            <a:extLst>
+              <a:ext uri="{FF2B5EF4-FFF2-40B4-BE49-F238E27FC236}">
+                <a16:creationId xmlns:a16="http://schemas.microsoft.com/office/drawing/2014/main" id="{4AD34F77-EB74-4FBE-9BF1-C2F0F5AAA337}"/>
+              </a:ext>
+            </a:extLst>
+          </p:cNvPr>
+          <p:cNvSpPr txBox="1"/>
+          <p:nvPr/>
+        </p:nvSpPr>
+        <p:spPr>
+          <a:xfrm>
+            <a:off x="35496" y="908720"/>
+            <a:ext cx="9096385" cy="3970318"/>
+          </a:xfrm>
+          <a:prstGeom prst="rect">
+            <a:avLst/>
+          </a:prstGeom>
+          <a:noFill/>
+        </p:spPr>
+        <p:txBody>
+          <a:bodyPr wrap="square">
+            <a:spAutoFit/>
+          </a:bodyPr>
+          <a:lstStyle/>
+          <a:p>
+            <a:pPr>
+              <a:defRPr/>
+            </a:pPr>
+            <a:r>
+              <a:rPr lang="en-US" altLang="zh-CN" sz="3600" dirty="0">
+                <a:solidFill>
+                  <a:schemeClr val="bg1"/>
+                </a:solidFill>
+                <a:latin typeface="微软雅黑" pitchFamily="34" charset="-122"/>
+                <a:ea typeface="微软雅黑" pitchFamily="34" charset="-122"/>
+              </a:rPr>
+              <a:t>	</a:t>
+            </a:r>
+            <a:r>
+              <a:rPr lang="zh-CN" altLang="en-US" sz="3600" dirty="0">
+                <a:solidFill>
+                  <a:schemeClr val="bg1"/>
+                </a:solidFill>
+                <a:latin typeface="微软雅黑" pitchFamily="34" charset="-122"/>
+                <a:ea typeface="微软雅黑" pitchFamily="34" charset="-122"/>
+              </a:rPr>
+              <a:t>一般的缓存系统，都是按照</a:t>
+            </a:r>
+            <a:r>
+              <a:rPr lang="en-US" altLang="zh-CN" sz="3600" dirty="0">
+                <a:solidFill>
+                  <a:schemeClr val="bg1"/>
+                </a:solidFill>
+                <a:latin typeface="微软雅黑" pitchFamily="34" charset="-122"/>
+                <a:ea typeface="微软雅黑" pitchFamily="34" charset="-122"/>
+              </a:rPr>
+              <a:t>key</a:t>
+            </a:r>
+            <a:r>
+              <a:rPr lang="zh-CN" altLang="en-US" sz="3600" dirty="0">
+                <a:solidFill>
+                  <a:schemeClr val="bg1"/>
+                </a:solidFill>
+                <a:latin typeface="微软雅黑" pitchFamily="34" charset="-122"/>
+                <a:ea typeface="微软雅黑" pitchFamily="34" charset="-122"/>
+              </a:rPr>
+              <a:t>去缓存查询，如果不存在对应的</a:t>
+            </a:r>
+            <a:r>
+              <a:rPr lang="en-US" altLang="zh-CN" sz="3600" dirty="0">
+                <a:solidFill>
+                  <a:schemeClr val="bg1"/>
+                </a:solidFill>
+                <a:latin typeface="微软雅黑" pitchFamily="34" charset="-122"/>
+                <a:ea typeface="微软雅黑" pitchFamily="34" charset="-122"/>
+              </a:rPr>
+              <a:t>value</a:t>
+            </a:r>
+            <a:r>
+              <a:rPr lang="zh-CN" altLang="en-US" sz="3600" dirty="0">
+                <a:solidFill>
+                  <a:schemeClr val="bg1"/>
+                </a:solidFill>
+                <a:latin typeface="微软雅黑" pitchFamily="34" charset="-122"/>
+                <a:ea typeface="微软雅黑" pitchFamily="34" charset="-122"/>
+              </a:rPr>
+              <a:t>，就应该去后端系统查找（比如</a:t>
+            </a:r>
+            <a:r>
+              <a:rPr lang="en-US" altLang="zh-CN" sz="3600" dirty="0">
+                <a:solidFill>
+                  <a:schemeClr val="bg1"/>
+                </a:solidFill>
+                <a:latin typeface="微软雅黑" pitchFamily="34" charset="-122"/>
+                <a:ea typeface="微软雅黑" pitchFamily="34" charset="-122"/>
+              </a:rPr>
+              <a:t>DB</a:t>
+            </a:r>
+            <a:r>
+              <a:rPr lang="zh-CN" altLang="en-US" sz="3600" dirty="0">
+                <a:solidFill>
+                  <a:schemeClr val="bg1"/>
+                </a:solidFill>
+                <a:latin typeface="微软雅黑" pitchFamily="34" charset="-122"/>
+                <a:ea typeface="微软雅黑" pitchFamily="34" charset="-122"/>
+              </a:rPr>
+              <a:t>）。</a:t>
+            </a:r>
+            <a:endParaRPr lang="en-US" altLang="zh-CN" sz="3600" dirty="0">
+              <a:solidFill>
+                <a:schemeClr val="bg1"/>
+              </a:solidFill>
+              <a:latin typeface="微软雅黑" pitchFamily="34" charset="-122"/>
+              <a:ea typeface="微软雅黑" pitchFamily="34" charset="-122"/>
+            </a:endParaRPr>
+          </a:p>
+          <a:p>
+            <a:pPr>
+              <a:defRPr/>
+            </a:pPr>
+            <a:r>
+              <a:rPr lang="en-US" altLang="zh-CN" sz="3600" dirty="0">
+                <a:solidFill>
+                  <a:schemeClr val="bg1"/>
+                </a:solidFill>
+                <a:latin typeface="微软雅黑" pitchFamily="34" charset="-122"/>
+                <a:ea typeface="微软雅黑" pitchFamily="34" charset="-122"/>
+              </a:rPr>
+              <a:t>	</a:t>
+            </a:r>
+            <a:r>
+              <a:rPr lang="zh-CN" altLang="en-US" sz="3600" dirty="0">
+                <a:solidFill>
+                  <a:schemeClr val="bg1"/>
+                </a:solidFill>
+                <a:latin typeface="微软雅黑" pitchFamily="34" charset="-122"/>
+                <a:ea typeface="微软雅黑" pitchFamily="34" charset="-122"/>
+              </a:rPr>
+              <a:t>如果</a:t>
+            </a:r>
+            <a:r>
+              <a:rPr lang="en-US" altLang="zh-CN" sz="3600" dirty="0">
+                <a:solidFill>
+                  <a:schemeClr val="bg1"/>
+                </a:solidFill>
+                <a:latin typeface="微软雅黑" pitchFamily="34" charset="-122"/>
+                <a:ea typeface="微软雅黑" pitchFamily="34" charset="-122"/>
+              </a:rPr>
+              <a:t>key</a:t>
+            </a:r>
+            <a:r>
+              <a:rPr lang="zh-CN" altLang="en-US" sz="3600" dirty="0">
+                <a:solidFill>
+                  <a:schemeClr val="bg1"/>
+                </a:solidFill>
+                <a:latin typeface="微软雅黑" pitchFamily="34" charset="-122"/>
+                <a:ea typeface="微软雅黑" pitchFamily="34" charset="-122"/>
+              </a:rPr>
+              <a:t>对应的</a:t>
+            </a:r>
+            <a:r>
+              <a:rPr lang="en-US" altLang="zh-CN" sz="3600" dirty="0">
+                <a:solidFill>
+                  <a:schemeClr val="bg1"/>
+                </a:solidFill>
+                <a:latin typeface="微软雅黑" pitchFamily="34" charset="-122"/>
+                <a:ea typeface="微软雅黑" pitchFamily="34" charset="-122"/>
+              </a:rPr>
+              <a:t>value</a:t>
+            </a:r>
+            <a:r>
+              <a:rPr lang="zh-CN" altLang="en-US" sz="3600" dirty="0">
+                <a:solidFill>
+                  <a:schemeClr val="bg1"/>
+                </a:solidFill>
+                <a:latin typeface="微软雅黑" pitchFamily="34" charset="-122"/>
+                <a:ea typeface="微软雅黑" pitchFamily="34" charset="-122"/>
+              </a:rPr>
+              <a:t>是一定不存在的，并且对该</a:t>
+            </a:r>
+            <a:r>
+              <a:rPr lang="en-US" altLang="zh-CN" sz="3600" dirty="0">
+                <a:solidFill>
+                  <a:schemeClr val="bg1"/>
+                </a:solidFill>
+                <a:latin typeface="微软雅黑" pitchFamily="34" charset="-122"/>
+                <a:ea typeface="微软雅黑" pitchFamily="34" charset="-122"/>
+              </a:rPr>
+              <a:t>key</a:t>
+            </a:r>
+            <a:r>
+              <a:rPr lang="zh-CN" altLang="en-US" sz="3600" dirty="0">
+                <a:solidFill>
+                  <a:schemeClr val="bg1"/>
+                </a:solidFill>
+                <a:latin typeface="微软雅黑" pitchFamily="34" charset="-122"/>
+                <a:ea typeface="微软雅黑" pitchFamily="34" charset="-122"/>
+              </a:rPr>
+              <a:t>并发请求量很大，就会对后端系统造成很大的压力。这就叫做缓存穿透。</a:t>
+            </a:r>
+            <a:endParaRPr lang="en-US" altLang="zh-CN" sz="3600" dirty="0">
+              <a:solidFill>
+                <a:schemeClr val="bg1"/>
+              </a:solidFill>
+              <a:latin typeface="微软雅黑" pitchFamily="34" charset="-122"/>
+              <a:ea typeface="微软雅黑" pitchFamily="34" charset="-122"/>
+            </a:endParaRPr>
+          </a:p>
+          <a:p>
+            <a:pPr>
+              <a:defRPr/>
+            </a:pPr>
+            <a:r>
+              <a:rPr lang="en-US" altLang="zh-CN" sz="3600" dirty="0">
+                <a:solidFill>
+                  <a:schemeClr val="bg1"/>
+                </a:solidFill>
+                <a:latin typeface="微软雅黑" pitchFamily="34" charset="-122"/>
+                <a:ea typeface="微软雅黑" pitchFamily="34" charset="-122"/>
+              </a:rPr>
+              <a:t>	</a:t>
+            </a:r>
+            <a:r>
+              <a:rPr lang="zh-CN" altLang="en-US" sz="3600" dirty="0">
+                <a:solidFill>
+                  <a:schemeClr val="bg1"/>
+                </a:solidFill>
+                <a:latin typeface="微软雅黑" pitchFamily="34" charset="-122"/>
+                <a:ea typeface="微软雅黑" pitchFamily="34" charset="-122"/>
+              </a:rPr>
+              <a:t>一般可以对</a:t>
+            </a:r>
+            <a:r>
+              <a:rPr lang="en-US" altLang="zh-CN" sz="3600" dirty="0">
+                <a:solidFill>
+                  <a:schemeClr val="bg1"/>
+                </a:solidFill>
+                <a:latin typeface="微软雅黑" pitchFamily="34" charset="-122"/>
+                <a:ea typeface="微软雅黑" pitchFamily="34" charset="-122"/>
+              </a:rPr>
+              <a:t>NULL</a:t>
+            </a:r>
+            <a:r>
+              <a:rPr lang="zh-CN" altLang="en-US" sz="3600">
+                <a:solidFill>
+                  <a:schemeClr val="bg1"/>
+                </a:solidFill>
+                <a:latin typeface="微软雅黑" pitchFamily="34" charset="-122"/>
+                <a:ea typeface="微软雅黑" pitchFamily="34" charset="-122"/>
+              </a:rPr>
+              <a:t>值进行缓存来规避。</a:t>
+            </a:r>
+            <a:endParaRPr lang="en-US" altLang="zh-CN" sz="3600" dirty="0">
+              <a:solidFill>
+                <a:schemeClr val="bg1"/>
+              </a:solidFill>
+              <a:latin typeface="微软雅黑" pitchFamily="34" charset="-122"/>
+              <a:ea typeface="微软雅黑" pitchFamily="34" charset="-122"/>
+            </a:endParaRPr>
+          </a:p>
+        </p:txBody>
+      </p:sp>
+    </p:spTree>
+    <p:extLst>
+      <p:ext uri="{BB962C8B-B14F-4D97-AF65-F5344CB8AC3E}">
+        <p14:creationId xmlns:p14="http://schemas.microsoft.com/office/powerpoint/2010/main" val="2048000278"/>
+      </p:ext>
+    </p:extLst>
+  </p:cSld>
+  <p:clrMapOvr>
+    <a:masterClrMapping/>
+  </p:clrMapOvr>
+</p:sld>
+</file>
+
+<file path=ppt/slides/slide36.xml><?xml version="1.0" encoding="utf-8"?>
 <p:sld xmlns:a="http://schemas.openxmlformats.org/drawingml/2006/main" xmlns:r="http://schemas.openxmlformats.org/officeDocument/2006/relationships" xmlns:p="http://schemas.openxmlformats.org/presentationml/2006/main">
   <p:cSld>
     <p:spTree>

--- a/doc/SD_EP01_Redis_Adv_Application.pptx
+++ b/doc/SD_EP01_Redis_Adv_Application.pptx
@@ -18942,7 +18942,7 @@
             <a:r>
               <a:rPr lang="en-US" altLang="zh-CN" sz="3600" dirty="0">
                 <a:solidFill>
-                  <a:schemeClr val="bg1"/>
+                  <a:srgbClr val="FFC000"/>
                 </a:solidFill>
                 <a:latin typeface="微软雅黑" pitchFamily="34" charset="-122"/>
                 <a:ea typeface="微软雅黑" pitchFamily="34" charset="-122"/>
@@ -18950,7 +18950,7 @@
               <a:t>NULL</a:t>
             </a:r>
             <a:r>
-              <a:rPr lang="zh-CN" altLang="en-US" sz="3600">
+              <a:rPr lang="zh-CN" altLang="en-US" sz="3600" dirty="0">
                 <a:solidFill>
                   <a:schemeClr val="bg1"/>
                 </a:solidFill>
@@ -19017,8 +19017,8 @@
         </p:nvSpPr>
         <p:spPr>
           <a:xfrm>
-            <a:off x="684213" y="2133600"/>
-            <a:ext cx="7847012" cy="2159000"/>
+            <a:off x="539552" y="5398813"/>
+            <a:ext cx="7847012" cy="1079624"/>
           </a:xfrm>
         </p:spPr>
         <p:txBody>
@@ -19060,6 +19060,42 @@
           </a:p>
         </p:txBody>
       </p:sp>
+      <p:pic>
+        <p:nvPicPr>
+          <p:cNvPr id="3" name="Picture 2">
+            <a:extLst>
+              <a:ext uri="{FF2B5EF4-FFF2-40B4-BE49-F238E27FC236}">
+                <a16:creationId xmlns:a16="http://schemas.microsoft.com/office/drawing/2014/main" id="{04876553-B519-4967-8AFE-57E5812C4F86}"/>
+              </a:ext>
+            </a:extLst>
+          </p:cNvPr>
+          <p:cNvPicPr>
+            <a:picLocks noChangeAspect="1"/>
+          </p:cNvPicPr>
+          <p:nvPr/>
+        </p:nvPicPr>
+        <p:blipFill>
+          <a:blip r:embed="rId2">
+            <a:extLst>
+              <a:ext uri="{28A0092B-C50C-407E-A947-70E740481C1C}">
+                <a14:useLocalDpi xmlns:a14="http://schemas.microsoft.com/office/drawing/2010/main" val="0"/>
+              </a:ext>
+            </a:extLst>
+          </a:blip>
+          <a:stretch>
+            <a:fillRect/>
+          </a:stretch>
+        </p:blipFill>
+        <p:spPr>
+          <a:xfrm>
+            <a:off x="1367644" y="116632"/>
+            <a:ext cx="6408712" cy="5282181"/>
+          </a:xfrm>
+          <a:prstGeom prst="rect">
+            <a:avLst/>
+          </a:prstGeom>
+        </p:spPr>
+      </p:pic>
     </p:spTree>
     <p:extLst>
       <p:ext uri="{BB962C8B-B14F-4D97-AF65-F5344CB8AC3E}">

--- a/doc/SD_EP01_Redis_Adv_Application.pptx
+++ b/doc/SD_EP01_Redis_Adv_Application.pptx
@@ -31,17 +31,21 @@
     <p:sldId id="316" r:id="rId25"/>
     <p:sldId id="315" r:id="rId26"/>
     <p:sldId id="317" r:id="rId27"/>
-    <p:sldId id="318" r:id="rId28"/>
-    <p:sldId id="319" r:id="rId29"/>
-    <p:sldId id="320" r:id="rId30"/>
-    <p:sldId id="321" r:id="rId31"/>
-    <p:sldId id="322" r:id="rId32"/>
-    <p:sldId id="323" r:id="rId33"/>
-    <p:sldId id="324" r:id="rId34"/>
-    <p:sldId id="325" r:id="rId35"/>
-    <p:sldId id="326" r:id="rId36"/>
-    <p:sldId id="327" r:id="rId37"/>
-    <p:sldId id="294" r:id="rId38"/>
+    <p:sldId id="328" r:id="rId28"/>
+    <p:sldId id="318" r:id="rId29"/>
+    <p:sldId id="319" r:id="rId30"/>
+    <p:sldId id="320" r:id="rId31"/>
+    <p:sldId id="321" r:id="rId32"/>
+    <p:sldId id="322" r:id="rId33"/>
+    <p:sldId id="323" r:id="rId34"/>
+    <p:sldId id="324" r:id="rId35"/>
+    <p:sldId id="325" r:id="rId36"/>
+    <p:sldId id="326" r:id="rId37"/>
+    <p:sldId id="327" r:id="rId38"/>
+    <p:sldId id="329" r:id="rId39"/>
+    <p:sldId id="330" r:id="rId40"/>
+    <p:sldId id="331" r:id="rId41"/>
+    <p:sldId id="294" r:id="rId42"/>
   </p:sldIdLst>
   <p:sldSz cx="9144000" cy="6858000" type="screen4x3"/>
   <p:notesSz cx="6858000" cy="9144000"/>
@@ -14785,6 +14789,362 @@
                 <a:latin typeface="微软雅黑" panose="020B0503020204020204" pitchFamily="34" charset="-122"/>
                 <a:ea typeface="微软雅黑" panose="020B0503020204020204" pitchFamily="34" charset="-122"/>
               </a:rPr>
+              <a:t>5</a:t>
+            </a:r>
+            <a:r>
+              <a:rPr lang="zh-CN" altLang="en-US" sz="4800" dirty="0">
+                <a:solidFill>
+                  <a:schemeClr val="bg1"/>
+                </a:solidFill>
+                <a:latin typeface="微软雅黑" panose="020B0503020204020204" pitchFamily="34" charset="-122"/>
+                <a:ea typeface="微软雅黑" panose="020B0503020204020204" pitchFamily="34" charset="-122"/>
+              </a:rPr>
+              <a:t> </a:t>
+            </a:r>
+            <a:r>
+              <a:rPr lang="en-US" altLang="zh-CN" sz="4800" dirty="0">
+                <a:solidFill>
+                  <a:schemeClr val="bg1"/>
+                </a:solidFill>
+                <a:latin typeface="微软雅黑" pitchFamily="34" charset="-122"/>
+                <a:ea typeface="微软雅黑" pitchFamily="34" charset="-122"/>
+              </a:rPr>
+              <a:t>–</a:t>
+            </a:r>
+            <a:r>
+              <a:rPr lang="zh-CN" altLang="en-US" sz="4800" dirty="0">
+                <a:solidFill>
+                  <a:schemeClr val="bg1"/>
+                </a:solidFill>
+                <a:latin typeface="微软雅黑" pitchFamily="34" charset="-122"/>
+                <a:ea typeface="微软雅黑" pitchFamily="34" charset="-122"/>
+              </a:rPr>
+              <a:t>海量数据基数统计</a:t>
+            </a:r>
+          </a:p>
+        </p:txBody>
+      </p:sp>
+      <p:sp>
+        <p:nvSpPr>
+          <p:cNvPr id="10" name="TextBox 9">
+            <a:extLst>
+              <a:ext uri="{FF2B5EF4-FFF2-40B4-BE49-F238E27FC236}">
+                <a16:creationId xmlns:a16="http://schemas.microsoft.com/office/drawing/2014/main" id="{6C65DFA7-0E5F-49E5-88D4-5AD68B41A2B2}"/>
+              </a:ext>
+            </a:extLst>
+          </p:cNvPr>
+          <p:cNvSpPr txBox="1"/>
+          <p:nvPr/>
+        </p:nvSpPr>
+        <p:spPr>
+          <a:xfrm>
+            <a:off x="35496" y="908720"/>
+            <a:ext cx="9096385" cy="646331"/>
+          </a:xfrm>
+          <a:prstGeom prst="rect">
+            <a:avLst/>
+          </a:prstGeom>
+          <a:noFill/>
+        </p:spPr>
+        <p:txBody>
+          <a:bodyPr wrap="square">
+            <a:spAutoFit/>
+          </a:bodyPr>
+          <a:lstStyle/>
+          <a:p>
+            <a:pPr>
+              <a:defRPr/>
+            </a:pPr>
+            <a:r>
+              <a:rPr lang="en-US" altLang="zh-CN" sz="3600" dirty="0">
+                <a:solidFill>
+                  <a:schemeClr val="bg1"/>
+                </a:solidFill>
+                <a:latin typeface="微软雅黑" pitchFamily="34" charset="-122"/>
+                <a:ea typeface="微软雅黑" pitchFamily="34" charset="-122"/>
+              </a:rPr>
+              <a:t>	</a:t>
+            </a:r>
+            <a:r>
+              <a:rPr lang="zh-CN" altLang="en-US" sz="3600" dirty="0">
+                <a:solidFill>
+                  <a:schemeClr val="bg1"/>
+                </a:solidFill>
+                <a:latin typeface="微软雅黑" pitchFamily="34" charset="-122"/>
+                <a:ea typeface="微软雅黑" pitchFamily="34" charset="-122"/>
+              </a:rPr>
+              <a:t>原理：用</a:t>
+            </a:r>
+            <a:r>
+              <a:rPr lang="en-US" altLang="zh-CN" sz="3600" dirty="0">
+                <a:solidFill>
+                  <a:schemeClr val="bg1"/>
+                </a:solidFill>
+                <a:latin typeface="微软雅黑" pitchFamily="34" charset="-122"/>
+                <a:ea typeface="微软雅黑" pitchFamily="34" charset="-122"/>
+              </a:rPr>
+              <a:t>2^k</a:t>
+            </a:r>
+            <a:r>
+              <a:rPr lang="zh-CN" altLang="en-US" sz="3600" dirty="0">
+                <a:solidFill>
+                  <a:schemeClr val="bg1"/>
+                </a:solidFill>
+                <a:latin typeface="微软雅黑" pitchFamily="34" charset="-122"/>
+                <a:ea typeface="微软雅黑" pitchFamily="34" charset="-122"/>
+              </a:rPr>
+              <a:t>来估算</a:t>
+            </a:r>
+            <a:r>
+              <a:rPr lang="en-US" altLang="zh-CN" sz="3600" dirty="0">
+                <a:solidFill>
+                  <a:schemeClr val="bg1"/>
+                </a:solidFill>
+                <a:latin typeface="微软雅黑" pitchFamily="34" charset="-122"/>
+                <a:ea typeface="微软雅黑" pitchFamily="34" charset="-122"/>
+              </a:rPr>
+              <a:t>N</a:t>
+            </a:r>
+          </a:p>
+        </p:txBody>
+      </p:sp>
+      <p:pic>
+        <p:nvPicPr>
+          <p:cNvPr id="3" name="Picture 2">
+            <a:extLst>
+              <a:ext uri="{FF2B5EF4-FFF2-40B4-BE49-F238E27FC236}">
+                <a16:creationId xmlns:a16="http://schemas.microsoft.com/office/drawing/2014/main" id="{DBE6B858-E336-4DB7-9EBF-22B6EC3D04AC}"/>
+              </a:ext>
+            </a:extLst>
+          </p:cNvPr>
+          <p:cNvPicPr>
+            <a:picLocks noChangeAspect="1"/>
+          </p:cNvPicPr>
+          <p:nvPr/>
+        </p:nvPicPr>
+        <p:blipFill>
+          <a:blip r:embed="rId2"/>
+          <a:stretch>
+            <a:fillRect/>
+          </a:stretch>
+        </p:blipFill>
+        <p:spPr>
+          <a:xfrm>
+            <a:off x="0" y="1555050"/>
+            <a:ext cx="9175964" cy="5042301"/>
+          </a:xfrm>
+          <a:prstGeom prst="rect">
+            <a:avLst/>
+          </a:prstGeom>
+        </p:spPr>
+      </p:pic>
+    </p:spTree>
+    <p:extLst>
+      <p:ext uri="{BB962C8B-B14F-4D97-AF65-F5344CB8AC3E}">
+        <p14:creationId xmlns:p14="http://schemas.microsoft.com/office/powerpoint/2010/main" val="2220139749"/>
+      </p:ext>
+    </p:extLst>
+  </p:cSld>
+  <p:clrMapOvr>
+    <a:masterClrMapping/>
+  </p:clrMapOvr>
+</p:sld>
+</file>
+
+<file path=ppt/slides/slide27.xml><?xml version="1.0" encoding="utf-8"?>
+<p:sld xmlns:a="http://schemas.openxmlformats.org/drawingml/2006/main" xmlns:r="http://schemas.openxmlformats.org/officeDocument/2006/relationships" xmlns:p="http://schemas.openxmlformats.org/presentationml/2006/main">
+  <p:cSld>
+    <p:spTree>
+      <p:nvGrpSpPr>
+        <p:cNvPr id="1" name=""/>
+        <p:cNvGrpSpPr/>
+        <p:nvPr/>
+      </p:nvGrpSpPr>
+      <p:grpSpPr>
+        <a:xfrm>
+          <a:off x="0" y="0"/>
+          <a:ext cx="0" cy="0"/>
+          <a:chOff x="0" y="0"/>
+          <a:chExt cx="0" cy="0"/>
+        </a:xfrm>
+      </p:grpSpPr>
+      <p:sp>
+        <p:nvSpPr>
+          <p:cNvPr id="4098" name="TextBox 2">
+            <a:extLst>
+              <a:ext uri="{FF2B5EF4-FFF2-40B4-BE49-F238E27FC236}">
+                <a16:creationId xmlns:a16="http://schemas.microsoft.com/office/drawing/2014/main" id="{5552ED83-0001-4E47-A09B-F49C592A8E24}"/>
+              </a:ext>
+            </a:extLst>
+          </p:cNvPr>
+          <p:cNvSpPr txBox="1">
+            <a:spLocks noChangeArrowheads="1"/>
+          </p:cNvSpPr>
+          <p:nvPr/>
+        </p:nvSpPr>
+        <p:spPr bwMode="auto">
+          <a:xfrm>
+            <a:off x="12118" y="84217"/>
+            <a:ext cx="8736346" cy="830997"/>
+          </a:xfrm>
+          <a:prstGeom prst="rect">
+            <a:avLst/>
+          </a:prstGeom>
+          <a:noFill/>
+          <a:ln>
+            <a:noFill/>
+          </a:ln>
+          <a:extLst>
+            <a:ext uri="{909E8E84-426E-40DD-AFC4-6F175D3DCCD1}">
+              <a14:hiddenFill xmlns:a14="http://schemas.microsoft.com/office/drawing/2010/main">
+                <a:solidFill>
+                  <a:srgbClr val="FFFFFF"/>
+                </a:solidFill>
+              </a14:hiddenFill>
+            </a:ext>
+            <a:ext uri="{91240B29-F687-4F45-9708-019B960494DF}">
+              <a14:hiddenLine xmlns:a14="http://schemas.microsoft.com/office/drawing/2010/main" w="9525">
+                <a:solidFill>
+                  <a:srgbClr val="000000"/>
+                </a:solidFill>
+                <a:miter lim="800000"/>
+                <a:headEnd/>
+                <a:tailEnd/>
+              </a14:hiddenLine>
+            </a:ext>
+          </a:extLst>
+        </p:spPr>
+        <p:txBody>
+          <a:bodyPr wrap="square">
+            <a:spAutoFit/>
+          </a:bodyPr>
+          <a:lstStyle>
+            <a:lvl1pPr eaLnBrk="0" hangingPunct="0">
+              <a:defRPr>
+                <a:solidFill>
+                  <a:schemeClr val="tx1"/>
+                </a:solidFill>
+                <a:latin typeface="Arial" panose="020B0604020202020204" pitchFamily="34" charset="0"/>
+                <a:ea typeface="宋体" panose="02010600030101010101" pitchFamily="2" charset="-122"/>
+              </a:defRPr>
+            </a:lvl1pPr>
+            <a:lvl2pPr marL="742950" indent="-285750" eaLnBrk="0" hangingPunct="0">
+              <a:defRPr>
+                <a:solidFill>
+                  <a:schemeClr val="tx1"/>
+                </a:solidFill>
+                <a:latin typeface="Arial" panose="020B0604020202020204" pitchFamily="34" charset="0"/>
+                <a:ea typeface="宋体" panose="02010600030101010101" pitchFamily="2" charset="-122"/>
+              </a:defRPr>
+            </a:lvl2pPr>
+            <a:lvl3pPr marL="1143000" indent="-228600" eaLnBrk="0" hangingPunct="0">
+              <a:defRPr>
+                <a:solidFill>
+                  <a:schemeClr val="tx1"/>
+                </a:solidFill>
+                <a:latin typeface="Arial" panose="020B0604020202020204" pitchFamily="34" charset="0"/>
+                <a:ea typeface="宋体" panose="02010600030101010101" pitchFamily="2" charset="-122"/>
+              </a:defRPr>
+            </a:lvl3pPr>
+            <a:lvl4pPr marL="1600200" indent="-228600" eaLnBrk="0" hangingPunct="0">
+              <a:defRPr>
+                <a:solidFill>
+                  <a:schemeClr val="tx1"/>
+                </a:solidFill>
+                <a:latin typeface="Arial" panose="020B0604020202020204" pitchFamily="34" charset="0"/>
+                <a:ea typeface="宋体" panose="02010600030101010101" pitchFamily="2" charset="-122"/>
+              </a:defRPr>
+            </a:lvl4pPr>
+            <a:lvl5pPr marL="2057400" indent="-228600" eaLnBrk="0" hangingPunct="0">
+              <a:defRPr>
+                <a:solidFill>
+                  <a:schemeClr val="tx1"/>
+                </a:solidFill>
+                <a:latin typeface="Arial" panose="020B0604020202020204" pitchFamily="34" charset="0"/>
+                <a:ea typeface="宋体" panose="02010600030101010101" pitchFamily="2" charset="-122"/>
+              </a:defRPr>
+            </a:lvl5pPr>
+            <a:lvl6pPr marL="2514600" indent="-228600" eaLnBrk="0" fontAlgn="base" hangingPunct="0">
+              <a:spcBef>
+                <a:spcPct val="0"/>
+              </a:spcBef>
+              <a:spcAft>
+                <a:spcPct val="0"/>
+              </a:spcAft>
+              <a:defRPr>
+                <a:solidFill>
+                  <a:schemeClr val="tx1"/>
+                </a:solidFill>
+                <a:latin typeface="Arial" panose="020B0604020202020204" pitchFamily="34" charset="0"/>
+                <a:ea typeface="宋体" panose="02010600030101010101" pitchFamily="2" charset="-122"/>
+              </a:defRPr>
+            </a:lvl6pPr>
+            <a:lvl7pPr marL="2971800" indent="-228600" eaLnBrk="0" fontAlgn="base" hangingPunct="0">
+              <a:spcBef>
+                <a:spcPct val="0"/>
+              </a:spcBef>
+              <a:spcAft>
+                <a:spcPct val="0"/>
+              </a:spcAft>
+              <a:defRPr>
+                <a:solidFill>
+                  <a:schemeClr val="tx1"/>
+                </a:solidFill>
+                <a:latin typeface="Arial" panose="020B0604020202020204" pitchFamily="34" charset="0"/>
+                <a:ea typeface="宋体" panose="02010600030101010101" pitchFamily="2" charset="-122"/>
+              </a:defRPr>
+            </a:lvl7pPr>
+            <a:lvl8pPr marL="3429000" indent="-228600" eaLnBrk="0" fontAlgn="base" hangingPunct="0">
+              <a:spcBef>
+                <a:spcPct val="0"/>
+              </a:spcBef>
+              <a:spcAft>
+                <a:spcPct val="0"/>
+              </a:spcAft>
+              <a:defRPr>
+                <a:solidFill>
+                  <a:schemeClr val="tx1"/>
+                </a:solidFill>
+                <a:latin typeface="Arial" panose="020B0604020202020204" pitchFamily="34" charset="0"/>
+                <a:ea typeface="宋体" panose="02010600030101010101" pitchFamily="2" charset="-122"/>
+              </a:defRPr>
+            </a:lvl8pPr>
+            <a:lvl9pPr marL="3886200" indent="-228600" eaLnBrk="0" fontAlgn="base" hangingPunct="0">
+              <a:spcBef>
+                <a:spcPct val="0"/>
+              </a:spcBef>
+              <a:spcAft>
+                <a:spcPct val="0"/>
+              </a:spcAft>
+              <a:defRPr>
+                <a:solidFill>
+                  <a:schemeClr val="tx1"/>
+                </a:solidFill>
+                <a:latin typeface="Arial" panose="020B0604020202020204" pitchFamily="34" charset="0"/>
+                <a:ea typeface="宋体" panose="02010600030101010101" pitchFamily="2" charset="-122"/>
+              </a:defRPr>
+            </a:lvl9pPr>
+          </a:lstStyle>
+          <a:p>
+            <a:pPr eaLnBrk="1" hangingPunct="1"/>
+            <a:r>
+              <a:rPr lang="zh-CN" altLang="en-US" sz="4800" dirty="0">
+                <a:solidFill>
+                  <a:schemeClr val="bg1"/>
+                </a:solidFill>
+                <a:latin typeface="微软雅黑" panose="020B0503020204020204" pitchFamily="34" charset="-122"/>
+                <a:ea typeface="微软雅黑" panose="020B0503020204020204" pitchFamily="34" charset="-122"/>
+              </a:rPr>
+              <a:t>高级场景</a:t>
+            </a:r>
+            <a:r>
+              <a:rPr lang="en-US" altLang="zh-CN" sz="4800" dirty="0">
+                <a:solidFill>
+                  <a:schemeClr val="bg1"/>
+                </a:solidFill>
+                <a:latin typeface="微软雅黑" panose="020B0503020204020204" pitchFamily="34" charset="-122"/>
+                <a:ea typeface="微软雅黑" panose="020B0503020204020204" pitchFamily="34" charset="-122"/>
+              </a:rPr>
               <a:t>6</a:t>
             </a:r>
             <a:r>
@@ -14986,7 +15346,7 @@
 </p:sld>
 </file>
 
-<file path=ppt/slides/slide27.xml><?xml version="1.0" encoding="utf-8"?>
+<file path=ppt/slides/slide28.xml><?xml version="1.0" encoding="utf-8"?>
 <p:sld xmlns:a="http://schemas.openxmlformats.org/drawingml/2006/main" xmlns:r="http://schemas.openxmlformats.org/officeDocument/2006/relationships" xmlns:p="http://schemas.openxmlformats.org/presentationml/2006/main">
   <p:cSld>
     <p:spTree>
@@ -15539,589 +15899,6 @@
 </p:sld>
 </file>
 
-<file path=ppt/slides/slide28.xml><?xml version="1.0" encoding="utf-8"?>
-<p:sld xmlns:a="http://schemas.openxmlformats.org/drawingml/2006/main" xmlns:r="http://schemas.openxmlformats.org/officeDocument/2006/relationships" xmlns:p="http://schemas.openxmlformats.org/presentationml/2006/main">
-  <p:cSld>
-    <p:spTree>
-      <p:nvGrpSpPr>
-        <p:cNvPr id="1" name=""/>
-        <p:cNvGrpSpPr/>
-        <p:nvPr/>
-      </p:nvGrpSpPr>
-      <p:grpSpPr>
-        <a:xfrm>
-          <a:off x="0" y="0"/>
-          <a:ext cx="0" cy="0"/>
-          <a:chOff x="0" y="0"/>
-          <a:chExt cx="0" cy="0"/>
-        </a:xfrm>
-      </p:grpSpPr>
-      <p:sp>
-        <p:nvSpPr>
-          <p:cNvPr id="4098" name="TextBox 2">
-            <a:extLst>
-              <a:ext uri="{FF2B5EF4-FFF2-40B4-BE49-F238E27FC236}">
-                <a16:creationId xmlns:a16="http://schemas.microsoft.com/office/drawing/2014/main" id="{5552ED83-0001-4E47-A09B-F49C592A8E24}"/>
-              </a:ext>
-            </a:extLst>
-          </p:cNvPr>
-          <p:cNvSpPr txBox="1">
-            <a:spLocks noChangeArrowheads="1"/>
-          </p:cNvSpPr>
-          <p:nvPr/>
-        </p:nvSpPr>
-        <p:spPr bwMode="auto">
-          <a:xfrm>
-            <a:off x="12118" y="84217"/>
-            <a:ext cx="8736346" cy="830997"/>
-          </a:xfrm>
-          <a:prstGeom prst="rect">
-            <a:avLst/>
-          </a:prstGeom>
-          <a:noFill/>
-          <a:ln>
-            <a:noFill/>
-          </a:ln>
-          <a:extLst>
-            <a:ext uri="{909E8E84-426E-40DD-AFC4-6F175D3DCCD1}">
-              <a14:hiddenFill xmlns:a14="http://schemas.microsoft.com/office/drawing/2010/main">
-                <a:solidFill>
-                  <a:srgbClr val="FFFFFF"/>
-                </a:solidFill>
-              </a14:hiddenFill>
-            </a:ext>
-            <a:ext uri="{91240B29-F687-4F45-9708-019B960494DF}">
-              <a14:hiddenLine xmlns:a14="http://schemas.microsoft.com/office/drawing/2010/main" w="9525">
-                <a:solidFill>
-                  <a:srgbClr val="000000"/>
-                </a:solidFill>
-                <a:miter lim="800000"/>
-                <a:headEnd/>
-                <a:tailEnd/>
-              </a14:hiddenLine>
-            </a:ext>
-          </a:extLst>
-        </p:spPr>
-        <p:txBody>
-          <a:bodyPr wrap="square">
-            <a:spAutoFit/>
-          </a:bodyPr>
-          <a:lstStyle>
-            <a:lvl1pPr eaLnBrk="0" hangingPunct="0">
-              <a:defRPr>
-                <a:solidFill>
-                  <a:schemeClr val="tx1"/>
-                </a:solidFill>
-                <a:latin typeface="Arial" panose="020B0604020202020204" pitchFamily="34" charset="0"/>
-                <a:ea typeface="宋体" panose="02010600030101010101" pitchFamily="2" charset="-122"/>
-              </a:defRPr>
-            </a:lvl1pPr>
-            <a:lvl2pPr marL="742950" indent="-285750" eaLnBrk="0" hangingPunct="0">
-              <a:defRPr>
-                <a:solidFill>
-                  <a:schemeClr val="tx1"/>
-                </a:solidFill>
-                <a:latin typeface="Arial" panose="020B0604020202020204" pitchFamily="34" charset="0"/>
-                <a:ea typeface="宋体" panose="02010600030101010101" pitchFamily="2" charset="-122"/>
-              </a:defRPr>
-            </a:lvl2pPr>
-            <a:lvl3pPr marL="1143000" indent="-228600" eaLnBrk="0" hangingPunct="0">
-              <a:defRPr>
-                <a:solidFill>
-                  <a:schemeClr val="tx1"/>
-                </a:solidFill>
-                <a:latin typeface="Arial" panose="020B0604020202020204" pitchFamily="34" charset="0"/>
-                <a:ea typeface="宋体" panose="02010600030101010101" pitchFamily="2" charset="-122"/>
-              </a:defRPr>
-            </a:lvl3pPr>
-            <a:lvl4pPr marL="1600200" indent="-228600" eaLnBrk="0" hangingPunct="0">
-              <a:defRPr>
-                <a:solidFill>
-                  <a:schemeClr val="tx1"/>
-                </a:solidFill>
-                <a:latin typeface="Arial" panose="020B0604020202020204" pitchFamily="34" charset="0"/>
-                <a:ea typeface="宋体" panose="02010600030101010101" pitchFamily="2" charset="-122"/>
-              </a:defRPr>
-            </a:lvl4pPr>
-            <a:lvl5pPr marL="2057400" indent="-228600" eaLnBrk="0" hangingPunct="0">
-              <a:defRPr>
-                <a:solidFill>
-                  <a:schemeClr val="tx1"/>
-                </a:solidFill>
-                <a:latin typeface="Arial" panose="020B0604020202020204" pitchFamily="34" charset="0"/>
-                <a:ea typeface="宋体" panose="02010600030101010101" pitchFamily="2" charset="-122"/>
-              </a:defRPr>
-            </a:lvl5pPr>
-            <a:lvl6pPr marL="2514600" indent="-228600" eaLnBrk="0" fontAlgn="base" hangingPunct="0">
-              <a:spcBef>
-                <a:spcPct val="0"/>
-              </a:spcBef>
-              <a:spcAft>
-                <a:spcPct val="0"/>
-              </a:spcAft>
-              <a:defRPr>
-                <a:solidFill>
-                  <a:schemeClr val="tx1"/>
-                </a:solidFill>
-                <a:latin typeface="Arial" panose="020B0604020202020204" pitchFamily="34" charset="0"/>
-                <a:ea typeface="宋体" panose="02010600030101010101" pitchFamily="2" charset="-122"/>
-              </a:defRPr>
-            </a:lvl6pPr>
-            <a:lvl7pPr marL="2971800" indent="-228600" eaLnBrk="0" fontAlgn="base" hangingPunct="0">
-              <a:spcBef>
-                <a:spcPct val="0"/>
-              </a:spcBef>
-              <a:spcAft>
-                <a:spcPct val="0"/>
-              </a:spcAft>
-              <a:defRPr>
-                <a:solidFill>
-                  <a:schemeClr val="tx1"/>
-                </a:solidFill>
-                <a:latin typeface="Arial" panose="020B0604020202020204" pitchFamily="34" charset="0"/>
-                <a:ea typeface="宋体" panose="02010600030101010101" pitchFamily="2" charset="-122"/>
-              </a:defRPr>
-            </a:lvl7pPr>
-            <a:lvl8pPr marL="3429000" indent="-228600" eaLnBrk="0" fontAlgn="base" hangingPunct="0">
-              <a:spcBef>
-                <a:spcPct val="0"/>
-              </a:spcBef>
-              <a:spcAft>
-                <a:spcPct val="0"/>
-              </a:spcAft>
-              <a:defRPr>
-                <a:solidFill>
-                  <a:schemeClr val="tx1"/>
-                </a:solidFill>
-                <a:latin typeface="Arial" panose="020B0604020202020204" pitchFamily="34" charset="0"/>
-                <a:ea typeface="宋体" panose="02010600030101010101" pitchFamily="2" charset="-122"/>
-              </a:defRPr>
-            </a:lvl8pPr>
-            <a:lvl9pPr marL="3886200" indent="-228600" eaLnBrk="0" fontAlgn="base" hangingPunct="0">
-              <a:spcBef>
-                <a:spcPct val="0"/>
-              </a:spcBef>
-              <a:spcAft>
-                <a:spcPct val="0"/>
-              </a:spcAft>
-              <a:defRPr>
-                <a:solidFill>
-                  <a:schemeClr val="tx1"/>
-                </a:solidFill>
-                <a:latin typeface="Arial" panose="020B0604020202020204" pitchFamily="34" charset="0"/>
-                <a:ea typeface="宋体" panose="02010600030101010101" pitchFamily="2" charset="-122"/>
-              </a:defRPr>
-            </a:lvl9pPr>
-          </a:lstStyle>
-          <a:p>
-            <a:pPr eaLnBrk="1" hangingPunct="1"/>
-            <a:r>
-              <a:rPr lang="zh-CN" altLang="en-US" sz="4800" dirty="0">
-                <a:solidFill>
-                  <a:schemeClr val="bg1"/>
-                </a:solidFill>
-                <a:latin typeface="微软雅黑" panose="020B0503020204020204" pitchFamily="34" charset="-122"/>
-                <a:ea typeface="微软雅黑" panose="020B0503020204020204" pitchFamily="34" charset="-122"/>
-              </a:rPr>
-              <a:t>高级场景</a:t>
-            </a:r>
-            <a:r>
-              <a:rPr lang="en-US" altLang="zh-CN" sz="4800" dirty="0">
-                <a:solidFill>
-                  <a:schemeClr val="bg1"/>
-                </a:solidFill>
-                <a:latin typeface="微软雅黑" panose="020B0503020204020204" pitchFamily="34" charset="-122"/>
-                <a:ea typeface="微软雅黑" panose="020B0503020204020204" pitchFamily="34" charset="-122"/>
-              </a:rPr>
-              <a:t>6</a:t>
-            </a:r>
-            <a:r>
-              <a:rPr lang="zh-CN" altLang="en-US" sz="4800" dirty="0">
-                <a:solidFill>
-                  <a:schemeClr val="bg1"/>
-                </a:solidFill>
-                <a:latin typeface="微软雅黑" panose="020B0503020204020204" pitchFamily="34" charset="-122"/>
-                <a:ea typeface="微软雅黑" panose="020B0503020204020204" pitchFamily="34" charset="-122"/>
-              </a:rPr>
-              <a:t> </a:t>
-            </a:r>
-            <a:r>
-              <a:rPr lang="en-US" altLang="zh-CN" sz="4800" dirty="0">
-                <a:solidFill>
-                  <a:schemeClr val="bg1"/>
-                </a:solidFill>
-                <a:latin typeface="微软雅黑" pitchFamily="34" charset="-122"/>
-                <a:ea typeface="微软雅黑" pitchFamily="34" charset="-122"/>
-              </a:rPr>
-              <a:t>–</a:t>
-            </a:r>
-            <a:r>
-              <a:rPr lang="zh-CN" altLang="en-US" sz="4800" dirty="0">
-                <a:solidFill>
-                  <a:schemeClr val="bg1"/>
-                </a:solidFill>
-                <a:latin typeface="微软雅黑" pitchFamily="34" charset="-122"/>
-                <a:ea typeface="微软雅黑" pitchFamily="34" charset="-122"/>
-              </a:rPr>
-              <a:t>海量数据去重</a:t>
-            </a:r>
-          </a:p>
-        </p:txBody>
-      </p:sp>
-      <p:sp>
-        <p:nvSpPr>
-          <p:cNvPr id="10" name="TextBox 9">
-            <a:extLst>
-              <a:ext uri="{FF2B5EF4-FFF2-40B4-BE49-F238E27FC236}">
-                <a16:creationId xmlns:a16="http://schemas.microsoft.com/office/drawing/2014/main" id="{6C65DFA7-0E5F-49E5-88D4-5AD68B41A2B2}"/>
-              </a:ext>
-            </a:extLst>
-          </p:cNvPr>
-          <p:cNvSpPr txBox="1"/>
-          <p:nvPr/>
-        </p:nvSpPr>
-        <p:spPr>
-          <a:xfrm>
-            <a:off x="35496" y="908720"/>
-            <a:ext cx="9096385" cy="2862322"/>
-          </a:xfrm>
-          <a:prstGeom prst="rect">
-            <a:avLst/>
-          </a:prstGeom>
-          <a:noFill/>
-        </p:spPr>
-        <p:txBody>
-          <a:bodyPr wrap="square">
-            <a:spAutoFit/>
-          </a:bodyPr>
-          <a:lstStyle/>
-          <a:p>
-            <a:pPr>
-              <a:defRPr/>
-            </a:pPr>
-            <a:r>
-              <a:rPr lang="en-US" altLang="zh-CN" sz="3600" dirty="0">
-                <a:solidFill>
-                  <a:schemeClr val="bg1"/>
-                </a:solidFill>
-                <a:latin typeface="微软雅黑" pitchFamily="34" charset="-122"/>
-                <a:ea typeface="微软雅黑" pitchFamily="34" charset="-122"/>
-              </a:rPr>
-              <a:t>	</a:t>
-            </a:r>
-            <a:r>
-              <a:rPr lang="zh-CN" altLang="en-US" sz="3600" dirty="0">
-                <a:solidFill>
-                  <a:schemeClr val="bg1"/>
-                </a:solidFill>
-                <a:latin typeface="微软雅黑" pitchFamily="34" charset="-122"/>
-                <a:ea typeface="微软雅黑" pitchFamily="34" charset="-122"/>
-              </a:rPr>
-              <a:t>需要开发人员对数据量有比较准确的预估，否则准确率会</a:t>
-            </a:r>
-            <a:r>
-              <a:rPr lang="zh-CN" altLang="en-US" sz="3600" dirty="0">
-                <a:solidFill>
-                  <a:srgbClr val="FFC000"/>
-                </a:solidFill>
-                <a:latin typeface="微软雅黑" pitchFamily="34" charset="-122"/>
-                <a:ea typeface="微软雅黑" pitchFamily="34" charset="-122"/>
-              </a:rPr>
-              <a:t>大大下降</a:t>
-            </a:r>
-            <a:r>
-              <a:rPr lang="zh-CN" altLang="en-US" sz="3600" dirty="0">
-                <a:solidFill>
-                  <a:schemeClr val="bg1"/>
-                </a:solidFill>
-                <a:latin typeface="微软雅黑" pitchFamily="34" charset="-122"/>
-                <a:ea typeface="微软雅黑" pitchFamily="34" charset="-122"/>
-              </a:rPr>
-              <a:t>。</a:t>
-            </a:r>
-            <a:endParaRPr lang="en-US" altLang="zh-CN" sz="3600" dirty="0">
-              <a:solidFill>
-                <a:schemeClr val="bg1"/>
-              </a:solidFill>
-              <a:latin typeface="微软雅黑" pitchFamily="34" charset="-122"/>
-              <a:ea typeface="微软雅黑" pitchFamily="34" charset="-122"/>
-            </a:endParaRPr>
-          </a:p>
-          <a:p>
-            <a:pPr>
-              <a:defRPr/>
-            </a:pPr>
-            <a:r>
-              <a:rPr lang="en-US" altLang="zh-CN" sz="3600" dirty="0">
-                <a:solidFill>
-                  <a:schemeClr val="bg1"/>
-                </a:solidFill>
-                <a:latin typeface="微软雅黑" pitchFamily="34" charset="-122"/>
-                <a:ea typeface="微软雅黑" pitchFamily="34" charset="-122"/>
-              </a:rPr>
-              <a:t>	</a:t>
-            </a:r>
-            <a:r>
-              <a:rPr lang="zh-CN" altLang="en-US" sz="3600" dirty="0">
-                <a:solidFill>
-                  <a:schemeClr val="bg1"/>
-                </a:solidFill>
-                <a:latin typeface="微软雅黑" pitchFamily="34" charset="-122"/>
-                <a:ea typeface="微软雅黑" pitchFamily="34" charset="-122"/>
-              </a:rPr>
-              <a:t>需要指定的参数包括：</a:t>
-            </a:r>
-            <a:endParaRPr lang="en-US" altLang="zh-CN" sz="3600" dirty="0">
-              <a:solidFill>
-                <a:schemeClr val="bg1"/>
-              </a:solidFill>
-              <a:latin typeface="微软雅黑" pitchFamily="34" charset="-122"/>
-              <a:ea typeface="微软雅黑" pitchFamily="34" charset="-122"/>
-            </a:endParaRPr>
-          </a:p>
-          <a:p>
-            <a:pPr>
-              <a:defRPr/>
-            </a:pPr>
-            <a:r>
-              <a:rPr lang="en-US" altLang="zh-CN" sz="3600" dirty="0">
-                <a:solidFill>
-                  <a:schemeClr val="bg1"/>
-                </a:solidFill>
-                <a:latin typeface="微软雅黑" pitchFamily="34" charset="-122"/>
-                <a:ea typeface="微软雅黑" pitchFamily="34" charset="-122"/>
-              </a:rPr>
-              <a:t>	</a:t>
-            </a:r>
-            <a:r>
-              <a:rPr lang="zh-CN" altLang="en-US" sz="3600" dirty="0">
-                <a:solidFill>
-                  <a:schemeClr val="bg1"/>
-                </a:solidFill>
-                <a:latin typeface="微软雅黑" pitchFamily="34" charset="-122"/>
-                <a:ea typeface="微软雅黑" pitchFamily="34" charset="-122"/>
-              </a:rPr>
-              <a:t>（</a:t>
-            </a:r>
-            <a:r>
-              <a:rPr lang="en-US" altLang="zh-CN" sz="3600" dirty="0">
-                <a:solidFill>
-                  <a:schemeClr val="bg1"/>
-                </a:solidFill>
-                <a:latin typeface="微软雅黑" pitchFamily="34" charset="-122"/>
-                <a:ea typeface="微软雅黑" pitchFamily="34" charset="-122"/>
-              </a:rPr>
-              <a:t>1</a:t>
-            </a:r>
-            <a:r>
-              <a:rPr lang="zh-CN" altLang="en-US" sz="3600" dirty="0">
-                <a:solidFill>
-                  <a:schemeClr val="bg1"/>
-                </a:solidFill>
-                <a:latin typeface="微软雅黑" pitchFamily="34" charset="-122"/>
-                <a:ea typeface="微软雅黑" pitchFamily="34" charset="-122"/>
-              </a:rPr>
-              <a:t>）</a:t>
-            </a:r>
-            <a:r>
-              <a:rPr lang="en-US" sz="3600" b="1" dirty="0">
-                <a:solidFill>
-                  <a:schemeClr val="bg1"/>
-                </a:solidFill>
-              </a:rPr>
-              <a:t>Count ( </a:t>
-            </a:r>
-            <a:r>
-              <a:rPr lang="en-US" sz="3600" b="1" i="1" dirty="0">
-                <a:solidFill>
-                  <a:schemeClr val="bg1"/>
-                </a:solidFill>
-              </a:rPr>
-              <a:t>n</a:t>
-            </a:r>
-            <a:r>
-              <a:rPr lang="en-US" sz="3600" b="1" dirty="0">
-                <a:solidFill>
-                  <a:schemeClr val="bg1"/>
-                </a:solidFill>
-              </a:rPr>
-              <a:t> )   </a:t>
-            </a:r>
-            <a:r>
-              <a:rPr lang="en-US" altLang="zh-CN" sz="3600" b="1" dirty="0">
-                <a:solidFill>
-                  <a:schemeClr val="bg1"/>
-                </a:solidFill>
-              </a:rPr>
-              <a:t>-   </a:t>
-            </a:r>
-            <a:r>
-              <a:rPr lang="zh-CN" altLang="en-US" sz="3600" b="1" dirty="0">
-                <a:solidFill>
-                  <a:schemeClr val="bg1"/>
-                </a:solidFill>
-              </a:rPr>
-              <a:t>默认</a:t>
-            </a:r>
-            <a:r>
-              <a:rPr lang="en-US" altLang="zh-CN" sz="3600" b="1" dirty="0">
-                <a:solidFill>
-                  <a:schemeClr val="bg1"/>
-                </a:solidFill>
-              </a:rPr>
-              <a:t>100</a:t>
-            </a:r>
-            <a:endParaRPr lang="en-US" sz="3600" b="1" dirty="0">
-              <a:solidFill>
-                <a:schemeClr val="bg1"/>
-              </a:solidFill>
-            </a:endParaRPr>
-          </a:p>
-          <a:p>
-            <a:pPr>
-              <a:defRPr/>
-            </a:pPr>
-            <a:r>
-              <a:rPr lang="en-US" altLang="zh-CN" sz="3600" b="1" dirty="0">
-                <a:solidFill>
-                  <a:schemeClr val="bg1"/>
-                </a:solidFill>
-                <a:latin typeface="微软雅黑" pitchFamily="34" charset="-122"/>
-                <a:ea typeface="微软雅黑" pitchFamily="34" charset="-122"/>
-              </a:rPr>
-              <a:t>	</a:t>
-            </a:r>
-            <a:r>
-              <a:rPr lang="zh-CN" altLang="en-US" sz="3600" dirty="0">
-                <a:solidFill>
-                  <a:schemeClr val="bg1"/>
-                </a:solidFill>
-                <a:latin typeface="微软雅黑" pitchFamily="34" charset="-122"/>
-                <a:ea typeface="微软雅黑" pitchFamily="34" charset="-122"/>
-              </a:rPr>
-              <a:t>（</a:t>
-            </a:r>
-            <a:r>
-              <a:rPr lang="en-US" altLang="zh-CN" sz="3600" dirty="0">
-                <a:solidFill>
-                  <a:schemeClr val="bg1"/>
-                </a:solidFill>
-                <a:latin typeface="微软雅黑" pitchFamily="34" charset="-122"/>
-                <a:ea typeface="微软雅黑" pitchFamily="34" charset="-122"/>
-              </a:rPr>
-              <a:t>2</a:t>
-            </a:r>
-            <a:r>
-              <a:rPr lang="zh-CN" altLang="en-US" sz="3600" dirty="0">
-                <a:solidFill>
-                  <a:schemeClr val="bg1"/>
-                </a:solidFill>
-                <a:latin typeface="微软雅黑" pitchFamily="34" charset="-122"/>
-                <a:ea typeface="微软雅黑" pitchFamily="34" charset="-122"/>
-              </a:rPr>
-              <a:t>）</a:t>
-            </a:r>
-            <a:r>
-              <a:rPr lang="en-US" sz="3600" b="1" dirty="0">
-                <a:solidFill>
-                  <a:schemeClr val="bg1"/>
-                </a:solidFill>
-              </a:rPr>
-              <a:t>Error ( </a:t>
-            </a:r>
-            <a:r>
-              <a:rPr lang="en-US" sz="3600" b="1" i="1" dirty="0">
-                <a:solidFill>
-                  <a:schemeClr val="bg1"/>
-                </a:solidFill>
-              </a:rPr>
-              <a:t>p</a:t>
-            </a:r>
-            <a:r>
-              <a:rPr lang="en-US" sz="3600" b="1" dirty="0">
-                <a:solidFill>
-                  <a:schemeClr val="bg1"/>
-                </a:solidFill>
-              </a:rPr>
-              <a:t> )  </a:t>
-            </a:r>
-            <a:r>
-              <a:rPr lang="en-US" altLang="zh-CN" sz="3600" b="1" dirty="0">
-                <a:solidFill>
-                  <a:schemeClr val="bg1"/>
-                </a:solidFill>
-              </a:rPr>
-              <a:t>-  </a:t>
-            </a:r>
-            <a:r>
-              <a:rPr lang="zh-CN" altLang="en-US" sz="3600" b="1" dirty="0">
-                <a:solidFill>
-                  <a:schemeClr val="bg1"/>
-                </a:solidFill>
-              </a:rPr>
-              <a:t>默认</a:t>
-            </a:r>
-            <a:r>
-              <a:rPr lang="en-US" altLang="zh-CN" sz="3600" b="1" dirty="0">
-                <a:solidFill>
-                  <a:schemeClr val="bg1"/>
-                </a:solidFill>
-              </a:rPr>
-              <a:t>0.01</a:t>
-            </a:r>
-            <a:endParaRPr lang="en-US" altLang="zh-CN" sz="3600" dirty="0">
-              <a:solidFill>
-                <a:schemeClr val="bg1"/>
-              </a:solidFill>
-              <a:latin typeface="微软雅黑" pitchFamily="34" charset="-122"/>
-              <a:ea typeface="微软雅黑" pitchFamily="34" charset="-122"/>
-            </a:endParaRPr>
-          </a:p>
-        </p:txBody>
-      </p:sp>
-      <p:pic>
-        <p:nvPicPr>
-          <p:cNvPr id="3" name="Picture 2">
-            <a:extLst>
-              <a:ext uri="{FF2B5EF4-FFF2-40B4-BE49-F238E27FC236}">
-                <a16:creationId xmlns:a16="http://schemas.microsoft.com/office/drawing/2014/main" id="{3540031E-4563-4B11-BFD4-DE3A17CF0A4B}"/>
-              </a:ext>
-            </a:extLst>
-          </p:cNvPr>
-          <p:cNvPicPr>
-            <a:picLocks noChangeAspect="1"/>
-          </p:cNvPicPr>
-          <p:nvPr/>
-        </p:nvPicPr>
-        <p:blipFill>
-          <a:blip r:embed="rId2"/>
-          <a:stretch>
-            <a:fillRect/>
-          </a:stretch>
-        </p:blipFill>
-        <p:spPr>
-          <a:xfrm>
-            <a:off x="539552" y="3861048"/>
-            <a:ext cx="8082696" cy="2592288"/>
-          </a:xfrm>
-          <a:prstGeom prst="rect">
-            <a:avLst/>
-          </a:prstGeom>
-        </p:spPr>
-      </p:pic>
-    </p:spTree>
-    <p:extLst>
-      <p:ext uri="{BB962C8B-B14F-4D97-AF65-F5344CB8AC3E}">
-        <p14:creationId xmlns:p14="http://schemas.microsoft.com/office/powerpoint/2010/main" val="1979978034"/>
-      </p:ext>
-    </p:extLst>
-  </p:cSld>
-  <p:clrMapOvr>
-    <a:masterClrMapping/>
-  </p:clrMapOvr>
-</p:sld>
-</file>
-
 <file path=ppt/slides/slide29.xml><?xml version="1.0" encoding="utf-8"?>
 <p:sld xmlns:a="http://schemas.openxmlformats.org/drawingml/2006/main" xmlns:r="http://schemas.openxmlformats.org/officeDocument/2006/relationships" xmlns:p="http://schemas.openxmlformats.org/presentationml/2006/main">
   <p:cSld>
@@ -16366,7 +16143,7 @@
         <p:spPr>
           <a:xfrm>
             <a:off x="35496" y="908720"/>
-            <a:ext cx="9096385" cy="1754326"/>
+            <a:ext cx="9096385" cy="2862322"/>
           </a:xfrm>
           <a:prstGeom prst="rect">
             <a:avLst/>
@@ -16393,15 +16170,34 @@
               <a:t>	</a:t>
             </a:r>
             <a:r>
-              <a:rPr lang="en-US" altLang="zh-CN" sz="3600" dirty="0">
-                <a:solidFill>
-                  <a:schemeClr val="bg1"/>
-                </a:solidFill>
-                <a:latin typeface="微软雅黑" pitchFamily="34" charset="-122"/>
-                <a:ea typeface="微软雅黑" pitchFamily="34" charset="-122"/>
-                <a:hlinkClick r:id="rId2"/>
-              </a:rPr>
-              <a:t>https://krisives.github.io/bloom-calculator/</a:t>
+              <a:rPr lang="zh-CN" altLang="en-US" sz="3600" dirty="0">
+                <a:solidFill>
+                  <a:schemeClr val="bg1"/>
+                </a:solidFill>
+                <a:latin typeface="微软雅黑" pitchFamily="34" charset="-122"/>
+                <a:ea typeface="微软雅黑" pitchFamily="34" charset="-122"/>
+              </a:rPr>
+              <a:t>需要开发人员对数据量有比较准确的预估，否则准确率会</a:t>
+            </a:r>
+            <a:r>
+              <a:rPr lang="zh-CN" altLang="en-US" sz="3600" dirty="0">
+                <a:solidFill>
+                  <a:srgbClr val="FFC000"/>
+                </a:solidFill>
+                <a:latin typeface="微软雅黑" pitchFamily="34" charset="-122"/>
+                <a:ea typeface="微软雅黑" pitchFamily="34" charset="-122"/>
+              </a:rPr>
+              <a:t>大大下降</a:t>
+            </a:r>
+            <a:r>
+              <a:rPr lang="zh-CN" altLang="en-US" sz="3600" dirty="0">
+                <a:solidFill>
+                  <a:schemeClr val="bg1"/>
+                </a:solidFill>
+                <a:latin typeface="微软雅黑" pitchFamily="34" charset="-122"/>
+                <a:ea typeface="微软雅黑" pitchFamily="34" charset="-122"/>
+              </a:rPr>
+              <a:t>。</a:t>
             </a:r>
             <a:endParaRPr lang="en-US" altLang="zh-CN" sz="3600" dirty="0">
               <a:solidFill>
@@ -16415,6 +16211,26 @@
             <a:pPr>
               <a:defRPr/>
             </a:pPr>
+            <a:r>
+              <a:rPr lang="en-US" altLang="zh-CN" sz="3600" dirty="0">
+                <a:solidFill>
+                  <a:schemeClr val="bg1"/>
+                </a:solidFill>
+                <a:latin typeface="微软雅黑" pitchFamily="34" charset="-122"/>
+                <a:ea typeface="微软雅黑" pitchFamily="34" charset="-122"/>
+              </a:rPr>
+              <a:t>	</a:t>
+            </a:r>
+            <a:r>
+              <a:rPr lang="zh-CN" altLang="en-US" sz="3600" dirty="0">
+                <a:solidFill>
+                  <a:schemeClr val="bg1"/>
+                </a:solidFill>
+                <a:latin typeface="微软雅黑" pitchFamily="34" charset="-122"/>
+                <a:ea typeface="微软雅黑" pitchFamily="34" charset="-122"/>
+              </a:rPr>
+              <a:t>需要指定的参数包括：</a:t>
+            </a:r>
             <a:endParaRPr lang="en-US" altLang="zh-CN" sz="3600" dirty="0">
               <a:solidFill>
                 <a:schemeClr val="bg1"/>
@@ -16423,12 +16239,240 @@
               <a:ea typeface="微软雅黑" pitchFamily="34" charset="-122"/>
             </a:endParaRPr>
           </a:p>
+          <a:p>
+            <a:pPr>
+              <a:defRPr/>
+            </a:pPr>
+            <a:r>
+              <a:rPr lang="en-US" altLang="zh-CN" sz="3600" dirty="0">
+                <a:solidFill>
+                  <a:schemeClr val="bg1"/>
+                </a:solidFill>
+                <a:latin typeface="微软雅黑" pitchFamily="34" charset="-122"/>
+                <a:ea typeface="微软雅黑" pitchFamily="34" charset="-122"/>
+              </a:rPr>
+              <a:t>	</a:t>
+            </a:r>
+            <a:r>
+              <a:rPr lang="zh-CN" altLang="en-US" sz="3600" dirty="0">
+                <a:solidFill>
+                  <a:schemeClr val="bg1"/>
+                </a:solidFill>
+                <a:latin typeface="微软雅黑" pitchFamily="34" charset="-122"/>
+                <a:ea typeface="微软雅黑" pitchFamily="34" charset="-122"/>
+              </a:rPr>
+              <a:t>（</a:t>
+            </a:r>
+            <a:r>
+              <a:rPr lang="en-US" altLang="zh-CN" sz="3600" dirty="0">
+                <a:solidFill>
+                  <a:schemeClr val="bg1"/>
+                </a:solidFill>
+                <a:latin typeface="微软雅黑" pitchFamily="34" charset="-122"/>
+                <a:ea typeface="微软雅黑" pitchFamily="34" charset="-122"/>
+              </a:rPr>
+              <a:t>1</a:t>
+            </a:r>
+            <a:r>
+              <a:rPr lang="zh-CN" altLang="en-US" sz="3600" dirty="0">
+                <a:solidFill>
+                  <a:schemeClr val="bg1"/>
+                </a:solidFill>
+                <a:latin typeface="微软雅黑" pitchFamily="34" charset="-122"/>
+                <a:ea typeface="微软雅黑" pitchFamily="34" charset="-122"/>
+              </a:rPr>
+              <a:t>）</a:t>
+            </a:r>
+            <a:r>
+              <a:rPr lang="en-US" sz="3600" b="1" dirty="0">
+                <a:solidFill>
+                  <a:schemeClr val="bg1"/>
+                </a:solidFill>
+              </a:rPr>
+              <a:t>Count ( </a:t>
+            </a:r>
+            <a:r>
+              <a:rPr lang="en-US" sz="3600" b="1" i="1" dirty="0">
+                <a:solidFill>
+                  <a:schemeClr val="bg1"/>
+                </a:solidFill>
+              </a:rPr>
+              <a:t>n</a:t>
+            </a:r>
+            <a:r>
+              <a:rPr lang="en-US" sz="3600" b="1" dirty="0">
+                <a:solidFill>
+                  <a:schemeClr val="bg1"/>
+                </a:solidFill>
+              </a:rPr>
+              <a:t> )   </a:t>
+            </a:r>
+            <a:r>
+              <a:rPr lang="en-US" altLang="zh-CN" sz="3600" b="1" dirty="0">
+                <a:solidFill>
+                  <a:schemeClr val="bg1"/>
+                </a:solidFill>
+              </a:rPr>
+              <a:t>-   </a:t>
+            </a:r>
+            <a:r>
+              <a:rPr lang="zh-CN" altLang="en-US" sz="3600" b="1" dirty="0">
+                <a:solidFill>
+                  <a:schemeClr val="bg1"/>
+                </a:solidFill>
+              </a:rPr>
+              <a:t>默认</a:t>
+            </a:r>
+            <a:r>
+              <a:rPr lang="en-US" altLang="zh-CN" sz="3600" b="1" dirty="0">
+                <a:solidFill>
+                  <a:schemeClr val="bg1"/>
+                </a:solidFill>
+              </a:rPr>
+              <a:t>100</a:t>
+            </a:r>
+            <a:endParaRPr lang="en-US" sz="3600" b="1" dirty="0">
+              <a:solidFill>
+                <a:schemeClr val="bg1"/>
+              </a:solidFill>
+            </a:endParaRPr>
+          </a:p>
+          <a:p>
+            <a:pPr>
+              <a:defRPr/>
+            </a:pPr>
+            <a:r>
+              <a:rPr lang="en-US" altLang="zh-CN" sz="3600" b="1" dirty="0">
+                <a:solidFill>
+                  <a:schemeClr val="bg1"/>
+                </a:solidFill>
+                <a:latin typeface="微软雅黑" pitchFamily="34" charset="-122"/>
+                <a:ea typeface="微软雅黑" pitchFamily="34" charset="-122"/>
+              </a:rPr>
+              <a:t>	</a:t>
+            </a:r>
+            <a:r>
+              <a:rPr lang="zh-CN" altLang="en-US" sz="3600" dirty="0">
+                <a:solidFill>
+                  <a:schemeClr val="bg1"/>
+                </a:solidFill>
+                <a:latin typeface="微软雅黑" pitchFamily="34" charset="-122"/>
+                <a:ea typeface="微软雅黑" pitchFamily="34" charset="-122"/>
+              </a:rPr>
+              <a:t>（</a:t>
+            </a:r>
+            <a:r>
+              <a:rPr lang="en-US" altLang="zh-CN" sz="3600" dirty="0">
+                <a:solidFill>
+                  <a:schemeClr val="bg1"/>
+                </a:solidFill>
+                <a:latin typeface="微软雅黑" pitchFamily="34" charset="-122"/>
+                <a:ea typeface="微软雅黑" pitchFamily="34" charset="-122"/>
+              </a:rPr>
+              <a:t>2</a:t>
+            </a:r>
+            <a:r>
+              <a:rPr lang="zh-CN" altLang="en-US" sz="3600" dirty="0">
+                <a:solidFill>
+                  <a:schemeClr val="bg1"/>
+                </a:solidFill>
+                <a:latin typeface="微软雅黑" pitchFamily="34" charset="-122"/>
+                <a:ea typeface="微软雅黑" pitchFamily="34" charset="-122"/>
+              </a:rPr>
+              <a:t>）</a:t>
+            </a:r>
+            <a:r>
+              <a:rPr lang="en-US" sz="3600" b="1" dirty="0">
+                <a:solidFill>
+                  <a:schemeClr val="bg1"/>
+                </a:solidFill>
+              </a:rPr>
+              <a:t>Error ( </a:t>
+            </a:r>
+            <a:r>
+              <a:rPr lang="en-US" sz="3600" b="1" i="1" dirty="0">
+                <a:solidFill>
+                  <a:schemeClr val="bg1"/>
+                </a:solidFill>
+              </a:rPr>
+              <a:t>p</a:t>
+            </a:r>
+            <a:r>
+              <a:rPr lang="en-US" sz="3600" b="1" dirty="0">
+                <a:solidFill>
+                  <a:schemeClr val="bg1"/>
+                </a:solidFill>
+              </a:rPr>
+              <a:t> )  </a:t>
+            </a:r>
+            <a:r>
+              <a:rPr lang="en-US" altLang="zh-CN" sz="3600" b="1" dirty="0">
+                <a:solidFill>
+                  <a:schemeClr val="bg1"/>
+                </a:solidFill>
+              </a:rPr>
+              <a:t>-  </a:t>
+            </a:r>
+            <a:r>
+              <a:rPr lang="zh-CN" altLang="en-US" sz="3600" b="1" dirty="0">
+                <a:solidFill>
+                  <a:schemeClr val="bg1"/>
+                </a:solidFill>
+              </a:rPr>
+              <a:t>默认</a:t>
+            </a:r>
+            <a:r>
+              <a:rPr lang="en-US" altLang="zh-CN" sz="3600" b="1" dirty="0">
+                <a:solidFill>
+                  <a:schemeClr val="bg1"/>
+                </a:solidFill>
+              </a:rPr>
+              <a:t>0.01</a:t>
+            </a:r>
+            <a:endParaRPr lang="en-US" altLang="zh-CN" sz="3600" dirty="0">
+              <a:solidFill>
+                <a:schemeClr val="bg1"/>
+              </a:solidFill>
+              <a:latin typeface="微软雅黑" pitchFamily="34" charset="-122"/>
+              <a:ea typeface="微软雅黑" pitchFamily="34" charset="-122"/>
+            </a:endParaRPr>
+          </a:p>
         </p:txBody>
       </p:sp>
+      <p:pic>
+        <p:nvPicPr>
+          <p:cNvPr id="3" name="Picture 2">
+            <a:extLst>
+              <a:ext uri="{FF2B5EF4-FFF2-40B4-BE49-F238E27FC236}">
+                <a16:creationId xmlns:a16="http://schemas.microsoft.com/office/drawing/2014/main" id="{3540031E-4563-4B11-BFD4-DE3A17CF0A4B}"/>
+              </a:ext>
+            </a:extLst>
+          </p:cNvPr>
+          <p:cNvPicPr>
+            <a:picLocks noChangeAspect="1"/>
+          </p:cNvPicPr>
+          <p:nvPr/>
+        </p:nvPicPr>
+        <p:blipFill>
+          <a:blip r:embed="rId2"/>
+          <a:stretch>
+            <a:fillRect/>
+          </a:stretch>
+        </p:blipFill>
+        <p:spPr>
+          <a:xfrm>
+            <a:off x="539552" y="3861048"/>
+            <a:ext cx="8082696" cy="2592288"/>
+          </a:xfrm>
+          <a:prstGeom prst="rect">
+            <a:avLst/>
+          </a:prstGeom>
+        </p:spPr>
+      </p:pic>
     </p:spTree>
     <p:extLst>
       <p:ext uri="{BB962C8B-B14F-4D97-AF65-F5344CB8AC3E}">
-        <p14:creationId xmlns:p14="http://schemas.microsoft.com/office/powerpoint/2010/main" val="1207098"/>
+        <p14:creationId xmlns:p14="http://schemas.microsoft.com/office/powerpoint/2010/main" val="1979978034"/>
       </p:ext>
     </p:extLst>
   </p:cSld>
@@ -16718,7 +16762,7 @@
                 <a:latin typeface="微软雅黑" panose="020B0503020204020204" pitchFamily="34" charset="-122"/>
                 <a:ea typeface="微软雅黑" panose="020B0503020204020204" pitchFamily="34" charset="-122"/>
               </a:rPr>
-              <a:t>7</a:t>
+              <a:t>6</a:t>
             </a:r>
             <a:r>
               <a:rPr lang="zh-CN" altLang="en-US" sz="4800" dirty="0">
@@ -16738,7 +16782,7 @@
                 <a:latin typeface="微软雅黑" pitchFamily="34" charset="-122"/>
                 <a:ea typeface="微软雅黑" pitchFamily="34" charset="-122"/>
               </a:rPr>
-              <a:t>– </a:t>
+              <a:t>–</a:t>
             </a:r>
             <a:r>
               <a:rPr lang="zh-CN" altLang="en-US" sz="4800" dirty="0">
@@ -16748,7 +16792,7 @@
                 <a:latin typeface="微软雅黑" pitchFamily="34" charset="-122"/>
                 <a:ea typeface="微软雅黑" pitchFamily="34" charset="-122"/>
               </a:rPr>
-              <a:t>如何找到附近的人</a:t>
+              <a:t>海量数据去重</a:t>
             </a:r>
           </a:p>
         </p:txBody>
@@ -16759,50 +16803,6 @@
             <a:extLst>
               <a:ext uri="{FF2B5EF4-FFF2-40B4-BE49-F238E27FC236}">
                 <a16:creationId xmlns:a16="http://schemas.microsoft.com/office/drawing/2014/main" id="{6C65DFA7-0E5F-49E5-88D4-5AD68B41A2B2}"/>
-              </a:ext>
-            </a:extLst>
-          </p:cNvPr>
-          <p:cNvSpPr txBox="1"/>
-          <p:nvPr/>
-        </p:nvSpPr>
-        <p:spPr>
-          <a:xfrm>
-            <a:off x="35496" y="908720"/>
-            <a:ext cx="9096385" cy="646331"/>
-          </a:xfrm>
-          <a:prstGeom prst="rect">
-            <a:avLst/>
-          </a:prstGeom>
-          <a:noFill/>
-        </p:spPr>
-        <p:txBody>
-          <a:bodyPr wrap="square">
-            <a:spAutoFit/>
-          </a:bodyPr>
-          <a:lstStyle/>
-          <a:p>
-            <a:pPr>
-              <a:defRPr/>
-            </a:pPr>
-            <a:r>
-              <a:rPr lang="en-US" altLang="zh-CN" sz="3600" dirty="0">
-                <a:solidFill>
-                  <a:schemeClr val="bg1"/>
-                </a:solidFill>
-                <a:latin typeface="微软雅黑" pitchFamily="34" charset="-122"/>
-                <a:ea typeface="微软雅黑" pitchFamily="34" charset="-122"/>
-              </a:rPr>
-              <a:t>	</a:t>
-            </a:r>
-          </a:p>
-        </p:txBody>
-      </p:sp>
-      <p:sp>
-        <p:nvSpPr>
-          <p:cNvPr id="5" name="TextBox 4">
-            <a:extLst>
-              <a:ext uri="{FF2B5EF4-FFF2-40B4-BE49-F238E27FC236}">
-                <a16:creationId xmlns:a16="http://schemas.microsoft.com/office/drawing/2014/main" id="{4AD34F77-EB74-4FBE-9BF1-C2F0F5AAA337}"/>
               </a:ext>
             </a:extLst>
           </p:cNvPr>
@@ -16839,34 +16839,15 @@
               <a:t>	</a:t>
             </a:r>
             <a:r>
-              <a:rPr lang="zh-CN" altLang="en-US" sz="3600" dirty="0">
-                <a:solidFill>
-                  <a:schemeClr val="bg1"/>
-                </a:solidFill>
-                <a:latin typeface="微软雅黑" pitchFamily="34" charset="-122"/>
-                <a:ea typeface="微软雅黑" pitchFamily="34" charset="-122"/>
-              </a:rPr>
-              <a:t>类似微信、</a:t>
-            </a:r>
-            <a:r>
               <a:rPr lang="en-US" altLang="zh-CN" sz="3600" dirty="0">
                 <a:solidFill>
                   <a:schemeClr val="bg1"/>
                 </a:solidFill>
                 <a:latin typeface="微软雅黑" pitchFamily="34" charset="-122"/>
                 <a:ea typeface="微软雅黑" pitchFamily="34" charset="-122"/>
-              </a:rPr>
-              <a:t>WhatsApp</a:t>
-            </a:r>
-            <a:r>
-              <a:rPr lang="zh-CN" altLang="en-US" sz="3600" dirty="0">
-                <a:solidFill>
-                  <a:schemeClr val="bg1"/>
-                </a:solidFill>
-                <a:latin typeface="微软雅黑" pitchFamily="34" charset="-122"/>
-                <a:ea typeface="微软雅黑" pitchFamily="34" charset="-122"/>
-              </a:rPr>
-              <a:t>之类的软件都有一个“发现附近的人”功能，那么它是如何实现的呢？</a:t>
+                <a:hlinkClick r:id="rId2"/>
+              </a:rPr>
+              <a:t>https://krisives.github.io/bloom-calculator/</a:t>
             </a:r>
             <a:endParaRPr lang="en-US" altLang="zh-CN" sz="3600" dirty="0">
               <a:solidFill>
@@ -16876,42 +16857,24 @@
               <a:ea typeface="微软雅黑" pitchFamily="34" charset="-122"/>
             </a:endParaRPr>
           </a:p>
+          <a:p>
+            <a:pPr>
+              <a:defRPr/>
+            </a:pPr>
+            <a:endParaRPr lang="en-US" altLang="zh-CN" sz="3600" dirty="0">
+              <a:solidFill>
+                <a:schemeClr val="bg1"/>
+              </a:solidFill>
+              <a:latin typeface="微软雅黑" pitchFamily="34" charset="-122"/>
+              <a:ea typeface="微软雅黑" pitchFamily="34" charset="-122"/>
+            </a:endParaRPr>
+          </a:p>
         </p:txBody>
       </p:sp>
-      <p:pic>
-        <p:nvPicPr>
-          <p:cNvPr id="2" name="Picture 1">
-            <a:extLst>
-              <a:ext uri="{FF2B5EF4-FFF2-40B4-BE49-F238E27FC236}">
-                <a16:creationId xmlns:a16="http://schemas.microsoft.com/office/drawing/2014/main" id="{481B906A-DBD2-4ACB-BF07-6FC58C6A0D96}"/>
-              </a:ext>
-            </a:extLst>
-          </p:cNvPr>
-          <p:cNvPicPr>
-            <a:picLocks noChangeAspect="1"/>
-          </p:cNvPicPr>
-          <p:nvPr/>
-        </p:nvPicPr>
-        <p:blipFill>
-          <a:blip r:embed="rId2"/>
-          <a:stretch>
-            <a:fillRect/>
-          </a:stretch>
-        </p:blipFill>
-        <p:spPr>
-          <a:xfrm>
-            <a:off x="2398695" y="2780928"/>
-            <a:ext cx="4369986" cy="3878529"/>
-          </a:xfrm>
-          <a:prstGeom prst="rect">
-            <a:avLst/>
-          </a:prstGeom>
-        </p:spPr>
-      </p:pic>
     </p:spTree>
     <p:extLst>
       <p:ext uri="{BB962C8B-B14F-4D97-AF65-F5344CB8AC3E}">
-        <p14:creationId xmlns:p14="http://schemas.microsoft.com/office/powerpoint/2010/main" val="2148358592"/>
+        <p14:creationId xmlns:p14="http://schemas.microsoft.com/office/powerpoint/2010/main" val="1207098"/>
       </p:ext>
     </p:extLst>
   </p:cSld>
@@ -17243,7 +17206,7 @@
                 <a:latin typeface="微软雅黑" pitchFamily="34" charset="-122"/>
                 <a:ea typeface="微软雅黑" pitchFamily="34" charset="-122"/>
               </a:rPr>
-              <a:t>如果把（用户</a:t>
+              <a:t>类似微信、</a:t>
             </a:r>
             <a:r>
               <a:rPr lang="en-US" altLang="zh-CN" sz="3600" dirty="0">
@@ -17253,7 +17216,7 @@
                 <a:latin typeface="微软雅黑" pitchFamily="34" charset="-122"/>
                 <a:ea typeface="微软雅黑" pitchFamily="34" charset="-122"/>
               </a:rPr>
-              <a:t>id, </a:t>
+              <a:t>WhatsApp</a:t>
             </a:r>
             <a:r>
               <a:rPr lang="zh-CN" altLang="en-US" sz="3600" dirty="0">
@@ -17263,27 +17226,7 @@
                 <a:latin typeface="微软雅黑" pitchFamily="34" charset="-122"/>
                 <a:ea typeface="微软雅黑" pitchFamily="34" charset="-122"/>
               </a:rPr>
-              <a:t>经度</a:t>
-            </a:r>
-            <a:r>
-              <a:rPr lang="en-US" altLang="zh-CN" sz="3600" dirty="0">
-                <a:solidFill>
-                  <a:schemeClr val="bg1"/>
-                </a:solidFill>
-                <a:latin typeface="微软雅黑" pitchFamily="34" charset="-122"/>
-                <a:ea typeface="微软雅黑" pitchFamily="34" charset="-122"/>
-              </a:rPr>
-              <a:t>, </a:t>
-            </a:r>
-            <a:r>
-              <a:rPr lang="zh-CN" altLang="en-US" sz="3600" dirty="0">
-                <a:solidFill>
-                  <a:schemeClr val="bg1"/>
-                </a:solidFill>
-                <a:latin typeface="微软雅黑" pitchFamily="34" charset="-122"/>
-                <a:ea typeface="微软雅黑" pitchFamily="34" charset="-122"/>
-              </a:rPr>
-              <a:t>维度）存储在数据库，首先，不可能遍历所有人计算跟目标用户的距离并排序，这样计算量太大。</a:t>
+              <a:t>之类的软件都有一个“发现附近的人”功能，那么它是如何实现的呢？</a:t>
             </a:r>
             <a:endParaRPr lang="en-US" altLang="zh-CN" sz="3600" dirty="0">
               <a:solidFill>
@@ -17295,10 +17238,40 @@
           </a:p>
         </p:txBody>
       </p:sp>
+      <p:pic>
+        <p:nvPicPr>
+          <p:cNvPr id="2" name="Picture 1">
+            <a:extLst>
+              <a:ext uri="{FF2B5EF4-FFF2-40B4-BE49-F238E27FC236}">
+                <a16:creationId xmlns:a16="http://schemas.microsoft.com/office/drawing/2014/main" id="{481B906A-DBD2-4ACB-BF07-6FC58C6A0D96}"/>
+              </a:ext>
+            </a:extLst>
+          </p:cNvPr>
+          <p:cNvPicPr>
+            <a:picLocks noChangeAspect="1"/>
+          </p:cNvPicPr>
+          <p:nvPr/>
+        </p:nvPicPr>
+        <p:blipFill>
+          <a:blip r:embed="rId2"/>
+          <a:stretch>
+            <a:fillRect/>
+          </a:stretch>
+        </p:blipFill>
+        <p:spPr>
+          <a:xfrm>
+            <a:off x="2398695" y="2780928"/>
+            <a:ext cx="4369986" cy="3878529"/>
+          </a:xfrm>
+          <a:prstGeom prst="rect">
+            <a:avLst/>
+          </a:prstGeom>
+        </p:spPr>
+      </p:pic>
     </p:spTree>
     <p:extLst>
       <p:ext uri="{BB962C8B-B14F-4D97-AF65-F5344CB8AC3E}">
-        <p14:creationId xmlns:p14="http://schemas.microsoft.com/office/powerpoint/2010/main" val="2036838103"/>
+        <p14:creationId xmlns:p14="http://schemas.microsoft.com/office/powerpoint/2010/main" val="2148358592"/>
       </p:ext>
     </p:extLst>
   </p:cSld>
@@ -17596,6 +17569,393 @@
         <p:spPr>
           <a:xfrm>
             <a:off x="35496" y="908720"/>
+            <a:ext cx="9096385" cy="1754326"/>
+          </a:xfrm>
+          <a:prstGeom prst="rect">
+            <a:avLst/>
+          </a:prstGeom>
+          <a:noFill/>
+        </p:spPr>
+        <p:txBody>
+          <a:bodyPr wrap="square">
+            <a:spAutoFit/>
+          </a:bodyPr>
+          <a:lstStyle/>
+          <a:p>
+            <a:pPr>
+              <a:defRPr/>
+            </a:pPr>
+            <a:r>
+              <a:rPr lang="en-US" altLang="zh-CN" sz="3600" dirty="0">
+                <a:solidFill>
+                  <a:schemeClr val="bg1"/>
+                </a:solidFill>
+                <a:latin typeface="微软雅黑" pitchFamily="34" charset="-122"/>
+                <a:ea typeface="微软雅黑" pitchFamily="34" charset="-122"/>
+              </a:rPr>
+              <a:t>	</a:t>
+            </a:r>
+            <a:r>
+              <a:rPr lang="zh-CN" altLang="en-US" sz="3600" dirty="0">
+                <a:solidFill>
+                  <a:schemeClr val="bg1"/>
+                </a:solidFill>
+                <a:latin typeface="微软雅黑" pitchFamily="34" charset="-122"/>
+                <a:ea typeface="微软雅黑" pitchFamily="34" charset="-122"/>
+              </a:rPr>
+              <a:t>如果把（用户</a:t>
+            </a:r>
+            <a:r>
+              <a:rPr lang="en-US" altLang="zh-CN" sz="3600" dirty="0">
+                <a:solidFill>
+                  <a:schemeClr val="bg1"/>
+                </a:solidFill>
+                <a:latin typeface="微软雅黑" pitchFamily="34" charset="-122"/>
+                <a:ea typeface="微软雅黑" pitchFamily="34" charset="-122"/>
+              </a:rPr>
+              <a:t>id, </a:t>
+            </a:r>
+            <a:r>
+              <a:rPr lang="zh-CN" altLang="en-US" sz="3600" dirty="0">
+                <a:solidFill>
+                  <a:schemeClr val="bg1"/>
+                </a:solidFill>
+                <a:latin typeface="微软雅黑" pitchFamily="34" charset="-122"/>
+                <a:ea typeface="微软雅黑" pitchFamily="34" charset="-122"/>
+              </a:rPr>
+              <a:t>经度</a:t>
+            </a:r>
+            <a:r>
+              <a:rPr lang="en-US" altLang="zh-CN" sz="3600" dirty="0">
+                <a:solidFill>
+                  <a:schemeClr val="bg1"/>
+                </a:solidFill>
+                <a:latin typeface="微软雅黑" pitchFamily="34" charset="-122"/>
+                <a:ea typeface="微软雅黑" pitchFamily="34" charset="-122"/>
+              </a:rPr>
+              <a:t>, </a:t>
+            </a:r>
+            <a:r>
+              <a:rPr lang="zh-CN" altLang="en-US" sz="3600" dirty="0">
+                <a:solidFill>
+                  <a:schemeClr val="bg1"/>
+                </a:solidFill>
+                <a:latin typeface="微软雅黑" pitchFamily="34" charset="-122"/>
+                <a:ea typeface="微软雅黑" pitchFamily="34" charset="-122"/>
+              </a:rPr>
+              <a:t>维度）存储在数据库，首先，不可能遍历所有人计算跟目标用户的距离并排序，这样计算量太大。</a:t>
+            </a:r>
+            <a:endParaRPr lang="en-US" altLang="zh-CN" sz="3600" dirty="0">
+              <a:solidFill>
+                <a:schemeClr val="bg1"/>
+              </a:solidFill>
+              <a:latin typeface="微软雅黑" pitchFamily="34" charset="-122"/>
+              <a:ea typeface="微软雅黑" pitchFamily="34" charset="-122"/>
+            </a:endParaRPr>
+          </a:p>
+        </p:txBody>
+      </p:sp>
+    </p:spTree>
+    <p:extLst>
+      <p:ext uri="{BB962C8B-B14F-4D97-AF65-F5344CB8AC3E}">
+        <p14:creationId xmlns:p14="http://schemas.microsoft.com/office/powerpoint/2010/main" val="2036838103"/>
+      </p:ext>
+    </p:extLst>
+  </p:cSld>
+  <p:clrMapOvr>
+    <a:masterClrMapping/>
+  </p:clrMapOvr>
+</p:sld>
+</file>
+
+<file path=ppt/slides/slide33.xml><?xml version="1.0" encoding="utf-8"?>
+<p:sld xmlns:a="http://schemas.openxmlformats.org/drawingml/2006/main" xmlns:r="http://schemas.openxmlformats.org/officeDocument/2006/relationships" xmlns:p="http://schemas.openxmlformats.org/presentationml/2006/main">
+  <p:cSld>
+    <p:spTree>
+      <p:nvGrpSpPr>
+        <p:cNvPr id="1" name=""/>
+        <p:cNvGrpSpPr/>
+        <p:nvPr/>
+      </p:nvGrpSpPr>
+      <p:grpSpPr>
+        <a:xfrm>
+          <a:off x="0" y="0"/>
+          <a:ext cx="0" cy="0"/>
+          <a:chOff x="0" y="0"/>
+          <a:chExt cx="0" cy="0"/>
+        </a:xfrm>
+      </p:grpSpPr>
+      <p:sp>
+        <p:nvSpPr>
+          <p:cNvPr id="4098" name="TextBox 2">
+            <a:extLst>
+              <a:ext uri="{FF2B5EF4-FFF2-40B4-BE49-F238E27FC236}">
+                <a16:creationId xmlns:a16="http://schemas.microsoft.com/office/drawing/2014/main" id="{5552ED83-0001-4E47-A09B-F49C592A8E24}"/>
+              </a:ext>
+            </a:extLst>
+          </p:cNvPr>
+          <p:cNvSpPr txBox="1">
+            <a:spLocks noChangeArrowheads="1"/>
+          </p:cNvSpPr>
+          <p:nvPr/>
+        </p:nvSpPr>
+        <p:spPr bwMode="auto">
+          <a:xfrm>
+            <a:off x="12118" y="84217"/>
+            <a:ext cx="8736346" cy="830997"/>
+          </a:xfrm>
+          <a:prstGeom prst="rect">
+            <a:avLst/>
+          </a:prstGeom>
+          <a:noFill/>
+          <a:ln>
+            <a:noFill/>
+          </a:ln>
+          <a:extLst>
+            <a:ext uri="{909E8E84-426E-40DD-AFC4-6F175D3DCCD1}">
+              <a14:hiddenFill xmlns:a14="http://schemas.microsoft.com/office/drawing/2010/main">
+                <a:solidFill>
+                  <a:srgbClr val="FFFFFF"/>
+                </a:solidFill>
+              </a14:hiddenFill>
+            </a:ext>
+            <a:ext uri="{91240B29-F687-4F45-9708-019B960494DF}">
+              <a14:hiddenLine xmlns:a14="http://schemas.microsoft.com/office/drawing/2010/main" w="9525">
+                <a:solidFill>
+                  <a:srgbClr val="000000"/>
+                </a:solidFill>
+                <a:miter lim="800000"/>
+                <a:headEnd/>
+                <a:tailEnd/>
+              </a14:hiddenLine>
+            </a:ext>
+          </a:extLst>
+        </p:spPr>
+        <p:txBody>
+          <a:bodyPr wrap="square">
+            <a:spAutoFit/>
+          </a:bodyPr>
+          <a:lstStyle>
+            <a:lvl1pPr eaLnBrk="0" hangingPunct="0">
+              <a:defRPr>
+                <a:solidFill>
+                  <a:schemeClr val="tx1"/>
+                </a:solidFill>
+                <a:latin typeface="Arial" panose="020B0604020202020204" pitchFamily="34" charset="0"/>
+                <a:ea typeface="宋体" panose="02010600030101010101" pitchFamily="2" charset="-122"/>
+              </a:defRPr>
+            </a:lvl1pPr>
+            <a:lvl2pPr marL="742950" indent="-285750" eaLnBrk="0" hangingPunct="0">
+              <a:defRPr>
+                <a:solidFill>
+                  <a:schemeClr val="tx1"/>
+                </a:solidFill>
+                <a:latin typeface="Arial" panose="020B0604020202020204" pitchFamily="34" charset="0"/>
+                <a:ea typeface="宋体" panose="02010600030101010101" pitchFamily="2" charset="-122"/>
+              </a:defRPr>
+            </a:lvl2pPr>
+            <a:lvl3pPr marL="1143000" indent="-228600" eaLnBrk="0" hangingPunct="0">
+              <a:defRPr>
+                <a:solidFill>
+                  <a:schemeClr val="tx1"/>
+                </a:solidFill>
+                <a:latin typeface="Arial" panose="020B0604020202020204" pitchFamily="34" charset="0"/>
+                <a:ea typeface="宋体" panose="02010600030101010101" pitchFamily="2" charset="-122"/>
+              </a:defRPr>
+            </a:lvl3pPr>
+            <a:lvl4pPr marL="1600200" indent="-228600" eaLnBrk="0" hangingPunct="0">
+              <a:defRPr>
+                <a:solidFill>
+                  <a:schemeClr val="tx1"/>
+                </a:solidFill>
+                <a:latin typeface="Arial" panose="020B0604020202020204" pitchFamily="34" charset="0"/>
+                <a:ea typeface="宋体" panose="02010600030101010101" pitchFamily="2" charset="-122"/>
+              </a:defRPr>
+            </a:lvl4pPr>
+            <a:lvl5pPr marL="2057400" indent="-228600" eaLnBrk="0" hangingPunct="0">
+              <a:defRPr>
+                <a:solidFill>
+                  <a:schemeClr val="tx1"/>
+                </a:solidFill>
+                <a:latin typeface="Arial" panose="020B0604020202020204" pitchFamily="34" charset="0"/>
+                <a:ea typeface="宋体" panose="02010600030101010101" pitchFamily="2" charset="-122"/>
+              </a:defRPr>
+            </a:lvl5pPr>
+            <a:lvl6pPr marL="2514600" indent="-228600" eaLnBrk="0" fontAlgn="base" hangingPunct="0">
+              <a:spcBef>
+                <a:spcPct val="0"/>
+              </a:spcBef>
+              <a:spcAft>
+                <a:spcPct val="0"/>
+              </a:spcAft>
+              <a:defRPr>
+                <a:solidFill>
+                  <a:schemeClr val="tx1"/>
+                </a:solidFill>
+                <a:latin typeface="Arial" panose="020B0604020202020204" pitchFamily="34" charset="0"/>
+                <a:ea typeface="宋体" panose="02010600030101010101" pitchFamily="2" charset="-122"/>
+              </a:defRPr>
+            </a:lvl6pPr>
+            <a:lvl7pPr marL="2971800" indent="-228600" eaLnBrk="0" fontAlgn="base" hangingPunct="0">
+              <a:spcBef>
+                <a:spcPct val="0"/>
+              </a:spcBef>
+              <a:spcAft>
+                <a:spcPct val="0"/>
+              </a:spcAft>
+              <a:defRPr>
+                <a:solidFill>
+                  <a:schemeClr val="tx1"/>
+                </a:solidFill>
+                <a:latin typeface="Arial" panose="020B0604020202020204" pitchFamily="34" charset="0"/>
+                <a:ea typeface="宋体" panose="02010600030101010101" pitchFamily="2" charset="-122"/>
+              </a:defRPr>
+            </a:lvl7pPr>
+            <a:lvl8pPr marL="3429000" indent="-228600" eaLnBrk="0" fontAlgn="base" hangingPunct="0">
+              <a:spcBef>
+                <a:spcPct val="0"/>
+              </a:spcBef>
+              <a:spcAft>
+                <a:spcPct val="0"/>
+              </a:spcAft>
+              <a:defRPr>
+                <a:solidFill>
+                  <a:schemeClr val="tx1"/>
+                </a:solidFill>
+                <a:latin typeface="Arial" panose="020B0604020202020204" pitchFamily="34" charset="0"/>
+                <a:ea typeface="宋体" panose="02010600030101010101" pitchFamily="2" charset="-122"/>
+              </a:defRPr>
+            </a:lvl8pPr>
+            <a:lvl9pPr marL="3886200" indent="-228600" eaLnBrk="0" fontAlgn="base" hangingPunct="0">
+              <a:spcBef>
+                <a:spcPct val="0"/>
+              </a:spcBef>
+              <a:spcAft>
+                <a:spcPct val="0"/>
+              </a:spcAft>
+              <a:defRPr>
+                <a:solidFill>
+                  <a:schemeClr val="tx1"/>
+                </a:solidFill>
+                <a:latin typeface="Arial" panose="020B0604020202020204" pitchFamily="34" charset="0"/>
+                <a:ea typeface="宋体" panose="02010600030101010101" pitchFamily="2" charset="-122"/>
+              </a:defRPr>
+            </a:lvl9pPr>
+          </a:lstStyle>
+          <a:p>
+            <a:pPr eaLnBrk="1" hangingPunct="1"/>
+            <a:r>
+              <a:rPr lang="zh-CN" altLang="en-US" sz="4800" dirty="0">
+                <a:solidFill>
+                  <a:schemeClr val="bg1"/>
+                </a:solidFill>
+                <a:latin typeface="微软雅黑" panose="020B0503020204020204" pitchFamily="34" charset="-122"/>
+                <a:ea typeface="微软雅黑" panose="020B0503020204020204" pitchFamily="34" charset="-122"/>
+              </a:rPr>
+              <a:t>高级场景</a:t>
+            </a:r>
+            <a:r>
+              <a:rPr lang="en-US" altLang="zh-CN" sz="4800" dirty="0">
+                <a:solidFill>
+                  <a:schemeClr val="bg1"/>
+                </a:solidFill>
+                <a:latin typeface="微软雅黑" panose="020B0503020204020204" pitchFamily="34" charset="-122"/>
+                <a:ea typeface="微软雅黑" panose="020B0503020204020204" pitchFamily="34" charset="-122"/>
+              </a:rPr>
+              <a:t>7</a:t>
+            </a:r>
+            <a:r>
+              <a:rPr lang="zh-CN" altLang="en-US" sz="4800" dirty="0">
+                <a:solidFill>
+                  <a:schemeClr val="bg1"/>
+                </a:solidFill>
+                <a:latin typeface="微软雅黑" panose="020B0503020204020204" pitchFamily="34" charset="-122"/>
+                <a:ea typeface="微软雅黑" panose="020B0503020204020204" pitchFamily="34" charset="-122"/>
+              </a:rPr>
+              <a:t> </a:t>
+            </a:r>
+            <a:r>
+              <a:rPr lang="en-US" altLang="zh-CN" sz="4800" dirty="0">
+                <a:solidFill>
+                  <a:schemeClr val="bg1"/>
+                </a:solidFill>
+                <a:latin typeface="微软雅黑" pitchFamily="34" charset="-122"/>
+                <a:ea typeface="微软雅黑" pitchFamily="34" charset="-122"/>
+              </a:rPr>
+              <a:t>– </a:t>
+            </a:r>
+            <a:r>
+              <a:rPr lang="zh-CN" altLang="en-US" sz="4800" dirty="0">
+                <a:solidFill>
+                  <a:schemeClr val="bg1"/>
+                </a:solidFill>
+                <a:latin typeface="微软雅黑" pitchFamily="34" charset="-122"/>
+                <a:ea typeface="微软雅黑" pitchFamily="34" charset="-122"/>
+              </a:rPr>
+              <a:t>如何找到附近的人</a:t>
+            </a:r>
+          </a:p>
+        </p:txBody>
+      </p:sp>
+      <p:sp>
+        <p:nvSpPr>
+          <p:cNvPr id="10" name="TextBox 9">
+            <a:extLst>
+              <a:ext uri="{FF2B5EF4-FFF2-40B4-BE49-F238E27FC236}">
+                <a16:creationId xmlns:a16="http://schemas.microsoft.com/office/drawing/2014/main" id="{6C65DFA7-0E5F-49E5-88D4-5AD68B41A2B2}"/>
+              </a:ext>
+            </a:extLst>
+          </p:cNvPr>
+          <p:cNvSpPr txBox="1"/>
+          <p:nvPr/>
+        </p:nvSpPr>
+        <p:spPr>
+          <a:xfrm>
+            <a:off x="35496" y="908720"/>
+            <a:ext cx="9096385" cy="646331"/>
+          </a:xfrm>
+          <a:prstGeom prst="rect">
+            <a:avLst/>
+          </a:prstGeom>
+          <a:noFill/>
+        </p:spPr>
+        <p:txBody>
+          <a:bodyPr wrap="square">
+            <a:spAutoFit/>
+          </a:bodyPr>
+          <a:lstStyle/>
+          <a:p>
+            <a:pPr>
+              <a:defRPr/>
+            </a:pPr>
+            <a:r>
+              <a:rPr lang="en-US" altLang="zh-CN" sz="3600" dirty="0">
+                <a:solidFill>
+                  <a:schemeClr val="bg1"/>
+                </a:solidFill>
+                <a:latin typeface="微软雅黑" pitchFamily="34" charset="-122"/>
+                <a:ea typeface="微软雅黑" pitchFamily="34" charset="-122"/>
+              </a:rPr>
+              <a:t>	</a:t>
+            </a:r>
+          </a:p>
+        </p:txBody>
+      </p:sp>
+      <p:sp>
+        <p:nvSpPr>
+          <p:cNvPr id="5" name="TextBox 4">
+            <a:extLst>
+              <a:ext uri="{FF2B5EF4-FFF2-40B4-BE49-F238E27FC236}">
+                <a16:creationId xmlns:a16="http://schemas.microsoft.com/office/drawing/2014/main" id="{4AD34F77-EB74-4FBE-9BF1-C2F0F5AAA337}"/>
+              </a:ext>
+            </a:extLst>
+          </p:cNvPr>
+          <p:cNvSpPr txBox="1"/>
+          <p:nvPr/>
+        </p:nvSpPr>
+        <p:spPr>
+          <a:xfrm>
+            <a:off x="35496" y="908720"/>
             <a:ext cx="9096385" cy="3416320"/>
           </a:xfrm>
           <a:prstGeom prst="rect">
@@ -17718,7 +18078,7 @@
 </p:sld>
 </file>
 
-<file path=ppt/slides/slide33.xml><?xml version="1.0" encoding="utf-8"?>
+<file path=ppt/slides/slide34.xml><?xml version="1.0" encoding="utf-8"?>
 <p:sld xmlns:a="http://schemas.openxmlformats.org/drawingml/2006/main" xmlns:r="http://schemas.openxmlformats.org/officeDocument/2006/relationships" xmlns:p="http://schemas.openxmlformats.org/presentationml/2006/main">
   <p:cSld>
     <p:spTree>
@@ -18379,7 +18739,7 @@
 </p:sld>
 </file>
 
-<file path=ppt/slides/slide34.xml><?xml version="1.0" encoding="utf-8"?>
+<file path=ppt/slides/slide35.xml><?xml version="1.0" encoding="utf-8"?>
 <p:sld xmlns:a="http://schemas.openxmlformats.org/drawingml/2006/main" xmlns:r="http://schemas.openxmlformats.org/officeDocument/2006/relationships" xmlns:p="http://schemas.openxmlformats.org/presentationml/2006/main">
   <p:cSld>
     <p:spTree>
@@ -18471,7 +18831,7 @@
 </p:sld>
 </file>
 
-<file path=ppt/slides/slide35.xml><?xml version="1.0" encoding="utf-8"?>
+<file path=ppt/slides/slide36.xml><?xml version="1.0" encoding="utf-8"?>
 <p:sld xmlns:a="http://schemas.openxmlformats.org/drawingml/2006/main" xmlns:r="http://schemas.openxmlformats.org/officeDocument/2006/relationships" xmlns:p="http://schemas.openxmlformats.org/presentationml/2006/main">
   <p:cSld>
     <p:spTree>
@@ -18982,7 +19342,7 @@
 </p:sld>
 </file>
 
-<file path=ppt/slides/slide36.xml><?xml version="1.0" encoding="utf-8"?>
+<file path=ppt/slides/slide37.xml><?xml version="1.0" encoding="utf-8"?>
 <p:sld xmlns:a="http://schemas.openxmlformats.org/drawingml/2006/main" xmlns:r="http://schemas.openxmlformats.org/officeDocument/2006/relationships" xmlns:p="http://schemas.openxmlformats.org/presentationml/2006/main">
   <p:cSld>
     <p:spTree>
@@ -19017,8 +19377,8 @@
         </p:nvSpPr>
         <p:spPr>
           <a:xfrm>
-            <a:off x="539552" y="5398813"/>
-            <a:ext cx="7847012" cy="1079624"/>
+            <a:off x="684213" y="2133600"/>
+            <a:ext cx="7847012" cy="2159000"/>
           </a:xfrm>
         </p:spPr>
         <p:txBody>
@@ -19035,13 +19395,34 @@
               </a:rPr>
             </a:br>
             <a:r>
-              <a:rPr lang="en-US" altLang="zh-CN" sz="6600" dirty="0">
-                <a:solidFill>
-                  <a:schemeClr val="bg1"/>
-                </a:solidFill>
-                <a:ea typeface="微软雅黑" panose="020B0503020204020204" pitchFamily="34" charset="-122"/>
-              </a:rPr>
-              <a:t>Q &amp; A</a:t>
+              <a:rPr lang="zh-CN" altLang="en-US" sz="7200" dirty="0">
+                <a:solidFill>
+                  <a:schemeClr val="bg1"/>
+                </a:solidFill>
+                <a:latin typeface="微软雅黑" pitchFamily="34" charset="-122"/>
+                <a:ea typeface="微软雅黑" pitchFamily="34" charset="-122"/>
+              </a:rPr>
+              <a:t>公司内各种缓存与</a:t>
+            </a:r>
+            <a:r>
+              <a:rPr lang="en-US" altLang="zh-CN" sz="7200" dirty="0">
+                <a:solidFill>
+                  <a:schemeClr val="bg1"/>
+                </a:solidFill>
+                <a:latin typeface="微软雅黑" pitchFamily="34" charset="-122"/>
+                <a:ea typeface="微软雅黑" pitchFamily="34" charset="-122"/>
+              </a:rPr>
+              <a:t>DB</a:t>
+            </a:r>
+            <a:r>
+              <a:rPr lang="zh-CN" altLang="en-US" sz="7200" dirty="0">
+                <a:solidFill>
+                  <a:schemeClr val="bg1"/>
+                </a:solidFill>
+                <a:latin typeface="微软雅黑" pitchFamily="34" charset="-122"/>
+                <a:ea typeface="微软雅黑" pitchFamily="34" charset="-122"/>
+              </a:rPr>
+              <a:t>比较</a:t>
             </a:r>
             <a:br>
               <a:rPr lang="zh-CN" altLang="en-US" sz="7200" dirty="0">
@@ -19060,46 +19441,224 @@
           </a:p>
         </p:txBody>
       </p:sp>
-      <p:pic>
-        <p:nvPicPr>
-          <p:cNvPr id="3" name="Picture 2">
+    </p:spTree>
+    <p:extLst>
+      <p:ext uri="{BB962C8B-B14F-4D97-AF65-F5344CB8AC3E}">
+        <p14:creationId xmlns:p14="http://schemas.microsoft.com/office/powerpoint/2010/main" val="1484324073"/>
+      </p:ext>
+    </p:extLst>
+  </p:cSld>
+  <p:clrMapOvr>
+    <a:masterClrMapping/>
+  </p:clrMapOvr>
+</p:sld>
+</file>
+
+<file path=ppt/slides/slide38.xml><?xml version="1.0" encoding="utf-8"?>
+<p:sld xmlns:a="http://schemas.openxmlformats.org/drawingml/2006/main" xmlns:r="http://schemas.openxmlformats.org/officeDocument/2006/relationships" xmlns:p="http://schemas.openxmlformats.org/presentationml/2006/main">
+  <p:cSld>
+    <p:spTree>
+      <p:nvGrpSpPr>
+        <p:cNvPr id="1" name=""/>
+        <p:cNvGrpSpPr/>
+        <p:nvPr/>
+      </p:nvGrpSpPr>
+      <p:grpSpPr>
+        <a:xfrm>
+          <a:off x="0" y="0"/>
+          <a:ext cx="0" cy="0"/>
+          <a:chOff x="0" y="0"/>
+          <a:chExt cx="0" cy="0"/>
+        </a:xfrm>
+      </p:grpSpPr>
+      <p:sp>
+        <p:nvSpPr>
+          <p:cNvPr id="5122" name="Rectangle 2">
             <a:extLst>
               <a:ext uri="{FF2B5EF4-FFF2-40B4-BE49-F238E27FC236}">
-                <a16:creationId xmlns:a16="http://schemas.microsoft.com/office/drawing/2014/main" id="{04876553-B519-4967-8AFE-57E5812C4F86}"/>
+                <a16:creationId xmlns:a16="http://schemas.microsoft.com/office/drawing/2014/main" id="{DA0A6638-A01B-4ADE-AF93-1C7B857D9914}"/>
               </a:ext>
             </a:extLst>
           </p:cNvPr>
-          <p:cNvPicPr>
-            <a:picLocks noChangeAspect="1"/>
-          </p:cNvPicPr>
-          <p:nvPr/>
-        </p:nvPicPr>
-        <p:blipFill>
-          <a:blip r:embed="rId2">
-            <a:extLst>
-              <a:ext uri="{28A0092B-C50C-407E-A947-70E740481C1C}">
-                <a14:useLocalDpi xmlns:a14="http://schemas.microsoft.com/office/drawing/2010/main" val="0"/>
-              </a:ext>
-            </a:extLst>
-          </a:blip>
-          <a:stretch>
-            <a:fillRect/>
-          </a:stretch>
-        </p:blipFill>
+          <p:cNvSpPr>
+            <a:spLocks noGrp="1" noChangeArrowheads="1"/>
+          </p:cNvSpPr>
+          <p:nvPr>
+            <p:ph type="ctrTitle"/>
+          </p:nvPr>
+        </p:nvSpPr>
         <p:spPr>
           <a:xfrm>
-            <a:off x="1367644" y="116632"/>
-            <a:ext cx="6408712" cy="5282181"/>
+            <a:off x="684213" y="2133600"/>
+            <a:ext cx="7847012" cy="2159000"/>
           </a:xfrm>
-          <a:prstGeom prst="rect">
-            <a:avLst/>
-          </a:prstGeom>
         </p:spPr>
-      </p:pic>
+        <p:txBody>
+          <a:bodyPr/>
+          <a:lstStyle/>
+          <a:p>
+            <a:pPr eaLnBrk="1" hangingPunct="1"/>
+            <a:br>
+              <a:rPr lang="en-US" altLang="zh-CN" sz="8000" dirty="0">
+                <a:solidFill>
+                  <a:schemeClr val="bg1"/>
+                </a:solidFill>
+                <a:ea typeface="微软雅黑" panose="020B0503020204020204" pitchFamily="34" charset="-122"/>
+              </a:rPr>
+            </a:br>
+            <a:r>
+              <a:rPr lang="en-US" altLang="zh-CN" sz="7200" dirty="0">
+                <a:solidFill>
+                  <a:schemeClr val="bg1"/>
+                </a:solidFill>
+                <a:latin typeface="微软雅黑" pitchFamily="34" charset="-122"/>
+                <a:ea typeface="微软雅黑" pitchFamily="34" charset="-122"/>
+              </a:rPr>
+              <a:t>Redis</a:t>
+            </a:r>
+            <a:r>
+              <a:rPr lang="zh-CN" altLang="en-US" sz="7200" dirty="0">
+                <a:solidFill>
+                  <a:schemeClr val="bg1"/>
+                </a:solidFill>
+                <a:latin typeface="微软雅黑" pitchFamily="34" charset="-122"/>
+                <a:ea typeface="微软雅黑" pitchFamily="34" charset="-122"/>
+              </a:rPr>
+              <a:t>应用于</a:t>
+            </a:r>
+            <a:r>
+              <a:rPr lang="en-US" altLang="zh-CN" sz="7200" dirty="0">
+                <a:solidFill>
+                  <a:schemeClr val="bg1"/>
+                </a:solidFill>
+                <a:latin typeface="微软雅黑" pitchFamily="34" charset="-122"/>
+                <a:ea typeface="微软雅黑" pitchFamily="34" charset="-122"/>
+              </a:rPr>
+              <a:t>DSH</a:t>
+            </a:r>
+            <a:r>
+              <a:rPr lang="zh-CN" altLang="en-US" sz="7200" dirty="0">
+                <a:solidFill>
+                  <a:schemeClr val="bg1"/>
+                </a:solidFill>
+                <a:latin typeface="微软雅黑" pitchFamily="34" charset="-122"/>
+                <a:ea typeface="微软雅黑" pitchFamily="34" charset="-122"/>
+              </a:rPr>
+              <a:t>项目的探索</a:t>
+            </a:r>
+            <a:br>
+              <a:rPr lang="zh-CN" altLang="en-US" sz="7200" dirty="0">
+                <a:solidFill>
+                  <a:schemeClr val="bg1"/>
+                </a:solidFill>
+                <a:ea typeface="微软雅黑" panose="020B0503020204020204" pitchFamily="34" charset="-122"/>
+              </a:rPr>
+            </a:br>
+            <a:endParaRPr lang="zh-CN" altLang="en-US" sz="7200" dirty="0">
+              <a:solidFill>
+                <a:schemeClr val="bg1"/>
+              </a:solidFill>
+              <a:ea typeface="微软雅黑" panose="020B0503020204020204" pitchFamily="34" charset="-122"/>
+            </a:endParaRPr>
+          </a:p>
+        </p:txBody>
+      </p:sp>
     </p:spTree>
     <p:extLst>
       <p:ext uri="{BB962C8B-B14F-4D97-AF65-F5344CB8AC3E}">
-        <p14:creationId xmlns:p14="http://schemas.microsoft.com/office/powerpoint/2010/main" val="1068010669"/>
+        <p14:creationId xmlns:p14="http://schemas.microsoft.com/office/powerpoint/2010/main" val="2400932376"/>
+      </p:ext>
+    </p:extLst>
+  </p:cSld>
+  <p:clrMapOvr>
+    <a:masterClrMapping/>
+  </p:clrMapOvr>
+</p:sld>
+</file>
+
+<file path=ppt/slides/slide39.xml><?xml version="1.0" encoding="utf-8"?>
+<p:sld xmlns:a="http://schemas.openxmlformats.org/drawingml/2006/main" xmlns:r="http://schemas.openxmlformats.org/officeDocument/2006/relationships" xmlns:p="http://schemas.openxmlformats.org/presentationml/2006/main">
+  <p:cSld>
+    <p:spTree>
+      <p:nvGrpSpPr>
+        <p:cNvPr id="1" name=""/>
+        <p:cNvGrpSpPr/>
+        <p:nvPr/>
+      </p:nvGrpSpPr>
+      <p:grpSpPr>
+        <a:xfrm>
+          <a:off x="0" y="0"/>
+          <a:ext cx="0" cy="0"/>
+          <a:chOff x="0" y="0"/>
+          <a:chExt cx="0" cy="0"/>
+        </a:xfrm>
+      </p:grpSpPr>
+      <p:sp>
+        <p:nvSpPr>
+          <p:cNvPr id="5122" name="Rectangle 2">
+            <a:extLst>
+              <a:ext uri="{FF2B5EF4-FFF2-40B4-BE49-F238E27FC236}">
+                <a16:creationId xmlns:a16="http://schemas.microsoft.com/office/drawing/2014/main" id="{DA0A6638-A01B-4ADE-AF93-1C7B857D9914}"/>
+              </a:ext>
+            </a:extLst>
+          </p:cNvPr>
+          <p:cNvSpPr>
+            <a:spLocks noGrp="1" noChangeArrowheads="1"/>
+          </p:cNvSpPr>
+          <p:nvPr>
+            <p:ph type="ctrTitle"/>
+          </p:nvPr>
+        </p:nvSpPr>
+        <p:spPr>
+          <a:xfrm>
+            <a:off x="684213" y="2133600"/>
+            <a:ext cx="7847012" cy="2159000"/>
+          </a:xfrm>
+        </p:spPr>
+        <p:txBody>
+          <a:bodyPr/>
+          <a:lstStyle/>
+          <a:p>
+            <a:pPr eaLnBrk="1" hangingPunct="1"/>
+            <a:br>
+              <a:rPr lang="en-US" altLang="zh-CN" sz="8000" dirty="0">
+                <a:solidFill>
+                  <a:schemeClr val="bg1"/>
+                </a:solidFill>
+                <a:ea typeface="微软雅黑" panose="020B0503020204020204" pitchFamily="34" charset="-122"/>
+              </a:rPr>
+            </a:br>
+            <a:r>
+              <a:rPr lang="zh-CN" altLang="en-US" sz="7200">
+                <a:solidFill>
+                  <a:schemeClr val="bg1"/>
+                </a:solidFill>
+                <a:latin typeface="微软雅黑" pitchFamily="34" charset="-122"/>
+                <a:ea typeface="微软雅黑" pitchFamily="34" charset="-122"/>
+              </a:rPr>
+              <a:t>常见中间件的性能量级</a:t>
+            </a:r>
+            <a:br>
+              <a:rPr lang="zh-CN" altLang="en-US" sz="7200" dirty="0">
+                <a:solidFill>
+                  <a:schemeClr val="bg1"/>
+                </a:solidFill>
+                <a:ea typeface="微软雅黑" panose="020B0503020204020204" pitchFamily="34" charset="-122"/>
+              </a:rPr>
+            </a:br>
+            <a:endParaRPr lang="zh-CN" altLang="en-US" sz="7200" dirty="0">
+              <a:solidFill>
+                <a:schemeClr val="bg1"/>
+              </a:solidFill>
+              <a:ea typeface="微软雅黑" panose="020B0503020204020204" pitchFamily="34" charset="-122"/>
+            </a:endParaRPr>
+          </a:p>
+        </p:txBody>
+      </p:sp>
+    </p:spTree>
+    <p:extLst>
+      <p:ext uri="{BB962C8B-B14F-4D97-AF65-F5344CB8AC3E}">
+        <p14:creationId xmlns:p14="http://schemas.microsoft.com/office/powerpoint/2010/main" val="1993632012"/>
       </p:ext>
     </p:extLst>
   </p:cSld>
@@ -19425,6 +19984,133 @@
     <p:extLst>
       <p:ext uri="{BB962C8B-B14F-4D97-AF65-F5344CB8AC3E}">
         <p14:creationId xmlns:p14="http://schemas.microsoft.com/office/powerpoint/2010/main" val="3100807151"/>
+      </p:ext>
+    </p:extLst>
+  </p:cSld>
+  <p:clrMapOvr>
+    <a:masterClrMapping/>
+  </p:clrMapOvr>
+</p:sld>
+</file>
+
+<file path=ppt/slides/slide40.xml><?xml version="1.0" encoding="utf-8"?>
+<p:sld xmlns:a="http://schemas.openxmlformats.org/drawingml/2006/main" xmlns:r="http://schemas.openxmlformats.org/officeDocument/2006/relationships" xmlns:p="http://schemas.openxmlformats.org/presentationml/2006/main">
+  <p:cSld>
+    <p:spTree>
+      <p:nvGrpSpPr>
+        <p:cNvPr id="1" name=""/>
+        <p:cNvGrpSpPr/>
+        <p:nvPr/>
+      </p:nvGrpSpPr>
+      <p:grpSpPr>
+        <a:xfrm>
+          <a:off x="0" y="0"/>
+          <a:ext cx="0" cy="0"/>
+          <a:chOff x="0" y="0"/>
+          <a:chExt cx="0" cy="0"/>
+        </a:xfrm>
+      </p:grpSpPr>
+      <p:sp>
+        <p:nvSpPr>
+          <p:cNvPr id="5122" name="Rectangle 2">
+            <a:extLst>
+              <a:ext uri="{FF2B5EF4-FFF2-40B4-BE49-F238E27FC236}">
+                <a16:creationId xmlns:a16="http://schemas.microsoft.com/office/drawing/2014/main" id="{DA0A6638-A01B-4ADE-AF93-1C7B857D9914}"/>
+              </a:ext>
+            </a:extLst>
+          </p:cNvPr>
+          <p:cNvSpPr>
+            <a:spLocks noGrp="1" noChangeArrowheads="1"/>
+          </p:cNvSpPr>
+          <p:nvPr>
+            <p:ph type="ctrTitle"/>
+          </p:nvPr>
+        </p:nvSpPr>
+        <p:spPr>
+          <a:xfrm>
+            <a:off x="539552" y="5398813"/>
+            <a:ext cx="7847012" cy="1079624"/>
+          </a:xfrm>
+        </p:spPr>
+        <p:txBody>
+          <a:bodyPr/>
+          <a:lstStyle/>
+          <a:p>
+            <a:pPr eaLnBrk="1" hangingPunct="1"/>
+            <a:br>
+              <a:rPr lang="en-US" altLang="zh-CN" sz="8000" dirty="0">
+                <a:solidFill>
+                  <a:schemeClr val="bg1"/>
+                </a:solidFill>
+                <a:ea typeface="微软雅黑" panose="020B0503020204020204" pitchFamily="34" charset="-122"/>
+              </a:rPr>
+            </a:br>
+            <a:r>
+              <a:rPr lang="en-US" altLang="zh-CN" sz="6600" dirty="0">
+                <a:solidFill>
+                  <a:schemeClr val="bg1"/>
+                </a:solidFill>
+                <a:ea typeface="微软雅黑" panose="020B0503020204020204" pitchFamily="34" charset="-122"/>
+              </a:rPr>
+              <a:t>Q &amp; A</a:t>
+            </a:r>
+            <a:br>
+              <a:rPr lang="zh-CN" altLang="en-US" sz="7200" dirty="0">
+                <a:solidFill>
+                  <a:schemeClr val="bg1"/>
+                </a:solidFill>
+                <a:ea typeface="微软雅黑" panose="020B0503020204020204" pitchFamily="34" charset="-122"/>
+              </a:rPr>
+            </a:br>
+            <a:endParaRPr lang="zh-CN" altLang="en-US" sz="7200" dirty="0">
+              <a:solidFill>
+                <a:schemeClr val="bg1"/>
+              </a:solidFill>
+              <a:ea typeface="微软雅黑" panose="020B0503020204020204" pitchFamily="34" charset="-122"/>
+            </a:endParaRPr>
+          </a:p>
+        </p:txBody>
+      </p:sp>
+      <p:pic>
+        <p:nvPicPr>
+          <p:cNvPr id="3" name="Picture 2">
+            <a:extLst>
+              <a:ext uri="{FF2B5EF4-FFF2-40B4-BE49-F238E27FC236}">
+                <a16:creationId xmlns:a16="http://schemas.microsoft.com/office/drawing/2014/main" id="{04876553-B519-4967-8AFE-57E5812C4F86}"/>
+              </a:ext>
+            </a:extLst>
+          </p:cNvPr>
+          <p:cNvPicPr>
+            <a:picLocks noChangeAspect="1"/>
+          </p:cNvPicPr>
+          <p:nvPr/>
+        </p:nvPicPr>
+        <p:blipFill>
+          <a:blip r:embed="rId2">
+            <a:extLst>
+              <a:ext uri="{28A0092B-C50C-407E-A947-70E740481C1C}">
+                <a14:useLocalDpi xmlns:a14="http://schemas.microsoft.com/office/drawing/2010/main" val="0"/>
+              </a:ext>
+            </a:extLst>
+          </a:blip>
+          <a:stretch>
+            <a:fillRect/>
+          </a:stretch>
+        </p:blipFill>
+        <p:spPr>
+          <a:xfrm>
+            <a:off x="1367644" y="116632"/>
+            <a:ext cx="6408712" cy="5282181"/>
+          </a:xfrm>
+          <a:prstGeom prst="rect">
+            <a:avLst/>
+          </a:prstGeom>
+        </p:spPr>
+      </p:pic>
+    </p:spTree>
+    <p:extLst>
+      <p:ext uri="{BB962C8B-B14F-4D97-AF65-F5344CB8AC3E}">
+        <p14:creationId xmlns:p14="http://schemas.microsoft.com/office/powerpoint/2010/main" val="1068010669"/>
       </p:ext>
     </p:extLst>
   </p:cSld>

--- a/doc/SD_EP01_Redis_Adv_Application.pptx
+++ b/doc/SD_EP01_Redis_Adv_Application.pptx
@@ -45,7 +45,8 @@
     <p:sldId id="329" r:id="rId39"/>
     <p:sldId id="330" r:id="rId40"/>
     <p:sldId id="331" r:id="rId41"/>
-    <p:sldId id="294" r:id="rId42"/>
+    <p:sldId id="332" r:id="rId42"/>
+    <p:sldId id="294" r:id="rId43"/>
   </p:sldIdLst>
   <p:sldSz cx="9144000" cy="6858000" type="screen4x3"/>
   <p:notesSz cx="6858000" cy="9144000"/>
@@ -19629,7 +19630,7 @@
               </a:rPr>
             </a:br>
             <a:r>
-              <a:rPr lang="zh-CN" altLang="en-US" sz="7200">
+              <a:rPr lang="zh-CN" altLang="en-US" sz="7200" dirty="0">
                 <a:solidFill>
                   <a:schemeClr val="bg1"/>
                 </a:solidFill>
@@ -19994,6 +19995,504 @@
 </file>
 
 <file path=ppt/slides/slide40.xml><?xml version="1.0" encoding="utf-8"?>
+<p:sld xmlns:a="http://schemas.openxmlformats.org/drawingml/2006/main" xmlns:r="http://schemas.openxmlformats.org/officeDocument/2006/relationships" xmlns:p="http://schemas.openxmlformats.org/presentationml/2006/main">
+  <p:cSld>
+    <p:spTree>
+      <p:nvGrpSpPr>
+        <p:cNvPr id="1" name=""/>
+        <p:cNvGrpSpPr/>
+        <p:nvPr/>
+      </p:nvGrpSpPr>
+      <p:grpSpPr>
+        <a:xfrm>
+          <a:off x="0" y="0"/>
+          <a:ext cx="0" cy="0"/>
+          <a:chOff x="0" y="0"/>
+          <a:chExt cx="0" cy="0"/>
+        </a:xfrm>
+      </p:grpSpPr>
+      <p:sp>
+        <p:nvSpPr>
+          <p:cNvPr id="4098" name="TextBox 2">
+            <a:extLst>
+              <a:ext uri="{FF2B5EF4-FFF2-40B4-BE49-F238E27FC236}">
+                <a16:creationId xmlns:a16="http://schemas.microsoft.com/office/drawing/2014/main" id="{5552ED83-0001-4E47-A09B-F49C592A8E24}"/>
+              </a:ext>
+            </a:extLst>
+          </p:cNvPr>
+          <p:cNvSpPr txBox="1">
+            <a:spLocks noChangeArrowheads="1"/>
+          </p:cNvSpPr>
+          <p:nvPr/>
+        </p:nvSpPr>
+        <p:spPr bwMode="auto">
+          <a:xfrm>
+            <a:off x="12118" y="84217"/>
+            <a:ext cx="8736346" cy="1569660"/>
+          </a:xfrm>
+          <a:prstGeom prst="rect">
+            <a:avLst/>
+          </a:prstGeom>
+          <a:noFill/>
+          <a:ln>
+            <a:noFill/>
+          </a:ln>
+          <a:extLst>
+            <a:ext uri="{909E8E84-426E-40DD-AFC4-6F175D3DCCD1}">
+              <a14:hiddenFill xmlns:a14="http://schemas.microsoft.com/office/drawing/2010/main">
+                <a:solidFill>
+                  <a:srgbClr val="FFFFFF"/>
+                </a:solidFill>
+              </a14:hiddenFill>
+            </a:ext>
+            <a:ext uri="{91240B29-F687-4F45-9708-019B960494DF}">
+              <a14:hiddenLine xmlns:a14="http://schemas.microsoft.com/office/drawing/2010/main" w="9525">
+                <a:solidFill>
+                  <a:srgbClr val="000000"/>
+                </a:solidFill>
+                <a:miter lim="800000"/>
+                <a:headEnd/>
+                <a:tailEnd/>
+              </a14:hiddenLine>
+            </a:ext>
+          </a:extLst>
+        </p:spPr>
+        <p:txBody>
+          <a:bodyPr wrap="square">
+            <a:spAutoFit/>
+          </a:bodyPr>
+          <a:lstStyle>
+            <a:lvl1pPr eaLnBrk="0" hangingPunct="0">
+              <a:defRPr>
+                <a:solidFill>
+                  <a:schemeClr val="tx1"/>
+                </a:solidFill>
+                <a:latin typeface="Arial" panose="020B0604020202020204" pitchFamily="34" charset="0"/>
+                <a:ea typeface="宋体" panose="02010600030101010101" pitchFamily="2" charset="-122"/>
+              </a:defRPr>
+            </a:lvl1pPr>
+            <a:lvl2pPr marL="742950" indent="-285750" eaLnBrk="0" hangingPunct="0">
+              <a:defRPr>
+                <a:solidFill>
+                  <a:schemeClr val="tx1"/>
+                </a:solidFill>
+                <a:latin typeface="Arial" panose="020B0604020202020204" pitchFamily="34" charset="0"/>
+                <a:ea typeface="宋体" panose="02010600030101010101" pitchFamily="2" charset="-122"/>
+              </a:defRPr>
+            </a:lvl2pPr>
+            <a:lvl3pPr marL="1143000" indent="-228600" eaLnBrk="0" hangingPunct="0">
+              <a:defRPr>
+                <a:solidFill>
+                  <a:schemeClr val="tx1"/>
+                </a:solidFill>
+                <a:latin typeface="Arial" panose="020B0604020202020204" pitchFamily="34" charset="0"/>
+                <a:ea typeface="宋体" panose="02010600030101010101" pitchFamily="2" charset="-122"/>
+              </a:defRPr>
+            </a:lvl3pPr>
+            <a:lvl4pPr marL="1600200" indent="-228600" eaLnBrk="0" hangingPunct="0">
+              <a:defRPr>
+                <a:solidFill>
+                  <a:schemeClr val="tx1"/>
+                </a:solidFill>
+                <a:latin typeface="Arial" panose="020B0604020202020204" pitchFamily="34" charset="0"/>
+                <a:ea typeface="宋体" panose="02010600030101010101" pitchFamily="2" charset="-122"/>
+              </a:defRPr>
+            </a:lvl4pPr>
+            <a:lvl5pPr marL="2057400" indent="-228600" eaLnBrk="0" hangingPunct="0">
+              <a:defRPr>
+                <a:solidFill>
+                  <a:schemeClr val="tx1"/>
+                </a:solidFill>
+                <a:latin typeface="Arial" panose="020B0604020202020204" pitchFamily="34" charset="0"/>
+                <a:ea typeface="宋体" panose="02010600030101010101" pitchFamily="2" charset="-122"/>
+              </a:defRPr>
+            </a:lvl5pPr>
+            <a:lvl6pPr marL="2514600" indent="-228600" eaLnBrk="0" fontAlgn="base" hangingPunct="0">
+              <a:spcBef>
+                <a:spcPct val="0"/>
+              </a:spcBef>
+              <a:spcAft>
+                <a:spcPct val="0"/>
+              </a:spcAft>
+              <a:defRPr>
+                <a:solidFill>
+                  <a:schemeClr val="tx1"/>
+                </a:solidFill>
+                <a:latin typeface="Arial" panose="020B0604020202020204" pitchFamily="34" charset="0"/>
+                <a:ea typeface="宋体" panose="02010600030101010101" pitchFamily="2" charset="-122"/>
+              </a:defRPr>
+            </a:lvl6pPr>
+            <a:lvl7pPr marL="2971800" indent="-228600" eaLnBrk="0" fontAlgn="base" hangingPunct="0">
+              <a:spcBef>
+                <a:spcPct val="0"/>
+              </a:spcBef>
+              <a:spcAft>
+                <a:spcPct val="0"/>
+              </a:spcAft>
+              <a:defRPr>
+                <a:solidFill>
+                  <a:schemeClr val="tx1"/>
+                </a:solidFill>
+                <a:latin typeface="Arial" panose="020B0604020202020204" pitchFamily="34" charset="0"/>
+                <a:ea typeface="宋体" panose="02010600030101010101" pitchFamily="2" charset="-122"/>
+              </a:defRPr>
+            </a:lvl7pPr>
+            <a:lvl8pPr marL="3429000" indent="-228600" eaLnBrk="0" fontAlgn="base" hangingPunct="0">
+              <a:spcBef>
+                <a:spcPct val="0"/>
+              </a:spcBef>
+              <a:spcAft>
+                <a:spcPct val="0"/>
+              </a:spcAft>
+              <a:defRPr>
+                <a:solidFill>
+                  <a:schemeClr val="tx1"/>
+                </a:solidFill>
+                <a:latin typeface="Arial" panose="020B0604020202020204" pitchFamily="34" charset="0"/>
+                <a:ea typeface="宋体" panose="02010600030101010101" pitchFamily="2" charset="-122"/>
+              </a:defRPr>
+            </a:lvl8pPr>
+            <a:lvl9pPr marL="3886200" indent="-228600" eaLnBrk="0" fontAlgn="base" hangingPunct="0">
+              <a:spcBef>
+                <a:spcPct val="0"/>
+              </a:spcBef>
+              <a:spcAft>
+                <a:spcPct val="0"/>
+              </a:spcAft>
+              <a:defRPr>
+                <a:solidFill>
+                  <a:schemeClr val="tx1"/>
+                </a:solidFill>
+                <a:latin typeface="Arial" panose="020B0604020202020204" pitchFamily="34" charset="0"/>
+                <a:ea typeface="宋体" panose="02010600030101010101" pitchFamily="2" charset="-122"/>
+              </a:defRPr>
+            </a:lvl9pPr>
+          </a:lstStyle>
+          <a:p>
+            <a:pPr eaLnBrk="1" hangingPunct="1"/>
+            <a:r>
+              <a:rPr lang="zh-CN" altLang="en-US" sz="4800" dirty="0">
+                <a:solidFill>
+                  <a:schemeClr val="bg1"/>
+                </a:solidFill>
+                <a:latin typeface="微软雅黑" panose="020B0503020204020204" pitchFamily="34" charset="-122"/>
+                <a:ea typeface="微软雅黑" panose="020B0503020204020204" pitchFamily="34" charset="-122"/>
+              </a:rPr>
+              <a:t>常见中间件的性能量级</a:t>
+            </a:r>
+            <a:br>
+              <a:rPr lang="zh-CN" altLang="en-US" sz="4800" dirty="0">
+                <a:solidFill>
+                  <a:schemeClr val="bg1"/>
+                </a:solidFill>
+                <a:latin typeface="微软雅黑" panose="020B0503020204020204" pitchFamily="34" charset="-122"/>
+                <a:ea typeface="微软雅黑" panose="020B0503020204020204" pitchFamily="34" charset="-122"/>
+              </a:rPr>
+            </a:br>
+            <a:endParaRPr lang="zh-CN" altLang="en-US" sz="4800" dirty="0">
+              <a:solidFill>
+                <a:schemeClr val="bg1"/>
+              </a:solidFill>
+              <a:latin typeface="微软雅黑" panose="020B0503020204020204" pitchFamily="34" charset="-122"/>
+              <a:ea typeface="微软雅黑" panose="020B0503020204020204" pitchFamily="34" charset="-122"/>
+            </a:endParaRPr>
+          </a:p>
+        </p:txBody>
+      </p:sp>
+      <p:sp>
+        <p:nvSpPr>
+          <p:cNvPr id="10" name="TextBox 9">
+            <a:extLst>
+              <a:ext uri="{FF2B5EF4-FFF2-40B4-BE49-F238E27FC236}">
+                <a16:creationId xmlns:a16="http://schemas.microsoft.com/office/drawing/2014/main" id="{6C65DFA7-0E5F-49E5-88D4-5AD68B41A2B2}"/>
+              </a:ext>
+            </a:extLst>
+          </p:cNvPr>
+          <p:cNvSpPr txBox="1"/>
+          <p:nvPr/>
+        </p:nvSpPr>
+        <p:spPr>
+          <a:xfrm>
+            <a:off x="35496" y="908720"/>
+            <a:ext cx="9096385" cy="646331"/>
+          </a:xfrm>
+          <a:prstGeom prst="rect">
+            <a:avLst/>
+          </a:prstGeom>
+          <a:noFill/>
+        </p:spPr>
+        <p:txBody>
+          <a:bodyPr wrap="square">
+            <a:spAutoFit/>
+          </a:bodyPr>
+          <a:lstStyle/>
+          <a:p>
+            <a:pPr>
+              <a:defRPr/>
+            </a:pPr>
+            <a:r>
+              <a:rPr lang="en-US" altLang="zh-CN" sz="3600" dirty="0">
+                <a:solidFill>
+                  <a:schemeClr val="bg1"/>
+                </a:solidFill>
+                <a:latin typeface="微软雅黑" pitchFamily="34" charset="-122"/>
+                <a:ea typeface="微软雅黑" pitchFamily="34" charset="-122"/>
+              </a:rPr>
+              <a:t>	</a:t>
+            </a:r>
+          </a:p>
+        </p:txBody>
+      </p:sp>
+      <p:sp>
+        <p:nvSpPr>
+          <p:cNvPr id="5" name="TextBox 4">
+            <a:extLst>
+              <a:ext uri="{FF2B5EF4-FFF2-40B4-BE49-F238E27FC236}">
+                <a16:creationId xmlns:a16="http://schemas.microsoft.com/office/drawing/2014/main" id="{4AD34F77-EB74-4FBE-9BF1-C2F0F5AAA337}"/>
+              </a:ext>
+            </a:extLst>
+          </p:cNvPr>
+          <p:cNvSpPr txBox="1"/>
+          <p:nvPr/>
+        </p:nvSpPr>
+        <p:spPr>
+          <a:xfrm>
+            <a:off x="35496" y="908720"/>
+            <a:ext cx="9096385" cy="2308324"/>
+          </a:xfrm>
+          <a:prstGeom prst="rect">
+            <a:avLst/>
+          </a:prstGeom>
+          <a:noFill/>
+        </p:spPr>
+        <p:txBody>
+          <a:bodyPr wrap="square">
+            <a:spAutoFit/>
+          </a:bodyPr>
+          <a:lstStyle/>
+          <a:p>
+            <a:pPr>
+              <a:defRPr/>
+            </a:pPr>
+            <a:r>
+              <a:rPr lang="en-US" altLang="zh-CN" sz="3600" dirty="0">
+                <a:solidFill>
+                  <a:schemeClr val="bg1"/>
+                </a:solidFill>
+                <a:latin typeface="微软雅黑" pitchFamily="34" charset="-122"/>
+                <a:ea typeface="微软雅黑" pitchFamily="34" charset="-122"/>
+              </a:rPr>
+              <a:t>1.Redis</a:t>
+            </a:r>
+            <a:r>
+              <a:rPr lang="zh-CN" altLang="en-US" sz="3600" dirty="0">
+                <a:solidFill>
+                  <a:schemeClr val="bg1"/>
+                </a:solidFill>
+                <a:latin typeface="微软雅黑" pitchFamily="34" charset="-122"/>
+                <a:ea typeface="微软雅黑" pitchFamily="34" charset="-122"/>
+              </a:rPr>
+              <a:t>：读</a:t>
+            </a:r>
+            <a:r>
+              <a:rPr lang="en-US" altLang="zh-CN" sz="3600" dirty="0">
+                <a:solidFill>
+                  <a:schemeClr val="bg1"/>
+                </a:solidFill>
+                <a:latin typeface="微软雅黑" pitchFamily="34" charset="-122"/>
+                <a:ea typeface="微软雅黑" pitchFamily="34" charset="-122"/>
+              </a:rPr>
+              <a:t>100k/s,</a:t>
+            </a:r>
+            <a:r>
+              <a:rPr lang="zh-CN" altLang="en-US" sz="3600" dirty="0">
+                <a:solidFill>
+                  <a:schemeClr val="bg1"/>
+                </a:solidFill>
+                <a:latin typeface="微软雅黑" pitchFamily="34" charset="-122"/>
+                <a:ea typeface="微软雅黑" pitchFamily="34" charset="-122"/>
+              </a:rPr>
+              <a:t> 写</a:t>
+            </a:r>
+            <a:r>
+              <a:rPr lang="en-US" altLang="zh-CN" sz="3600" dirty="0">
+                <a:solidFill>
+                  <a:schemeClr val="bg1"/>
+                </a:solidFill>
+                <a:latin typeface="微软雅黑" pitchFamily="34" charset="-122"/>
+                <a:ea typeface="微软雅黑" pitchFamily="34" charset="-122"/>
+              </a:rPr>
+              <a:t>100k/s</a:t>
+            </a:r>
+          </a:p>
+          <a:p>
+            <a:pPr>
+              <a:defRPr/>
+            </a:pPr>
+            <a:r>
+              <a:rPr lang="en-US" altLang="zh-CN" sz="3600" dirty="0">
+                <a:solidFill>
+                  <a:schemeClr val="bg1"/>
+                </a:solidFill>
+                <a:latin typeface="微软雅黑" pitchFamily="34" charset="-122"/>
+                <a:ea typeface="微软雅黑" pitchFamily="34" charset="-122"/>
+              </a:rPr>
+              <a:t>2.MySQL: </a:t>
+            </a:r>
+            <a:r>
+              <a:rPr lang="zh-CN" altLang="en-US" sz="3600" dirty="0">
+                <a:solidFill>
+                  <a:schemeClr val="bg1"/>
+                </a:solidFill>
+                <a:latin typeface="微软雅黑" pitchFamily="34" charset="-122"/>
+                <a:ea typeface="微软雅黑" pitchFamily="34" charset="-122"/>
+              </a:rPr>
+              <a:t>读</a:t>
+            </a:r>
+            <a:r>
+              <a:rPr lang="en-US" altLang="zh-CN" sz="3600" dirty="0">
+                <a:solidFill>
+                  <a:schemeClr val="bg1"/>
+                </a:solidFill>
+                <a:latin typeface="微软雅黑" pitchFamily="34" charset="-122"/>
+                <a:ea typeface="微软雅黑" pitchFamily="34" charset="-122"/>
+              </a:rPr>
+              <a:t>1k/s, </a:t>
+            </a:r>
+            <a:r>
+              <a:rPr lang="zh-CN" altLang="en-US" sz="3600" dirty="0">
+                <a:solidFill>
+                  <a:schemeClr val="bg1"/>
+                </a:solidFill>
+                <a:latin typeface="微软雅黑" pitchFamily="34" charset="-122"/>
+                <a:ea typeface="微软雅黑" pitchFamily="34" charset="-122"/>
+              </a:rPr>
+              <a:t>写</a:t>
+            </a:r>
+            <a:r>
+              <a:rPr lang="en-US" altLang="zh-CN" sz="3600" dirty="0">
+                <a:solidFill>
+                  <a:schemeClr val="bg1"/>
+                </a:solidFill>
+                <a:latin typeface="微软雅黑" pitchFamily="34" charset="-122"/>
+                <a:ea typeface="微软雅黑" pitchFamily="34" charset="-122"/>
+              </a:rPr>
+              <a:t>700/s</a:t>
+            </a:r>
+          </a:p>
+          <a:p>
+            <a:pPr>
+              <a:defRPr/>
+            </a:pPr>
+            <a:r>
+              <a:rPr lang="en-US" altLang="zh-CN" sz="3600" dirty="0">
+                <a:solidFill>
+                  <a:schemeClr val="bg1"/>
+                </a:solidFill>
+                <a:latin typeface="微软雅黑" pitchFamily="34" charset="-122"/>
+                <a:ea typeface="微软雅黑" pitchFamily="34" charset="-122"/>
+              </a:rPr>
+              <a:t>3.MongoDB: </a:t>
+            </a:r>
+            <a:r>
+              <a:rPr lang="zh-CN" altLang="en-US" sz="3600" dirty="0">
+                <a:solidFill>
+                  <a:schemeClr val="bg1"/>
+                </a:solidFill>
+                <a:latin typeface="微软雅黑" pitchFamily="34" charset="-122"/>
+                <a:ea typeface="微软雅黑" pitchFamily="34" charset="-122"/>
+              </a:rPr>
+              <a:t>读</a:t>
+            </a:r>
+            <a:r>
+              <a:rPr lang="en-US" altLang="zh-CN" sz="3600" dirty="0">
+                <a:solidFill>
+                  <a:schemeClr val="bg1"/>
+                </a:solidFill>
+                <a:latin typeface="微软雅黑" pitchFamily="34" charset="-122"/>
+                <a:ea typeface="微软雅黑" pitchFamily="34" charset="-122"/>
+              </a:rPr>
+              <a:t>40k/s, </a:t>
+            </a:r>
+            <a:r>
+              <a:rPr lang="zh-CN" altLang="en-US" sz="3600" dirty="0">
+                <a:solidFill>
+                  <a:schemeClr val="bg1"/>
+                </a:solidFill>
+                <a:latin typeface="微软雅黑" pitchFamily="34" charset="-122"/>
+                <a:ea typeface="微软雅黑" pitchFamily="34" charset="-122"/>
+              </a:rPr>
+              <a:t>写</a:t>
+            </a:r>
+            <a:r>
+              <a:rPr lang="en-US" altLang="zh-CN" sz="3600" dirty="0">
+                <a:solidFill>
+                  <a:schemeClr val="bg1"/>
+                </a:solidFill>
+                <a:latin typeface="微软雅黑" pitchFamily="34" charset="-122"/>
+                <a:ea typeface="微软雅黑" pitchFamily="34" charset="-122"/>
+              </a:rPr>
+              <a:t>5k/s</a:t>
+            </a:r>
+          </a:p>
+          <a:p>
+            <a:pPr>
+              <a:defRPr/>
+            </a:pPr>
+            <a:r>
+              <a:rPr lang="en-US" altLang="zh-CN" sz="3600" dirty="0">
+                <a:solidFill>
+                  <a:schemeClr val="bg1"/>
+                </a:solidFill>
+                <a:latin typeface="微软雅黑" pitchFamily="34" charset="-122"/>
+                <a:ea typeface="微软雅黑" pitchFamily="34" charset="-122"/>
+              </a:rPr>
+              <a:t>4.Kafka: </a:t>
+            </a:r>
+            <a:r>
+              <a:rPr lang="zh-CN" altLang="en-US" sz="3600" dirty="0">
+                <a:solidFill>
+                  <a:schemeClr val="bg1"/>
+                </a:solidFill>
+                <a:latin typeface="微软雅黑" pitchFamily="34" charset="-122"/>
+                <a:ea typeface="微软雅黑" pitchFamily="34" charset="-122"/>
+              </a:rPr>
+              <a:t>吞吐量</a:t>
+            </a:r>
+            <a:r>
+              <a:rPr lang="en-US" altLang="zh-CN" sz="3600">
+                <a:solidFill>
+                  <a:schemeClr val="bg1"/>
+                </a:solidFill>
+                <a:latin typeface="微软雅黑" pitchFamily="34" charset="-122"/>
+                <a:ea typeface="微软雅黑" pitchFamily="34" charset="-122"/>
+              </a:rPr>
+              <a:t>200k/s</a:t>
+            </a:r>
+            <a:endParaRPr lang="en-US" altLang="zh-CN" sz="3600" dirty="0">
+              <a:solidFill>
+                <a:schemeClr val="bg1"/>
+              </a:solidFill>
+              <a:latin typeface="微软雅黑" pitchFamily="34" charset="-122"/>
+              <a:ea typeface="微软雅黑" pitchFamily="34" charset="-122"/>
+            </a:endParaRPr>
+          </a:p>
+        </p:txBody>
+      </p:sp>
+    </p:spTree>
+    <p:extLst>
+      <p:ext uri="{BB962C8B-B14F-4D97-AF65-F5344CB8AC3E}">
+        <p14:creationId xmlns:p14="http://schemas.microsoft.com/office/powerpoint/2010/main" val="224011506"/>
+      </p:ext>
+    </p:extLst>
+  </p:cSld>
+  <p:clrMapOvr>
+    <a:masterClrMapping/>
+  </p:clrMapOvr>
+</p:sld>
+</file>
+
+<file path=ppt/slides/slide41.xml><?xml version="1.0" encoding="utf-8"?>
 <p:sld xmlns:a="http://schemas.openxmlformats.org/drawingml/2006/main" xmlns:r="http://schemas.openxmlformats.org/officeDocument/2006/relationships" xmlns:p="http://schemas.openxmlformats.org/presentationml/2006/main">
   <p:cSld>
     <p:spTree>
